--- a/ComputerVision/Class 08 SIFT RANSAC/CV #8 RANSAC - Aakash.pptx
+++ b/ComputerVision/Class 08 SIFT RANSAC/CV #8 RANSAC - Aakash.pptx
@@ -5,10 +5,17 @@
     <p:sldMasterId id="2147483648" r:id="rId1"/>
   </p:sldMasterIdLst>
   <p:notesMasterIdLst>
-    <p:notesMasterId r:id="rId3"/>
+    <p:notesMasterId r:id="rId10"/>
   </p:notesMasterIdLst>
   <p:sldIdLst>
     <p:sldId id="318" r:id="rId2"/>
+    <p:sldId id="319" r:id="rId3"/>
+    <p:sldId id="320" r:id="rId4"/>
+    <p:sldId id="321" r:id="rId5"/>
+    <p:sldId id="322" r:id="rId6"/>
+    <p:sldId id="323" r:id="rId7"/>
+    <p:sldId id="324" r:id="rId8"/>
+    <p:sldId id="325" r:id="rId9"/>
   </p:sldIdLst>
   <p:sldSz cx="12192000" cy="6858000"/>
   <p:notesSz cx="6858000" cy="9144000"/>
@@ -250,6 +257,763 @@
     </p:ext>
   </p:extLst>
 </p:presentation>
+</file>
+
+<file path=ppt/ink/ink1.xml><?xml version="1.0" encoding="utf-8"?>
+<inkml:ink xmlns:inkml="http://www.w3.org/2003/InkML">
+  <inkml:definitions>
+    <inkml:context xml:id="ctx0">
+      <inkml:inkSource xml:id="inkSrc0">
+        <inkml:traceFormat>
+          <inkml:channel name="X" type="integer" min="-2.14748E9" max="2.14748E9" units="cm"/>
+          <inkml:channel name="Y" type="integer" min="-2.14748E9" max="2.14748E9" units="cm"/>
+          <inkml:channel name="F" type="integer" max="32767" units="dev"/>
+        </inkml:traceFormat>
+        <inkml:channelProperties>
+          <inkml:channelProperty channel="X" name="resolution" value="1000" units="1/cm"/>
+          <inkml:channelProperty channel="Y" name="resolution" value="1000" units="1/cm"/>
+          <inkml:channelProperty channel="F" name="resolution" value="0" units="1/dev"/>
+        </inkml:channelProperties>
+      </inkml:inkSource>
+      <inkml:timestamp xml:id="ts0" timeString="2025-06-23T15:05:55.287"/>
+    </inkml:context>
+    <inkml:brush xml:id="br0">
+      <inkml:brushProperty name="width" value="0.025" units="cm"/>
+      <inkml:brushProperty name="height" value="0.025" units="cm"/>
+      <inkml:brushProperty name="color" value="#E71224"/>
+    </inkml:brush>
+  </inkml:definitions>
+  <inkml:trace contextRef="#ctx0" brushRef="#br0">0 147 24049,'2393'-146'0</inkml:trace>
+</inkml:ink>
+</file>
+
+<file path=ppt/ink/ink10.xml><?xml version="1.0" encoding="utf-8"?>
+<inkml:ink xmlns:inkml="http://www.w3.org/2003/InkML">
+  <inkml:definitions>
+    <inkml:context xml:id="ctx0">
+      <inkml:inkSource xml:id="inkSrc0">
+        <inkml:traceFormat>
+          <inkml:channel name="X" type="integer" min="-2.14748E9" max="2.14748E9" units="cm"/>
+          <inkml:channel name="Y" type="integer" min="-2.14748E9" max="2.14748E9" units="cm"/>
+          <inkml:channel name="F" type="integer" max="32767" units="dev"/>
+        </inkml:traceFormat>
+        <inkml:channelProperties>
+          <inkml:channelProperty channel="X" name="resolution" value="1000" units="1/cm"/>
+          <inkml:channelProperty channel="Y" name="resolution" value="1000" units="1/cm"/>
+          <inkml:channelProperty channel="F" name="resolution" value="0" units="1/dev"/>
+        </inkml:channelProperties>
+      </inkml:inkSource>
+      <inkml:timestamp xml:id="ts0" timeString="2025-06-23T15:05:29.060"/>
+    </inkml:context>
+    <inkml:brush xml:id="br0">
+      <inkml:brushProperty name="width" value="0.025" units="cm"/>
+      <inkml:brushProperty name="height" value="0.025" units="cm"/>
+      <inkml:brushProperty name="color" value="#E71224"/>
+    </inkml:brush>
+  </inkml:definitions>
+  <inkml:trace contextRef="#ctx0" brushRef="#br0">1 0 24575,'0'0'0</inkml:trace>
+</inkml:ink>
+</file>
+
+<file path=ppt/ink/ink11.xml><?xml version="1.0" encoding="utf-8"?>
+<inkml:ink xmlns:inkml="http://www.w3.org/2003/InkML">
+  <inkml:definitions>
+    <inkml:context xml:id="ctx0">
+      <inkml:inkSource xml:id="inkSrc0">
+        <inkml:traceFormat>
+          <inkml:channel name="X" type="integer" min="-2.14748E9" max="2.14748E9" units="cm"/>
+          <inkml:channel name="Y" type="integer" min="-2.14748E9" max="2.14748E9" units="cm"/>
+          <inkml:channel name="F" type="integer" max="32767" units="dev"/>
+        </inkml:traceFormat>
+        <inkml:channelProperties>
+          <inkml:channelProperty channel="X" name="resolution" value="1000" units="1/cm"/>
+          <inkml:channelProperty channel="Y" name="resolution" value="1000" units="1/cm"/>
+          <inkml:channelProperty channel="F" name="resolution" value="0" units="1/dev"/>
+        </inkml:channelProperties>
+      </inkml:inkSource>
+      <inkml:timestamp xml:id="ts0" timeString="2025-06-23T15:05:29.216"/>
+    </inkml:context>
+    <inkml:brush xml:id="br0">
+      <inkml:brushProperty name="width" value="0.025" units="cm"/>
+      <inkml:brushProperty name="height" value="0.025" units="cm"/>
+      <inkml:brushProperty name="color" value="#E71224"/>
+    </inkml:brush>
+  </inkml:definitions>
+  <inkml:trace contextRef="#ctx0" brushRef="#br0">0 18 24575,'0'0'0,"0"0"0,0-5 0,5-1 0,2 0-8191</inkml:trace>
+</inkml:ink>
+</file>
+
+<file path=ppt/ink/ink12.xml><?xml version="1.0" encoding="utf-8"?>
+<inkml:ink xmlns:inkml="http://www.w3.org/2003/InkML">
+  <inkml:definitions>
+    <inkml:context xml:id="ctx0">
+      <inkml:inkSource xml:id="inkSrc0">
+        <inkml:traceFormat>
+          <inkml:channel name="X" type="integer" min="-2.14748E9" max="2.14748E9" units="cm"/>
+          <inkml:channel name="Y" type="integer" min="-2.14748E9" max="2.14748E9" units="cm"/>
+          <inkml:channel name="F" type="integer" max="32767" units="dev"/>
+        </inkml:traceFormat>
+        <inkml:channelProperties>
+          <inkml:channelProperty channel="X" name="resolution" value="1000" units="1/cm"/>
+          <inkml:channelProperty channel="Y" name="resolution" value="1000" units="1/cm"/>
+          <inkml:channelProperty channel="F" name="resolution" value="0" units="1/dev"/>
+        </inkml:channelProperties>
+      </inkml:inkSource>
+      <inkml:timestamp xml:id="ts0" timeString="2025-06-23T15:05:29.384"/>
+    </inkml:context>
+    <inkml:brush xml:id="br0">
+      <inkml:brushProperty name="width" value="0.025" units="cm"/>
+      <inkml:brushProperty name="height" value="0.025" units="cm"/>
+      <inkml:brushProperty name="color" value="#E71224"/>
+    </inkml:brush>
+  </inkml:definitions>
+  <inkml:trace contextRef="#ctx0" brushRef="#br0">0 321 24575,'0'0'0,"5"0"0,2-5 0,4-1 0,6-1 0,5 2 0,3 1 0,-2 2-8191</inkml:trace>
+  <inkml:trace contextRef="#ctx0" brushRef="#br0" timeOffset="1">584 0 24575,'0'0'0</inkml:trace>
+</inkml:ink>
+</file>
+
+<file path=ppt/ink/ink13.xml><?xml version="1.0" encoding="utf-8"?>
+<inkml:ink xmlns:inkml="http://www.w3.org/2003/InkML">
+  <inkml:definitions>
+    <inkml:context xml:id="ctx0">
+      <inkml:inkSource xml:id="inkSrc0">
+        <inkml:traceFormat>
+          <inkml:channel name="X" type="integer" min="-2.14748E9" max="2.14748E9" units="cm"/>
+          <inkml:channel name="Y" type="integer" min="-2.14748E9" max="2.14748E9" units="cm"/>
+          <inkml:channel name="F" type="integer" max="32767" units="dev"/>
+        </inkml:traceFormat>
+        <inkml:channelProperties>
+          <inkml:channelProperty channel="X" name="resolution" value="1000" units="1/cm"/>
+          <inkml:channelProperty channel="Y" name="resolution" value="1000" units="1/cm"/>
+          <inkml:channelProperty channel="F" name="resolution" value="0" units="1/dev"/>
+        </inkml:channelProperties>
+      </inkml:inkSource>
+      <inkml:timestamp xml:id="ts0" timeString="2025-06-23T15:05:29.534"/>
+    </inkml:context>
+    <inkml:brush xml:id="br0">
+      <inkml:brushProperty name="width" value="0.025" units="cm"/>
+      <inkml:brushProperty name="height" value="0.025" units="cm"/>
+      <inkml:brushProperty name="color" value="#E71224"/>
+    </inkml:brush>
+  </inkml:definitions>
+  <inkml:trace contextRef="#ctx0" brushRef="#br0">1 0 24575,'0'0'0,"0"0"0</inkml:trace>
+</inkml:ink>
+</file>
+
+<file path=ppt/ink/ink14.xml><?xml version="1.0" encoding="utf-8"?>
+<inkml:ink xmlns:inkml="http://www.w3.org/2003/InkML">
+  <inkml:definitions>
+    <inkml:context xml:id="ctx0">
+      <inkml:inkSource xml:id="inkSrc0">
+        <inkml:traceFormat>
+          <inkml:channel name="X" type="integer" min="-2.14748E9" max="2.14748E9" units="cm"/>
+          <inkml:channel name="Y" type="integer" min="-2.14748E9" max="2.14748E9" units="cm"/>
+          <inkml:channel name="F" type="integer" max="32767" units="dev"/>
+        </inkml:traceFormat>
+        <inkml:channelProperties>
+          <inkml:channelProperty channel="X" name="resolution" value="1000" units="1/cm"/>
+          <inkml:channelProperty channel="Y" name="resolution" value="1000" units="1/cm"/>
+          <inkml:channelProperty channel="F" name="resolution" value="0" units="1/dev"/>
+        </inkml:channelProperties>
+      </inkml:inkSource>
+      <inkml:timestamp xml:id="ts0" timeString="2025-06-23T15:05:32.165"/>
+    </inkml:context>
+    <inkml:brush xml:id="br0">
+      <inkml:brushProperty name="width" value="0.025" units="cm"/>
+      <inkml:brushProperty name="height" value="0.025" units="cm"/>
+      <inkml:brushProperty name="color" value="#E71224"/>
+    </inkml:brush>
+  </inkml:definitions>
+  <inkml:trace contextRef="#ctx0" brushRef="#br0">0 1813 24575,'24'-19'0,"-7"2"0,32-13 0,2 2 0,0 3 0,65-24 0,-73 32 0,881-393-2712,-377 162 1474,296-70 1238,-656 261 0,196-66 0,-342 107 0,453-160 0,92-54 0,-571 223 77,11-4 994,27-10 1,-43 18-825,1 1 0,-1 0 0,1 0 1,0 1-1,-1 0 0,13 1 0,61 2-1612,-73-2-5461</inkml:trace>
+</inkml:ink>
+</file>
+
+<file path=ppt/ink/ink15.xml><?xml version="1.0" encoding="utf-8"?>
+<inkml:ink xmlns:inkml="http://www.w3.org/2003/InkML">
+  <inkml:definitions>
+    <inkml:context xml:id="ctx0">
+      <inkml:inkSource xml:id="inkSrc0">
+        <inkml:traceFormat>
+          <inkml:channel name="X" type="integer" min="-2.14748E9" max="2.14748E9" units="cm"/>
+          <inkml:channel name="Y" type="integer" min="-2.14748E9" max="2.14748E9" units="cm"/>
+          <inkml:channel name="F" type="integer" max="32767" units="dev"/>
+        </inkml:traceFormat>
+        <inkml:channelProperties>
+          <inkml:channelProperty channel="X" name="resolution" value="1000" units="1/cm"/>
+          <inkml:channelProperty channel="Y" name="resolution" value="1000" units="1/cm"/>
+          <inkml:channelProperty channel="F" name="resolution" value="0" units="1/dev"/>
+        </inkml:channelProperties>
+      </inkml:inkSource>
+      <inkml:timestamp xml:id="ts0" timeString="2025-06-23T15:05:33.413"/>
+    </inkml:context>
+    <inkml:brush xml:id="br0">
+      <inkml:brushProperty name="width" value="0.025" units="cm"/>
+      <inkml:brushProperty name="height" value="0.025" units="cm"/>
+      <inkml:brushProperty name="color" value="#E71224"/>
+    </inkml:brush>
+  </inkml:definitions>
+  <inkml:trace contextRef="#ctx0" brushRef="#br0">1 2045 24575,'24'-1'0,"1"-1"0,-1-1 0,1-1 0,-1-2 0,29-9 0,113-52 0,259-139 0,25-10 0,712-260 0,-405 165 0,-326 112 0,-279 131 0,-17 10 0,134-67 0,-44 16 0,-75 39 0,-62 19 0,-51 27 0,-20 13 205,-14 8-348,0 1 0,0-1 1,1 1-1,-1 0 0,1 0 0,0 1 1,-1-1-1,1 1 0,0 0 1,5-1-1,-1 1-6683</inkml:trace>
+</inkml:ink>
+</file>
+
+<file path=ppt/ink/ink16.xml><?xml version="1.0" encoding="utf-8"?>
+<inkml:ink xmlns:inkml="http://www.w3.org/2003/InkML">
+  <inkml:definitions>
+    <inkml:context xml:id="ctx0">
+      <inkml:inkSource xml:id="inkSrc0">
+        <inkml:traceFormat>
+          <inkml:channel name="X" type="integer" min="-2.14748E9" max="2.14748E9" units="cm"/>
+          <inkml:channel name="Y" type="integer" min="-2.14748E9" max="2.14748E9" units="cm"/>
+          <inkml:channel name="F" type="integer" max="32767" units="dev"/>
+        </inkml:traceFormat>
+        <inkml:channelProperties>
+          <inkml:channelProperty channel="X" name="resolution" value="1000" units="1/cm"/>
+          <inkml:channelProperty channel="Y" name="resolution" value="1000" units="1/cm"/>
+          <inkml:channelProperty channel="F" name="resolution" value="0" units="1/dev"/>
+        </inkml:channelProperties>
+      </inkml:inkSource>
+      <inkml:timestamp xml:id="ts0" timeString="2025-06-23T15:05:44.502"/>
+    </inkml:context>
+    <inkml:brush xml:id="br0">
+      <inkml:brushProperty name="width" value="0.025" units="cm"/>
+      <inkml:brushProperty name="height" value="0.025" units="cm"/>
+      <inkml:brushProperty name="color" value="#E71224"/>
+    </inkml:brush>
+  </inkml:definitions>
+  <inkml:trace contextRef="#ctx0" brushRef="#br0">5865 469 24575,'0'-1'0,"-1"0"0,1 0 0,0 0 0,-1 0 0,1 0 0,-1 0 0,1 0 0,-1 0 0,0 0 0,1 0 0,-1 1 0,0-1 0,0 0 0,1 0 0,-1 1 0,0-1 0,-2-1 0,-18-8 0,-1 0 0,0 1 0,0 2 0,-43-10 0,29 8 0,-96-23 0,-253-28 0,-170 26 0,341 24 0,-335-58 0,-82-50 0,208 61 0,-117 47 0,419 11 0,-269 32 0,217-12 0,-213 27 0,7 32 0,-80 68 0,435-138 0,2 1 0,-1 1 0,1 1 0,1 1 0,1 1 0,0 0 0,1 2 0,0 0 0,-16 22 0,22-24 0,0 1 0,2 0 0,0 0 0,1 1 0,1 1 0,0 0 0,-6 21 0,12-31 0,1 0 0,0 1 0,1-1 0,0 1 0,0-1 0,1 1 0,0-1 0,0 1 0,1-1 0,0 1 0,1-1 0,0 1 0,0-1 0,1 0 0,0 0 0,0 0 0,1 0 0,9 13 0,-3-5 0,2-1 0,0 0 0,1-1 0,0-1 0,1 0 0,28 20 0,-19-18 0,0-1 0,2-1 0,0-2 0,28 10 0,68 19 0,1-6 0,2-5 0,240 23 0,32-27 0,1-29 0,-379 2 0,912-85 0,-647 26 0,-6-23 0,115-29 0,-330 98 0,242-50 0,-220 51 0,139-5 0,221 22 0,-318 12 0,26 0 0,-103-14 0,0-2 0,79-11 0,149-55 0,-254 61 0,-16 5 0,0-1 0,0 1 0,-1-2 0,1 1 0,9-5 0,-14 5 0,-1 1 0,1 0 0,-1 0 0,1-1 0,-1 1 0,1-1 0,-1 1 0,0-1 0,1 1 0,-1-1 0,0 0 0,0 0 0,0 0 0,-1 1 0,1-1 0,0 0 0,-1 0 0,1 0 0,-1 0 0,0 0 0,1 0 0,-1 0 0,0-4 0,-1 3 0,1 0 0,-1 0 0,0 0 0,0 0 0,0 0 0,-1 0 0,1 0 0,-1 1 0,1-1 0,-1 0 0,0 1 0,0-1 0,0 1 0,0 0 0,-5-4 0,-41-30 0,39 30 0,-96-59-1365,85 53-5461</inkml:trace>
+</inkml:ink>
+</file>
+
+<file path=ppt/ink/ink17.xml><?xml version="1.0" encoding="utf-8"?>
+<inkml:ink xmlns:inkml="http://www.w3.org/2003/InkML">
+  <inkml:definitions>
+    <inkml:context xml:id="ctx0">
+      <inkml:inkSource xml:id="inkSrc0">
+        <inkml:traceFormat>
+          <inkml:channel name="X" type="integer" min="-2.14748E9" max="2.14748E9" units="cm"/>
+          <inkml:channel name="Y" type="integer" min="-2.14748E9" max="2.14748E9" units="cm"/>
+          <inkml:channel name="F" type="integer" max="32767" units="dev"/>
+        </inkml:traceFormat>
+        <inkml:channelProperties>
+          <inkml:channelProperty channel="X" name="resolution" value="1000" units="1/cm"/>
+          <inkml:channelProperty channel="Y" name="resolution" value="1000" units="1/cm"/>
+          <inkml:channelProperty channel="F" name="resolution" value="0" units="1/dev"/>
+        </inkml:channelProperties>
+      </inkml:inkSource>
+      <inkml:timestamp xml:id="ts0" timeString="2025-06-23T15:05:45.698"/>
+    </inkml:context>
+    <inkml:brush xml:id="br0">
+      <inkml:brushProperty name="width" value="0.025" units="cm"/>
+      <inkml:brushProperty name="height" value="0.025" units="cm"/>
+      <inkml:brushProperty name="color" value="#E71224"/>
+    </inkml:brush>
+  </inkml:definitions>
+  <inkml:trace contextRef="#ctx0" brushRef="#br0">0 851 24575,'1'3'0,"0"0"0,-1 0 0,1 0 0,1 0 0,-1-1 0,0 1 0,1 0 0,-1-1 0,3 4 0,5 8 0,11 30 0,72 144 0,-77-162 0,2-1 0,0-1 0,1 0 0,43 41 0,-54-58 0,0-2 0,1 1 0,-1-1 0,1 0 0,1-1 0,-1 0 0,0 0 0,1-1 0,0 0 0,0 0 0,0-1 0,0 0 0,0-1 0,1 0 0,-1 0 0,0-1 0,0-1 0,1 1 0,14-4 0,6-3 0,0-1 0,0-2 0,-1 0 0,44-24 0,288-170 0,-14-30 0,-213 141 0,541-389 0,-596 430 0,1 4 0,115-50 0,-152 72 0,-34 20 0,-1 1 0,0 0 0,1 0 0,0 1 0,14-5 0,-18 8-146,1 0 0,0 1-1,-1 0 1,12 1 0,-13-1-488,5 0-6192</inkml:trace>
+</inkml:ink>
+</file>
+
+<file path=ppt/ink/ink18.xml><?xml version="1.0" encoding="utf-8"?>
+<inkml:ink xmlns:inkml="http://www.w3.org/2003/InkML">
+  <inkml:definitions>
+    <inkml:context xml:id="ctx0">
+      <inkml:inkSource xml:id="inkSrc0">
+        <inkml:traceFormat>
+          <inkml:channel name="X" type="integer" min="-2.14748E9" max="2.14748E9" units="cm"/>
+          <inkml:channel name="Y" type="integer" min="-2.14748E9" max="2.14748E9" units="cm"/>
+          <inkml:channel name="F" type="integer" max="32767" units="dev"/>
+        </inkml:traceFormat>
+        <inkml:channelProperties>
+          <inkml:channelProperty channel="X" name="resolution" value="1000" units="1/cm"/>
+          <inkml:channelProperty channel="Y" name="resolution" value="1000" units="1/cm"/>
+          <inkml:channelProperty channel="F" name="resolution" value="0" units="1/dev"/>
+        </inkml:channelProperties>
+      </inkml:inkSource>
+      <inkml:timestamp xml:id="ts0" timeString="2025-06-23T15:05:46.435"/>
+    </inkml:context>
+    <inkml:brush xml:id="br0">
+      <inkml:brushProperty name="width" value="0.025" units="cm"/>
+      <inkml:brushProperty name="height" value="0.025" units="cm"/>
+      <inkml:brushProperty name="color" value="#E71224"/>
+    </inkml:brush>
+  </inkml:definitions>
+  <inkml:trace contextRef="#ctx0" brushRef="#br0">1 1431 24575,'0'10'0,"1"-1"0,1 0 0,-1 1 0,1-1 0,1 0 0,0 0 0,0 0 0,1-1 0,7 14 0,2 0 0,1-2 0,24 28 0,-35-44 0,1 0 0,0 0 0,0-1 0,0 0 0,0 0 0,0 0 0,1 0 0,0 0 0,-1-1 0,1 0 0,0 0 0,8 2 0,-4-2 0,0-1 0,0 0 0,0 0 0,0-1 0,0 0 0,15-3 0,2-2 0,-1-1 0,0-1 0,0-1 0,27-14 0,9-7 0,-1-4 0,63-44 0,105-90 0,675-580 0,-773 632 0,114-104 0,-119 114 0,-23 22 0,-86 67 288,-13 12-563,0 1-1,1-1 1,-1 1-1,1 0 0,5-4 1,-1 3-6551</inkml:trace>
+</inkml:ink>
+</file>
+
+<file path=ppt/ink/ink19.xml><?xml version="1.0" encoding="utf-8"?>
+<inkml:ink xmlns:inkml="http://www.w3.org/2003/InkML">
+  <inkml:definitions>
+    <inkml:context xml:id="ctx0">
+      <inkml:inkSource xml:id="inkSrc0">
+        <inkml:traceFormat>
+          <inkml:channel name="X" type="integer" min="-2.14748E9" max="2.14748E9" units="cm"/>
+          <inkml:channel name="Y" type="integer" min="-2.14748E9" max="2.14748E9" units="cm"/>
+          <inkml:channel name="F" type="integer" max="32767" units="dev"/>
+        </inkml:traceFormat>
+        <inkml:channelProperties>
+          <inkml:channelProperty channel="X" name="resolution" value="1000" units="1/cm"/>
+          <inkml:channelProperty channel="Y" name="resolution" value="1000" units="1/cm"/>
+          <inkml:channelProperty channel="F" name="resolution" value="0" units="1/dev"/>
+        </inkml:channelProperties>
+      </inkml:inkSource>
+      <inkml:timestamp xml:id="ts0" timeString="2025-06-23T15:05:53.252"/>
+    </inkml:context>
+    <inkml:brush xml:id="br0">
+      <inkml:brushProperty name="width" value="0.025" units="cm"/>
+      <inkml:brushProperty name="height" value="0.025" units="cm"/>
+      <inkml:brushProperty name="color" value="#E71224"/>
+    </inkml:brush>
+  </inkml:definitions>
+  <inkml:trace contextRef="#ctx0" brushRef="#br0">1 1 24575,'4'3'0,"0"0"0,0 1 0,0 0 0,0-1 0,-1 1 0,1 0 0,-1 1 0,0-1 0,3 7 0,5 6 0,-4-7 0,30 43 0,2-2 0,66 66 0,-11-27 0,230 203 0,-283-257 0,-1 1 0,-2 3 0,-2 0 0,38 58 0,-34-42-1365,-34-49-5461</inkml:trace>
+</inkml:ink>
+</file>
+
+<file path=ppt/ink/ink2.xml><?xml version="1.0" encoding="utf-8"?>
+<inkml:ink xmlns:inkml="http://www.w3.org/2003/InkML">
+  <inkml:definitions>
+    <inkml:context xml:id="ctx0">
+      <inkml:inkSource xml:id="inkSrc0">
+        <inkml:traceFormat>
+          <inkml:channel name="X" type="integer" min="-2.14748E9" max="2.14748E9" units="cm"/>
+          <inkml:channel name="Y" type="integer" min="-2.14748E9" max="2.14748E9" units="cm"/>
+          <inkml:channel name="F" type="integer" max="32767" units="dev"/>
+        </inkml:traceFormat>
+        <inkml:channelProperties>
+          <inkml:channelProperty channel="X" name="resolution" value="1000" units="1/cm"/>
+          <inkml:channelProperty channel="Y" name="resolution" value="1000" units="1/cm"/>
+          <inkml:channelProperty channel="F" name="resolution" value="0" units="1/dev"/>
+        </inkml:channelProperties>
+      </inkml:inkSource>
+      <inkml:timestamp xml:id="ts0" timeString="2025-06-23T15:05:24.910"/>
+    </inkml:context>
+    <inkml:brush xml:id="br0">
+      <inkml:brushProperty name="width" value="0.025" units="cm"/>
+      <inkml:brushProperty name="height" value="0.025" units="cm"/>
+      <inkml:brushProperty name="color" value="#E71224"/>
+    </inkml:brush>
+  </inkml:definitions>
+  <inkml:trace contextRef="#ctx0" brushRef="#br0">262 0 24575,'0'19'0,"-43"201"0,8-46 0,7 1 0,-63 321 0,67-364 0,-12 214 0,31-83 22,6-172-1409,-1-84-5439</inkml:trace>
+</inkml:ink>
+</file>
+
+<file path=ppt/ink/ink20.xml><?xml version="1.0" encoding="utf-8"?>
+<inkml:ink xmlns:inkml="http://www.w3.org/2003/InkML">
+  <inkml:definitions>
+    <inkml:context xml:id="ctx0">
+      <inkml:inkSource xml:id="inkSrc0">
+        <inkml:traceFormat>
+          <inkml:channel name="X" type="integer" min="-2.14748E9" max="2.14748E9" units="cm"/>
+          <inkml:channel name="Y" type="integer" min="-2.14748E9" max="2.14748E9" units="cm"/>
+          <inkml:channel name="F" type="integer" max="32767" units="dev"/>
+        </inkml:traceFormat>
+        <inkml:channelProperties>
+          <inkml:channelProperty channel="X" name="resolution" value="1000" units="1/cm"/>
+          <inkml:channelProperty channel="Y" name="resolution" value="1000" units="1/cm"/>
+          <inkml:channelProperty channel="F" name="resolution" value="0" units="1/dev"/>
+        </inkml:channelProperties>
+      </inkml:inkSource>
+      <inkml:timestamp xml:id="ts0" timeString="2025-06-23T15:05:53.788"/>
+    </inkml:context>
+    <inkml:brush xml:id="br0">
+      <inkml:brushProperty name="width" value="0.025" units="cm"/>
+      <inkml:brushProperty name="height" value="0.025" units="cm"/>
+      <inkml:brushProperty name="color" value="#E71224"/>
+    </inkml:brush>
+  </inkml:definitions>
+  <inkml:trace contextRef="#ctx0" brushRef="#br0">762 0 24575,'-5'30'0,"-17"50"0,-3-2 0,-3 0 0,-59 112 0,-206 329 0,202-361 0,-31 55 0,100-176 0,14-24 0,0 0 0,-9 21 0,3-10 0,12-22 0,0 1 0,0-1 0,1 1 0,-1 0 0,1-1 0,-1 1 0,1 0 0,0 0 0,-1 4 0,-1 19-1365,3-15-5461</inkml:trace>
+</inkml:ink>
+</file>
+
+<file path=ppt/ink/ink21.xml><?xml version="1.0" encoding="utf-8"?>
+<inkml:ink xmlns:inkml="http://www.w3.org/2003/InkML">
+  <inkml:definitions>
+    <inkml:context xml:id="ctx0">
+      <inkml:inkSource xml:id="inkSrc0">
+        <inkml:traceFormat>
+          <inkml:channel name="X" type="integer" min="-2.14748E9" max="2.14748E9" units="cm"/>
+          <inkml:channel name="Y" type="integer" min="-2.14748E9" max="2.14748E9" units="cm"/>
+          <inkml:channel name="F" type="integer" max="32767" units="dev"/>
+        </inkml:traceFormat>
+        <inkml:channelProperties>
+          <inkml:channelProperty channel="X" name="resolution" value="1000" units="1/cm"/>
+          <inkml:channelProperty channel="Y" name="resolution" value="1000" units="1/cm"/>
+          <inkml:channelProperty channel="F" name="resolution" value="0" units="1/dev"/>
+        </inkml:channelProperties>
+      </inkml:inkSource>
+      <inkml:timestamp xml:id="ts0" timeString="2025-06-23T15:05:54.019"/>
+    </inkml:context>
+    <inkml:brush xml:id="br0">
+      <inkml:brushProperty name="width" value="0.025" units="cm"/>
+      <inkml:brushProperty name="height" value="0.025" units="cm"/>
+      <inkml:brushProperty name="color" value="#E71224"/>
+    </inkml:brush>
+  </inkml:definitions>
+  <inkml:trace contextRef="#ctx0" brushRef="#br0">1 0 24575,'0'0'0</inkml:trace>
+</inkml:ink>
+</file>
+
+<file path=ppt/ink/ink22.xml><?xml version="1.0" encoding="utf-8"?>
+<inkml:ink xmlns:inkml="http://www.w3.org/2003/InkML">
+  <inkml:definitions>
+    <inkml:context xml:id="ctx0">
+      <inkml:inkSource xml:id="inkSrc0">
+        <inkml:traceFormat>
+          <inkml:channel name="X" type="integer" min="-2.14748E9" max="2.14748E9" units="cm"/>
+          <inkml:channel name="Y" type="integer" min="-2.14748E9" max="2.14748E9" units="cm"/>
+          <inkml:channel name="F" type="integer" max="32767" units="dev"/>
+        </inkml:traceFormat>
+        <inkml:channelProperties>
+          <inkml:channelProperty channel="X" name="resolution" value="1000" units="1/cm"/>
+          <inkml:channelProperty channel="Y" name="resolution" value="1000" units="1/cm"/>
+          <inkml:channelProperty channel="F" name="resolution" value="0" units="1/dev"/>
+        </inkml:channelProperties>
+      </inkml:inkSource>
+      <inkml:timestamp xml:id="ts0" timeString="2025-06-23T15:05:54.445"/>
+    </inkml:context>
+    <inkml:brush xml:id="br0">
+      <inkml:brushProperty name="width" value="0.025" units="cm"/>
+      <inkml:brushProperty name="height" value="0.025" units="cm"/>
+      <inkml:brushProperty name="color" value="#E71224"/>
+    </inkml:brush>
+  </inkml:definitions>
+  <inkml:trace contextRef="#ctx0" brushRef="#br0">1 1 24575,'18'0'0,"10"1"0,50 9 0,-1 1 0,457-3 0,-333-10 0,360 2-1365,-550 0-5461</inkml:trace>
+</inkml:ink>
+</file>
+
+<file path=ppt/ink/ink23.xml><?xml version="1.0" encoding="utf-8"?>
+<inkml:ink xmlns:inkml="http://www.w3.org/2003/InkML">
+  <inkml:definitions>
+    <inkml:context xml:id="ctx0">
+      <inkml:inkSource xml:id="inkSrc0">
+        <inkml:traceFormat>
+          <inkml:channel name="X" type="integer" min="-2.14748E9" max="2.14748E9" units="cm"/>
+          <inkml:channel name="Y" type="integer" min="-2.14748E9" max="2.14748E9" units="cm"/>
+          <inkml:channel name="F" type="integer" max="32767" units="dev"/>
+        </inkml:traceFormat>
+        <inkml:channelProperties>
+          <inkml:channelProperty channel="X" name="resolution" value="1000" units="1/cm"/>
+          <inkml:channelProperty channel="Y" name="resolution" value="1000" units="1/cm"/>
+          <inkml:channelProperty channel="F" name="resolution" value="0" units="1/dev"/>
+        </inkml:channelProperties>
+      </inkml:inkSource>
+      <inkml:timestamp xml:id="ts0" timeString="2025-06-23T15:05:56.315"/>
+    </inkml:context>
+    <inkml:brush xml:id="br0">
+      <inkml:brushProperty name="width" value="0.025" units="cm"/>
+      <inkml:brushProperty name="height" value="0.025" units="cm"/>
+      <inkml:brushProperty name="color" value="#E71224"/>
+    </inkml:brush>
+  </inkml:definitions>
+  <inkml:trace contextRef="#ctx0" brushRef="#br0">0 1899 24575,'0'23'0,"1"-19"0,-1-1 0,1 1 0,0 0 0,0 0 0,0-1 0,1 1 0,-1-1 0,1 1 0,0-1 0,0 1 0,0-1 0,4 4 0,33 36 0,-33-38 0,-1 0 0,1 0 0,1 0 0,-1-1 0,1 0 0,-1 0 0,1 0 0,0-1 0,1 0 0,-1-1 0,0 1 0,1-1 0,0-1 0,-1 1 0,1-1 0,0-1 0,0 1 0,-1-2 0,14 0 0,0-3 0,0 0 0,-1-1 0,0 0 0,0-2 0,34-16 0,11-11 13,-1-3-1,71-54 0,111-105-197,348-363-573,-243 218 774,341-357-71,-643 640-1153,-45 53-4830</inkml:trace>
+</inkml:ink>
+</file>
+
+<file path=ppt/ink/ink24.xml><?xml version="1.0" encoding="utf-8"?>
+<inkml:ink xmlns:inkml="http://www.w3.org/2003/InkML">
+  <inkml:definitions>
+    <inkml:context xml:id="ctx0">
+      <inkml:inkSource xml:id="inkSrc0">
+        <inkml:traceFormat>
+          <inkml:channel name="X" type="integer" min="-2.14748E9" max="2.14748E9" units="cm"/>
+          <inkml:channel name="Y" type="integer" min="-2.14748E9" max="2.14748E9" units="cm"/>
+          <inkml:channel name="F" type="integer" max="32767" units="dev"/>
+        </inkml:traceFormat>
+        <inkml:channelProperties>
+          <inkml:channelProperty channel="X" name="resolution" value="1000" units="1/cm"/>
+          <inkml:channelProperty channel="Y" name="resolution" value="1000" units="1/cm"/>
+          <inkml:channelProperty channel="F" name="resolution" value="0" units="1/dev"/>
+        </inkml:channelProperties>
+      </inkml:inkSource>
+      <inkml:timestamp xml:id="ts0" timeString="2025-06-23T15:05:56.714"/>
+    </inkml:context>
+    <inkml:brush xml:id="br0">
+      <inkml:brushProperty name="width" value="0.025" units="cm"/>
+      <inkml:brushProperty name="height" value="0.025" units="cm"/>
+      <inkml:brushProperty name="color" value="#E71224"/>
+    </inkml:brush>
+  </inkml:definitions>
+  <inkml:trace contextRef="#ctx0" brushRef="#br0">1 2568 24575,'1'-4'0,"0"1"0,1-1 0,0 1 0,-1-1 0,1 1 0,0 0 0,1 0 0,-1 0 0,0 0 0,1 0 0,0 0 0,0 1 0,5-4 0,5-7 0,206-228-218,12-13-214,634-586-1000,231-100 1432,-831 744 0,-204 159 2082,-224 159-3447,128-97-5461</inkml:trace>
+</inkml:ink>
+</file>
+
+<file path=ppt/ink/ink25.xml><?xml version="1.0" encoding="utf-8"?>
+<inkml:ink xmlns:inkml="http://www.w3.org/2003/InkML">
+  <inkml:definitions>
+    <inkml:context xml:id="ctx0">
+      <inkml:inkSource xml:id="inkSrc0">
+        <inkml:traceFormat>
+          <inkml:channel name="X" type="integer" min="-2.14748E9" max="2.14748E9" units="cm"/>
+          <inkml:channel name="Y" type="integer" min="-2.14748E9" max="2.14748E9" units="cm"/>
+          <inkml:channel name="F" type="integer" max="32767" units="dev"/>
+        </inkml:traceFormat>
+        <inkml:channelProperties>
+          <inkml:channelProperty channel="X" name="resolution" value="1000" units="1/cm"/>
+          <inkml:channelProperty channel="Y" name="resolution" value="1000" units="1/cm"/>
+          <inkml:channelProperty channel="F" name="resolution" value="0" units="1/dev"/>
+        </inkml:channelProperties>
+      </inkml:inkSource>
+      <inkml:timestamp xml:id="ts0" timeString="2025-06-23T15:05:57.068"/>
+    </inkml:context>
+    <inkml:brush xml:id="br0">
+      <inkml:brushProperty name="width" value="0.025" units="cm"/>
+      <inkml:brushProperty name="height" value="0.025" units="cm"/>
+      <inkml:brushProperty name="color" value="#E71224"/>
+    </inkml:brush>
+  </inkml:definitions>
+  <inkml:trace contextRef="#ctx0" brushRef="#br0">1 0 24575,'1'18'0,"3"-2"0,1-1 0,1 1 0,1-1 0,0 0 0,16 24 0,-12-19 0,534 802-318,66-45-46,-546-696 359,10 9 5,-16-20 0,69 104 0,-42-45-1251,-72-110-5002</inkml:trace>
+</inkml:ink>
+</file>
+
+<file path=ppt/ink/ink26.xml><?xml version="1.0" encoding="utf-8"?>
+<inkml:ink xmlns:inkml="http://www.w3.org/2003/InkML">
+  <inkml:definitions>
+    <inkml:context xml:id="ctx0">
+      <inkml:inkSource xml:id="inkSrc0">
+        <inkml:traceFormat>
+          <inkml:channel name="X" type="integer" min="-2.14748E9" max="2.14748E9" units="cm"/>
+          <inkml:channel name="Y" type="integer" min="-2.14748E9" max="2.14748E9" units="cm"/>
+          <inkml:channel name="F" type="integer" max="32767" units="dev"/>
+        </inkml:traceFormat>
+        <inkml:channelProperties>
+          <inkml:channelProperty channel="X" name="resolution" value="1000" units="1/cm"/>
+          <inkml:channelProperty channel="Y" name="resolution" value="1000" units="1/cm"/>
+          <inkml:channelProperty channel="F" name="resolution" value="0" units="1/dev"/>
+        </inkml:channelProperties>
+      </inkml:inkSource>
+      <inkml:timestamp xml:id="ts0" timeString="2025-06-23T15:05:57.374"/>
+    </inkml:context>
+    <inkml:brush xml:id="br0">
+      <inkml:brushProperty name="width" value="0.025" units="cm"/>
+      <inkml:brushProperty name="height" value="0.025" units="cm"/>
+      <inkml:brushProperty name="color" value="#E71224"/>
+    </inkml:brush>
+  </inkml:definitions>
+  <inkml:trace contextRef="#ctx0" brushRef="#br0">1 1 24575,'0'0'0,"0"0"0,10 10 0,13 13 0,18 17 0,17 23 0,18 24 0,11 28 0,5 19 0,8 17 0,6 6 0,0-2 0,-3-3 0,-9-8 0,-11-19 0,-14-20 0,-19-27-8191</inkml:trace>
+</inkml:ink>
+</file>
+
+<file path=ppt/ink/ink27.xml><?xml version="1.0" encoding="utf-8"?>
+<inkml:ink xmlns:inkml="http://www.w3.org/2003/InkML">
+  <inkml:definitions>
+    <inkml:context xml:id="ctx0">
+      <inkml:inkSource xml:id="inkSrc0">
+        <inkml:traceFormat>
+          <inkml:channel name="X" type="integer" min="-2.14748E9" max="2.14748E9" units="cm"/>
+          <inkml:channel name="Y" type="integer" min="-2.14748E9" max="2.14748E9" units="cm"/>
+          <inkml:channel name="F" type="integer" max="32767" units="dev"/>
+        </inkml:traceFormat>
+        <inkml:channelProperties>
+          <inkml:channelProperty channel="X" name="resolution" value="1000" units="1/cm"/>
+          <inkml:channelProperty channel="Y" name="resolution" value="1000" units="1/cm"/>
+          <inkml:channelProperty channel="F" name="resolution" value="0" units="1/dev"/>
+        </inkml:channelProperties>
+      </inkml:inkSource>
+      <inkml:timestamp xml:id="ts0" timeString="2025-06-23T15:05:58.006"/>
+    </inkml:context>
+    <inkml:brush xml:id="br0">
+      <inkml:brushProperty name="width" value="0.025" units="cm"/>
+      <inkml:brushProperty name="height" value="0.025" units="cm"/>
+      <inkml:brushProperty name="color" value="#E71224"/>
+    </inkml:brush>
+  </inkml:definitions>
+  <inkml:trace contextRef="#ctx0" brushRef="#br0">275 57 24575,'-3'-1'0,"0"1"0,0-1 0,0 1 0,1 0 0,-1 0 0,0 0 0,-4 1 0,-1 0 0,-43 0 0,26 1 0,0-2 0,-38-4 0,60 3 20,1 0 0,-1 0 0,0 0 0,1 0-1,-1 0 1,1 0 0,0-1 0,-1 1 0,1-1 0,0 0 0,0 0-1,0 0 1,0 0 0,0 0 0,-2-4 0,2 3-207,0 0 0,-1 1 0,1-1 0,-1 1 0,0 0 0,1-1 0,-1 1 0,-3-2 0,-4 0-6639</inkml:trace>
+</inkml:ink>
+</file>
+
+<file path=ppt/ink/ink3.xml><?xml version="1.0" encoding="utf-8"?>
+<inkml:ink xmlns:inkml="http://www.w3.org/2003/InkML">
+  <inkml:definitions>
+    <inkml:context xml:id="ctx0">
+      <inkml:inkSource xml:id="inkSrc0">
+        <inkml:traceFormat>
+          <inkml:channel name="X" type="integer" min="-2.14748E9" max="2.14748E9" units="cm"/>
+          <inkml:channel name="Y" type="integer" min="-2.14748E9" max="2.14748E9" units="cm"/>
+          <inkml:channel name="F" type="integer" max="32767" units="dev"/>
+        </inkml:traceFormat>
+        <inkml:channelProperties>
+          <inkml:channelProperty channel="X" name="resolution" value="1000" units="1/cm"/>
+          <inkml:channelProperty channel="Y" name="resolution" value="1000" units="1/cm"/>
+          <inkml:channelProperty channel="F" name="resolution" value="0" units="1/dev"/>
+        </inkml:channelProperties>
+      </inkml:inkSource>
+      <inkml:timestamp xml:id="ts0" timeString="2025-06-23T15:05:25.880"/>
+    </inkml:context>
+    <inkml:brush xml:id="br0">
+      <inkml:brushProperty name="width" value="0.025" units="cm"/>
+      <inkml:brushProperty name="height" value="0.025" units="cm"/>
+      <inkml:brushProperty name="color" value="#E71224"/>
+    </inkml:brush>
+  </inkml:definitions>
+  <inkml:trace contextRef="#ctx0" brushRef="#br0">19 294 24575,'4'-1'0,"0"1"0,1-1 0,-1 0 0,0-1 0,0 1 0,0 0 0,8-5 0,11-4 0,274-66 0,-217 58 0,889-137 0,-845 141 0,1 6 0,131 9 0,-239 0 0,0 1 0,0 1 0,0 1 0,-1 0 0,1 1 0,22 9 0,-33-10 0,1-1 0,0 1 0,-1 0 0,1 0 0,-1 1 0,0 0 0,-1 0 0,1 0 0,-1 0 0,0 1 0,-1 0 0,1 0 0,-1 1 0,0-1 0,-1 1 0,6 12 0,11 48 0,21 125 0,-7 74 0,-21-149 0,1 61 0,-7-77 0,6-6 0,-7-65 0,-2 0 0,1 38 0,-4-22 0,0-21 0,-2 1 0,-2 25 0,2-47 0,-1 1 0,1-1 0,-1 1 0,0-1 0,0 0 0,-1 0 0,1 0 0,-1 0 0,0 0 0,0-1 0,-4 5 0,-43 37 0,43-39 0,-46 35 0,-95 55 0,-69 19 0,-263 89 0,358-164 0,-1-5 0,-139 19 0,175-42 0,-98-2 0,-89-12 0,70-1 0,134 3-1365,59 0-5461</inkml:trace>
+</inkml:ink>
+</file>
+
+<file path=ppt/ink/ink4.xml><?xml version="1.0" encoding="utf-8"?>
+<inkml:ink xmlns:inkml="http://www.w3.org/2003/InkML">
+  <inkml:definitions>
+    <inkml:context xml:id="ctx0">
+      <inkml:inkSource xml:id="inkSrc0">
+        <inkml:traceFormat>
+          <inkml:channel name="X" type="integer" min="-2.14748E9" max="2.14748E9" units="cm"/>
+          <inkml:channel name="Y" type="integer" min="-2.14748E9" max="2.14748E9" units="cm"/>
+          <inkml:channel name="F" type="integer" max="32767" units="dev"/>
+        </inkml:traceFormat>
+        <inkml:channelProperties>
+          <inkml:channelProperty channel="X" name="resolution" value="1000" units="1/cm"/>
+          <inkml:channelProperty channel="Y" name="resolution" value="1000" units="1/cm"/>
+          <inkml:channelProperty channel="F" name="resolution" value="0" units="1/dev"/>
+        </inkml:channelProperties>
+      </inkml:inkSource>
+      <inkml:timestamp xml:id="ts0" timeString="2025-06-23T15:05:26.459"/>
+    </inkml:context>
+    <inkml:brush xml:id="br0">
+      <inkml:brushProperty name="width" value="0.025" units="cm"/>
+      <inkml:brushProperty name="height" value="0.025" units="cm"/>
+      <inkml:brushProperty name="color" value="#E71224"/>
+    </inkml:brush>
+  </inkml:definitions>
+  <inkml:trace contextRef="#ctx0" brushRef="#br0">0 0 24575,'0'0'0</inkml:trace>
+</inkml:ink>
+</file>
+
+<file path=ppt/ink/ink5.xml><?xml version="1.0" encoding="utf-8"?>
+<inkml:ink xmlns:inkml="http://www.w3.org/2003/InkML">
+  <inkml:definitions>
+    <inkml:context xml:id="ctx0">
+      <inkml:inkSource xml:id="inkSrc0">
+        <inkml:traceFormat>
+          <inkml:channel name="X" type="integer" min="-2.14748E9" max="2.14748E9" units="cm"/>
+          <inkml:channel name="Y" type="integer" min="-2.14748E9" max="2.14748E9" units="cm"/>
+          <inkml:channel name="F" type="integer" max="32767" units="dev"/>
+        </inkml:traceFormat>
+        <inkml:channelProperties>
+          <inkml:channelProperty channel="X" name="resolution" value="1000" units="1/cm"/>
+          <inkml:channelProperty channel="Y" name="resolution" value="1000" units="1/cm"/>
+          <inkml:channelProperty channel="F" name="resolution" value="0" units="1/dev"/>
+        </inkml:channelProperties>
+      </inkml:inkSource>
+      <inkml:timestamp xml:id="ts0" timeString="2025-06-23T15:05:26.641"/>
+    </inkml:context>
+    <inkml:brush xml:id="br0">
+      <inkml:brushProperty name="width" value="0.025" units="cm"/>
+      <inkml:brushProperty name="height" value="0.025" units="cm"/>
+      <inkml:brushProperty name="color" value="#E71224"/>
+    </inkml:brush>
+  </inkml:definitions>
+  <inkml:trace contextRef="#ctx0" brushRef="#br0">1 0 24575,'0'0'0,"0"0"0</inkml:trace>
+</inkml:ink>
+</file>
+
+<file path=ppt/ink/ink6.xml><?xml version="1.0" encoding="utf-8"?>
+<inkml:ink xmlns:inkml="http://www.w3.org/2003/InkML">
+  <inkml:definitions>
+    <inkml:context xml:id="ctx0">
+      <inkml:inkSource xml:id="inkSrc0">
+        <inkml:traceFormat>
+          <inkml:channel name="X" type="integer" min="-2.14748E9" max="2.14748E9" units="cm"/>
+          <inkml:channel name="Y" type="integer" min="-2.14748E9" max="2.14748E9" units="cm"/>
+          <inkml:channel name="F" type="integer" max="32767" units="dev"/>
+        </inkml:traceFormat>
+        <inkml:channelProperties>
+          <inkml:channelProperty channel="X" name="resolution" value="1000" units="1/cm"/>
+          <inkml:channelProperty channel="Y" name="resolution" value="1000" units="1/cm"/>
+          <inkml:channelProperty channel="F" name="resolution" value="0" units="1/dev"/>
+        </inkml:channelProperties>
+      </inkml:inkSource>
+      <inkml:timestamp xml:id="ts0" timeString="2025-06-23T15:05:26.887"/>
+    </inkml:context>
+    <inkml:brush xml:id="br0">
+      <inkml:brushProperty name="width" value="0.025" units="cm"/>
+      <inkml:brushProperty name="height" value="0.025" units="cm"/>
+      <inkml:brushProperty name="color" value="#E71224"/>
+    </inkml:brush>
+  </inkml:definitions>
+  <inkml:trace contextRef="#ctx0" brushRef="#br0">1 1 24575,'0'0'0,"0"0"0</inkml:trace>
+</inkml:ink>
+</file>
+
+<file path=ppt/ink/ink7.xml><?xml version="1.0" encoding="utf-8"?>
+<inkml:ink xmlns:inkml="http://www.w3.org/2003/InkML">
+  <inkml:definitions>
+    <inkml:context xml:id="ctx0">
+      <inkml:inkSource xml:id="inkSrc0">
+        <inkml:traceFormat>
+          <inkml:channel name="X" type="integer" min="-2.14748E9" max="2.14748E9" units="cm"/>
+          <inkml:channel name="Y" type="integer" min="-2.14748E9" max="2.14748E9" units="cm"/>
+          <inkml:channel name="F" type="integer" max="32767" units="dev"/>
+        </inkml:traceFormat>
+        <inkml:channelProperties>
+          <inkml:channelProperty channel="X" name="resolution" value="1000" units="1/cm"/>
+          <inkml:channelProperty channel="Y" name="resolution" value="1000" units="1/cm"/>
+          <inkml:channelProperty channel="F" name="resolution" value="0" units="1/dev"/>
+        </inkml:channelProperties>
+      </inkml:inkSource>
+      <inkml:timestamp xml:id="ts0" timeString="2025-06-23T15:05:28.565"/>
+    </inkml:context>
+    <inkml:brush xml:id="br0">
+      <inkml:brushProperty name="width" value="0.025" units="cm"/>
+      <inkml:brushProperty name="height" value="0.025" units="cm"/>
+      <inkml:brushProperty name="color" value="#E71224"/>
+    </inkml:brush>
+  </inkml:definitions>
+  <inkml:trace contextRef="#ctx0" brushRef="#br0">0 1116 24575,'5'18'0,"20"41"0,48 139 0,146 567 0,-192-665 0,19 57 0,-8-75 0,-37-81 0,3 6 0,-1-20 0,15-331 0,-15 232 0,-2 67 0,1 20 0,-1 0 0,-1 0 0,-1 0 0,-8-41 0,7 62 0,1 0 0,0 0 0,-1 0 0,0 0 0,0 0 0,0 0 0,0 0 0,-1 0 0,0 1 0,0 0 0,1-1 0,-2 1 0,-3-4 0,-4-1 0,-1 1 0,-23-12 0,-2-2 0,17 8 0,-37-30 0,49 36 0,0-1 0,1-1 0,-1 0 0,2 0 0,-1 0 0,-7-15 0,7 10 0,1 0 0,0 0 0,1-1 0,0 0 0,1 0 0,1 0 0,0 0 0,2-1 0,-1 1 0,2 0 0,0-1 0,1 1 0,0-1 0,1 1 0,1-1 0,0 1 0,1 0 0,1 1 0,1-1 0,7-14 0,5-5 0,1 1 0,1 1 0,35-39 0,84-82 0,-51 70 0,179-133 0,123-38 0,-34 63 0,-258 147 0,181-55 0,-242 88 0,1 2 0,1 2 0,0 1 0,78-2 0,-101 8 0,0 2 0,0-1 0,0 2 0,0 0 0,-1 1 0,1 1 0,-1 0 0,0 1 0,-1 1 0,1 0 0,-1 1 0,-1 0 0,1 1 0,22 21 0,-6 0 0,-2 1 0,-1 1 0,33 52 0,58 118 0,-101-172 0,40 73-179,362 608-3731,-273-496 3910,60 53 0,-191-251 0,-5-4 0,1 1 0,1-2 0,1 1 0,0-2 0,0 0 0,1 0 0,17 10 0,-26-18 0,0 0 0,0 1 0,-1 0 0,0 0 0,0 0 0,0 1 0,0-1 0,4 8 0,23 43 0,-23-39 0,-2-5-10,-1 0 0,0 0 0,-1 0 0,0 0 0,3 13 0,-7-20 46,1 0-1,-1-1 0,0 1 1,1-1-1,-2 1 0,1 0 1,0-1-1,-1 1 0,0 0 0,1-1 1,-1 1-1,-1-1 0,1 1 1,-1-1-1,1 0 0,-1 0 1,0 0-1,0 0 0,0 0 0,-5 5 1,-8 6 505,-1-2 1,-1 0-1,0 0 1,0-2-1,-38 17 1,25-13-384,-91 45-158,-2-6 0,-3-6 0,-2-5 0,-1-5 0,-2-6 0,-157 16 0,120-34 0,-1-7 0,0-8 0,-181-24 0,61-29 0,156 26 0,106 24 0,-21-6 0,-1 3 0,-77-4 0,-115 14-1365,231-2-5461</inkml:trace>
+</inkml:ink>
+</file>
+
+<file path=ppt/ink/ink8.xml><?xml version="1.0" encoding="utf-8"?>
+<inkml:ink xmlns:inkml="http://www.w3.org/2003/InkML">
+  <inkml:definitions>
+    <inkml:context xml:id="ctx0">
+      <inkml:inkSource xml:id="inkSrc0">
+        <inkml:traceFormat>
+          <inkml:channel name="X" type="integer" min="-2.14748E9" max="2.14748E9" units="cm"/>
+          <inkml:channel name="Y" type="integer" min="-2.14748E9" max="2.14748E9" units="cm"/>
+          <inkml:channel name="F" type="integer" max="32767" units="dev"/>
+        </inkml:traceFormat>
+        <inkml:channelProperties>
+          <inkml:channelProperty channel="X" name="resolution" value="1000" units="1/cm"/>
+          <inkml:channelProperty channel="Y" name="resolution" value="1000" units="1/cm"/>
+          <inkml:channelProperty channel="F" name="resolution" value="0" units="1/dev"/>
+        </inkml:channelProperties>
+      </inkml:inkSource>
+      <inkml:timestamp xml:id="ts0" timeString="2025-06-23T15:05:28.765"/>
+    </inkml:context>
+    <inkml:brush xml:id="br0">
+      <inkml:brushProperty name="width" value="0.025" units="cm"/>
+      <inkml:brushProperty name="height" value="0.025" units="cm"/>
+      <inkml:brushProperty name="color" value="#E71224"/>
+    </inkml:brush>
+  </inkml:definitions>
+  <inkml:trace contextRef="#ctx0" brushRef="#br0">1 1 24575,'0'0'0,"0"0"0</inkml:trace>
+</inkml:ink>
+</file>
+
+<file path=ppt/ink/ink9.xml><?xml version="1.0" encoding="utf-8"?>
+<inkml:ink xmlns:inkml="http://www.w3.org/2003/InkML">
+  <inkml:definitions>
+    <inkml:context xml:id="ctx0">
+      <inkml:inkSource xml:id="inkSrc0">
+        <inkml:traceFormat>
+          <inkml:channel name="X" type="integer" min="-2.14748E9" max="2.14748E9" units="cm"/>
+          <inkml:channel name="Y" type="integer" min="-2.14748E9" max="2.14748E9" units="cm"/>
+          <inkml:channel name="F" type="integer" max="32767" units="dev"/>
+        </inkml:traceFormat>
+        <inkml:channelProperties>
+          <inkml:channelProperty channel="X" name="resolution" value="1000" units="1/cm"/>
+          <inkml:channelProperty channel="Y" name="resolution" value="1000" units="1/cm"/>
+          <inkml:channelProperty channel="F" name="resolution" value="0" units="1/dev"/>
+        </inkml:channelProperties>
+      </inkml:inkSource>
+      <inkml:timestamp xml:id="ts0" timeString="2025-06-23T15:05:28.919"/>
+    </inkml:context>
+    <inkml:brush xml:id="br0">
+      <inkml:brushProperty name="width" value="0.025" units="cm"/>
+      <inkml:brushProperty name="height" value="0.025" units="cm"/>
+      <inkml:brushProperty name="color" value="#E71224"/>
+    </inkml:brush>
+  </inkml:definitions>
+  <inkml:trace contextRef="#ctx0" brushRef="#br0">0 1 24575,'0'0'0</inkml:trace>
+</inkml:ink>
 </file>
 
 <file path=ppt/notesMasters/notesMaster1.xml><?xml version="1.0" encoding="utf-8"?>
@@ -8001,6 +8765,2406 @@
 </p:sld>
 </file>
 
+<file path=ppt/slides/slide2.xml><?xml version="1.0" encoding="utf-8"?>
+<p:sld xmlns:a="http://schemas.openxmlformats.org/drawingml/2006/main" xmlns:r="http://schemas.openxmlformats.org/officeDocument/2006/relationships" xmlns:p="http://schemas.openxmlformats.org/presentationml/2006/main">
+  <p:cSld>
+    <p:spTree>
+      <p:nvGrpSpPr>
+        <p:cNvPr id="1" name=""/>
+        <p:cNvGrpSpPr/>
+        <p:nvPr/>
+      </p:nvGrpSpPr>
+      <p:grpSpPr>
+        <a:xfrm>
+          <a:off x="0" y="0"/>
+          <a:ext cx="0" cy="0"/>
+          <a:chOff x="0" y="0"/>
+          <a:chExt cx="0" cy="0"/>
+        </a:xfrm>
+      </p:grpSpPr>
+      <p:sp>
+        <p:nvSpPr>
+          <p:cNvPr id="2" name="Title 1">
+            <a:extLst>
+              <a:ext uri="{FF2B5EF4-FFF2-40B4-BE49-F238E27FC236}">
+                <a16:creationId xmlns:a16="http://schemas.microsoft.com/office/drawing/2014/main" id="{024E841D-F99F-D78B-D2B7-FA972321D977}"/>
+              </a:ext>
+            </a:extLst>
+          </p:cNvPr>
+          <p:cNvSpPr>
+            <a:spLocks noGrp="1"/>
+          </p:cNvSpPr>
+          <p:nvPr>
+            <p:ph type="title"/>
+          </p:nvPr>
+        </p:nvSpPr>
+        <p:spPr/>
+        <p:txBody>
+          <a:bodyPr>
+            <a:normAutofit fontScale="90000"/>
+          </a:bodyPr>
+          <a:lstStyle/>
+          <a:p>
+            <a:r>
+              <a:rPr lang="en-US" dirty="0"/>
+              <a:t>Motivation</a:t>
+            </a:r>
+          </a:p>
+        </p:txBody>
+      </p:sp>
+      <p:sp>
+        <p:nvSpPr>
+          <p:cNvPr id="3" name="Slide Number Placeholder 2">
+            <a:extLst>
+              <a:ext uri="{FF2B5EF4-FFF2-40B4-BE49-F238E27FC236}">
+                <a16:creationId xmlns:a16="http://schemas.microsoft.com/office/drawing/2014/main" id="{1E6DBBD3-97ED-7CBA-1779-311E3C0C9DF1}"/>
+              </a:ext>
+            </a:extLst>
+          </p:cNvPr>
+          <p:cNvSpPr>
+            <a:spLocks noGrp="1"/>
+          </p:cNvSpPr>
+          <p:nvPr>
+            <p:ph type="sldNum" idx="12"/>
+          </p:nvPr>
+        </p:nvSpPr>
+        <p:spPr/>
+        <p:txBody>
+          <a:bodyPr/>
+          <a:lstStyle/>
+          <a:p>
+            <a:pPr marL="0" lvl="0" indent="0" algn="r" rtl="0">
+              <a:spcBef>
+                <a:spcPts val="0"/>
+              </a:spcBef>
+              <a:spcAft>
+                <a:spcPts val="0"/>
+              </a:spcAft>
+              <a:buNone/>
+            </a:pPr>
+            <a:fld id="{00000000-1234-1234-1234-123412341234}" type="slidenum">
+              <a:rPr lang="en-US" smtClean="0"/>
+              <a:t>2</a:t>
+            </a:fld>
+            <a:endParaRPr lang="en-US"/>
+          </a:p>
+        </p:txBody>
+      </p:sp>
+      <p:pic>
+        <p:nvPicPr>
+          <p:cNvPr id="5" name="Picture 4">
+            <a:extLst>
+              <a:ext uri="{FF2B5EF4-FFF2-40B4-BE49-F238E27FC236}">
+                <a16:creationId xmlns:a16="http://schemas.microsoft.com/office/drawing/2014/main" id="{E3432878-E36D-0BEA-2986-B1850E131B34}"/>
+              </a:ext>
+            </a:extLst>
+          </p:cNvPr>
+          <p:cNvPicPr>
+            <a:picLocks noChangeAspect="1"/>
+          </p:cNvPicPr>
+          <p:nvPr/>
+        </p:nvPicPr>
+        <p:blipFill>
+          <a:blip r:embed="rId2"/>
+          <a:stretch>
+            <a:fillRect/>
+          </a:stretch>
+        </p:blipFill>
+        <p:spPr>
+          <a:xfrm>
+            <a:off x="525678" y="1698202"/>
+            <a:ext cx="7125694" cy="2915057"/>
+          </a:xfrm>
+          <a:prstGeom prst="rect">
+            <a:avLst/>
+          </a:prstGeom>
+        </p:spPr>
+      </p:pic>
+    </p:spTree>
+    <p:extLst>
+      <p:ext uri="{BB962C8B-B14F-4D97-AF65-F5344CB8AC3E}">
+        <p14:creationId xmlns:p14="http://schemas.microsoft.com/office/powerpoint/2010/main" val="3003820361"/>
+      </p:ext>
+    </p:extLst>
+  </p:cSld>
+  <p:clrMapOvr>
+    <a:masterClrMapping/>
+  </p:clrMapOvr>
+</p:sld>
+</file>
+
+<file path=ppt/slides/slide3.xml><?xml version="1.0" encoding="utf-8"?>
+<p:sld xmlns:a="http://schemas.openxmlformats.org/drawingml/2006/main" xmlns:r="http://schemas.openxmlformats.org/officeDocument/2006/relationships" xmlns:p="http://schemas.openxmlformats.org/presentationml/2006/main">
+  <p:cSld>
+    <p:spTree>
+      <p:nvGrpSpPr>
+        <p:cNvPr id="1" name="">
+          <a:extLst>
+            <a:ext uri="{FF2B5EF4-FFF2-40B4-BE49-F238E27FC236}">
+              <a16:creationId xmlns:a16="http://schemas.microsoft.com/office/drawing/2014/main" id="{4B603E3F-B8D1-6E54-F9DC-12923EF2E95A}"/>
+            </a:ext>
+          </a:extLst>
+        </p:cNvPr>
+        <p:cNvGrpSpPr/>
+        <p:nvPr/>
+      </p:nvGrpSpPr>
+      <p:grpSpPr>
+        <a:xfrm>
+          <a:off x="0" y="0"/>
+          <a:ext cx="0" cy="0"/>
+          <a:chOff x="0" y="0"/>
+          <a:chExt cx="0" cy="0"/>
+        </a:xfrm>
+      </p:grpSpPr>
+      <p:sp>
+        <p:nvSpPr>
+          <p:cNvPr id="2" name="Title 1">
+            <a:extLst>
+              <a:ext uri="{FF2B5EF4-FFF2-40B4-BE49-F238E27FC236}">
+                <a16:creationId xmlns:a16="http://schemas.microsoft.com/office/drawing/2014/main" id="{B60B6FA9-82E9-51CE-96C5-192899D3E25E}"/>
+              </a:ext>
+            </a:extLst>
+          </p:cNvPr>
+          <p:cNvSpPr>
+            <a:spLocks noGrp="1"/>
+          </p:cNvSpPr>
+          <p:nvPr>
+            <p:ph type="title"/>
+          </p:nvPr>
+        </p:nvSpPr>
+        <p:spPr/>
+        <p:txBody>
+          <a:bodyPr>
+            <a:normAutofit fontScale="90000"/>
+          </a:bodyPr>
+          <a:lstStyle/>
+          <a:p>
+            <a:r>
+              <a:rPr lang="en-US" dirty="0"/>
+              <a:t>Core Idea: RANSAC</a:t>
+            </a:r>
+          </a:p>
+        </p:txBody>
+      </p:sp>
+      <p:sp>
+        <p:nvSpPr>
+          <p:cNvPr id="3" name="Slide Number Placeholder 2">
+            <a:extLst>
+              <a:ext uri="{FF2B5EF4-FFF2-40B4-BE49-F238E27FC236}">
+                <a16:creationId xmlns:a16="http://schemas.microsoft.com/office/drawing/2014/main" id="{95B4E120-CEFB-31A3-B9B2-AFAE8C2BBF1C}"/>
+              </a:ext>
+            </a:extLst>
+          </p:cNvPr>
+          <p:cNvSpPr>
+            <a:spLocks noGrp="1"/>
+          </p:cNvSpPr>
+          <p:nvPr>
+            <p:ph type="sldNum" idx="12"/>
+          </p:nvPr>
+        </p:nvSpPr>
+        <p:spPr/>
+        <p:txBody>
+          <a:bodyPr/>
+          <a:lstStyle/>
+          <a:p>
+            <a:pPr marL="0" lvl="0" indent="0" algn="r" rtl="0">
+              <a:spcBef>
+                <a:spcPts val="0"/>
+              </a:spcBef>
+              <a:spcAft>
+                <a:spcPts val="0"/>
+              </a:spcAft>
+              <a:buNone/>
+            </a:pPr>
+            <a:fld id="{00000000-1234-1234-1234-123412341234}" type="slidenum">
+              <a:rPr lang="en-US" smtClean="0"/>
+              <a:t>3</a:t>
+            </a:fld>
+            <a:endParaRPr lang="en-US"/>
+          </a:p>
+        </p:txBody>
+      </p:sp>
+      <p:pic>
+        <p:nvPicPr>
+          <p:cNvPr id="6" name="Picture 5">
+            <a:extLst>
+              <a:ext uri="{FF2B5EF4-FFF2-40B4-BE49-F238E27FC236}">
+                <a16:creationId xmlns:a16="http://schemas.microsoft.com/office/drawing/2014/main" id="{F4A9863E-172E-34EB-C630-0A5DAB71632C}"/>
+              </a:ext>
+            </a:extLst>
+          </p:cNvPr>
+          <p:cNvPicPr>
+            <a:picLocks noChangeAspect="1"/>
+          </p:cNvPicPr>
+          <p:nvPr/>
+        </p:nvPicPr>
+        <p:blipFill>
+          <a:blip r:embed="rId2"/>
+          <a:stretch>
+            <a:fillRect/>
+          </a:stretch>
+        </p:blipFill>
+        <p:spPr>
+          <a:xfrm>
+            <a:off x="2337863" y="2476367"/>
+            <a:ext cx="7516274" cy="1905266"/>
+          </a:xfrm>
+          <a:prstGeom prst="rect">
+            <a:avLst/>
+          </a:prstGeom>
+        </p:spPr>
+      </p:pic>
+    </p:spTree>
+    <p:extLst>
+      <p:ext uri="{BB962C8B-B14F-4D97-AF65-F5344CB8AC3E}">
+        <p14:creationId xmlns:p14="http://schemas.microsoft.com/office/powerpoint/2010/main" val="2898732197"/>
+      </p:ext>
+    </p:extLst>
+  </p:cSld>
+  <p:clrMapOvr>
+    <a:masterClrMapping/>
+  </p:clrMapOvr>
+</p:sld>
+</file>
+
+<file path=ppt/slides/slide4.xml><?xml version="1.0" encoding="utf-8"?>
+<p:sld xmlns:a="http://schemas.openxmlformats.org/drawingml/2006/main" xmlns:r="http://schemas.openxmlformats.org/officeDocument/2006/relationships" xmlns:p="http://schemas.openxmlformats.org/presentationml/2006/main">
+  <p:cSld>
+    <p:spTree>
+      <p:nvGrpSpPr>
+        <p:cNvPr id="1" name=""/>
+        <p:cNvGrpSpPr/>
+        <p:nvPr/>
+      </p:nvGrpSpPr>
+      <p:grpSpPr>
+        <a:xfrm>
+          <a:off x="0" y="0"/>
+          <a:ext cx="0" cy="0"/>
+          <a:chOff x="0" y="0"/>
+          <a:chExt cx="0" cy="0"/>
+        </a:xfrm>
+      </p:grpSpPr>
+      <p:sp>
+        <p:nvSpPr>
+          <p:cNvPr id="2" name="Title 1">
+            <a:extLst>
+              <a:ext uri="{FF2B5EF4-FFF2-40B4-BE49-F238E27FC236}">
+                <a16:creationId xmlns:a16="http://schemas.microsoft.com/office/drawing/2014/main" id="{4FE46E6E-C9A8-D41C-ED63-CBC2F3E56C72}"/>
+              </a:ext>
+            </a:extLst>
+          </p:cNvPr>
+          <p:cNvSpPr>
+            <a:spLocks noGrp="1"/>
+          </p:cNvSpPr>
+          <p:nvPr>
+            <p:ph type="title"/>
+          </p:nvPr>
+        </p:nvSpPr>
+        <p:spPr/>
+        <p:txBody>
+          <a:bodyPr>
+            <a:normAutofit fontScale="90000"/>
+          </a:bodyPr>
+          <a:lstStyle/>
+          <a:p>
+            <a:r>
+              <a:rPr lang="en-US" dirty="0"/>
+              <a:t>RANSAC Example</a:t>
+            </a:r>
+          </a:p>
+        </p:txBody>
+      </p:sp>
+      <p:sp>
+        <p:nvSpPr>
+          <p:cNvPr id="3" name="Slide Number Placeholder 2">
+            <a:extLst>
+              <a:ext uri="{FF2B5EF4-FFF2-40B4-BE49-F238E27FC236}">
+                <a16:creationId xmlns:a16="http://schemas.microsoft.com/office/drawing/2014/main" id="{BF979717-D780-F334-4945-2ED4DD217A90}"/>
+              </a:ext>
+            </a:extLst>
+          </p:cNvPr>
+          <p:cNvSpPr>
+            <a:spLocks noGrp="1"/>
+          </p:cNvSpPr>
+          <p:nvPr>
+            <p:ph type="sldNum" idx="12"/>
+          </p:nvPr>
+        </p:nvSpPr>
+        <p:spPr/>
+        <p:txBody>
+          <a:bodyPr/>
+          <a:lstStyle/>
+          <a:p>
+            <a:pPr marL="0" lvl="0" indent="0" algn="r" rtl="0">
+              <a:spcBef>
+                <a:spcPts val="0"/>
+              </a:spcBef>
+              <a:spcAft>
+                <a:spcPts val="0"/>
+              </a:spcAft>
+              <a:buNone/>
+            </a:pPr>
+            <a:fld id="{00000000-1234-1234-1234-123412341234}" type="slidenum">
+              <a:rPr lang="en-US" smtClean="0"/>
+              <a:t>4</a:t>
+            </a:fld>
+            <a:endParaRPr lang="en-US"/>
+          </a:p>
+        </p:txBody>
+      </p:sp>
+      <p:pic>
+        <p:nvPicPr>
+          <p:cNvPr id="5" name="Picture 4">
+            <a:extLst>
+              <a:ext uri="{FF2B5EF4-FFF2-40B4-BE49-F238E27FC236}">
+                <a16:creationId xmlns:a16="http://schemas.microsoft.com/office/drawing/2014/main" id="{40A55168-9799-18F8-69B7-62F32E25136A}"/>
+              </a:ext>
+            </a:extLst>
+          </p:cNvPr>
+          <p:cNvPicPr>
+            <a:picLocks noChangeAspect="1"/>
+          </p:cNvPicPr>
+          <p:nvPr/>
+        </p:nvPicPr>
+        <p:blipFill>
+          <a:blip r:embed="rId2"/>
+          <a:stretch>
+            <a:fillRect/>
+          </a:stretch>
+        </p:blipFill>
+        <p:spPr>
+          <a:xfrm>
+            <a:off x="415600" y="1595181"/>
+            <a:ext cx="5658640" cy="3667637"/>
+          </a:xfrm>
+          <a:prstGeom prst="rect">
+            <a:avLst/>
+          </a:prstGeom>
+        </p:spPr>
+      </p:pic>
+      <p:pic>
+        <p:nvPicPr>
+          <p:cNvPr id="7" name="Picture 6">
+            <a:extLst>
+              <a:ext uri="{FF2B5EF4-FFF2-40B4-BE49-F238E27FC236}">
+                <a16:creationId xmlns:a16="http://schemas.microsoft.com/office/drawing/2014/main" id="{1255F6EB-B2A4-133F-DCF3-3267E1137A6A}"/>
+              </a:ext>
+            </a:extLst>
+          </p:cNvPr>
+          <p:cNvPicPr>
+            <a:picLocks noChangeAspect="1"/>
+          </p:cNvPicPr>
+          <p:nvPr/>
+        </p:nvPicPr>
+        <p:blipFill>
+          <a:blip r:embed="rId3"/>
+          <a:stretch>
+            <a:fillRect/>
+          </a:stretch>
+        </p:blipFill>
+        <p:spPr>
+          <a:xfrm>
+            <a:off x="6832611" y="2871708"/>
+            <a:ext cx="4829849" cy="1114581"/>
+          </a:xfrm>
+          <a:prstGeom prst="rect">
+            <a:avLst/>
+          </a:prstGeom>
+        </p:spPr>
+      </p:pic>
+      <p:pic>
+        <p:nvPicPr>
+          <p:cNvPr id="9" name="Picture 8">
+            <a:extLst>
+              <a:ext uri="{FF2B5EF4-FFF2-40B4-BE49-F238E27FC236}">
+                <a16:creationId xmlns:a16="http://schemas.microsoft.com/office/drawing/2014/main" id="{5B80A104-7C89-7064-AF92-33ECEA80D45E}"/>
+              </a:ext>
+            </a:extLst>
+          </p:cNvPr>
+          <p:cNvPicPr>
+            <a:picLocks noChangeAspect="1"/>
+          </p:cNvPicPr>
+          <p:nvPr/>
+        </p:nvPicPr>
+        <p:blipFill>
+          <a:blip r:embed="rId4"/>
+          <a:stretch>
+            <a:fillRect/>
+          </a:stretch>
+        </p:blipFill>
+        <p:spPr>
+          <a:xfrm>
+            <a:off x="5990700" y="4970425"/>
+            <a:ext cx="5928031" cy="1771897"/>
+          </a:xfrm>
+          <a:prstGeom prst="rect">
+            <a:avLst/>
+          </a:prstGeom>
+        </p:spPr>
+      </p:pic>
+    </p:spTree>
+    <p:extLst>
+      <p:ext uri="{BB962C8B-B14F-4D97-AF65-F5344CB8AC3E}">
+        <p14:creationId xmlns:p14="http://schemas.microsoft.com/office/powerpoint/2010/main" val="1755187374"/>
+      </p:ext>
+    </p:extLst>
+  </p:cSld>
+  <p:clrMapOvr>
+    <a:masterClrMapping/>
+  </p:clrMapOvr>
+</p:sld>
+</file>
+
+<file path=ppt/slides/slide5.xml><?xml version="1.0" encoding="utf-8"?>
+<p:sld xmlns:a="http://schemas.openxmlformats.org/drawingml/2006/main" xmlns:r="http://schemas.openxmlformats.org/officeDocument/2006/relationships" xmlns:p="http://schemas.openxmlformats.org/presentationml/2006/main">
+  <p:cSld>
+    <p:spTree>
+      <p:nvGrpSpPr>
+        <p:cNvPr id="1" name=""/>
+        <p:cNvGrpSpPr/>
+        <p:nvPr/>
+      </p:nvGrpSpPr>
+      <p:grpSpPr>
+        <a:xfrm>
+          <a:off x="0" y="0"/>
+          <a:ext cx="0" cy="0"/>
+          <a:chOff x="0" y="0"/>
+          <a:chExt cx="0" cy="0"/>
+        </a:xfrm>
+      </p:grpSpPr>
+      <p:sp>
+        <p:nvSpPr>
+          <p:cNvPr id="2" name="Title 1">
+            <a:extLst>
+              <a:ext uri="{FF2B5EF4-FFF2-40B4-BE49-F238E27FC236}">
+                <a16:creationId xmlns:a16="http://schemas.microsoft.com/office/drawing/2014/main" id="{9F4EB620-E863-A7DC-DB74-D9CA08EE7E70}"/>
+              </a:ext>
+            </a:extLst>
+          </p:cNvPr>
+          <p:cNvSpPr>
+            <a:spLocks noGrp="1"/>
+          </p:cNvSpPr>
+          <p:nvPr>
+            <p:ph type="title"/>
+          </p:nvPr>
+        </p:nvSpPr>
+        <p:spPr/>
+        <p:txBody>
+          <a:bodyPr>
+            <a:normAutofit fontScale="90000"/>
+          </a:bodyPr>
+          <a:lstStyle/>
+          <a:p>
+            <a:r>
+              <a:rPr lang="en-US" dirty="0"/>
+              <a:t>STEP 01: Choose </a:t>
+            </a:r>
+            <a:r>
+              <a:rPr lang="en-US" dirty="0" err="1"/>
+              <a:t>Paramters</a:t>
+            </a:r>
+            <a:endParaRPr lang="en-US" dirty="0"/>
+          </a:p>
+        </p:txBody>
+      </p:sp>
+      <p:sp>
+        <p:nvSpPr>
+          <p:cNvPr id="3" name="Slide Number Placeholder 2">
+            <a:extLst>
+              <a:ext uri="{FF2B5EF4-FFF2-40B4-BE49-F238E27FC236}">
+                <a16:creationId xmlns:a16="http://schemas.microsoft.com/office/drawing/2014/main" id="{67D1594F-391E-DE78-C911-D4EDCBCC5216}"/>
+              </a:ext>
+            </a:extLst>
+          </p:cNvPr>
+          <p:cNvSpPr>
+            <a:spLocks noGrp="1"/>
+          </p:cNvSpPr>
+          <p:nvPr>
+            <p:ph type="sldNum" idx="12"/>
+          </p:nvPr>
+        </p:nvSpPr>
+        <p:spPr/>
+        <p:txBody>
+          <a:bodyPr/>
+          <a:lstStyle/>
+          <a:p>
+            <a:pPr marL="0" lvl="0" indent="0" algn="r" rtl="0">
+              <a:spcBef>
+                <a:spcPts val="0"/>
+              </a:spcBef>
+              <a:spcAft>
+                <a:spcPts val="0"/>
+              </a:spcAft>
+              <a:buNone/>
+            </a:pPr>
+            <a:fld id="{00000000-1234-1234-1234-123412341234}" type="slidenum">
+              <a:rPr lang="en-US" smtClean="0"/>
+              <a:t>5</a:t>
+            </a:fld>
+            <a:endParaRPr lang="en-US"/>
+          </a:p>
+        </p:txBody>
+      </p:sp>
+      <p:pic>
+        <p:nvPicPr>
+          <p:cNvPr id="5" name="Picture 4">
+            <a:extLst>
+              <a:ext uri="{FF2B5EF4-FFF2-40B4-BE49-F238E27FC236}">
+                <a16:creationId xmlns:a16="http://schemas.microsoft.com/office/drawing/2014/main" id="{18650ECC-3797-07EC-12B4-AC1B24C8E598}"/>
+              </a:ext>
+            </a:extLst>
+          </p:cNvPr>
+          <p:cNvPicPr>
+            <a:picLocks noChangeAspect="1"/>
+          </p:cNvPicPr>
+          <p:nvPr/>
+        </p:nvPicPr>
+        <p:blipFill>
+          <a:blip r:embed="rId2"/>
+          <a:stretch>
+            <a:fillRect/>
+          </a:stretch>
+        </p:blipFill>
+        <p:spPr>
+          <a:xfrm>
+            <a:off x="415600" y="1607987"/>
+            <a:ext cx="4877481" cy="1371791"/>
+          </a:xfrm>
+          <a:prstGeom prst="rect">
+            <a:avLst/>
+          </a:prstGeom>
+        </p:spPr>
+      </p:pic>
+      <p:pic>
+        <p:nvPicPr>
+          <p:cNvPr id="7" name="Picture 6">
+            <a:extLst>
+              <a:ext uri="{FF2B5EF4-FFF2-40B4-BE49-F238E27FC236}">
+                <a16:creationId xmlns:a16="http://schemas.microsoft.com/office/drawing/2014/main" id="{994CBE78-FC2D-1DD8-D10B-ED54B57D7205}"/>
+              </a:ext>
+            </a:extLst>
+          </p:cNvPr>
+          <p:cNvPicPr>
+            <a:picLocks noChangeAspect="1"/>
+          </p:cNvPicPr>
+          <p:nvPr/>
+        </p:nvPicPr>
+        <p:blipFill>
+          <a:blip r:embed="rId3"/>
+          <a:stretch>
+            <a:fillRect/>
+          </a:stretch>
+        </p:blipFill>
+        <p:spPr>
+          <a:xfrm>
+            <a:off x="728339" y="3429000"/>
+            <a:ext cx="4639322" cy="2353003"/>
+          </a:xfrm>
+          <a:prstGeom prst="rect">
+            <a:avLst/>
+          </a:prstGeom>
+        </p:spPr>
+      </p:pic>
+    </p:spTree>
+    <p:extLst>
+      <p:ext uri="{BB962C8B-B14F-4D97-AF65-F5344CB8AC3E}">
+        <p14:creationId xmlns:p14="http://schemas.microsoft.com/office/powerpoint/2010/main" val="3904325454"/>
+      </p:ext>
+    </p:extLst>
+  </p:cSld>
+  <p:clrMapOvr>
+    <a:masterClrMapping/>
+  </p:clrMapOvr>
+</p:sld>
+</file>
+
+<file path=ppt/slides/slide6.xml><?xml version="1.0" encoding="utf-8"?>
+<p:sld xmlns:a="http://schemas.openxmlformats.org/drawingml/2006/main" xmlns:r="http://schemas.openxmlformats.org/officeDocument/2006/relationships" xmlns:p="http://schemas.openxmlformats.org/presentationml/2006/main">
+  <p:cSld>
+    <p:spTree>
+      <p:nvGrpSpPr>
+        <p:cNvPr id="1" name=""/>
+        <p:cNvGrpSpPr/>
+        <p:nvPr/>
+      </p:nvGrpSpPr>
+      <p:grpSpPr>
+        <a:xfrm>
+          <a:off x="0" y="0"/>
+          <a:ext cx="0" cy="0"/>
+          <a:chOff x="0" y="0"/>
+          <a:chExt cx="0" cy="0"/>
+        </a:xfrm>
+      </p:grpSpPr>
+      <p:sp>
+        <p:nvSpPr>
+          <p:cNvPr id="2" name="Title 1">
+            <a:extLst>
+              <a:ext uri="{FF2B5EF4-FFF2-40B4-BE49-F238E27FC236}">
+                <a16:creationId xmlns:a16="http://schemas.microsoft.com/office/drawing/2014/main" id="{40CF8B38-9FF3-4343-7C88-6CABDD95C44B}"/>
+              </a:ext>
+            </a:extLst>
+          </p:cNvPr>
+          <p:cNvSpPr>
+            <a:spLocks noGrp="1"/>
+          </p:cNvSpPr>
+          <p:nvPr>
+            <p:ph type="title"/>
+          </p:nvPr>
+        </p:nvSpPr>
+        <p:spPr>
+          <a:xfrm>
+            <a:off x="163352" y="115678"/>
+            <a:ext cx="11360700" cy="763500"/>
+          </a:xfrm>
+        </p:spPr>
+        <p:txBody>
+          <a:bodyPr>
+            <a:normAutofit fontScale="90000"/>
+          </a:bodyPr>
+          <a:lstStyle/>
+          <a:p>
+            <a:r>
+              <a:rPr lang="en-US" dirty="0"/>
+              <a:t>STEP 02: Count inliers</a:t>
+            </a:r>
+          </a:p>
+        </p:txBody>
+      </p:sp>
+      <p:sp>
+        <p:nvSpPr>
+          <p:cNvPr id="3" name="Slide Number Placeholder 2">
+            <a:extLst>
+              <a:ext uri="{FF2B5EF4-FFF2-40B4-BE49-F238E27FC236}">
+                <a16:creationId xmlns:a16="http://schemas.microsoft.com/office/drawing/2014/main" id="{A3D1FA44-FDDA-7E98-72BC-5F9FA5036A4E}"/>
+              </a:ext>
+            </a:extLst>
+          </p:cNvPr>
+          <p:cNvSpPr>
+            <a:spLocks noGrp="1"/>
+          </p:cNvSpPr>
+          <p:nvPr>
+            <p:ph type="sldNum" idx="12"/>
+          </p:nvPr>
+        </p:nvSpPr>
+        <p:spPr/>
+        <p:txBody>
+          <a:bodyPr/>
+          <a:lstStyle/>
+          <a:p>
+            <a:pPr marL="0" lvl="0" indent="0" algn="r" rtl="0">
+              <a:spcBef>
+                <a:spcPts val="0"/>
+              </a:spcBef>
+              <a:spcAft>
+                <a:spcPts val="0"/>
+              </a:spcAft>
+              <a:buNone/>
+            </a:pPr>
+            <a:fld id="{00000000-1234-1234-1234-123412341234}" type="slidenum">
+              <a:rPr lang="en-US" smtClean="0"/>
+              <a:t>6</a:t>
+            </a:fld>
+            <a:endParaRPr lang="en-US"/>
+          </a:p>
+        </p:txBody>
+      </p:sp>
+      <p:pic>
+        <p:nvPicPr>
+          <p:cNvPr id="5" name="Picture 4">
+            <a:extLst>
+              <a:ext uri="{FF2B5EF4-FFF2-40B4-BE49-F238E27FC236}">
+                <a16:creationId xmlns:a16="http://schemas.microsoft.com/office/drawing/2014/main" id="{0C03A28F-E372-8881-07E7-17FC67357B27}"/>
+              </a:ext>
+            </a:extLst>
+          </p:cNvPr>
+          <p:cNvPicPr>
+            <a:picLocks noChangeAspect="1"/>
+          </p:cNvPicPr>
+          <p:nvPr/>
+        </p:nvPicPr>
+        <p:blipFill>
+          <a:blip r:embed="rId2"/>
+          <a:stretch>
+            <a:fillRect/>
+          </a:stretch>
+        </p:blipFill>
+        <p:spPr>
+          <a:xfrm>
+            <a:off x="352538" y="1050177"/>
+            <a:ext cx="6336385" cy="5692145"/>
+          </a:xfrm>
+          <a:prstGeom prst="rect">
+            <a:avLst/>
+          </a:prstGeom>
+        </p:spPr>
+      </p:pic>
+    </p:spTree>
+    <p:extLst>
+      <p:ext uri="{BB962C8B-B14F-4D97-AF65-F5344CB8AC3E}">
+        <p14:creationId xmlns:p14="http://schemas.microsoft.com/office/powerpoint/2010/main" val="1176919554"/>
+      </p:ext>
+    </p:extLst>
+  </p:cSld>
+  <p:clrMapOvr>
+    <a:masterClrMapping/>
+  </p:clrMapOvr>
+</p:sld>
+</file>
+
+<file path=ppt/slides/slide7.xml><?xml version="1.0" encoding="utf-8"?>
+<p:sld xmlns:a="http://schemas.openxmlformats.org/drawingml/2006/main" xmlns:r="http://schemas.openxmlformats.org/officeDocument/2006/relationships" xmlns:p="http://schemas.openxmlformats.org/presentationml/2006/main">
+  <p:cSld>
+    <p:spTree>
+      <p:nvGrpSpPr>
+        <p:cNvPr id="1" name=""/>
+        <p:cNvGrpSpPr/>
+        <p:nvPr/>
+      </p:nvGrpSpPr>
+      <p:grpSpPr>
+        <a:xfrm>
+          <a:off x="0" y="0"/>
+          <a:ext cx="0" cy="0"/>
+          <a:chOff x="0" y="0"/>
+          <a:chExt cx="0" cy="0"/>
+        </a:xfrm>
+      </p:grpSpPr>
+      <p:sp>
+        <p:nvSpPr>
+          <p:cNvPr id="3" name="Slide Number Placeholder 2">
+            <a:extLst>
+              <a:ext uri="{FF2B5EF4-FFF2-40B4-BE49-F238E27FC236}">
+                <a16:creationId xmlns:a16="http://schemas.microsoft.com/office/drawing/2014/main" id="{A240C033-2517-1A82-6C25-07A7771E0F54}"/>
+              </a:ext>
+            </a:extLst>
+          </p:cNvPr>
+          <p:cNvSpPr>
+            <a:spLocks noGrp="1"/>
+          </p:cNvSpPr>
+          <p:nvPr>
+            <p:ph type="sldNum" idx="12"/>
+          </p:nvPr>
+        </p:nvSpPr>
+        <p:spPr/>
+        <p:txBody>
+          <a:bodyPr/>
+          <a:lstStyle/>
+          <a:p>
+            <a:pPr marL="0" lvl="0" indent="0" algn="r" rtl="0">
+              <a:spcBef>
+                <a:spcPts val="0"/>
+              </a:spcBef>
+              <a:spcAft>
+                <a:spcPts val="0"/>
+              </a:spcAft>
+              <a:buNone/>
+            </a:pPr>
+            <a:fld id="{00000000-1234-1234-1234-123412341234}" type="slidenum">
+              <a:rPr lang="en-US" smtClean="0"/>
+              <a:t>7</a:t>
+            </a:fld>
+            <a:endParaRPr lang="en-US"/>
+          </a:p>
+        </p:txBody>
+      </p:sp>
+      <p:pic>
+        <p:nvPicPr>
+          <p:cNvPr id="5" name="Picture 4">
+            <a:extLst>
+              <a:ext uri="{FF2B5EF4-FFF2-40B4-BE49-F238E27FC236}">
+                <a16:creationId xmlns:a16="http://schemas.microsoft.com/office/drawing/2014/main" id="{9C462BBF-F84A-9BFA-910B-57888C326CE0}"/>
+              </a:ext>
+            </a:extLst>
+          </p:cNvPr>
+          <p:cNvPicPr>
+            <a:picLocks noChangeAspect="1"/>
+          </p:cNvPicPr>
+          <p:nvPr/>
+        </p:nvPicPr>
+        <p:blipFill>
+          <a:blip r:embed="rId2"/>
+          <a:stretch>
+            <a:fillRect/>
+          </a:stretch>
+        </p:blipFill>
+        <p:spPr>
+          <a:xfrm>
+            <a:off x="895235" y="1938872"/>
+            <a:ext cx="6344535" cy="4115374"/>
+          </a:xfrm>
+          <a:prstGeom prst="rect">
+            <a:avLst/>
+          </a:prstGeom>
+        </p:spPr>
+      </p:pic>
+      <p:pic>
+        <p:nvPicPr>
+          <p:cNvPr id="7" name="Picture 6">
+            <a:extLst>
+              <a:ext uri="{FF2B5EF4-FFF2-40B4-BE49-F238E27FC236}">
+                <a16:creationId xmlns:a16="http://schemas.microsoft.com/office/drawing/2014/main" id="{850E7D04-8BA7-A893-9241-D682A4807741}"/>
+              </a:ext>
+            </a:extLst>
+          </p:cNvPr>
+          <p:cNvPicPr>
+            <a:picLocks noChangeAspect="1"/>
+          </p:cNvPicPr>
+          <p:nvPr/>
+        </p:nvPicPr>
+        <p:blipFill>
+          <a:blip r:embed="rId3"/>
+          <a:stretch>
+            <a:fillRect/>
+          </a:stretch>
+        </p:blipFill>
+        <p:spPr>
+          <a:xfrm>
+            <a:off x="7802356" y="2443767"/>
+            <a:ext cx="3734321" cy="1552792"/>
+          </a:xfrm>
+          <a:prstGeom prst="rect">
+            <a:avLst/>
+          </a:prstGeom>
+        </p:spPr>
+      </p:pic>
+      <mc:AlternateContent xmlns:mc="http://schemas.openxmlformats.org/markup-compatibility/2006">
+        <mc:Choice xmlns:p14="http://schemas.microsoft.com/office/powerpoint/2010/main" Requires="p14">
+          <p:contentPart p14:bwMode="auto" r:id="rId4">
+            <p14:nvContentPartPr>
+              <p14:cNvPr id="34" name="Ink 33">
+                <a:extLst>
+                  <a:ext uri="{FF2B5EF4-FFF2-40B4-BE49-F238E27FC236}">
+                    <a16:creationId xmlns:a16="http://schemas.microsoft.com/office/drawing/2014/main" id="{94693092-987F-1C2E-57A4-6C28A0A34BD8}"/>
+                  </a:ext>
+                </a:extLst>
+              </p14:cNvPr>
+              <p14:cNvContentPartPr/>
+              <p14:nvPr/>
+            </p14:nvContentPartPr>
+            <p14:xfrm>
+              <a:off x="8555396" y="4298367"/>
+              <a:ext cx="861840" cy="52920"/>
+            </p14:xfrm>
+          </p:contentPart>
+        </mc:Choice>
+        <mc:Fallback>
+          <p:pic>
+            <p:nvPicPr>
+              <p:cNvPr id="34" name="Ink 33">
+                <a:extLst>
+                  <a:ext uri="{FF2B5EF4-FFF2-40B4-BE49-F238E27FC236}">
+                    <a16:creationId xmlns:a16="http://schemas.microsoft.com/office/drawing/2014/main" id="{94693092-987F-1C2E-57A4-6C28A0A34BD8}"/>
+                  </a:ext>
+                </a:extLst>
+              </p:cNvPr>
+              <p:cNvPicPr/>
+              <p:nvPr/>
+            </p:nvPicPr>
+            <p:blipFill>
+              <a:blip r:embed="rId5"/>
+              <a:stretch>
+                <a:fillRect/>
+              </a:stretch>
+            </p:blipFill>
+            <p:spPr>
+              <a:xfrm>
+                <a:off x="8550716" y="4294047"/>
+                <a:ext cx="870480" cy="61560"/>
+              </a:xfrm>
+              <a:prstGeom prst="rect">
+                <a:avLst/>
+              </a:prstGeom>
+            </p:spPr>
+          </p:pic>
+        </mc:Fallback>
+      </mc:AlternateContent>
+      <p:grpSp>
+        <p:nvGrpSpPr>
+          <p:cNvPr id="40" name="Group 39">
+            <a:extLst>
+              <a:ext uri="{FF2B5EF4-FFF2-40B4-BE49-F238E27FC236}">
+                <a16:creationId xmlns:a16="http://schemas.microsoft.com/office/drawing/2014/main" id="{56D9BDCF-01C0-5B37-4324-7EFC1B693AB7}"/>
+              </a:ext>
+            </a:extLst>
+          </p:cNvPr>
+          <p:cNvGrpSpPr/>
+          <p:nvPr/>
+        </p:nvGrpSpPr>
+        <p:grpSpPr>
+          <a:xfrm>
+            <a:off x="7926116" y="3214767"/>
+            <a:ext cx="3463920" cy="3039480"/>
+            <a:chOff x="7926116" y="3214767"/>
+            <a:chExt cx="3463920" cy="3039480"/>
+          </a:xfrm>
+        </p:grpSpPr>
+        <mc:AlternateContent xmlns:mc="http://schemas.openxmlformats.org/markup-compatibility/2006">
+          <mc:Choice xmlns:p14="http://schemas.microsoft.com/office/powerpoint/2010/main" Requires="p14">
+            <p:contentPart p14:bwMode="auto" r:id="rId6">
+              <p14:nvContentPartPr>
+                <p14:cNvPr id="8" name="Ink 7">
+                  <a:extLst>
+                    <a:ext uri="{FF2B5EF4-FFF2-40B4-BE49-F238E27FC236}">
+                      <a16:creationId xmlns:a16="http://schemas.microsoft.com/office/drawing/2014/main" id="{6793AE36-8CF6-F16E-8103-0EFC3CE573FC}"/>
+                    </a:ext>
+                  </a:extLst>
+                </p14:cNvPr>
+                <p14:cNvContentPartPr/>
+                <p14:nvPr/>
+              </p14:nvContentPartPr>
+              <p14:xfrm>
+                <a:off x="8355596" y="4697967"/>
+                <a:ext cx="94680" cy="692640"/>
+              </p14:xfrm>
+            </p:contentPart>
+          </mc:Choice>
+          <mc:Fallback>
+            <p:pic>
+              <p:nvPicPr>
+                <p:cNvPr id="8" name="Ink 7">
+                  <a:extLst>
+                    <a:ext uri="{FF2B5EF4-FFF2-40B4-BE49-F238E27FC236}">
+                      <a16:creationId xmlns:a16="http://schemas.microsoft.com/office/drawing/2014/main" id="{6793AE36-8CF6-F16E-8103-0EFC3CE573FC}"/>
+                    </a:ext>
+                  </a:extLst>
+                </p:cNvPr>
+                <p:cNvPicPr/>
+                <p:nvPr/>
+              </p:nvPicPr>
+              <p:blipFill>
+                <a:blip r:embed="rId7"/>
+                <a:stretch>
+                  <a:fillRect/>
+                </a:stretch>
+              </p:blipFill>
+              <p:spPr>
+                <a:xfrm>
+                  <a:off x="8351276" y="4693647"/>
+                  <a:ext cx="103320" cy="701280"/>
+                </a:xfrm>
+                <a:prstGeom prst="rect">
+                  <a:avLst/>
+                </a:prstGeom>
+              </p:spPr>
+            </p:pic>
+          </mc:Fallback>
+        </mc:AlternateContent>
+        <mc:AlternateContent xmlns:mc="http://schemas.openxmlformats.org/markup-compatibility/2006">
+          <mc:Choice xmlns:p14="http://schemas.microsoft.com/office/powerpoint/2010/main" Requires="p14">
+            <p:contentPart p14:bwMode="auto" r:id="rId8">
+              <p14:nvContentPartPr>
+                <p14:cNvPr id="9" name="Ink 8">
+                  <a:extLst>
+                    <a:ext uri="{FF2B5EF4-FFF2-40B4-BE49-F238E27FC236}">
+                      <a16:creationId xmlns:a16="http://schemas.microsoft.com/office/drawing/2014/main" id="{491DF47E-869B-A5CF-18F0-F2F51918FC6F}"/>
+                    </a:ext>
+                  </a:extLst>
+                </p14:cNvPr>
+                <p14:cNvContentPartPr/>
+                <p14:nvPr/>
+              </p14:nvContentPartPr>
+              <p14:xfrm>
+                <a:off x="8349116" y="4655487"/>
+                <a:ext cx="838080" cy="770040"/>
+              </p14:xfrm>
+            </p:contentPart>
+          </mc:Choice>
+          <mc:Fallback>
+            <p:pic>
+              <p:nvPicPr>
+                <p:cNvPr id="9" name="Ink 8">
+                  <a:extLst>
+                    <a:ext uri="{FF2B5EF4-FFF2-40B4-BE49-F238E27FC236}">
+                      <a16:creationId xmlns:a16="http://schemas.microsoft.com/office/drawing/2014/main" id="{491DF47E-869B-A5CF-18F0-F2F51918FC6F}"/>
+                    </a:ext>
+                  </a:extLst>
+                </p:cNvPr>
+                <p:cNvPicPr/>
+                <p:nvPr/>
+              </p:nvPicPr>
+              <p:blipFill>
+                <a:blip r:embed="rId9"/>
+                <a:stretch>
+                  <a:fillRect/>
+                </a:stretch>
+              </p:blipFill>
+              <p:spPr>
+                <a:xfrm>
+                  <a:off x="8344796" y="4651167"/>
+                  <a:ext cx="846720" cy="778680"/>
+                </a:xfrm>
+                <a:prstGeom prst="rect">
+                  <a:avLst/>
+                </a:prstGeom>
+              </p:spPr>
+            </p:pic>
+          </mc:Fallback>
+        </mc:AlternateContent>
+        <mc:AlternateContent xmlns:mc="http://schemas.openxmlformats.org/markup-compatibility/2006">
+          <mc:Choice xmlns:p14="http://schemas.microsoft.com/office/powerpoint/2010/main" Requires="p14">
+            <p:contentPart p14:bwMode="auto" r:id="rId10">
+              <p14:nvContentPartPr>
+                <p14:cNvPr id="10" name="Ink 9">
+                  <a:extLst>
+                    <a:ext uri="{FF2B5EF4-FFF2-40B4-BE49-F238E27FC236}">
+                      <a16:creationId xmlns:a16="http://schemas.microsoft.com/office/drawing/2014/main" id="{3C4389F6-0D9C-19B9-2109-4BC0AEE18AC6}"/>
+                    </a:ext>
+                  </a:extLst>
+                </p14:cNvPr>
+                <p14:cNvContentPartPr/>
+                <p14:nvPr/>
+              </p14:nvContentPartPr>
+              <p14:xfrm>
+                <a:off x="8587076" y="5034567"/>
+                <a:ext cx="360" cy="360"/>
+              </p14:xfrm>
+            </p:contentPart>
+          </mc:Choice>
+          <mc:Fallback>
+            <p:pic>
+              <p:nvPicPr>
+                <p:cNvPr id="10" name="Ink 9">
+                  <a:extLst>
+                    <a:ext uri="{FF2B5EF4-FFF2-40B4-BE49-F238E27FC236}">
+                      <a16:creationId xmlns:a16="http://schemas.microsoft.com/office/drawing/2014/main" id="{3C4389F6-0D9C-19B9-2109-4BC0AEE18AC6}"/>
+                    </a:ext>
+                  </a:extLst>
+                </p:cNvPr>
+                <p:cNvPicPr/>
+                <p:nvPr/>
+              </p:nvPicPr>
+              <p:blipFill>
+                <a:blip r:embed="rId11"/>
+                <a:stretch>
+                  <a:fillRect/>
+                </a:stretch>
+              </p:blipFill>
+              <p:spPr>
+                <a:xfrm>
+                  <a:off x="8582756" y="5030247"/>
+                  <a:ext cx="9000" cy="9000"/>
+                </a:xfrm>
+                <a:prstGeom prst="rect">
+                  <a:avLst/>
+                </a:prstGeom>
+              </p:spPr>
+            </p:pic>
+          </mc:Fallback>
+        </mc:AlternateContent>
+        <mc:AlternateContent xmlns:mc="http://schemas.openxmlformats.org/markup-compatibility/2006">
+          <mc:Choice xmlns:p14="http://schemas.microsoft.com/office/powerpoint/2010/main" Requires="p14">
+            <p:contentPart p14:bwMode="auto" r:id="rId12">
+              <p14:nvContentPartPr>
+                <p14:cNvPr id="11" name="Ink 10">
+                  <a:extLst>
+                    <a:ext uri="{FF2B5EF4-FFF2-40B4-BE49-F238E27FC236}">
+                      <a16:creationId xmlns:a16="http://schemas.microsoft.com/office/drawing/2014/main" id="{E2C920B9-03E6-AD54-22E1-2E51ED6079E8}"/>
+                    </a:ext>
+                  </a:extLst>
+                </p14:cNvPr>
+                <p14:cNvContentPartPr/>
+                <p14:nvPr/>
+              </p14:nvContentPartPr>
+              <p14:xfrm>
+                <a:off x="9059396" y="4960767"/>
+                <a:ext cx="360" cy="360"/>
+              </p14:xfrm>
+            </p:contentPart>
+          </mc:Choice>
+          <mc:Fallback>
+            <p:pic>
+              <p:nvPicPr>
+                <p:cNvPr id="11" name="Ink 10">
+                  <a:extLst>
+                    <a:ext uri="{FF2B5EF4-FFF2-40B4-BE49-F238E27FC236}">
+                      <a16:creationId xmlns:a16="http://schemas.microsoft.com/office/drawing/2014/main" id="{E2C920B9-03E6-AD54-22E1-2E51ED6079E8}"/>
+                    </a:ext>
+                  </a:extLst>
+                </p:cNvPr>
+                <p:cNvPicPr/>
+                <p:nvPr/>
+              </p:nvPicPr>
+              <p:blipFill>
+                <a:blip r:embed="rId11"/>
+                <a:stretch>
+                  <a:fillRect/>
+                </a:stretch>
+              </p:blipFill>
+              <p:spPr>
+                <a:xfrm>
+                  <a:off x="9055076" y="4956447"/>
+                  <a:ext cx="9000" cy="9000"/>
+                </a:xfrm>
+                <a:prstGeom prst="rect">
+                  <a:avLst/>
+                </a:prstGeom>
+              </p:spPr>
+            </p:pic>
+          </mc:Fallback>
+        </mc:AlternateContent>
+        <mc:AlternateContent xmlns:mc="http://schemas.openxmlformats.org/markup-compatibility/2006">
+          <mc:Choice xmlns:p14="http://schemas.microsoft.com/office/powerpoint/2010/main" Requires="p14">
+            <p:contentPart p14:bwMode="auto" r:id="rId13">
+              <p14:nvContentPartPr>
+                <p14:cNvPr id="12" name="Ink 11">
+                  <a:extLst>
+                    <a:ext uri="{FF2B5EF4-FFF2-40B4-BE49-F238E27FC236}">
+                      <a16:creationId xmlns:a16="http://schemas.microsoft.com/office/drawing/2014/main" id="{1F1987AC-778E-0A7A-CDCD-E47CE82DC56F}"/>
+                    </a:ext>
+                  </a:extLst>
+                </p14:cNvPr>
+                <p14:cNvContentPartPr/>
+                <p14:nvPr/>
+              </p14:nvContentPartPr>
+              <p14:xfrm>
+                <a:off x="8754836" y="5307447"/>
+                <a:ext cx="360" cy="360"/>
+              </p14:xfrm>
+            </p:contentPart>
+          </mc:Choice>
+          <mc:Fallback>
+            <p:pic>
+              <p:nvPicPr>
+                <p:cNvPr id="12" name="Ink 11">
+                  <a:extLst>
+                    <a:ext uri="{FF2B5EF4-FFF2-40B4-BE49-F238E27FC236}">
+                      <a16:creationId xmlns:a16="http://schemas.microsoft.com/office/drawing/2014/main" id="{1F1987AC-778E-0A7A-CDCD-E47CE82DC56F}"/>
+                    </a:ext>
+                  </a:extLst>
+                </p:cNvPr>
+                <p:cNvPicPr/>
+                <p:nvPr/>
+              </p:nvPicPr>
+              <p:blipFill>
+                <a:blip r:embed="rId11"/>
+                <a:stretch>
+                  <a:fillRect/>
+                </a:stretch>
+              </p:blipFill>
+              <p:spPr>
+                <a:xfrm>
+                  <a:off x="8750516" y="5303127"/>
+                  <a:ext cx="9000" cy="9000"/>
+                </a:xfrm>
+                <a:prstGeom prst="rect">
+                  <a:avLst/>
+                </a:prstGeom>
+              </p:spPr>
+            </p:pic>
+          </mc:Fallback>
+        </mc:AlternateContent>
+        <mc:AlternateContent xmlns:mc="http://schemas.openxmlformats.org/markup-compatibility/2006">
+          <mc:Choice xmlns:p14="http://schemas.microsoft.com/office/powerpoint/2010/main" Requires="p14">
+            <p:contentPart p14:bwMode="auto" r:id="rId14">
+              <p14:nvContentPartPr>
+                <p14:cNvPr id="13" name="Ink 12">
+                  <a:extLst>
+                    <a:ext uri="{FF2B5EF4-FFF2-40B4-BE49-F238E27FC236}">
+                      <a16:creationId xmlns:a16="http://schemas.microsoft.com/office/drawing/2014/main" id="{5C7CC4CB-43E0-F2B7-0C5D-9FDF2F17DEFC}"/>
+                    </a:ext>
+                  </a:extLst>
+                </p14:cNvPr>
+                <p14:cNvContentPartPr/>
+                <p14:nvPr/>
+              </p14:nvContentPartPr>
+              <p14:xfrm>
+                <a:off x="10026716" y="4117647"/>
+                <a:ext cx="1363320" cy="948240"/>
+              </p14:xfrm>
+            </p:contentPart>
+          </mc:Choice>
+          <mc:Fallback>
+            <p:pic>
+              <p:nvPicPr>
+                <p:cNvPr id="13" name="Ink 12">
+                  <a:extLst>
+                    <a:ext uri="{FF2B5EF4-FFF2-40B4-BE49-F238E27FC236}">
+                      <a16:creationId xmlns:a16="http://schemas.microsoft.com/office/drawing/2014/main" id="{5C7CC4CB-43E0-F2B7-0C5D-9FDF2F17DEFC}"/>
+                    </a:ext>
+                  </a:extLst>
+                </p:cNvPr>
+                <p:cNvPicPr/>
+                <p:nvPr/>
+              </p:nvPicPr>
+              <p:blipFill>
+                <a:blip r:embed="rId15"/>
+                <a:stretch>
+                  <a:fillRect/>
+                </a:stretch>
+              </p:blipFill>
+              <p:spPr>
+                <a:xfrm>
+                  <a:off x="10022396" y="4113327"/>
+                  <a:ext cx="1371960" cy="956880"/>
+                </a:xfrm>
+                <a:prstGeom prst="rect">
+                  <a:avLst/>
+                </a:prstGeom>
+              </p:spPr>
+            </p:pic>
+          </mc:Fallback>
+        </mc:AlternateContent>
+        <mc:AlternateContent xmlns:mc="http://schemas.openxmlformats.org/markup-compatibility/2006">
+          <mc:Choice xmlns:p14="http://schemas.microsoft.com/office/powerpoint/2010/main" Requires="p14">
+            <p:contentPart p14:bwMode="auto" r:id="rId16">
+              <p14:nvContentPartPr>
+                <p14:cNvPr id="14" name="Ink 13">
+                  <a:extLst>
+                    <a:ext uri="{FF2B5EF4-FFF2-40B4-BE49-F238E27FC236}">
+                      <a16:creationId xmlns:a16="http://schemas.microsoft.com/office/drawing/2014/main" id="{F997D6B6-20CB-43DB-3E38-B45A4478DC6E}"/>
+                    </a:ext>
+                  </a:extLst>
+                </p14:cNvPr>
+                <p14:cNvContentPartPr/>
+                <p14:nvPr/>
+              </p14:nvContentPartPr>
+              <p14:xfrm>
+                <a:off x="10341716" y="4624527"/>
+                <a:ext cx="360" cy="360"/>
+              </p14:xfrm>
+            </p:contentPart>
+          </mc:Choice>
+          <mc:Fallback>
+            <p:pic>
+              <p:nvPicPr>
+                <p:cNvPr id="14" name="Ink 13">
+                  <a:extLst>
+                    <a:ext uri="{FF2B5EF4-FFF2-40B4-BE49-F238E27FC236}">
+                      <a16:creationId xmlns:a16="http://schemas.microsoft.com/office/drawing/2014/main" id="{F997D6B6-20CB-43DB-3E38-B45A4478DC6E}"/>
+                    </a:ext>
+                  </a:extLst>
+                </p:cNvPr>
+                <p:cNvPicPr/>
+                <p:nvPr/>
+              </p:nvPicPr>
+              <p:blipFill>
+                <a:blip r:embed="rId11"/>
+                <a:stretch>
+                  <a:fillRect/>
+                </a:stretch>
+              </p:blipFill>
+              <p:spPr>
+                <a:xfrm>
+                  <a:off x="10337396" y="4620207"/>
+                  <a:ext cx="9000" cy="9000"/>
+                </a:xfrm>
+                <a:prstGeom prst="rect">
+                  <a:avLst/>
+                </a:prstGeom>
+              </p:spPr>
+            </p:pic>
+          </mc:Fallback>
+        </mc:AlternateContent>
+        <mc:AlternateContent xmlns:mc="http://schemas.openxmlformats.org/markup-compatibility/2006">
+          <mc:Choice xmlns:p14="http://schemas.microsoft.com/office/powerpoint/2010/main" Requires="p14">
+            <p:contentPart p14:bwMode="auto" r:id="rId17">
+              <p14:nvContentPartPr>
+                <p14:cNvPr id="15" name="Ink 14">
+                  <a:extLst>
+                    <a:ext uri="{FF2B5EF4-FFF2-40B4-BE49-F238E27FC236}">
+                      <a16:creationId xmlns:a16="http://schemas.microsoft.com/office/drawing/2014/main" id="{1F15442A-427F-7A02-2B77-DFF728570C52}"/>
+                    </a:ext>
+                  </a:extLst>
+                </p14:cNvPr>
+                <p14:cNvContentPartPr/>
+                <p14:nvPr/>
+              </p14:nvContentPartPr>
+              <p14:xfrm>
+                <a:off x="10773356" y="4424367"/>
+                <a:ext cx="360" cy="360"/>
+              </p14:xfrm>
+            </p:contentPart>
+          </mc:Choice>
+          <mc:Fallback>
+            <p:pic>
+              <p:nvPicPr>
+                <p:cNvPr id="15" name="Ink 14">
+                  <a:extLst>
+                    <a:ext uri="{FF2B5EF4-FFF2-40B4-BE49-F238E27FC236}">
+                      <a16:creationId xmlns:a16="http://schemas.microsoft.com/office/drawing/2014/main" id="{1F15442A-427F-7A02-2B77-DFF728570C52}"/>
+                    </a:ext>
+                  </a:extLst>
+                </p:cNvPr>
+                <p:cNvPicPr/>
+                <p:nvPr/>
+              </p:nvPicPr>
+              <p:blipFill>
+                <a:blip r:embed="rId11"/>
+                <a:stretch>
+                  <a:fillRect/>
+                </a:stretch>
+              </p:blipFill>
+              <p:spPr>
+                <a:xfrm>
+                  <a:off x="10769036" y="4420047"/>
+                  <a:ext cx="9000" cy="9000"/>
+                </a:xfrm>
+                <a:prstGeom prst="rect">
+                  <a:avLst/>
+                </a:prstGeom>
+              </p:spPr>
+            </p:pic>
+          </mc:Fallback>
+        </mc:AlternateContent>
+        <mc:AlternateContent xmlns:mc="http://schemas.openxmlformats.org/markup-compatibility/2006">
+          <mc:Choice xmlns:p14="http://schemas.microsoft.com/office/powerpoint/2010/main" Requires="p14">
+            <p:contentPart p14:bwMode="auto" r:id="rId18">
+              <p14:nvContentPartPr>
+                <p14:cNvPr id="16" name="Ink 15">
+                  <a:extLst>
+                    <a:ext uri="{FF2B5EF4-FFF2-40B4-BE49-F238E27FC236}">
+                      <a16:creationId xmlns:a16="http://schemas.microsoft.com/office/drawing/2014/main" id="{1486BAFB-1F10-1A7F-A9FA-4E51ECA8B363}"/>
+                    </a:ext>
+                  </a:extLst>
+                </p14:cNvPr>
+                <p14:cNvContentPartPr/>
+                <p14:nvPr/>
+              </p14:nvContentPartPr>
+              <p14:xfrm>
+                <a:off x="10572836" y="4813527"/>
+                <a:ext cx="360" cy="360"/>
+              </p14:xfrm>
+            </p:contentPart>
+          </mc:Choice>
+          <mc:Fallback>
+            <p:pic>
+              <p:nvPicPr>
+                <p:cNvPr id="16" name="Ink 15">
+                  <a:extLst>
+                    <a:ext uri="{FF2B5EF4-FFF2-40B4-BE49-F238E27FC236}">
+                      <a16:creationId xmlns:a16="http://schemas.microsoft.com/office/drawing/2014/main" id="{1486BAFB-1F10-1A7F-A9FA-4E51ECA8B363}"/>
+                    </a:ext>
+                  </a:extLst>
+                </p:cNvPr>
+                <p:cNvPicPr/>
+                <p:nvPr/>
+              </p:nvPicPr>
+              <p:blipFill>
+                <a:blip r:embed="rId11"/>
+                <a:stretch>
+                  <a:fillRect/>
+                </a:stretch>
+              </p:blipFill>
+              <p:spPr>
+                <a:xfrm>
+                  <a:off x="10568516" y="4809207"/>
+                  <a:ext cx="9000" cy="9000"/>
+                </a:xfrm>
+                <a:prstGeom prst="rect">
+                  <a:avLst/>
+                </a:prstGeom>
+              </p:spPr>
+            </p:pic>
+          </mc:Fallback>
+        </mc:AlternateContent>
+        <mc:AlternateContent xmlns:mc="http://schemas.openxmlformats.org/markup-compatibility/2006">
+          <mc:Choice xmlns:p14="http://schemas.microsoft.com/office/powerpoint/2010/main" Requires="p14">
+            <p:contentPart p14:bwMode="auto" r:id="rId19">
+              <p14:nvContentPartPr>
+                <p14:cNvPr id="17" name="Ink 16">
+                  <a:extLst>
+                    <a:ext uri="{FF2B5EF4-FFF2-40B4-BE49-F238E27FC236}">
+                      <a16:creationId xmlns:a16="http://schemas.microsoft.com/office/drawing/2014/main" id="{71DA7410-5954-8AA6-1767-ACFFDC6AF95D}"/>
+                    </a:ext>
+                  </a:extLst>
+                </p14:cNvPr>
+                <p14:cNvContentPartPr/>
+                <p14:nvPr/>
+              </p14:nvContentPartPr>
+              <p14:xfrm>
+                <a:off x="10405076" y="4891287"/>
+                <a:ext cx="4680" cy="6480"/>
+              </p14:xfrm>
+            </p:contentPart>
+          </mc:Choice>
+          <mc:Fallback>
+            <p:pic>
+              <p:nvPicPr>
+                <p:cNvPr id="17" name="Ink 16">
+                  <a:extLst>
+                    <a:ext uri="{FF2B5EF4-FFF2-40B4-BE49-F238E27FC236}">
+                      <a16:creationId xmlns:a16="http://schemas.microsoft.com/office/drawing/2014/main" id="{71DA7410-5954-8AA6-1767-ACFFDC6AF95D}"/>
+                    </a:ext>
+                  </a:extLst>
+                </p:cNvPr>
+                <p:cNvPicPr/>
+                <p:nvPr/>
+              </p:nvPicPr>
+              <p:blipFill>
+                <a:blip r:embed="rId20"/>
+                <a:stretch>
+                  <a:fillRect/>
+                </a:stretch>
+              </p:blipFill>
+              <p:spPr>
+                <a:xfrm>
+                  <a:off x="10400756" y="4886967"/>
+                  <a:ext cx="13320" cy="15120"/>
+                </a:xfrm>
+                <a:prstGeom prst="rect">
+                  <a:avLst/>
+                </a:prstGeom>
+              </p:spPr>
+            </p:pic>
+          </mc:Fallback>
+        </mc:AlternateContent>
+        <mc:AlternateContent xmlns:mc="http://schemas.openxmlformats.org/markup-compatibility/2006">
+          <mc:Choice xmlns:p14="http://schemas.microsoft.com/office/powerpoint/2010/main" Requires="p14">
+            <p:contentPart p14:bwMode="auto" r:id="rId21">
+              <p14:nvContentPartPr>
+                <p14:cNvPr id="18" name="Ink 17">
+                  <a:extLst>
+                    <a:ext uri="{FF2B5EF4-FFF2-40B4-BE49-F238E27FC236}">
+                      <a16:creationId xmlns:a16="http://schemas.microsoft.com/office/drawing/2014/main" id="{46DFD0E5-7D5E-4687-E1C7-8010F9789836}"/>
+                    </a:ext>
+                  </a:extLst>
+                </p14:cNvPr>
+                <p14:cNvContentPartPr/>
+                <p14:nvPr/>
+              </p14:nvContentPartPr>
+              <p14:xfrm>
+                <a:off x="10804316" y="4697967"/>
+                <a:ext cx="210600" cy="115920"/>
+              </p14:xfrm>
+            </p:contentPart>
+          </mc:Choice>
+          <mc:Fallback>
+            <p:pic>
+              <p:nvPicPr>
+                <p:cNvPr id="18" name="Ink 17">
+                  <a:extLst>
+                    <a:ext uri="{FF2B5EF4-FFF2-40B4-BE49-F238E27FC236}">
+                      <a16:creationId xmlns:a16="http://schemas.microsoft.com/office/drawing/2014/main" id="{46DFD0E5-7D5E-4687-E1C7-8010F9789836}"/>
+                    </a:ext>
+                  </a:extLst>
+                </p:cNvPr>
+                <p:cNvPicPr/>
+                <p:nvPr/>
+              </p:nvPicPr>
+              <p:blipFill>
+                <a:blip r:embed="rId22"/>
+                <a:stretch>
+                  <a:fillRect/>
+                </a:stretch>
+              </p:blipFill>
+              <p:spPr>
+                <a:xfrm>
+                  <a:off x="10799996" y="4693647"/>
+                  <a:ext cx="219240" cy="124560"/>
+                </a:xfrm>
+                <a:prstGeom prst="rect">
+                  <a:avLst/>
+                </a:prstGeom>
+              </p:spPr>
+            </p:pic>
+          </mc:Fallback>
+        </mc:AlternateContent>
+        <mc:AlternateContent xmlns:mc="http://schemas.openxmlformats.org/markup-compatibility/2006">
+          <mc:Choice xmlns:p14="http://schemas.microsoft.com/office/powerpoint/2010/main" Requires="p14">
+            <p:contentPart p14:bwMode="auto" r:id="rId23">
+              <p14:nvContentPartPr>
+                <p14:cNvPr id="19" name="Ink 18">
+                  <a:extLst>
+                    <a:ext uri="{FF2B5EF4-FFF2-40B4-BE49-F238E27FC236}">
+                      <a16:creationId xmlns:a16="http://schemas.microsoft.com/office/drawing/2014/main" id="{9C0AA885-FE50-6F72-C9FB-AD732BA355BA}"/>
+                    </a:ext>
+                  </a:extLst>
+                </p14:cNvPr>
+                <p14:cNvContentPartPr/>
+                <p14:nvPr/>
+              </p14:nvContentPartPr>
+              <p14:xfrm>
+                <a:off x="10678316" y="4414287"/>
+                <a:ext cx="360" cy="360"/>
+              </p14:xfrm>
+            </p:contentPart>
+          </mc:Choice>
+          <mc:Fallback>
+            <p:pic>
+              <p:nvPicPr>
+                <p:cNvPr id="19" name="Ink 18">
+                  <a:extLst>
+                    <a:ext uri="{FF2B5EF4-FFF2-40B4-BE49-F238E27FC236}">
+                      <a16:creationId xmlns:a16="http://schemas.microsoft.com/office/drawing/2014/main" id="{9C0AA885-FE50-6F72-C9FB-AD732BA355BA}"/>
+                    </a:ext>
+                  </a:extLst>
+                </p:cNvPr>
+                <p:cNvPicPr/>
+                <p:nvPr/>
+              </p:nvPicPr>
+              <p:blipFill>
+                <a:blip r:embed="rId11"/>
+                <a:stretch>
+                  <a:fillRect/>
+                </a:stretch>
+              </p:blipFill>
+              <p:spPr>
+                <a:xfrm>
+                  <a:off x="10673996" y="4409967"/>
+                  <a:ext cx="9000" cy="9000"/>
+                </a:xfrm>
+                <a:prstGeom prst="rect">
+                  <a:avLst/>
+                </a:prstGeom>
+              </p:spPr>
+            </p:pic>
+          </mc:Fallback>
+        </mc:AlternateContent>
+        <mc:AlternateContent xmlns:mc="http://schemas.openxmlformats.org/markup-compatibility/2006">
+          <mc:Choice xmlns:p14="http://schemas.microsoft.com/office/powerpoint/2010/main" Requires="p14">
+            <p:contentPart p14:bwMode="auto" r:id="rId24">
+              <p14:nvContentPartPr>
+                <p14:cNvPr id="22" name="Ink 21">
+                  <a:extLst>
+                    <a:ext uri="{FF2B5EF4-FFF2-40B4-BE49-F238E27FC236}">
+                      <a16:creationId xmlns:a16="http://schemas.microsoft.com/office/drawing/2014/main" id="{19812C25-AE3E-293F-B708-4672654FFF31}"/>
+                    </a:ext>
+                  </a:extLst>
+                </p14:cNvPr>
+                <p14:cNvContentPartPr/>
+                <p14:nvPr/>
+              </p14:nvContentPartPr>
+              <p14:xfrm>
+                <a:off x="8607956" y="4434447"/>
+                <a:ext cx="1667520" cy="653040"/>
+              </p14:xfrm>
+            </p:contentPart>
+          </mc:Choice>
+          <mc:Fallback>
+            <p:pic>
+              <p:nvPicPr>
+                <p:cNvPr id="22" name="Ink 21">
+                  <a:extLst>
+                    <a:ext uri="{FF2B5EF4-FFF2-40B4-BE49-F238E27FC236}">
+                      <a16:creationId xmlns:a16="http://schemas.microsoft.com/office/drawing/2014/main" id="{19812C25-AE3E-293F-B708-4672654FFF31}"/>
+                    </a:ext>
+                  </a:extLst>
+                </p:cNvPr>
+                <p:cNvPicPr/>
+                <p:nvPr/>
+              </p:nvPicPr>
+              <p:blipFill>
+                <a:blip r:embed="rId25"/>
+                <a:stretch>
+                  <a:fillRect/>
+                </a:stretch>
+              </p:blipFill>
+              <p:spPr>
+                <a:xfrm>
+                  <a:off x="8603636" y="4430127"/>
+                  <a:ext cx="1676160" cy="661680"/>
+                </a:xfrm>
+                <a:prstGeom prst="rect">
+                  <a:avLst/>
+                </a:prstGeom>
+              </p:spPr>
+            </p:pic>
+          </mc:Fallback>
+        </mc:AlternateContent>
+        <mc:AlternateContent xmlns:mc="http://schemas.openxmlformats.org/markup-compatibility/2006">
+          <mc:Choice xmlns:p14="http://schemas.microsoft.com/office/powerpoint/2010/main" Requires="p14">
+            <p:contentPart p14:bwMode="auto" r:id="rId26">
+              <p14:nvContentPartPr>
+                <p14:cNvPr id="23" name="Ink 22">
+                  <a:extLst>
+                    <a:ext uri="{FF2B5EF4-FFF2-40B4-BE49-F238E27FC236}">
+                      <a16:creationId xmlns:a16="http://schemas.microsoft.com/office/drawing/2014/main" id="{D4F709E0-BE67-45CE-6325-AC02172942DD}"/>
+                    </a:ext>
+                  </a:extLst>
+                </p14:cNvPr>
+                <p14:cNvContentPartPr/>
+                <p14:nvPr/>
+              </p14:nvContentPartPr>
+              <p14:xfrm>
+                <a:off x="8807396" y="4508247"/>
+                <a:ext cx="1689120" cy="736200"/>
+              </p14:xfrm>
+            </p:contentPart>
+          </mc:Choice>
+          <mc:Fallback>
+            <p:pic>
+              <p:nvPicPr>
+                <p:cNvPr id="23" name="Ink 22">
+                  <a:extLst>
+                    <a:ext uri="{FF2B5EF4-FFF2-40B4-BE49-F238E27FC236}">
+                      <a16:creationId xmlns:a16="http://schemas.microsoft.com/office/drawing/2014/main" id="{D4F709E0-BE67-45CE-6325-AC02172942DD}"/>
+                    </a:ext>
+                  </a:extLst>
+                </p:cNvPr>
+                <p:cNvPicPr/>
+                <p:nvPr/>
+              </p:nvPicPr>
+              <p:blipFill>
+                <a:blip r:embed="rId27"/>
+                <a:stretch>
+                  <a:fillRect/>
+                </a:stretch>
+              </p:blipFill>
+              <p:spPr>
+                <a:xfrm>
+                  <a:off x="8803076" y="4503927"/>
+                  <a:ext cx="1697760" cy="744840"/>
+                </a:xfrm>
+                <a:prstGeom prst="rect">
+                  <a:avLst/>
+                </a:prstGeom>
+              </p:spPr>
+            </p:pic>
+          </mc:Fallback>
+        </mc:AlternateContent>
+        <mc:AlternateContent xmlns:mc="http://schemas.openxmlformats.org/markup-compatibility/2006">
+          <mc:Choice xmlns:p14="http://schemas.microsoft.com/office/powerpoint/2010/main" Requires="p14">
+            <p:contentPart p14:bwMode="auto" r:id="rId28">
+              <p14:nvContentPartPr>
+                <p14:cNvPr id="25" name="Ink 24">
+                  <a:extLst>
+                    <a:ext uri="{FF2B5EF4-FFF2-40B4-BE49-F238E27FC236}">
+                      <a16:creationId xmlns:a16="http://schemas.microsoft.com/office/drawing/2014/main" id="{6FAEB5DB-18CE-8477-13FF-7AC2746DE357}"/>
+                    </a:ext>
+                  </a:extLst>
+                </p14:cNvPr>
+                <p14:cNvContentPartPr/>
+                <p14:nvPr/>
+              </p14:nvContentPartPr>
+              <p14:xfrm>
+                <a:off x="7926116" y="3362367"/>
+                <a:ext cx="2111400" cy="430200"/>
+              </p14:xfrm>
+            </p:contentPart>
+          </mc:Choice>
+          <mc:Fallback>
+            <p:pic>
+              <p:nvPicPr>
+                <p:cNvPr id="25" name="Ink 24">
+                  <a:extLst>
+                    <a:ext uri="{FF2B5EF4-FFF2-40B4-BE49-F238E27FC236}">
+                      <a16:creationId xmlns:a16="http://schemas.microsoft.com/office/drawing/2014/main" id="{6FAEB5DB-18CE-8477-13FF-7AC2746DE357}"/>
+                    </a:ext>
+                  </a:extLst>
+                </p:cNvPr>
+                <p:cNvPicPr/>
+                <p:nvPr/>
+              </p:nvPicPr>
+              <p:blipFill>
+                <a:blip r:embed="rId29"/>
+                <a:stretch>
+                  <a:fillRect/>
+                </a:stretch>
+              </p:blipFill>
+              <p:spPr>
+                <a:xfrm>
+                  <a:off x="7921796" y="3358047"/>
+                  <a:ext cx="2120040" cy="438840"/>
+                </a:xfrm>
+                <a:prstGeom prst="rect">
+                  <a:avLst/>
+                </a:prstGeom>
+              </p:spPr>
+            </p:pic>
+          </mc:Fallback>
+        </mc:AlternateContent>
+        <mc:AlternateContent xmlns:mc="http://schemas.openxmlformats.org/markup-compatibility/2006">
+          <mc:Choice xmlns:p14="http://schemas.microsoft.com/office/powerpoint/2010/main" Requires="p14">
+            <p:contentPart p14:bwMode="auto" r:id="rId30">
+              <p14:nvContentPartPr>
+                <p14:cNvPr id="26" name="Ink 25">
+                  <a:extLst>
+                    <a:ext uri="{FF2B5EF4-FFF2-40B4-BE49-F238E27FC236}">
+                      <a16:creationId xmlns:a16="http://schemas.microsoft.com/office/drawing/2014/main" id="{241BAB9A-E506-3AFA-3700-285DD14A94D7}"/>
+                    </a:ext>
+                  </a:extLst>
+                </p14:cNvPr>
+                <p14:cNvContentPartPr/>
+                <p14:nvPr/>
+              </p14:nvContentPartPr>
+              <p14:xfrm>
+                <a:off x="10100516" y="3214767"/>
+                <a:ext cx="963000" cy="485280"/>
+              </p14:xfrm>
+            </p:contentPart>
+          </mc:Choice>
+          <mc:Fallback>
+            <p:pic>
+              <p:nvPicPr>
+                <p:cNvPr id="26" name="Ink 25">
+                  <a:extLst>
+                    <a:ext uri="{FF2B5EF4-FFF2-40B4-BE49-F238E27FC236}">
+                      <a16:creationId xmlns:a16="http://schemas.microsoft.com/office/drawing/2014/main" id="{241BAB9A-E506-3AFA-3700-285DD14A94D7}"/>
+                    </a:ext>
+                  </a:extLst>
+                </p:cNvPr>
+                <p:cNvPicPr/>
+                <p:nvPr/>
+              </p:nvPicPr>
+              <p:blipFill>
+                <a:blip r:embed="rId31"/>
+                <a:stretch>
+                  <a:fillRect/>
+                </a:stretch>
+              </p:blipFill>
+              <p:spPr>
+                <a:xfrm>
+                  <a:off x="10096196" y="3210447"/>
+                  <a:ext cx="971640" cy="493920"/>
+                </a:xfrm>
+                <a:prstGeom prst="rect">
+                  <a:avLst/>
+                </a:prstGeom>
+              </p:spPr>
+            </p:pic>
+          </mc:Fallback>
+        </mc:AlternateContent>
+        <mc:AlternateContent xmlns:mc="http://schemas.openxmlformats.org/markup-compatibility/2006">
+          <mc:Choice xmlns:p14="http://schemas.microsoft.com/office/powerpoint/2010/main" Requires="p14">
+            <p:contentPart p14:bwMode="auto" r:id="rId32">
+              <p14:nvContentPartPr>
+                <p14:cNvPr id="27" name="Ink 26">
+                  <a:extLst>
+                    <a:ext uri="{FF2B5EF4-FFF2-40B4-BE49-F238E27FC236}">
+                      <a16:creationId xmlns:a16="http://schemas.microsoft.com/office/drawing/2014/main" id="{992F873F-A296-2878-1221-EAE243A43D31}"/>
+                    </a:ext>
+                  </a:extLst>
+                </p14:cNvPr>
+                <p14:cNvContentPartPr/>
+                <p14:nvPr/>
+              </p14:nvContentPartPr>
+              <p14:xfrm>
+                <a:off x="10310036" y="3289647"/>
+                <a:ext cx="870120" cy="601560"/>
+              </p14:xfrm>
+            </p:contentPart>
+          </mc:Choice>
+          <mc:Fallback>
+            <p:pic>
+              <p:nvPicPr>
+                <p:cNvPr id="27" name="Ink 26">
+                  <a:extLst>
+                    <a:ext uri="{FF2B5EF4-FFF2-40B4-BE49-F238E27FC236}">
+                      <a16:creationId xmlns:a16="http://schemas.microsoft.com/office/drawing/2014/main" id="{992F873F-A296-2878-1221-EAE243A43D31}"/>
+                    </a:ext>
+                  </a:extLst>
+                </p:cNvPr>
+                <p:cNvPicPr/>
+                <p:nvPr/>
+              </p:nvPicPr>
+              <p:blipFill>
+                <a:blip r:embed="rId33"/>
+                <a:stretch>
+                  <a:fillRect/>
+                </a:stretch>
+              </p:blipFill>
+              <p:spPr>
+                <a:xfrm>
+                  <a:off x="10305716" y="3285327"/>
+                  <a:ext cx="878760" cy="610200"/>
+                </a:xfrm>
+                <a:prstGeom prst="rect">
+                  <a:avLst/>
+                </a:prstGeom>
+              </p:spPr>
+            </p:pic>
+          </mc:Fallback>
+        </mc:AlternateContent>
+        <mc:AlternateContent xmlns:mc="http://schemas.openxmlformats.org/markup-compatibility/2006">
+          <mc:Choice xmlns:p14="http://schemas.microsoft.com/office/powerpoint/2010/main" Requires="p14">
+            <p:contentPart p14:bwMode="auto" r:id="rId34">
+              <p14:nvContentPartPr>
+                <p14:cNvPr id="29" name="Ink 28">
+                  <a:extLst>
+                    <a:ext uri="{FF2B5EF4-FFF2-40B4-BE49-F238E27FC236}">
+                      <a16:creationId xmlns:a16="http://schemas.microsoft.com/office/drawing/2014/main" id="{5833634C-2FF3-BD53-BA73-5300B9AEBD91}"/>
+                    </a:ext>
+                  </a:extLst>
+                </p14:cNvPr>
+                <p14:cNvContentPartPr/>
+                <p14:nvPr/>
+              </p14:nvContentPartPr>
+              <p14:xfrm>
+                <a:off x="9395996" y="3846207"/>
+                <a:ext cx="335520" cy="356760"/>
+              </p14:xfrm>
+            </p:contentPart>
+          </mc:Choice>
+          <mc:Fallback>
+            <p:pic>
+              <p:nvPicPr>
+                <p:cNvPr id="29" name="Ink 28">
+                  <a:extLst>
+                    <a:ext uri="{FF2B5EF4-FFF2-40B4-BE49-F238E27FC236}">
+                      <a16:creationId xmlns:a16="http://schemas.microsoft.com/office/drawing/2014/main" id="{5833634C-2FF3-BD53-BA73-5300B9AEBD91}"/>
+                    </a:ext>
+                  </a:extLst>
+                </p:cNvPr>
+                <p:cNvPicPr/>
+                <p:nvPr/>
+              </p:nvPicPr>
+              <p:blipFill>
+                <a:blip r:embed="rId35"/>
+                <a:stretch>
+                  <a:fillRect/>
+                </a:stretch>
+              </p:blipFill>
+              <p:spPr>
+                <a:xfrm>
+                  <a:off x="9391676" y="3841887"/>
+                  <a:ext cx="344160" cy="365400"/>
+                </a:xfrm>
+                <a:prstGeom prst="rect">
+                  <a:avLst/>
+                </a:prstGeom>
+              </p:spPr>
+            </p:pic>
+          </mc:Fallback>
+        </mc:AlternateContent>
+        <mc:AlternateContent xmlns:mc="http://schemas.openxmlformats.org/markup-compatibility/2006">
+          <mc:Choice xmlns:p14="http://schemas.microsoft.com/office/powerpoint/2010/main" Requires="p14">
+            <p:contentPart p14:bwMode="auto" r:id="rId36">
+              <p14:nvContentPartPr>
+                <p14:cNvPr id="30" name="Ink 29">
+                  <a:extLst>
+                    <a:ext uri="{FF2B5EF4-FFF2-40B4-BE49-F238E27FC236}">
+                      <a16:creationId xmlns:a16="http://schemas.microsoft.com/office/drawing/2014/main" id="{A60B2C9F-E51D-5434-9413-05F3227637CB}"/>
+                    </a:ext>
+                  </a:extLst>
+                </p14:cNvPr>
+                <p14:cNvContentPartPr/>
+                <p14:nvPr/>
+              </p14:nvContentPartPr>
+              <p14:xfrm>
+                <a:off x="9479516" y="3794007"/>
+                <a:ext cx="274320" cy="552960"/>
+              </p14:xfrm>
+            </p:contentPart>
+          </mc:Choice>
+          <mc:Fallback>
+            <p:pic>
+              <p:nvPicPr>
+                <p:cNvPr id="30" name="Ink 29">
+                  <a:extLst>
+                    <a:ext uri="{FF2B5EF4-FFF2-40B4-BE49-F238E27FC236}">
+                      <a16:creationId xmlns:a16="http://schemas.microsoft.com/office/drawing/2014/main" id="{A60B2C9F-E51D-5434-9413-05F3227637CB}"/>
+                    </a:ext>
+                  </a:extLst>
+                </p:cNvPr>
+                <p:cNvPicPr/>
+                <p:nvPr/>
+              </p:nvPicPr>
+              <p:blipFill>
+                <a:blip r:embed="rId37"/>
+                <a:stretch>
+                  <a:fillRect/>
+                </a:stretch>
+              </p:blipFill>
+              <p:spPr>
+                <a:xfrm>
+                  <a:off x="9475196" y="3789687"/>
+                  <a:ext cx="282960" cy="561600"/>
+                </a:xfrm>
+                <a:prstGeom prst="rect">
+                  <a:avLst/>
+                </a:prstGeom>
+              </p:spPr>
+            </p:pic>
+          </mc:Fallback>
+        </mc:AlternateContent>
+        <mc:AlternateContent xmlns:mc="http://schemas.openxmlformats.org/markup-compatibility/2006">
+          <mc:Choice xmlns:p14="http://schemas.microsoft.com/office/powerpoint/2010/main" Requires="p14">
+            <p:contentPart p14:bwMode="auto" r:id="rId38">
+              <p14:nvContentPartPr>
+                <p14:cNvPr id="31" name="Ink 30">
+                  <a:extLst>
+                    <a:ext uri="{FF2B5EF4-FFF2-40B4-BE49-F238E27FC236}">
+                      <a16:creationId xmlns:a16="http://schemas.microsoft.com/office/drawing/2014/main" id="{C6DE2657-9A42-13A3-CB5C-C306ED65E4C9}"/>
+                    </a:ext>
+                  </a:extLst>
+                </p14:cNvPr>
+                <p14:cNvContentPartPr/>
+                <p14:nvPr/>
+              </p14:nvContentPartPr>
+              <p14:xfrm>
+                <a:off x="8891276" y="4183167"/>
+                <a:ext cx="360" cy="360"/>
+              </p14:xfrm>
+            </p:contentPart>
+          </mc:Choice>
+          <mc:Fallback>
+            <p:pic>
+              <p:nvPicPr>
+                <p:cNvPr id="31" name="Ink 30">
+                  <a:extLst>
+                    <a:ext uri="{FF2B5EF4-FFF2-40B4-BE49-F238E27FC236}">
+                      <a16:creationId xmlns:a16="http://schemas.microsoft.com/office/drawing/2014/main" id="{C6DE2657-9A42-13A3-CB5C-C306ED65E4C9}"/>
+                    </a:ext>
+                  </a:extLst>
+                </p:cNvPr>
+                <p:cNvPicPr/>
+                <p:nvPr/>
+              </p:nvPicPr>
+              <p:blipFill>
+                <a:blip r:embed="rId11"/>
+                <a:stretch>
+                  <a:fillRect/>
+                </a:stretch>
+              </p:blipFill>
+              <p:spPr>
+                <a:xfrm>
+                  <a:off x="8886956" y="4178847"/>
+                  <a:ext cx="9000" cy="9000"/>
+                </a:xfrm>
+                <a:prstGeom prst="rect">
+                  <a:avLst/>
+                </a:prstGeom>
+              </p:spPr>
+            </p:pic>
+          </mc:Fallback>
+        </mc:AlternateContent>
+        <mc:AlternateContent xmlns:mc="http://schemas.openxmlformats.org/markup-compatibility/2006">
+          <mc:Choice xmlns:p14="http://schemas.microsoft.com/office/powerpoint/2010/main" Requires="p14">
+            <p:contentPart p14:bwMode="auto" r:id="rId39">
+              <p14:nvContentPartPr>
+                <p14:cNvPr id="32" name="Ink 31">
+                  <a:extLst>
+                    <a:ext uri="{FF2B5EF4-FFF2-40B4-BE49-F238E27FC236}">
+                      <a16:creationId xmlns:a16="http://schemas.microsoft.com/office/drawing/2014/main" id="{3171A146-A1D9-A10E-3B5C-38DEF5B57920}"/>
+                    </a:ext>
+                  </a:extLst>
+                </p14:cNvPr>
+                <p14:cNvContentPartPr/>
+                <p14:nvPr/>
+              </p14:nvContentPartPr>
+              <p14:xfrm>
+                <a:off x="8628476" y="4098927"/>
+                <a:ext cx="543240" cy="11160"/>
+              </p14:xfrm>
+            </p:contentPart>
+          </mc:Choice>
+          <mc:Fallback>
+            <p:pic>
+              <p:nvPicPr>
+                <p:cNvPr id="32" name="Ink 31">
+                  <a:extLst>
+                    <a:ext uri="{FF2B5EF4-FFF2-40B4-BE49-F238E27FC236}">
+                      <a16:creationId xmlns:a16="http://schemas.microsoft.com/office/drawing/2014/main" id="{3171A146-A1D9-A10E-3B5C-38DEF5B57920}"/>
+                    </a:ext>
+                  </a:extLst>
+                </p:cNvPr>
+                <p:cNvPicPr/>
+                <p:nvPr/>
+              </p:nvPicPr>
+              <p:blipFill>
+                <a:blip r:embed="rId40"/>
+                <a:stretch>
+                  <a:fillRect/>
+                </a:stretch>
+              </p:blipFill>
+              <p:spPr>
+                <a:xfrm>
+                  <a:off x="8624156" y="4094607"/>
+                  <a:ext cx="551880" cy="19800"/>
+                </a:xfrm>
+                <a:prstGeom prst="rect">
+                  <a:avLst/>
+                </a:prstGeom>
+              </p:spPr>
+            </p:pic>
+          </mc:Fallback>
+        </mc:AlternateContent>
+        <mc:AlternateContent xmlns:mc="http://schemas.openxmlformats.org/markup-compatibility/2006">
+          <mc:Choice xmlns:p14="http://schemas.microsoft.com/office/powerpoint/2010/main" Requires="p14">
+            <p:contentPart p14:bwMode="auto" r:id="rId41">
+              <p14:nvContentPartPr>
+                <p14:cNvPr id="35" name="Ink 34">
+                  <a:extLst>
+                    <a:ext uri="{FF2B5EF4-FFF2-40B4-BE49-F238E27FC236}">
+                      <a16:creationId xmlns:a16="http://schemas.microsoft.com/office/drawing/2014/main" id="{47C4F3CB-4CA6-F6D1-44B2-6C406BEBF50D}"/>
+                    </a:ext>
+                  </a:extLst>
+                </p14:cNvPr>
+                <p14:cNvContentPartPr/>
+                <p14:nvPr/>
+              </p14:nvContentPartPr>
+              <p14:xfrm>
+                <a:off x="8555396" y="5118087"/>
+                <a:ext cx="925920" cy="744840"/>
+              </p14:xfrm>
+            </p:contentPart>
+          </mc:Choice>
+          <mc:Fallback>
+            <p:pic>
+              <p:nvPicPr>
+                <p:cNvPr id="35" name="Ink 34">
+                  <a:extLst>
+                    <a:ext uri="{FF2B5EF4-FFF2-40B4-BE49-F238E27FC236}">
+                      <a16:creationId xmlns:a16="http://schemas.microsoft.com/office/drawing/2014/main" id="{47C4F3CB-4CA6-F6D1-44B2-6C406BEBF50D}"/>
+                    </a:ext>
+                  </a:extLst>
+                </p:cNvPr>
+                <p:cNvPicPr/>
+                <p:nvPr/>
+              </p:nvPicPr>
+              <p:blipFill>
+                <a:blip r:embed="rId42"/>
+                <a:stretch>
+                  <a:fillRect/>
+                </a:stretch>
+              </p:blipFill>
+              <p:spPr>
+                <a:xfrm>
+                  <a:off x="8551076" y="5113767"/>
+                  <a:ext cx="934560" cy="753480"/>
+                </a:xfrm>
+                <a:prstGeom prst="rect">
+                  <a:avLst/>
+                </a:prstGeom>
+              </p:spPr>
+            </p:pic>
+          </mc:Fallback>
+        </mc:AlternateContent>
+        <mc:AlternateContent xmlns:mc="http://schemas.openxmlformats.org/markup-compatibility/2006">
+          <mc:Choice xmlns:p14="http://schemas.microsoft.com/office/powerpoint/2010/main" Requires="p14">
+            <p:contentPart p14:bwMode="auto" r:id="rId43">
+              <p14:nvContentPartPr>
+                <p14:cNvPr id="36" name="Ink 35">
+                  <a:extLst>
+                    <a:ext uri="{FF2B5EF4-FFF2-40B4-BE49-F238E27FC236}">
+                      <a16:creationId xmlns:a16="http://schemas.microsoft.com/office/drawing/2014/main" id="{43632EB8-4B5A-43F5-5288-568E86582237}"/>
+                    </a:ext>
+                  </a:extLst>
+                </p14:cNvPr>
+                <p14:cNvContentPartPr/>
+                <p14:nvPr/>
+              </p14:nvContentPartPr>
+              <p14:xfrm>
+                <a:off x="8628476" y="5329407"/>
+                <a:ext cx="1002960" cy="924840"/>
+              </p14:xfrm>
+            </p:contentPart>
+          </mc:Choice>
+          <mc:Fallback>
+            <p:pic>
+              <p:nvPicPr>
+                <p:cNvPr id="36" name="Ink 35">
+                  <a:extLst>
+                    <a:ext uri="{FF2B5EF4-FFF2-40B4-BE49-F238E27FC236}">
+                      <a16:creationId xmlns:a16="http://schemas.microsoft.com/office/drawing/2014/main" id="{43632EB8-4B5A-43F5-5288-568E86582237}"/>
+                    </a:ext>
+                  </a:extLst>
+                </p:cNvPr>
+                <p:cNvPicPr/>
+                <p:nvPr/>
+              </p:nvPicPr>
+              <p:blipFill>
+                <a:blip r:embed="rId44"/>
+                <a:stretch>
+                  <a:fillRect/>
+                </a:stretch>
+              </p:blipFill>
+              <p:spPr>
+                <a:xfrm>
+                  <a:off x="8624156" y="5325087"/>
+                  <a:ext cx="1011600" cy="933480"/>
+                </a:xfrm>
+                <a:prstGeom prst="rect">
+                  <a:avLst/>
+                </a:prstGeom>
+              </p:spPr>
+            </p:pic>
+          </mc:Fallback>
+        </mc:AlternateContent>
+        <mc:AlternateContent xmlns:mc="http://schemas.openxmlformats.org/markup-compatibility/2006">
+          <mc:Choice xmlns:p14="http://schemas.microsoft.com/office/powerpoint/2010/main" Requires="p14">
+            <p:contentPart p14:bwMode="auto" r:id="rId45">
+              <p14:nvContentPartPr>
+                <p14:cNvPr id="37" name="Ink 36">
+                  <a:extLst>
+                    <a:ext uri="{FF2B5EF4-FFF2-40B4-BE49-F238E27FC236}">
+                      <a16:creationId xmlns:a16="http://schemas.microsoft.com/office/drawing/2014/main" id="{B0563C91-0995-1A8E-9F54-AF7548ECFC40}"/>
+                    </a:ext>
+                  </a:extLst>
+                </p14:cNvPr>
+                <p14:cNvContentPartPr/>
+                <p14:nvPr/>
+              </p14:nvContentPartPr>
+              <p14:xfrm>
+                <a:off x="8891276" y="5318247"/>
+                <a:ext cx="593640" cy="834120"/>
+              </p14:xfrm>
+            </p:contentPart>
+          </mc:Choice>
+          <mc:Fallback>
+            <p:pic>
+              <p:nvPicPr>
+                <p:cNvPr id="37" name="Ink 36">
+                  <a:extLst>
+                    <a:ext uri="{FF2B5EF4-FFF2-40B4-BE49-F238E27FC236}">
+                      <a16:creationId xmlns:a16="http://schemas.microsoft.com/office/drawing/2014/main" id="{B0563C91-0995-1A8E-9F54-AF7548ECFC40}"/>
+                    </a:ext>
+                  </a:extLst>
+                </p:cNvPr>
+                <p:cNvPicPr/>
+                <p:nvPr/>
+              </p:nvPicPr>
+              <p:blipFill>
+                <a:blip r:embed="rId46"/>
+                <a:stretch>
+                  <a:fillRect/>
+                </a:stretch>
+              </p:blipFill>
+              <p:spPr>
+                <a:xfrm>
+                  <a:off x="8886956" y="5313927"/>
+                  <a:ext cx="602280" cy="842760"/>
+                </a:xfrm>
+                <a:prstGeom prst="rect">
+                  <a:avLst/>
+                </a:prstGeom>
+              </p:spPr>
+            </p:pic>
+          </mc:Fallback>
+        </mc:AlternateContent>
+        <mc:AlternateContent xmlns:mc="http://schemas.openxmlformats.org/markup-compatibility/2006">
+          <mc:Choice xmlns:p14="http://schemas.microsoft.com/office/powerpoint/2010/main" Requires="p14">
+            <p:contentPart p14:bwMode="auto" r:id="rId47">
+              <p14:nvContentPartPr>
+                <p14:cNvPr id="38" name="Ink 37">
+                  <a:extLst>
+                    <a:ext uri="{FF2B5EF4-FFF2-40B4-BE49-F238E27FC236}">
+                      <a16:creationId xmlns:a16="http://schemas.microsoft.com/office/drawing/2014/main" id="{6DE0BC34-270B-9C0B-20C8-22973381E056}"/>
+                    </a:ext>
+                  </a:extLst>
+                </p14:cNvPr>
+                <p14:cNvContentPartPr/>
+                <p14:nvPr/>
+              </p14:nvContentPartPr>
+              <p14:xfrm>
+                <a:off x="9174956" y="5234007"/>
+                <a:ext cx="395640" cy="554400"/>
+              </p14:xfrm>
+            </p:contentPart>
+          </mc:Choice>
+          <mc:Fallback>
+            <p:pic>
+              <p:nvPicPr>
+                <p:cNvPr id="38" name="Ink 37">
+                  <a:extLst>
+                    <a:ext uri="{FF2B5EF4-FFF2-40B4-BE49-F238E27FC236}">
+                      <a16:creationId xmlns:a16="http://schemas.microsoft.com/office/drawing/2014/main" id="{6DE0BC34-270B-9C0B-20C8-22973381E056}"/>
+                    </a:ext>
+                  </a:extLst>
+                </p:cNvPr>
+                <p:cNvPicPr/>
+                <p:nvPr/>
+              </p:nvPicPr>
+              <p:blipFill>
+                <a:blip r:embed="rId48"/>
+                <a:stretch>
+                  <a:fillRect/>
+                </a:stretch>
+              </p:blipFill>
+              <p:spPr>
+                <a:xfrm>
+                  <a:off x="9170636" y="5229687"/>
+                  <a:ext cx="404280" cy="563040"/>
+                </a:xfrm>
+                <a:prstGeom prst="rect">
+                  <a:avLst/>
+                </a:prstGeom>
+              </p:spPr>
+            </p:pic>
+          </mc:Fallback>
+        </mc:AlternateContent>
+        <mc:AlternateContent xmlns:mc="http://schemas.openxmlformats.org/markup-compatibility/2006">
+          <mc:Choice xmlns:p14="http://schemas.microsoft.com/office/powerpoint/2010/main" Requires="p14">
+            <p:contentPart p14:bwMode="auto" r:id="rId49">
+              <p14:nvContentPartPr>
+                <p14:cNvPr id="39" name="Ink 38">
+                  <a:extLst>
+                    <a:ext uri="{FF2B5EF4-FFF2-40B4-BE49-F238E27FC236}">
+                      <a16:creationId xmlns:a16="http://schemas.microsoft.com/office/drawing/2014/main" id="{1C95F4E7-8DC2-4CEC-6F1F-58BA553DA43C}"/>
+                    </a:ext>
+                  </a:extLst>
+                </p14:cNvPr>
+                <p14:cNvContentPartPr/>
+                <p14:nvPr/>
+              </p14:nvContentPartPr>
+              <p14:xfrm>
+                <a:off x="9707396" y="6180447"/>
+                <a:ext cx="99000" cy="21960"/>
+              </p14:xfrm>
+            </p:contentPart>
+          </mc:Choice>
+          <mc:Fallback>
+            <p:pic>
+              <p:nvPicPr>
+                <p:cNvPr id="39" name="Ink 38">
+                  <a:extLst>
+                    <a:ext uri="{FF2B5EF4-FFF2-40B4-BE49-F238E27FC236}">
+                      <a16:creationId xmlns:a16="http://schemas.microsoft.com/office/drawing/2014/main" id="{1C95F4E7-8DC2-4CEC-6F1F-58BA553DA43C}"/>
+                    </a:ext>
+                  </a:extLst>
+                </p:cNvPr>
+                <p:cNvPicPr/>
+                <p:nvPr/>
+              </p:nvPicPr>
+              <p:blipFill>
+                <a:blip r:embed="rId50"/>
+                <a:stretch>
+                  <a:fillRect/>
+                </a:stretch>
+              </p:blipFill>
+              <p:spPr>
+                <a:xfrm>
+                  <a:off x="9703076" y="6176127"/>
+                  <a:ext cx="107640" cy="30600"/>
+                </a:xfrm>
+                <a:prstGeom prst="rect">
+                  <a:avLst/>
+                </a:prstGeom>
+              </p:spPr>
+            </p:pic>
+          </mc:Fallback>
+        </mc:AlternateContent>
+      </p:grpSp>
+    </p:spTree>
+    <p:extLst>
+      <p:ext uri="{BB962C8B-B14F-4D97-AF65-F5344CB8AC3E}">
+        <p14:creationId xmlns:p14="http://schemas.microsoft.com/office/powerpoint/2010/main" val="321058081"/>
+      </p:ext>
+    </p:extLst>
+  </p:cSld>
+  <p:clrMapOvr>
+    <a:masterClrMapping/>
+  </p:clrMapOvr>
+</p:sld>
+</file>
+
+<file path=ppt/slides/slide8.xml><?xml version="1.0" encoding="utf-8"?>
+<p:sld xmlns:a="http://schemas.openxmlformats.org/drawingml/2006/main" xmlns:r="http://schemas.openxmlformats.org/officeDocument/2006/relationships" xmlns:p="http://schemas.openxmlformats.org/presentationml/2006/main">
+  <p:cSld>
+    <p:spTree>
+      <p:nvGrpSpPr>
+        <p:cNvPr id="1" name=""/>
+        <p:cNvGrpSpPr/>
+        <p:nvPr/>
+      </p:nvGrpSpPr>
+      <p:grpSpPr>
+        <a:xfrm>
+          <a:off x="0" y="0"/>
+          <a:ext cx="0" cy="0"/>
+          <a:chOff x="0" y="0"/>
+          <a:chExt cx="0" cy="0"/>
+        </a:xfrm>
+      </p:grpSpPr>
+      <p:sp>
+        <p:nvSpPr>
+          <p:cNvPr id="2" name="Title 1">
+            <a:extLst>
+              <a:ext uri="{FF2B5EF4-FFF2-40B4-BE49-F238E27FC236}">
+                <a16:creationId xmlns:a16="http://schemas.microsoft.com/office/drawing/2014/main" id="{BAA1E95D-FA5B-3B39-B99C-02E01BE3D1B0}"/>
+              </a:ext>
+            </a:extLst>
+          </p:cNvPr>
+          <p:cNvSpPr>
+            <a:spLocks noGrp="1"/>
+          </p:cNvSpPr>
+          <p:nvPr>
+            <p:ph type="title"/>
+          </p:nvPr>
+        </p:nvSpPr>
+        <p:spPr/>
+        <p:txBody>
+          <a:bodyPr>
+            <a:normAutofit fontScale="90000"/>
+          </a:bodyPr>
+          <a:lstStyle/>
+          <a:p>
+            <a:r>
+              <a:rPr lang="en-US" dirty="0"/>
+              <a:t>Summary</a:t>
+            </a:r>
+          </a:p>
+        </p:txBody>
+      </p:sp>
+      <p:sp>
+        <p:nvSpPr>
+          <p:cNvPr id="3" name="Slide Number Placeholder 2">
+            <a:extLst>
+              <a:ext uri="{FF2B5EF4-FFF2-40B4-BE49-F238E27FC236}">
+                <a16:creationId xmlns:a16="http://schemas.microsoft.com/office/drawing/2014/main" id="{79578F89-E252-30B5-102C-D8EBE970C1F5}"/>
+              </a:ext>
+            </a:extLst>
+          </p:cNvPr>
+          <p:cNvSpPr>
+            <a:spLocks noGrp="1"/>
+          </p:cNvSpPr>
+          <p:nvPr>
+            <p:ph type="sldNum" idx="12"/>
+          </p:nvPr>
+        </p:nvSpPr>
+        <p:spPr/>
+        <p:txBody>
+          <a:bodyPr/>
+          <a:lstStyle/>
+          <a:p>
+            <a:pPr marL="0" lvl="0" indent="0" algn="r" rtl="0">
+              <a:spcBef>
+                <a:spcPts val="0"/>
+              </a:spcBef>
+              <a:spcAft>
+                <a:spcPts val="0"/>
+              </a:spcAft>
+              <a:buNone/>
+            </a:pPr>
+            <a:fld id="{00000000-1234-1234-1234-123412341234}" type="slidenum">
+              <a:rPr lang="en-US" smtClean="0"/>
+              <a:t>8</a:t>
+            </a:fld>
+            <a:endParaRPr lang="en-US"/>
+          </a:p>
+        </p:txBody>
+      </p:sp>
+      <p:pic>
+        <p:nvPicPr>
+          <p:cNvPr id="6" name="Picture 5">
+            <a:extLst>
+              <a:ext uri="{FF2B5EF4-FFF2-40B4-BE49-F238E27FC236}">
+                <a16:creationId xmlns:a16="http://schemas.microsoft.com/office/drawing/2014/main" id="{60E50A08-B005-CC51-5806-CF6DB9FE69AC}"/>
+              </a:ext>
+            </a:extLst>
+          </p:cNvPr>
+          <p:cNvPicPr>
+            <a:picLocks noChangeAspect="1"/>
+          </p:cNvPicPr>
+          <p:nvPr/>
+        </p:nvPicPr>
+        <p:blipFill>
+          <a:blip r:embed="rId2"/>
+          <a:stretch>
+            <a:fillRect/>
+          </a:stretch>
+        </p:blipFill>
+        <p:spPr>
+          <a:xfrm>
+            <a:off x="548352" y="1821774"/>
+            <a:ext cx="6954220" cy="1848108"/>
+          </a:xfrm>
+          <a:prstGeom prst="rect">
+            <a:avLst/>
+          </a:prstGeom>
+        </p:spPr>
+      </p:pic>
+    </p:spTree>
+    <p:extLst>
+      <p:ext uri="{BB962C8B-B14F-4D97-AF65-F5344CB8AC3E}">
+        <p14:creationId xmlns:p14="http://schemas.microsoft.com/office/powerpoint/2010/main" val="2972733488"/>
+      </p:ext>
+    </p:extLst>
+  </p:cSld>
+  <p:clrMapOvr>
+    <a:masterClrMapping/>
+  </p:clrMapOvr>
+</p:sld>
+</file>
+
 <file path=ppt/theme/theme1.xml><?xml version="1.0" encoding="utf-8"?>
 <a:theme xmlns:a="http://schemas.openxmlformats.org/drawingml/2006/main" name="Simple Light">
   <a:themeElements>

--- a/ComputerVision/Class 08 SIFT RANSAC/CV #8 RANSAC - Aakash.pptx
+++ b/ComputerVision/Class 08 SIFT RANSAC/CV #8 RANSAC - Aakash.pptx
@@ -5,7 +5,7 @@
     <p:sldMasterId id="2147483648" r:id="rId1"/>
   </p:sldMasterIdLst>
   <p:notesMasterIdLst>
-    <p:notesMasterId r:id="rId10"/>
+    <p:notesMasterId r:id="rId11"/>
   </p:notesMasterIdLst>
   <p:sldIdLst>
     <p:sldId id="318" r:id="rId2"/>
@@ -16,6 +16,7 @@
     <p:sldId id="323" r:id="rId7"/>
     <p:sldId id="324" r:id="rId8"/>
     <p:sldId id="325" r:id="rId9"/>
+    <p:sldId id="326" r:id="rId10"/>
   </p:sldIdLst>
   <p:sldSz cx="12192000" cy="6858000"/>
   <p:notesSz cx="6858000" cy="9144000"/>
@@ -253,7 +254,7 @@
       <p15:sldGuideLst xmlns:p15="http://schemas.microsoft.com/office/powerpoint/2012/main"/>
     </p:ext>
     <p:ext uri="GoogleSlidesCustomDataVersion2">
-      <go:slidesCustomData xmlns:go="http://customooxmlschemas.google.com/" xmlns:ahyp="http://schemas.microsoft.com/office/drawing/2018/hyperlinkcolor" xmlns:p15="http://schemas.microsoft.com/office/powerpoint/2012/main" xmlns:p14="http://schemas.microsoft.com/office/powerpoint/2010/main" xmlns:com="http://schemas.openxmlformats.org/drawingml/2006/compatibility" xmlns:pvml="urn:schemas-microsoft-com:office:powerpoint" xmlns:v="urn:schemas-microsoft-com:vml" xmlns:o="urn:schemas-microsoft-com:office:office" xmlns:dgm="http://schemas.openxmlformats.org/drawingml/2006/diagram" xmlns:c="http://schemas.openxmlformats.org/drawingml/2006/chart" xmlns:mv="urn:schemas-microsoft-com:mac:vml" xmlns:mc="http://schemas.openxmlformats.org/markup-compatibility/2006" xmlns="" r:id="rId52" roundtripDataSignature="AMtx7mjyDp/TXpgp/6mAk5w+Yx3MTd0SSQ=="/>
+      <go:slidesCustomData xmlns="" xmlns:mc="http://schemas.openxmlformats.org/markup-compatibility/2006" xmlns:mv="urn:schemas-microsoft-com:mac:vml" xmlns:c="http://schemas.openxmlformats.org/drawingml/2006/chart" xmlns:dgm="http://schemas.openxmlformats.org/drawingml/2006/diagram" xmlns:o="urn:schemas-microsoft-com:office:office" xmlns:v="urn:schemas-microsoft-com:vml" xmlns:pvml="urn:schemas-microsoft-com:office:powerpoint" xmlns:com="http://schemas.openxmlformats.org/drawingml/2006/compatibility" xmlns:p14="http://schemas.microsoft.com/office/powerpoint/2010/main" xmlns:p15="http://schemas.microsoft.com/office/powerpoint/2012/main" xmlns:ahyp="http://schemas.microsoft.com/office/drawing/2018/hyperlinkcolor" xmlns:go="http://customooxmlschemas.google.com/" r:id="rId52" roundtripDataSignature="AMtx7mjyDp/TXpgp/6mAk5w+Yx3MTd0SSQ=="/>
     </p:ext>
   </p:extLst>
 </p:presentation>
@@ -820,6 +821,62 @@
 </inkml:ink>
 </file>
 
+<file path=ppt/ink/ink28.xml><?xml version="1.0" encoding="utf-8"?>
+<inkml:ink xmlns:inkml="http://www.w3.org/2003/InkML">
+  <inkml:definitions>
+    <inkml:context xml:id="ctx0">
+      <inkml:inkSource xml:id="inkSrc0">
+        <inkml:traceFormat>
+          <inkml:channel name="X" type="integer" min="-2.14748E9" max="2.14748E9" units="cm"/>
+          <inkml:channel name="Y" type="integer" min="-2.14748E9" max="2.14748E9" units="cm"/>
+          <inkml:channel name="F" type="integer" max="32767" units="dev"/>
+        </inkml:traceFormat>
+        <inkml:channelProperties>
+          <inkml:channelProperty channel="X" name="resolution" value="1000" units="1/cm"/>
+          <inkml:channelProperty channel="Y" name="resolution" value="1000" units="1/cm"/>
+          <inkml:channelProperty channel="F" name="resolution" value="0" units="1/dev"/>
+        </inkml:channelProperties>
+      </inkml:inkSource>
+      <inkml:timestamp xml:id="ts0" timeString="2025-06-23T15:24:38.174"/>
+    </inkml:context>
+    <inkml:brush xml:id="br0">
+      <inkml:brushProperty name="width" value="0.025" units="cm"/>
+      <inkml:brushProperty name="height" value="0.025" units="cm"/>
+      <inkml:brushProperty name="color" value="#E71224"/>
+    </inkml:brush>
+  </inkml:definitions>
+  <inkml:trace contextRef="#ctx0" brushRef="#br0">237 409 24575,'-11'326'0,"-55"272"0,58-507 0,5 131 0,3-123 0,1-98 0,-1-1 0,0 0 0,0 1 0,0-1 0,0 1 0,0-1 0,0 0 0,0 1 0,0-1 0,0 1 0,0-1 0,0 0 0,0 1 0,0-1 0,0 1 0,-1-1 0,1 0 0,0 1 0,0-1 0,0 1 0,-1-1 0,1 0 0,0 1 0,0-1 0,-1 0 0,1 0 0,0 1 0,0-1 0,-1 1 0,-8-9 0,-6-21 0,-4-27 0,2-2 0,-15-94 0,19 84 0,-3-22 0,4 0 0,4-1 0,4 0 0,3-1 0,5 1 0,4 0 0,22-99 0,-21 145 0,2 0 0,2 2 0,2-1 0,28-53 0,-33 77 0,1 1 0,0 1 0,2 0 0,0 1 0,1 0 0,1 1 0,0 1 0,1 0 0,1 1 0,0 1 0,23-13 0,-17 12 0,0 2 0,0 0 0,1 2 0,43-13 0,-60 21 0,1 1 0,0-1 0,0 1 0,0 1 0,0-1 0,0 1 0,0 1 0,0-1 0,0 1 0,0 1 0,0 0 0,0 0 0,-1 0 0,1 1 0,-1 0 0,0 1 0,0-1 0,0 1 0,10 8 0,-3 0 0,0 2 0,0 0 0,-2 1 0,1 0 0,-2 0 0,0 2 0,-1-1 0,-1 1 0,12 31 0,-11-23 0,-2 1 0,0 0 0,-2 0 0,-1 0 0,-1 1 0,0 37 0,-5-32 0,-2 0 0,-1 0 0,-2 0 0,0-1 0,-3 1 0,-16 41 0,22-67 31,0 0 0,0 0 0,0 0 0,-1 0 0,0-1 0,0 1 0,-1-1 0,1 0 1,-1-1-1,-9 8 0,5-5-316,-1-1 1,0 0-1,0-1 1,0 0-1,-16 6 1,15-8-6542</inkml:trace>
+</inkml:ink>
+</file>
+
+<file path=ppt/ink/ink29.xml><?xml version="1.0" encoding="utf-8"?>
+<inkml:ink xmlns:inkml="http://www.w3.org/2003/InkML">
+  <inkml:definitions>
+    <inkml:context xml:id="ctx0">
+      <inkml:inkSource xml:id="inkSrc0">
+        <inkml:traceFormat>
+          <inkml:channel name="X" type="integer" min="-2.14748E9" max="2.14748E9" units="cm"/>
+          <inkml:channel name="Y" type="integer" min="-2.14748E9" max="2.14748E9" units="cm"/>
+          <inkml:channel name="F" type="integer" max="32767" units="dev"/>
+        </inkml:traceFormat>
+        <inkml:channelProperties>
+          <inkml:channelProperty channel="X" name="resolution" value="1000" units="1/cm"/>
+          <inkml:channelProperty channel="Y" name="resolution" value="1000" units="1/cm"/>
+          <inkml:channelProperty channel="F" name="resolution" value="0" units="1/dev"/>
+        </inkml:channelProperties>
+      </inkml:inkSource>
+      <inkml:timestamp xml:id="ts0" timeString="2025-06-23T15:24:38.740"/>
+    </inkml:context>
+    <inkml:brush xml:id="br0">
+      <inkml:brushProperty name="width" value="0.025" units="cm"/>
+      <inkml:brushProperty name="height" value="0.025" units="cm"/>
+      <inkml:brushProperty name="color" value="#E71224"/>
+    </inkml:brush>
+  </inkml:definitions>
+  <inkml:trace contextRef="#ctx0" brushRef="#br0">1 237 24575,'2'-1'0,"1"1"0,0-1 0,-1 1 0,1 0 0,0 0 0,-1 0 0,1 0 0,4 1 0,6 0 0,117-7 0,212-38 0,-257 30 0,457-95 0,-479 95 0,-3 0 0,-20 3 0,0 3 0,1 1 0,59-2 0,-68 9-1365,-5 0-5461</inkml:trace>
+</inkml:ink>
+</file>
+
 <file path=ppt/ink/ink3.xml><?xml version="1.0" encoding="utf-8"?>
 <inkml:ink xmlns:inkml="http://www.w3.org/2003/InkML">
   <inkml:definitions>
@@ -845,6 +902,286 @@
     </inkml:brush>
   </inkml:definitions>
   <inkml:trace contextRef="#ctx0" brushRef="#br0">19 294 24575,'4'-1'0,"0"1"0,1-1 0,-1 0 0,0-1 0,0 1 0,0 0 0,8-5 0,11-4 0,274-66 0,-217 58 0,889-137 0,-845 141 0,1 6 0,131 9 0,-239 0 0,0 1 0,0 1 0,0 1 0,-1 0 0,1 1 0,22 9 0,-33-10 0,1-1 0,0 1 0,-1 0 0,1 0 0,-1 1 0,0 0 0,-1 0 0,1 0 0,-1 0 0,0 1 0,-1 0 0,1 0 0,-1 1 0,0-1 0,-1 1 0,6 12 0,11 48 0,21 125 0,-7 74 0,-21-149 0,1 61 0,-7-77 0,6-6 0,-7-65 0,-2 0 0,1 38 0,-4-22 0,0-21 0,-2 1 0,-2 25 0,2-47 0,-1 1 0,1-1 0,-1 1 0,0-1 0,0 0 0,-1 0 0,1 0 0,-1 0 0,0 0 0,0-1 0,-4 5 0,-43 37 0,43-39 0,-46 35 0,-95 55 0,-69 19 0,-263 89 0,358-164 0,-1-5 0,-139 19 0,175-42 0,-98-2 0,-89-12 0,70-1 0,134 3-1365,59 0-5461</inkml:trace>
+</inkml:ink>
+</file>
+
+<file path=ppt/ink/ink30.xml><?xml version="1.0" encoding="utf-8"?>
+<inkml:ink xmlns:inkml="http://www.w3.org/2003/InkML">
+  <inkml:definitions>
+    <inkml:context xml:id="ctx0">
+      <inkml:inkSource xml:id="inkSrc0">
+        <inkml:traceFormat>
+          <inkml:channel name="X" type="integer" min="-2.14748E9" max="2.14748E9" units="cm"/>
+          <inkml:channel name="Y" type="integer" min="-2.14748E9" max="2.14748E9" units="cm"/>
+          <inkml:channel name="F" type="integer" max="32767" units="dev"/>
+        </inkml:traceFormat>
+        <inkml:channelProperties>
+          <inkml:channelProperty channel="X" name="resolution" value="1000" units="1/cm"/>
+          <inkml:channelProperty channel="Y" name="resolution" value="1000" units="1/cm"/>
+          <inkml:channelProperty channel="F" name="resolution" value="0" units="1/dev"/>
+        </inkml:channelProperties>
+      </inkml:inkSource>
+      <inkml:timestamp xml:id="ts0" timeString="2025-06-23T15:24:39.077"/>
+    </inkml:context>
+    <inkml:brush xml:id="br0">
+      <inkml:brushProperty name="width" value="0.025" units="cm"/>
+      <inkml:brushProperty name="height" value="0.025" units="cm"/>
+      <inkml:brushProperty name="color" value="#E71224"/>
+    </inkml:brush>
+  </inkml:definitions>
+  <inkml:trace contextRef="#ctx0" brushRef="#br0">1 89 24575,'17'0'0,"307"-27"0,-83 2 0,-212 23 0,274-21 0,-114 11-1365,-172 13-5461</inkml:trace>
+</inkml:ink>
+</file>
+
+<file path=ppt/ink/ink31.xml><?xml version="1.0" encoding="utf-8"?>
+<inkml:ink xmlns:inkml="http://www.w3.org/2003/InkML">
+  <inkml:definitions>
+    <inkml:context xml:id="ctx0">
+      <inkml:inkSource xml:id="inkSrc0">
+        <inkml:traceFormat>
+          <inkml:channel name="X" type="integer" min="-2.14748E9" max="2.14748E9" units="cm"/>
+          <inkml:channel name="Y" type="integer" min="-2.14748E9" max="2.14748E9" units="cm"/>
+          <inkml:channel name="F" type="integer" max="32767" units="dev"/>
+        </inkml:traceFormat>
+        <inkml:channelProperties>
+          <inkml:channelProperty channel="X" name="resolution" value="1000" units="1/cm"/>
+          <inkml:channelProperty channel="Y" name="resolution" value="1000" units="1/cm"/>
+          <inkml:channelProperty channel="F" name="resolution" value="0" units="1/dev"/>
+        </inkml:channelProperties>
+      </inkml:inkSource>
+      <inkml:timestamp xml:id="ts0" timeString="2025-06-23T15:24:44.384"/>
+    </inkml:context>
+    <inkml:brush xml:id="br0">
+      <inkml:brushProperty name="width" value="0.025" units="cm"/>
+      <inkml:brushProperty name="height" value="0.025" units="cm"/>
+      <inkml:brushProperty name="color" value="#E71224"/>
+    </inkml:brush>
+  </inkml:definitions>
+  <inkml:trace contextRef="#ctx0" brushRef="#br0">637 325 24575,'-3'-2'0,"0"0"0,1 0 0,-1 0 0,1 0 0,0-1 0,-4-4 0,-8-8 0,6 9 0,0 0 0,-1 0 0,1 1 0,-1 0 0,-1 1 0,1 0 0,-1 0 0,1 1 0,-1 1 0,0-1 0,0 1 0,0 1 0,-13-1 0,10 2 0,0 1 0,0 1 0,0 0 0,1 0 0,-1 1 0,0 1 0,1 0 0,0 1 0,-23 11 0,9-1 0,0 1 0,1 2 0,0 0 0,1 1 0,2 1 0,0 2 0,1 0 0,-25 35 0,36-42 0,0 0 0,2 0 0,0 1 0,0 1 0,2-1 0,-8 31 0,11-34 0,1 1 0,0-1 0,1 1 0,1 0 0,0 0 0,1-1 0,0 1 0,1 0 0,5 19 0,-3-21 0,-1-1 0,1 0 0,1 0 0,0-1 0,1 1 0,0-1 0,0 0 0,1-1 0,0 0 0,1 0 0,0 0 0,0-1 0,1 0 0,0-1 0,1 0 0,-1 0 0,1-1 0,1 0 0,-1-1 0,1 0 0,0-1 0,0 0 0,13 3 0,-2-2 0,0-1 0,1-1 0,0-1 0,-1-1 0,1-1 0,0-1 0,0-1 0,-1-1 0,1-1 0,-1-1 0,0-1 0,-1-1 0,1-1 0,-1-1 0,23-13 0,-10 3 0,-1-1 0,-1-2 0,-1-2 0,-1 0 0,-2-2 0,0-1 0,-2-2 0,27-36 0,-41 49 0,-1-1 0,-1 0 0,0-1 0,-1 0 0,-1-1 0,-1 0 0,-1 0 0,0 0 0,-2-1 0,0 0 0,2-33 0,-6 41 0,0 0 0,0 0 0,-1 1 0,-1-1 0,0 0 0,-1 1 0,0-1 0,-1 1 0,0 0 0,0 0 0,-1 0 0,-1 1 0,0 0 0,0 0 0,-1 0 0,0 1 0,-1 0 0,0 0 0,-1 1 0,1 0 0,-12-8 0,0 3 0,0 1 0,-1 0 0,-33-12 0,-71-20 0,-8-3 0,123 42-273,-1 1 0,0 0 0,0 1 0,-20-4 0,21 7-6553</inkml:trace>
+</inkml:ink>
+</file>
+
+<file path=ppt/ink/ink32.xml><?xml version="1.0" encoding="utf-8"?>
+<inkml:ink xmlns:inkml="http://www.w3.org/2003/InkML">
+  <inkml:definitions>
+    <inkml:context xml:id="ctx0">
+      <inkml:inkSource xml:id="inkSrc0">
+        <inkml:traceFormat>
+          <inkml:channel name="X" type="integer" min="-2.14748E9" max="2.14748E9" units="cm"/>
+          <inkml:channel name="Y" type="integer" min="-2.14748E9" max="2.14748E9" units="cm"/>
+          <inkml:channel name="F" type="integer" max="32767" units="dev"/>
+        </inkml:traceFormat>
+        <inkml:channelProperties>
+          <inkml:channelProperty channel="X" name="resolution" value="1000" units="1/cm"/>
+          <inkml:channelProperty channel="Y" name="resolution" value="1000" units="1/cm"/>
+          <inkml:channelProperty channel="F" name="resolution" value="0" units="1/dev"/>
+        </inkml:channelProperties>
+      </inkml:inkSource>
+      <inkml:timestamp xml:id="ts0" timeString="2025-06-23T15:24:44.939"/>
+    </inkml:context>
+    <inkml:brush xml:id="br0">
+      <inkml:brushProperty name="width" value="0.025" units="cm"/>
+      <inkml:brushProperty name="height" value="0.025" units="cm"/>
+      <inkml:brushProperty name="color" value="#E71224"/>
+    </inkml:brush>
+  </inkml:definitions>
+  <inkml:trace contextRef="#ctx0" brushRef="#br0">1 18 24575,'0'0'0,"0"-5"0,0-2 0,0 1-8191</inkml:trace>
+</inkml:ink>
+</file>
+
+<file path=ppt/ink/ink33.xml><?xml version="1.0" encoding="utf-8"?>
+<inkml:ink xmlns:inkml="http://www.w3.org/2003/InkML">
+  <inkml:definitions>
+    <inkml:context xml:id="ctx0">
+      <inkml:inkSource xml:id="inkSrc0">
+        <inkml:traceFormat>
+          <inkml:channel name="X" type="integer" min="-2.14748E9" max="2.14748E9" units="cm"/>
+          <inkml:channel name="Y" type="integer" min="-2.14748E9" max="2.14748E9" units="cm"/>
+          <inkml:channel name="F" type="integer" max="32767" units="dev"/>
+        </inkml:traceFormat>
+        <inkml:channelProperties>
+          <inkml:channelProperty channel="X" name="resolution" value="1000" units="1/cm"/>
+          <inkml:channelProperty channel="Y" name="resolution" value="1000" units="1/cm"/>
+          <inkml:channelProperty channel="F" name="resolution" value="0" units="1/dev"/>
+        </inkml:channelProperties>
+      </inkml:inkSource>
+      <inkml:timestamp xml:id="ts0" timeString="2025-06-23T15:24:45.834"/>
+    </inkml:context>
+    <inkml:brush xml:id="br0">
+      <inkml:brushProperty name="width" value="0.025" units="cm"/>
+      <inkml:brushProperty name="height" value="0.025" units="cm"/>
+      <inkml:brushProperty name="color" value="#E71224"/>
+    </inkml:brush>
+  </inkml:definitions>
+  <inkml:trace contextRef="#ctx0" brushRef="#br0">1412 207 24575,'-23'-12'0,"-19"-25"0,29 24 0,-1 1 0,0 1 0,0 0 0,-17-9 0,-1 5 0,0 1 0,-1 1 0,0 1 0,-1 3 0,0 0 0,-1 2 0,0 2 0,0 1 0,0 2 0,-1 1 0,1 2 0,0 2 0,0 0 0,0 3 0,0 1 0,1 1 0,0 2 0,-62 28 0,46-12 0,0 2 0,3 3 0,0 2 0,2 2 0,2 1 0,1 3 0,2 1 0,-65 85 0,95-110 0,0 0 0,0 1 0,2 0 0,0 1 0,1-1 0,0 2 0,-7 33 0,13-45 0,0 0 0,0 0 0,0 0 0,1 0 0,0 0 0,0 0 0,1 0 0,-1 0 0,1 0 0,1-1 0,-1 1 0,1 0 0,0-1 0,0 1 0,1-1 0,-1 1 0,1-1 0,1 0 0,-1 0 0,1 0 0,-1-1 0,1 1 0,1-1 0,-1 0 0,1 0 0,-1 0 0,8 3 0,1 0 0,-1-1 0,1-1 0,1 0 0,-1-1 0,0-1 0,1 0 0,0 0 0,0-2 0,0 0 0,23-1 0,5-2 0,0-2 0,51-12 0,-41 3 0,-1-1 0,0-3 0,-1-2 0,93-50 0,-75 29 0,-2-4 0,103-87 0,-112 84 0,52-49 0,-108 95 0,1-1 0,-1 1 0,0 0 0,1 0 0,0 0 0,-1-1 0,1 1 0,0 1 0,-1-1 0,4-1 0,-4 2 0,-1 0 0,1 0 0,0-1 0,-1 1 0,1 0 0,-1 1 0,1-1 0,-1 0 0,1 0 0,-1 0 0,1 0 0,0 0 0,-1 0 0,1 1 0,-1-1 0,1 0 0,-1 0 0,1 1 0,-1-1 0,0 0 0,1 1 0,-1-1 0,1 1 0,0 0 0,1 3 0,0 0 0,0 0 0,-1 0 0,1 0 0,-1 0 0,0 1 0,0-1 0,0 6 0,5 45 0,-2 0 0,-3 0 0,-8 73 0,3-49 0,-42 608 0,23-459 0,5-67 0,3 176 0,16-264-1365,0-63-5461</inkml:trace>
+</inkml:ink>
+</file>
+
+<file path=ppt/ink/ink34.xml><?xml version="1.0" encoding="utf-8"?>
+<inkml:ink xmlns:inkml="http://www.w3.org/2003/InkML">
+  <inkml:definitions>
+    <inkml:context xml:id="ctx0">
+      <inkml:inkSource xml:id="inkSrc0">
+        <inkml:traceFormat>
+          <inkml:channel name="X" type="integer" min="-2.14748E9" max="2.14748E9" units="cm"/>
+          <inkml:channel name="Y" type="integer" min="-2.14748E9" max="2.14748E9" units="cm"/>
+          <inkml:channel name="F" type="integer" max="32767" units="dev"/>
+        </inkml:traceFormat>
+        <inkml:channelProperties>
+          <inkml:channelProperty channel="X" name="resolution" value="1000" units="1/cm"/>
+          <inkml:channelProperty channel="Y" name="resolution" value="1000" units="1/cm"/>
+          <inkml:channelProperty channel="F" name="resolution" value="0" units="1/dev"/>
+        </inkml:channelProperties>
+      </inkml:inkSource>
+      <inkml:timestamp xml:id="ts0" timeString="2025-06-23T15:24:46.542"/>
+    </inkml:context>
+    <inkml:brush xml:id="br0">
+      <inkml:brushProperty name="width" value="0.025" units="cm"/>
+      <inkml:brushProperty name="height" value="0.025" units="cm"/>
+      <inkml:brushProperty name="color" value="#E71224"/>
+    </inkml:brush>
+  </inkml:definitions>
+  <inkml:trace contextRef="#ctx0" brushRef="#br0">936 208 24575,'-2'-9'0,"0"0"0,0 0 0,-1 0 0,-1 0 0,0 1 0,0-1 0,0 1 0,-1 0 0,-6-8 0,5 7 0,-1 0 0,0 1 0,0 0 0,0 0 0,-1 1 0,-1 0 0,1 0 0,-1 1 0,0 0 0,-1 0 0,1 1 0,-1 1 0,0-1 0,0 2 0,0-1 0,-1 1 0,1 1 0,-22-2 0,6 2 0,1 1 0,-1 2 0,1 0 0,-1 2 0,1 1 0,0 0 0,-34 12 0,39-8 0,0 0 0,0 1 0,1 1 0,0 1 0,1 1 0,0 0 0,0 1 0,2 1 0,-17 17 0,7-2 0,1 1 0,1 2 0,2 0 0,1 1 0,-18 41 0,15-20 0,1 1 0,-24 99 0,46-152 0,-3 14 0,0-1 0,2 0 0,-3 31 0,5-43 0,0 0 0,0 0 0,0 0 0,0 0 0,1 0 0,-1 0 0,1 0 0,0 0 0,0 0 0,0 0 0,0 0 0,0-1 0,1 1 0,-1 0 0,1-1 0,-1 1 0,1-1 0,0 0 0,0 0 0,0 1 0,1-1 0,-1 0 0,0-1 0,1 1 0,-1 0 0,1-1 0,4 2 0,1 0 0,1-1 0,-1-1 0,0 0 0,1 0 0,-1 0 0,1-1 0,-1-1 0,1 1 0,-1-1 0,1-1 0,14-4 0,9-4 0,49-23 0,-74 30 0,21-11 0,0-1 0,-1 0 0,0-2 0,-2-1 0,0-2 0,-1 0 0,-1-1 0,39-48 0,-36 36 0,28-32 0,-53 64 0,0 0 0,0 0 0,0 0 0,0 1 0,0-1 0,0 0 0,0 0 0,0 1 0,0-1 0,0 1 0,0-1 0,0 1 0,0-1 0,1 1 0,-1 0 0,2-1 0,-2 1 0,-1 0 0,1 1 0,0-1 0,-1 0 0,1 0 0,0 1 0,-1-1 0,1 0 0,0 1 0,-1-1 0,1 0 0,-1 1 0,1-1 0,0 1 0,-1-1 0,1 1 0,-1-1 0,0 1 0,1 0 0,-1-1 0,1 1 0,1 4 0,0-1 0,-1 1 0,1-1 0,-1 1 0,0-1 0,0 1 0,0 7 0,2 262 0,-5-162 0,-62 987 0,30-833 0,-10 113 0,38-93-45,7-197-1275,-1-76-5506</inkml:trace>
+</inkml:ink>
+</file>
+
+<file path=ppt/ink/ink35.xml><?xml version="1.0" encoding="utf-8"?>
+<inkml:ink xmlns:inkml="http://www.w3.org/2003/InkML">
+  <inkml:definitions>
+    <inkml:context xml:id="ctx0">
+      <inkml:inkSource xml:id="inkSrc0">
+        <inkml:traceFormat>
+          <inkml:channel name="X" type="integer" min="-2.14748E9" max="2.14748E9" units="cm"/>
+          <inkml:channel name="Y" type="integer" min="-2.14748E9" max="2.14748E9" units="cm"/>
+          <inkml:channel name="F" type="integer" max="32767" units="dev"/>
+        </inkml:traceFormat>
+        <inkml:channelProperties>
+          <inkml:channelProperty channel="X" name="resolution" value="1000" units="1/cm"/>
+          <inkml:channelProperty channel="Y" name="resolution" value="1000" units="1/cm"/>
+          <inkml:channelProperty channel="F" name="resolution" value="0" units="1/dev"/>
+        </inkml:channelProperties>
+      </inkml:inkSource>
+      <inkml:timestamp xml:id="ts0" timeString="2025-06-23T15:24:49.705"/>
+    </inkml:context>
+    <inkml:brush xml:id="br0">
+      <inkml:brushProperty name="width" value="0.025" units="cm"/>
+      <inkml:brushProperty name="height" value="0.025" units="cm"/>
+      <inkml:brushProperty name="color" value="#E71224"/>
+    </inkml:brush>
+  </inkml:definitions>
+  <inkml:trace contextRef="#ctx0" brushRef="#br0">1 324 24575,'2'-1'0,"0"1"0,0 0 0,1-1 0,-1 1 0,0 0 0,0 0 0,1 0 0,2 1 0,8-1 0,46-9 0,108-33 0,-61 14 0,361-77 0,-76 19 0,-315 66 288,-35 8-1115,44-6 1,-67 15-6000</inkml:trace>
+</inkml:ink>
+</file>
+
+<file path=ppt/ink/ink36.xml><?xml version="1.0" encoding="utf-8"?>
+<inkml:ink xmlns:inkml="http://www.w3.org/2003/InkML">
+  <inkml:definitions>
+    <inkml:context xml:id="ctx0">
+      <inkml:inkSource xml:id="inkSrc0">
+        <inkml:traceFormat>
+          <inkml:channel name="X" type="integer" min="-2.14748E9" max="2.14748E9" units="cm"/>
+          <inkml:channel name="Y" type="integer" min="-2.14748E9" max="2.14748E9" units="cm"/>
+          <inkml:channel name="F" type="integer" max="32767" units="dev"/>
+        </inkml:traceFormat>
+        <inkml:channelProperties>
+          <inkml:channelProperty channel="X" name="resolution" value="1000" units="1/cm"/>
+          <inkml:channelProperty channel="Y" name="resolution" value="1000" units="1/cm"/>
+          <inkml:channelProperty channel="F" name="resolution" value="0" units="1/dev"/>
+        </inkml:channelProperties>
+      </inkml:inkSource>
+      <inkml:timestamp xml:id="ts0" timeString="2025-06-23T15:24:50.043"/>
+    </inkml:context>
+    <inkml:brush xml:id="br0">
+      <inkml:brushProperty name="width" value="0.025" units="cm"/>
+      <inkml:brushProperty name="height" value="0.025" units="cm"/>
+      <inkml:brushProperty name="color" value="#E71224"/>
+    </inkml:brush>
+  </inkml:definitions>
+  <inkml:trace contextRef="#ctx0" brushRef="#br0">264 1 24575,'0'1'0,"0"0"0,-1 1 0,1-1 0,0 0 0,-1 1 0,1-1 0,-1 0 0,1 0 0,-1 0 0,1 1 0,-1-1 0,-1 1 0,-2 6 0,-2 13 0,0 0 0,2 1 0,-2 32 0,-1 0 0,-150 840 0,110-606 0,36-210 0,6-32-455,2 1 0,2 49 0,2-85-6371</inkml:trace>
+</inkml:ink>
+</file>
+
+<file path=ppt/ink/ink37.xml><?xml version="1.0" encoding="utf-8"?>
+<inkml:ink xmlns:inkml="http://www.w3.org/2003/InkML">
+  <inkml:definitions>
+    <inkml:context xml:id="ctx0">
+      <inkml:inkSource xml:id="inkSrc0">
+        <inkml:traceFormat>
+          <inkml:channel name="X" type="integer" min="-2.14748E9" max="2.14748E9" units="cm"/>
+          <inkml:channel name="Y" type="integer" min="-2.14748E9" max="2.14748E9" units="cm"/>
+          <inkml:channel name="F" type="integer" max="32767" units="dev"/>
+        </inkml:traceFormat>
+        <inkml:channelProperties>
+          <inkml:channelProperty channel="X" name="resolution" value="1000" units="1/cm"/>
+          <inkml:channelProperty channel="Y" name="resolution" value="1000" units="1/cm"/>
+          <inkml:channelProperty channel="F" name="resolution" value="0" units="1/dev"/>
+        </inkml:channelProperties>
+      </inkml:inkSource>
+      <inkml:timestamp xml:id="ts0" timeString="2025-06-23T15:24:50.457"/>
+    </inkml:context>
+    <inkml:brush xml:id="br0">
+      <inkml:brushProperty name="width" value="0.025" units="cm"/>
+      <inkml:brushProperty name="height" value="0.025" units="cm"/>
+      <inkml:brushProperty name="color" value="#E71224"/>
+    </inkml:brush>
+  </inkml:definitions>
+  <inkml:trace contextRef="#ctx0" brushRef="#br0">1 165 24575,'28'0'0,"47"-4"0,117-20 0,-6 0 0,138 16 0,-101 7 0,50-24 0,-260 23 0,20-4 0,-1-1 0,42-14 0,-13 2 0,-24 13 318,-30 5-655,1 0 1,-1-1-1,1 0 1,10-4-1,-4 0-6489</inkml:trace>
+</inkml:ink>
+</file>
+
+<file path=ppt/ink/ink38.xml><?xml version="1.0" encoding="utf-8"?>
+<inkml:ink xmlns:inkml="http://www.w3.org/2003/InkML">
+  <inkml:definitions>
+    <inkml:context xml:id="ctx0">
+      <inkml:inkSource xml:id="inkSrc0">
+        <inkml:traceFormat>
+          <inkml:channel name="X" type="integer" min="-2.14748E9" max="2.14748E9" units="cm"/>
+          <inkml:channel name="Y" type="integer" min="-2.14748E9" max="2.14748E9" units="cm"/>
+          <inkml:channel name="F" type="integer" max="32767" units="dev"/>
+        </inkml:traceFormat>
+        <inkml:channelProperties>
+          <inkml:channelProperty channel="X" name="resolution" value="1000" units="1/cm"/>
+          <inkml:channelProperty channel="Y" name="resolution" value="1000" units="1/cm"/>
+          <inkml:channelProperty channel="F" name="resolution" value="0" units="1/dev"/>
+        </inkml:channelProperties>
+      </inkml:inkSource>
+      <inkml:timestamp xml:id="ts0" timeString="2025-06-23T15:24:51.201"/>
+    </inkml:context>
+    <inkml:brush xml:id="br0">
+      <inkml:brushProperty name="width" value="0.025" units="cm"/>
+      <inkml:brushProperty name="height" value="0.025" units="cm"/>
+      <inkml:brushProperty name="color" value="#E71224"/>
+    </inkml:brush>
+  </inkml:definitions>
+  <inkml:trace contextRef="#ctx0" brushRef="#br0">0 1 24575,'24'0'0,"1349"0"-1365,-1358 0-5461</inkml:trace>
+</inkml:ink>
+</file>
+
+<file path=ppt/ink/ink39.xml><?xml version="1.0" encoding="utf-8"?>
+<inkml:ink xmlns:inkml="http://www.w3.org/2003/InkML">
+  <inkml:definitions>
+    <inkml:context xml:id="ctx0">
+      <inkml:inkSource xml:id="inkSrc0">
+        <inkml:traceFormat>
+          <inkml:channel name="X" type="integer" min="-2.14748E9" max="2.14748E9" units="cm"/>
+          <inkml:channel name="Y" type="integer" min="-2.14748E9" max="2.14748E9" units="cm"/>
+          <inkml:channel name="F" type="integer" max="32767" units="dev"/>
+        </inkml:traceFormat>
+        <inkml:channelProperties>
+          <inkml:channelProperty channel="X" name="resolution" value="1000" units="1/cm"/>
+          <inkml:channelProperty channel="Y" name="resolution" value="1000" units="1/cm"/>
+          <inkml:channelProperty channel="F" name="resolution" value="0" units="1/dev"/>
+        </inkml:channelProperties>
+      </inkml:inkSource>
+      <inkml:timestamp xml:id="ts0" timeString="2025-06-23T15:24:51.583"/>
+    </inkml:context>
+    <inkml:brush xml:id="br0">
+      <inkml:brushProperty name="width" value="0.025" units="cm"/>
+      <inkml:brushProperty name="height" value="0.025" units="cm"/>
+      <inkml:brushProperty name="color" value="#E71224"/>
+    </inkml:brush>
+  </inkml:definitions>
+  <inkml:trace contextRef="#ctx0" brushRef="#br0">1 60 24575,'18'0'0,"187"1"0,235-3 0,-88-21 0,-293 19 0,54-11 0,-66 8 0,67-2 0,-87 9-1365,-2 0-5461</inkml:trace>
 </inkml:ink>
 </file>
 
@@ -876,6 +1213,286 @@
 </inkml:ink>
 </file>
 
+<file path=ppt/ink/ink40.xml><?xml version="1.0" encoding="utf-8"?>
+<inkml:ink xmlns:inkml="http://www.w3.org/2003/InkML">
+  <inkml:definitions>
+    <inkml:context xml:id="ctx0">
+      <inkml:inkSource xml:id="inkSrc0">
+        <inkml:traceFormat>
+          <inkml:channel name="X" type="integer" min="-2.14748E9" max="2.14748E9" units="cm"/>
+          <inkml:channel name="Y" type="integer" min="-2.14748E9" max="2.14748E9" units="cm"/>
+          <inkml:channel name="F" type="integer" max="32767" units="dev"/>
+        </inkml:traceFormat>
+        <inkml:channelProperties>
+          <inkml:channelProperty channel="X" name="resolution" value="1000" units="1/cm"/>
+          <inkml:channelProperty channel="Y" name="resolution" value="1000" units="1/cm"/>
+          <inkml:channelProperty channel="F" name="resolution" value="0" units="1/dev"/>
+        </inkml:channelProperties>
+      </inkml:inkSource>
+      <inkml:timestamp xml:id="ts0" timeString="2025-06-23T15:24:52.359"/>
+    </inkml:context>
+    <inkml:brush xml:id="br0">
+      <inkml:brushProperty name="width" value="0.025" units="cm"/>
+      <inkml:brushProperty name="height" value="0.025" units="cm"/>
+      <inkml:brushProperty name="color" value="#E71224"/>
+    </inkml:brush>
+  </inkml:definitions>
+  <inkml:trace contextRef="#ctx0" brushRef="#br0">1291 120 24575,'-12'-12'0,"-12"-3"0,0 1 0,-1 1 0,0 1 0,-50-15 0,48 19 0,-1 2 0,0 1 0,0 1 0,0 2 0,-1 1 0,1 1 0,0 1 0,-1 1 0,1 2 0,0 1 0,1 1 0,-46 16 0,21-2 0,1 2 0,1 2 0,2 2 0,0 3 0,-67 52 0,84-56 0,0 2 0,2 1 0,1 1 0,1 2 0,2 0 0,1 2 0,-39 70 0,51-78 0,0 0 0,2 1 0,1 0 0,1 0 0,1 1 0,1 0 0,2 1 0,0-1 0,2 1 0,1-1 0,2 1 0,5 42 0,-3-54 0,0 0 0,1-1 0,1 1 0,1-1 0,0 0 0,1 0 0,0-1 0,1 0 0,1-1 0,0 1 0,1-1 0,1-1 0,0 0 0,0-1 0,1 0 0,0 0 0,1-2 0,0 1 0,1-2 0,0 0 0,0 0 0,1-1 0,0-1 0,0-1 0,1 0 0,29 5 0,-18-6 0,0-1 0,0-2 0,0-1 0,49-5 0,-16-5 0,62-17 0,-75 14 0,0-2 0,-1-2 0,-1-2 0,-1-2 0,0-2 0,-2-2 0,68-53 0,-84 57 0,-2-1 0,0-1 0,-1-2 0,-1 0 0,-2-1 0,0-1 0,-2-1 0,-1-1 0,-1 0 0,-2-1 0,-1-1 0,13-42 0,-13 23 0,11-71 0,-22 105 0,-1-1 0,0 0 0,-1 0 0,-1 1 0,0-1 0,-2 0 0,0 1 0,-7-24 0,7 33 0,-1-1 0,1 1 0,-2 0 0,1 0 0,-1 1 0,0-1 0,0 1 0,0 0 0,-1 1 0,0-1 0,0 1 0,-1 0 0,1 1 0,-12-6 0,-10-4 0,0 1 0,-43-13 0,44 16 0,-2-1 0,-1 2 0,0 0 0,0 2 0,0 1 0,-1 1 0,0 2 0,-38 1 0,67 2-124,0 0 0,0 0 0,1 1 0,-1-1 0,0 1 0,0-1-1,1 1 1,-1-1 0,0 1 0,-1 1 0,-7 5-6702</inkml:trace>
+</inkml:ink>
+</file>
+
+<file path=ppt/ink/ink41.xml><?xml version="1.0" encoding="utf-8"?>
+<inkml:ink xmlns:inkml="http://www.w3.org/2003/InkML">
+  <inkml:definitions>
+    <inkml:context xml:id="ctx0">
+      <inkml:inkSource xml:id="inkSrc0">
+        <inkml:traceFormat>
+          <inkml:channel name="X" type="integer" min="-2.14748E9" max="2.14748E9" units="cm"/>
+          <inkml:channel name="Y" type="integer" min="-2.14748E9" max="2.14748E9" units="cm"/>
+          <inkml:channel name="F" type="integer" max="32767" units="dev"/>
+        </inkml:traceFormat>
+        <inkml:channelProperties>
+          <inkml:channelProperty channel="X" name="resolution" value="1000" units="1/cm"/>
+          <inkml:channelProperty channel="Y" name="resolution" value="1000" units="1/cm"/>
+          <inkml:channelProperty channel="F" name="resolution" value="0" units="1/dev"/>
+        </inkml:channelProperties>
+      </inkml:inkSource>
+      <inkml:timestamp xml:id="ts0" timeString="2025-06-23T15:24:52.714"/>
+    </inkml:context>
+    <inkml:brush xml:id="br0">
+      <inkml:brushProperty name="width" value="0.025" units="cm"/>
+      <inkml:brushProperty name="height" value="0.025" units="cm"/>
+      <inkml:brushProperty name="color" value="#E71224"/>
+    </inkml:brush>
+  </inkml:definitions>
+  <inkml:trace contextRef="#ctx0" brushRef="#br0">1 1 24575,'0'0'0,"0"0"0</inkml:trace>
+</inkml:ink>
+</file>
+
+<file path=ppt/ink/ink42.xml><?xml version="1.0" encoding="utf-8"?>
+<inkml:ink xmlns:inkml="http://www.w3.org/2003/InkML">
+  <inkml:definitions>
+    <inkml:context xml:id="ctx0">
+      <inkml:inkSource xml:id="inkSrc0">
+        <inkml:traceFormat>
+          <inkml:channel name="X" type="integer" min="-2.14748E9" max="2.14748E9" units="cm"/>
+          <inkml:channel name="Y" type="integer" min="-2.14748E9" max="2.14748E9" units="cm"/>
+          <inkml:channel name="F" type="integer" max="32767" units="dev"/>
+        </inkml:traceFormat>
+        <inkml:channelProperties>
+          <inkml:channelProperty channel="X" name="resolution" value="1000" units="1/cm"/>
+          <inkml:channelProperty channel="Y" name="resolution" value="1000" units="1/cm"/>
+          <inkml:channelProperty channel="F" name="resolution" value="0" units="1/dev"/>
+        </inkml:channelProperties>
+      </inkml:inkSource>
+      <inkml:timestamp xml:id="ts0" timeString="2025-06-23T15:24:53.173"/>
+    </inkml:context>
+    <inkml:brush xml:id="br0">
+      <inkml:brushProperty name="width" value="0.025" units="cm"/>
+      <inkml:brushProperty name="height" value="0.025" units="cm"/>
+      <inkml:brushProperty name="color" value="#E71224"/>
+    </inkml:brush>
+  </inkml:definitions>
+  <inkml:trace contextRef="#ctx0" brushRef="#br0">1 205 24575,'24'0'0,"-7"-1"0,0-1 0,26-6 0,-7 1 0,363-80 0,-204 40 0,-62 26 0,-3 0 0,-113 17-455,0 2 0,27-3 0,-37 5-6371</inkml:trace>
+</inkml:ink>
+</file>
+
+<file path=ppt/ink/ink43.xml><?xml version="1.0" encoding="utf-8"?>
+<inkml:ink xmlns:inkml="http://www.w3.org/2003/InkML">
+  <inkml:definitions>
+    <inkml:context xml:id="ctx0">
+      <inkml:inkSource xml:id="inkSrc0">
+        <inkml:traceFormat>
+          <inkml:channel name="X" type="integer" min="-2.14748E9" max="2.14748E9" units="cm"/>
+          <inkml:channel name="Y" type="integer" min="-2.14748E9" max="2.14748E9" units="cm"/>
+          <inkml:channel name="F" type="integer" max="32767" units="dev"/>
+        </inkml:traceFormat>
+        <inkml:channelProperties>
+          <inkml:channelProperty channel="X" name="resolution" value="1000" units="1/cm"/>
+          <inkml:channelProperty channel="Y" name="resolution" value="1000" units="1/cm"/>
+          <inkml:channelProperty channel="F" name="resolution" value="0" units="1/dev"/>
+        </inkml:channelProperties>
+      </inkml:inkSource>
+      <inkml:timestamp xml:id="ts0" timeString="2025-06-23T15:24:53.924"/>
+    </inkml:context>
+    <inkml:brush xml:id="br0">
+      <inkml:brushProperty name="width" value="0.025" units="cm"/>
+      <inkml:brushProperty name="height" value="0.025" units="cm"/>
+      <inkml:brushProperty name="color" value="#E71224"/>
+    </inkml:brush>
+  </inkml:definitions>
+  <inkml:trace contextRef="#ctx0" brushRef="#br0">613 1 24575,'-2'2'0,"0"-1"0,0 1 0,1 0 0,-1 0 0,1 0 0,-1 0 0,1 0 0,0 0 0,0 0 0,-1 3 0,-5 6 0,-27 42 0,2 1 0,2 1 0,-42 108 0,-48 211 0,73-147 0,35-159 0,9-51 0,0 1 0,1-1 0,1 0 0,1 21 0,0-37 0,0 1 0,0-1 0,1 0 0,-1 0 0,0 1 0,1-1 0,-1 0 0,0 0 0,1 1 0,0-1 0,-1 0 0,1 0 0,0 0 0,-1 0 0,1 0 0,0 0 0,0 0 0,0 0 0,0 0 0,0 0 0,0-1 0,0 1 0,0 0 0,0-1 0,0 1 0,1 0 0,-1-1 0,0 0 0,0 1 0,1-1 0,-1 0 0,0 1 0,0-1 0,1 0 0,-1 0 0,0 0 0,1 0 0,1-1 0,5 0 0,0-1 0,0 1 0,0-2 0,14-5 0,-21 8 0,67-28 0,-7 3 0,84-24 0,-65 30 0,1 4 0,0 3 0,1 4 0,159 5 0,-221 4 0,-1 1 0,1 1 0,-1 0 0,0 2 0,0 0 0,0 1 0,32 16 0,-40-16 0,-1 0 0,0 1 0,0 0 0,-1 0 0,0 1 0,0 0 0,-1 1 0,0 0 0,-1 0 0,0 0 0,0 1 0,-1 0 0,0 1 0,5 14 0,-4-10 0,-2 0 0,0 1 0,0 0 0,-2 0 0,0 1 0,-1-1 0,0 1 0,-2-1 0,0 1 0,0-1 0,-2 1 0,0-1 0,-1 0 0,0 1 0,-10 24 0,-3 1 0,-1 0 0,-3-1 0,-47 75 0,30-63 0,-3-2 0,-54 54 0,27-36 0,-134 105 0,164-147 0,-1-2 0,0-2 0,-2-1 0,-1-2 0,-83 28 0,85-36 0,-51 8 0,74-18 0,0 0 0,0-1 0,0-1 0,1-1 0,-1 0 0,-20-4 0,15-1-72,0 0 1,0-1-1,1-1 0,0 0 0,0-2 0,1 0 0,0-2 0,1 0 1,1-1-1,0 0 0,0-2 0,1 0 0,1-1 0,1 0 0,0-1 1,1-1-1,1 0 0,-14-29 0,18 28-6754</inkml:trace>
+</inkml:ink>
+</file>
+
+<file path=ppt/ink/ink44.xml><?xml version="1.0" encoding="utf-8"?>
+<inkml:ink xmlns:inkml="http://www.w3.org/2003/InkML">
+  <inkml:definitions>
+    <inkml:context xml:id="ctx0">
+      <inkml:inkSource xml:id="inkSrc0">
+        <inkml:traceFormat>
+          <inkml:channel name="X" type="integer" min="-2.14748E9" max="2.14748E9" units="cm"/>
+          <inkml:channel name="Y" type="integer" min="-2.14748E9" max="2.14748E9" units="cm"/>
+          <inkml:channel name="F" type="integer" max="32767" units="dev"/>
+        </inkml:traceFormat>
+        <inkml:channelProperties>
+          <inkml:channelProperty channel="X" name="resolution" value="1000" units="1/cm"/>
+          <inkml:channelProperty channel="Y" name="resolution" value="1000" units="1/cm"/>
+          <inkml:channelProperty channel="F" name="resolution" value="0" units="1/dev"/>
+        </inkml:channelProperties>
+      </inkml:inkSource>
+      <inkml:timestamp xml:id="ts0" timeString="2025-06-23T15:25:11.733"/>
+    </inkml:context>
+    <inkml:brush xml:id="br0">
+      <inkml:brushProperty name="width" value="0.025" units="cm"/>
+      <inkml:brushProperty name="height" value="0.025" units="cm"/>
+      <inkml:brushProperty name="color" value="#E71224"/>
+    </inkml:brush>
+  </inkml:definitions>
+  <inkml:trace contextRef="#ctx0" brushRef="#br0">1628 146 24575,'-1'-3'0,"1"-1"0,-1 1 0,0 0 0,0 0 0,0 0 0,0 0 0,0 0 0,-1 0 0,1 0 0,-1 1 0,0-1 0,0 0 0,0 1 0,0-1 0,-1 1 0,1 0 0,0 0 0,-1 0 0,0 0 0,1 0 0,-4-1 0,-10-6 0,1 1 0,-28-9 0,37 14 0,-30-9 0,0 2 0,0 1 0,-1 2 0,-70-4 0,-152 12 0,144 10 0,1 4 0,0 5 0,2 5 0,-185 67 0,288-89 0,1 0 0,0 1 0,0 0 0,0 0 0,0 1 0,0 0 0,1 0 0,0 1 0,-12 12 0,17-15 0,0-1 0,0 1 0,0 0 0,0 0 0,1 0 0,-1 0 0,1 0 0,0 0 0,0 1 0,0-1 0,1 0 0,-1 1 0,1-1 0,-1 0 0,1 1 0,0-1 0,0 1 0,1-1 0,-1 0 0,1 1 0,-1-1 0,1 0 0,0 0 0,1 1 0,-1-1 0,0 0 0,1 0 0,0 0 0,2 3 0,3 3 0,0 0 0,0 0 0,0-1 0,1 0 0,14 11 0,52 32 0,-48-34 0,73 45 0,2-5 0,3-4 0,148 53 0,-206-88 0,62 31 0,-95-42 0,-1 0 0,1 2 0,-1-1 0,-1 1 0,1 1 0,-2 0 0,1 1 0,-2 0 0,11 15 0,-17-23 0,-1 1 0,0 0 0,0 0 0,0 1 0,-1-1 0,0 0 0,1 0 0,-1 1 0,-1-1 0,1 1 0,-1-1 0,0 1 0,0-1 0,-1 6 0,0-2 0,0-1 0,-1 1 0,-1-1 0,1 1 0,-1-1 0,0 0 0,-7 11 0,-1-2 0,-1 0 0,0 0 0,-1-2 0,-1 1 0,-26 20 0,12-13 0,-2-2 0,-1-1 0,-1-1 0,0-2 0,-58 21 0,23-15 0,-137 24 0,153-41 73,0-2-1,0-2 0,-102-11 1,-48-1-1728,191 11-5171</inkml:trace>
+</inkml:ink>
+</file>
+
+<file path=ppt/ink/ink45.xml><?xml version="1.0" encoding="utf-8"?>
+<inkml:ink xmlns:inkml="http://www.w3.org/2003/InkML">
+  <inkml:definitions>
+    <inkml:context xml:id="ctx0">
+      <inkml:inkSource xml:id="inkSrc0">
+        <inkml:traceFormat>
+          <inkml:channel name="X" type="integer" min="-2.14748E9" max="2.14748E9" units="cm"/>
+          <inkml:channel name="Y" type="integer" min="-2.14748E9" max="2.14748E9" units="cm"/>
+          <inkml:channel name="F" type="integer" max="32767" units="dev"/>
+        </inkml:traceFormat>
+        <inkml:channelProperties>
+          <inkml:channelProperty channel="X" name="resolution" value="1000" units="1/cm"/>
+          <inkml:channelProperty channel="Y" name="resolution" value="1000" units="1/cm"/>
+          <inkml:channelProperty channel="F" name="resolution" value="0" units="1/dev"/>
+        </inkml:channelProperties>
+      </inkml:inkSource>
+      <inkml:timestamp xml:id="ts0" timeString="2025-06-23T15:25:12.086"/>
+    </inkml:context>
+    <inkml:brush xml:id="br0">
+      <inkml:brushProperty name="width" value="0.025" units="cm"/>
+      <inkml:brushProperty name="height" value="0.025" units="cm"/>
+      <inkml:brushProperty name="color" value="#E71224"/>
+    </inkml:brush>
+  </inkml:definitions>
+  <inkml:trace contextRef="#ctx0" brushRef="#br0">1 62 24575,'56'-3'0,"60"-9"0,-44 3 0,-37 5 0,445-29 0,-474 33-151,0 0-1,0 1 0,0-1 0,0 2 1,0-1-1,-1 1 0,1-1 1,7 4-1,0 2-6674</inkml:trace>
+</inkml:ink>
+</file>
+
+<file path=ppt/ink/ink46.xml><?xml version="1.0" encoding="utf-8"?>
+<inkml:ink xmlns:inkml="http://www.w3.org/2003/InkML">
+  <inkml:definitions>
+    <inkml:context xml:id="ctx0">
+      <inkml:inkSource xml:id="inkSrc0">
+        <inkml:traceFormat>
+          <inkml:channel name="X" type="integer" min="-2.14748E9" max="2.14748E9" units="cm"/>
+          <inkml:channel name="Y" type="integer" min="-2.14748E9" max="2.14748E9" units="cm"/>
+          <inkml:channel name="F" type="integer" max="32767" units="dev"/>
+        </inkml:traceFormat>
+        <inkml:channelProperties>
+          <inkml:channelProperty channel="X" name="resolution" value="1000" units="1/cm"/>
+          <inkml:channelProperty channel="Y" name="resolution" value="1000" units="1/cm"/>
+          <inkml:channelProperty channel="F" name="resolution" value="0" units="1/dev"/>
+        </inkml:channelProperties>
+      </inkml:inkSource>
+      <inkml:timestamp xml:id="ts0" timeString="2025-06-23T15:25:12.394"/>
+    </inkml:context>
+    <inkml:brush xml:id="br0">
+      <inkml:brushProperty name="width" value="0.025" units="cm"/>
+      <inkml:brushProperty name="height" value="0.025" units="cm"/>
+      <inkml:brushProperty name="color" value="#E71224"/>
+    </inkml:brush>
+  </inkml:definitions>
+  <inkml:trace contextRef="#ctx0" brushRef="#br0">0 205 24575,'33'-13'0,"0"1"0,1 1 0,69-12 0,-7 2 0,26-12 0,-6 1 0,152-23 0,-224 51-682,81 4-1,-114 0-6143</inkml:trace>
+</inkml:ink>
+</file>
+
+<file path=ppt/ink/ink47.xml><?xml version="1.0" encoding="utf-8"?>
+<inkml:ink xmlns:inkml="http://www.w3.org/2003/InkML">
+  <inkml:definitions>
+    <inkml:context xml:id="ctx0">
+      <inkml:inkSource xml:id="inkSrc0">
+        <inkml:traceFormat>
+          <inkml:channel name="X" type="integer" min="-2.14748E9" max="2.14748E9" units="cm"/>
+          <inkml:channel name="Y" type="integer" min="-2.14748E9" max="2.14748E9" units="cm"/>
+          <inkml:channel name="F" type="integer" max="32767" units="dev"/>
+        </inkml:traceFormat>
+        <inkml:channelProperties>
+          <inkml:channelProperty channel="X" name="resolution" value="1000" units="1/cm"/>
+          <inkml:channelProperty channel="Y" name="resolution" value="1000" units="1/cm"/>
+          <inkml:channelProperty channel="F" name="resolution" value="0" units="1/dev"/>
+        </inkml:channelProperties>
+      </inkml:inkSource>
+      <inkml:timestamp xml:id="ts0" timeString="2025-06-23T15:25:13.075"/>
+    </inkml:context>
+    <inkml:brush xml:id="br0">
+      <inkml:brushProperty name="width" value="0.025" units="cm"/>
+      <inkml:brushProperty name="height" value="0.025" units="cm"/>
+      <inkml:brushProperty name="color" value="#E71224"/>
+    </inkml:brush>
+  </inkml:definitions>
+  <inkml:trace contextRef="#ctx0" brushRef="#br0">35 0 24575,'-15'205'0,"0"-33"0,13-123 0,0 64 0,3-95 0,0 0 0,1 0 0,1 0 0,6 18 0,-8-31 0,1-1 0,0 1 0,-1-1 0,2 0 0,-1 0 0,0 1 0,1-1 0,0-1 0,0 1 0,0 0 0,1-1 0,-1 0 0,1 1 0,-1-1 0,7 3 0,-4-3 0,0 0 0,0 0 0,0-1 0,1 0 0,-1 0 0,1-1 0,0 0 0,-1 0 0,13 0 0,3-2 0,1-1 0,-1-1 0,0-1 0,0-1 0,30-11 0,9-5 0,-1-3 0,79-43 0,-107 49 0,-1-1 0,-1-2 0,-1-1 0,-1-1 0,44-47 0,-35 24 0,-3-2 0,41-72 0,-47 58 0,-21 45 0,0 0 0,13-19 0,-20 36 0,0 1 0,1-1 0,-1 0 0,0 0 0,0 1 0,1-1 0,-1 0 0,0 1 0,1-1 0,-1 0 0,0 1 0,0-1 0,0 1 0,1-1 0,-1 0 0,0 1 0,0-1 0,0 1 0,0-1 0,0 0 0,0 1 0,0-1 0,0 1 0,0-1 0,0 0 0,0 1 0,0-1 0,0 1 0,0-1 0,-1 1 0,3 20 0,-2 233 0,-3 188 0,-26-46 0,0 114 0,30-432-1365,-1-61-5461</inkml:trace>
+</inkml:ink>
+</file>
+
+<file path=ppt/ink/ink48.xml><?xml version="1.0" encoding="utf-8"?>
+<inkml:ink xmlns:inkml="http://www.w3.org/2003/InkML">
+  <inkml:definitions>
+    <inkml:context xml:id="ctx0">
+      <inkml:inkSource xml:id="inkSrc0">
+        <inkml:traceFormat>
+          <inkml:channel name="X" type="integer" min="-2.14748E9" max="2.14748E9" units="cm"/>
+          <inkml:channel name="Y" type="integer" min="-2.14748E9" max="2.14748E9" units="cm"/>
+          <inkml:channel name="F" type="integer" max="32767" units="dev"/>
+        </inkml:traceFormat>
+        <inkml:channelProperties>
+          <inkml:channelProperty channel="X" name="resolution" value="1000" units="1/cm"/>
+          <inkml:channelProperty channel="Y" name="resolution" value="1000" units="1/cm"/>
+          <inkml:channelProperty channel="F" name="resolution" value="0" units="1/dev"/>
+        </inkml:channelProperties>
+      </inkml:inkSource>
+      <inkml:timestamp xml:id="ts0" timeString="2025-06-23T15:25:17.329"/>
+    </inkml:context>
+    <inkml:brush xml:id="br0">
+      <inkml:brushProperty name="width" value="0.025" units="cm"/>
+      <inkml:brushProperty name="height" value="0.025" units="cm"/>
+      <inkml:brushProperty name="color" value="#E71224"/>
+    </inkml:brush>
+  </inkml:definitions>
+  <inkml:trace contextRef="#ctx0" brushRef="#br0">352 1 24575,'0'1'0,"0"0"0,0 0 0,0 0 0,0 1 0,0-1 0,0 0 0,0 0 0,0 0 0,0 0 0,0 0 0,-1 0 0,1 1 0,-1-1 0,1 0 0,-1 0 0,0 1 0,0 2 0,-16 49 0,-11 68 0,7-24 0,-57 198 0,-76 343 0,130-447 0,9-63 0,9-67 0,3 100 0,3-173 0,0-1 0,1 0 0,0 1 0,1-1 0,1 1 0,0-1 0,0 1 0,1 0 0,1 0 0,8-16 0,42-61 0,81-103 0,-74 109 0,208-261 0,-197 263 0,3 3 0,87-68 0,-129 118 157,-15 11-537,0 2-1,1 0 1,37-21-1,-53 35-6445</inkml:trace>
+</inkml:ink>
+</file>
+
+<file path=ppt/ink/ink49.xml><?xml version="1.0" encoding="utf-8"?>
+<inkml:ink xmlns:inkml="http://www.w3.org/2003/InkML">
+  <inkml:definitions>
+    <inkml:context xml:id="ctx0">
+      <inkml:inkSource xml:id="inkSrc0">
+        <inkml:traceFormat>
+          <inkml:channel name="X" type="integer" min="-2.14748E9" max="2.14748E9" units="cm"/>
+          <inkml:channel name="Y" type="integer" min="-2.14748E9" max="2.14748E9" units="cm"/>
+          <inkml:channel name="F" type="integer" max="32767" units="dev"/>
+        </inkml:traceFormat>
+        <inkml:channelProperties>
+          <inkml:channelProperty channel="X" name="resolution" value="1000" units="1/cm"/>
+          <inkml:channelProperty channel="Y" name="resolution" value="1000" units="1/cm"/>
+          <inkml:channelProperty channel="F" name="resolution" value="0" units="1/dev"/>
+        </inkml:channelProperties>
+      </inkml:inkSource>
+      <inkml:timestamp xml:id="ts0" timeString="2025-06-23T15:25:17.650"/>
+    </inkml:context>
+    <inkml:brush xml:id="br0">
+      <inkml:brushProperty name="width" value="0.025" units="cm"/>
+      <inkml:brushProperty name="height" value="0.025" units="cm"/>
+      <inkml:brushProperty name="color" value="#E71224"/>
+    </inkml:brush>
+  </inkml:definitions>
+  <inkml:trace contextRef="#ctx0" brushRef="#br0">0 0 24575,'2'5'0,"0"0"0,0 0 0,0-1 0,0 1 0,1-1 0,-1 0 0,1 1 0,0-1 0,1-1 0,4 6 0,0 0 0,73 83 0,31 41 0,9 46 0,-7-10 0,16 28 0,-126-191-170,0 0-1,0 0 0,1 0 1,0-1-1,1 0 0,-1 0 1,12 8-1,3-1-6655</inkml:trace>
+</inkml:ink>
+</file>
+
 <file path=ppt/ink/ink5.xml><?xml version="1.0" encoding="utf-8"?>
 <inkml:ink xmlns:inkml="http://www.w3.org/2003/InkML">
   <inkml:definitions>
@@ -901,6 +1518,286 @@
     </inkml:brush>
   </inkml:definitions>
   <inkml:trace contextRef="#ctx0" brushRef="#br0">1 0 24575,'0'0'0,"0"0"0</inkml:trace>
+</inkml:ink>
+</file>
+
+<file path=ppt/ink/ink50.xml><?xml version="1.0" encoding="utf-8"?>
+<inkml:ink xmlns:inkml="http://www.w3.org/2003/InkML">
+  <inkml:definitions>
+    <inkml:context xml:id="ctx0">
+      <inkml:inkSource xml:id="inkSrc0">
+        <inkml:traceFormat>
+          <inkml:channel name="X" type="integer" min="-2.14748E9" max="2.14748E9" units="cm"/>
+          <inkml:channel name="Y" type="integer" min="-2.14748E9" max="2.14748E9" units="cm"/>
+          <inkml:channel name="F" type="integer" max="32767" units="dev"/>
+        </inkml:traceFormat>
+        <inkml:channelProperties>
+          <inkml:channelProperty channel="X" name="resolution" value="1000" units="1/cm"/>
+          <inkml:channelProperty channel="Y" name="resolution" value="1000" units="1/cm"/>
+          <inkml:channelProperty channel="F" name="resolution" value="0" units="1/dev"/>
+        </inkml:channelProperties>
+      </inkml:inkSource>
+      <inkml:timestamp xml:id="ts0" timeString="2025-06-23T15:25:18.052"/>
+    </inkml:context>
+    <inkml:brush xml:id="br0">
+      <inkml:brushProperty name="width" value="0.025" units="cm"/>
+      <inkml:brushProperty name="height" value="0.025" units="cm"/>
+      <inkml:brushProperty name="color" value="#E71224"/>
+    </inkml:brush>
+  </inkml:definitions>
+  <inkml:trace contextRef="#ctx0" brushRef="#br0">0 2 24575,'24'0'0,"47"0"0,22-1 0,112 13 0,-118-2 0,109-2 0,-180-7-273,-1 0 0,1 1 0,-1 1 0,25 8 0,-21-6-6553</inkml:trace>
+</inkml:ink>
+</file>
+
+<file path=ppt/ink/ink51.xml><?xml version="1.0" encoding="utf-8"?>
+<inkml:ink xmlns:inkml="http://www.w3.org/2003/InkML">
+  <inkml:definitions>
+    <inkml:context xml:id="ctx0">
+      <inkml:inkSource xml:id="inkSrc0">
+        <inkml:traceFormat>
+          <inkml:channel name="X" type="integer" min="-2.14748E9" max="2.14748E9" units="cm"/>
+          <inkml:channel name="Y" type="integer" min="-2.14748E9" max="2.14748E9" units="cm"/>
+          <inkml:channel name="F" type="integer" max="32767" units="dev"/>
+        </inkml:traceFormat>
+        <inkml:channelProperties>
+          <inkml:channelProperty channel="X" name="resolution" value="1000" units="1/cm"/>
+          <inkml:channelProperty channel="Y" name="resolution" value="1000" units="1/cm"/>
+          <inkml:channelProperty channel="F" name="resolution" value="0" units="1/dev"/>
+        </inkml:channelProperties>
+      </inkml:inkSource>
+      <inkml:timestamp xml:id="ts0" timeString="2025-06-23T15:25:18.391"/>
+    </inkml:context>
+    <inkml:brush xml:id="br0">
+      <inkml:brushProperty name="width" value="0.025" units="cm"/>
+      <inkml:brushProperty name="height" value="0.025" units="cm"/>
+      <inkml:brushProperty name="color" value="#E71224"/>
+    </inkml:brush>
+  </inkml:definitions>
+  <inkml:trace contextRef="#ctx0" brushRef="#br0">1 1 24575,'2'1'0,"1"-1"0,0 1 0,0-1 0,0 0 0,0 0 0,-1 0 0,7-1 0,-2 0 0,24 3 0,52 9 0,-6 0 0,326-5 0,-209-20 0,75-2 0,-242 16-1365,-16 0-5461</inkml:trace>
+</inkml:ink>
+</file>
+
+<file path=ppt/ink/ink52.xml><?xml version="1.0" encoding="utf-8"?>
+<inkml:ink xmlns:inkml="http://www.w3.org/2003/InkML">
+  <inkml:definitions>
+    <inkml:context xml:id="ctx0">
+      <inkml:inkSource xml:id="inkSrc0">
+        <inkml:traceFormat>
+          <inkml:channel name="X" type="integer" min="-2.14748E9" max="2.14748E9" units="cm"/>
+          <inkml:channel name="Y" type="integer" min="-2.14748E9" max="2.14748E9" units="cm"/>
+          <inkml:channel name="F" type="integer" max="32767" units="dev"/>
+        </inkml:traceFormat>
+        <inkml:channelProperties>
+          <inkml:channelProperty channel="X" name="resolution" value="1000" units="1/cm"/>
+          <inkml:channelProperty channel="Y" name="resolution" value="1000" units="1/cm"/>
+          <inkml:channelProperty channel="F" name="resolution" value="0" units="1/dev"/>
+        </inkml:channelProperties>
+      </inkml:inkSource>
+      <inkml:timestamp xml:id="ts0" timeString="2025-06-23T15:25:19.273"/>
+    </inkml:context>
+    <inkml:brush xml:id="br0">
+      <inkml:brushProperty name="width" value="0.025" units="cm"/>
+      <inkml:brushProperty name="height" value="0.025" units="cm"/>
+      <inkml:brushProperty name="color" value="#E71224"/>
+    </inkml:brush>
+  </inkml:definitions>
+  <inkml:trace contextRef="#ctx0" brushRef="#br0">146 0 24575,'-15'206'0,"6"-108"0,6-69 0,-97 892 0,89-831 0,3 170 0,8-205 0,1-50 0,-1-1 0,1 1 0,0-1 0,1 1 0,-1-1 0,1 0 0,0 1 0,0-1 0,0 0 0,1 0 0,-1 0 0,1-1 0,0 1 0,0-1 0,0 1 0,0-1 0,1 0 0,-1 0 0,1-1 0,8 5 0,5 3 0,0-1 0,0 0 0,29 8 0,84 18 0,-81-23 0,50 18 0,-89-25 0,0 0 0,-1 0 0,10 7 0,5 4 0,-23-16-91,1 1 0,-1-1 0,0 1 0,1-1 0,-1 1 0,0-1 0,1 0 0,-1 0 0,0 1 0,1-1 0,-1 0 0,1 0 0,-1-1 0,2 1 0,8-2-6735</inkml:trace>
+</inkml:ink>
+</file>
+
+<file path=ppt/ink/ink53.xml><?xml version="1.0" encoding="utf-8"?>
+<inkml:ink xmlns:inkml="http://www.w3.org/2003/InkML">
+  <inkml:definitions>
+    <inkml:context xml:id="ctx0">
+      <inkml:inkSource xml:id="inkSrc0">
+        <inkml:traceFormat>
+          <inkml:channel name="X" type="integer" min="-2.14748E9" max="2.14748E9" units="cm"/>
+          <inkml:channel name="Y" type="integer" min="-2.14748E9" max="2.14748E9" units="cm"/>
+          <inkml:channel name="F" type="integer" max="32767" units="dev"/>
+        </inkml:traceFormat>
+        <inkml:channelProperties>
+          <inkml:channelProperty channel="X" name="resolution" value="1000" units="1/cm"/>
+          <inkml:channelProperty channel="Y" name="resolution" value="1000" units="1/cm"/>
+          <inkml:channelProperty channel="F" name="resolution" value="0" units="1/dev"/>
+        </inkml:channelProperties>
+      </inkml:inkSource>
+      <inkml:timestamp xml:id="ts0" timeString="2025-06-23T15:25:20.336"/>
+    </inkml:context>
+    <inkml:brush xml:id="br0">
+      <inkml:brushProperty name="width" value="0.025" units="cm"/>
+      <inkml:brushProperty name="height" value="0.025" units="cm"/>
+      <inkml:brushProperty name="color" value="#E71224"/>
+    </inkml:brush>
+  </inkml:definitions>
+  <inkml:trace contextRef="#ctx0" brushRef="#br0">502 577 24575,'0'-1'0,"0"1"0,0-1 0,0 1 0,0-1 0,0 1 0,0-1 0,0 1 0,0-1 0,0 1 0,0-1 0,0 1 0,0 0 0,0-1 0,0 1 0,-1-1 0,1 1 0,0-1 0,0 1 0,-1 0 0,1-1 0,0 1 0,0-1 0,-1 1 0,1 0 0,0-1 0,-1 1 0,1 0 0,-1-1 0,1 1 0,0 0 0,-1 0 0,1 0 0,-1-1 0,0 1 0,-15-9 0,-1 5 0,-1 1 0,1 1 0,-1 0 0,1 2 0,-30 2 0,6-1 0,23-1 0,0 1 0,0 0 0,1 1 0,-1 2 0,-18 4 0,26-4 0,0 0 0,0 1 0,0 0 0,1 0 0,-1 1 0,1 0 0,1 0 0,-1 1 0,-10 12 0,11-11 0,1 1 0,0-1 0,1 1 0,0 1 0,1-1 0,-1 1 0,2 0 0,0 0 0,0 1 0,0-1 0,-1 12 0,2-3 0,0 1 0,2-1 0,0 1 0,1 0 0,4 26 0,-3-38 0,1 1 0,0-1 0,0 0 0,1 0 0,0 0 0,1 0 0,0 0 0,0-1 0,0 0 0,1 0 0,0 0 0,1 0 0,-1-1 0,1 0 0,0 0 0,1 0 0,-1-1 0,1 0 0,1 0 0,-1-1 0,0 0 0,1 0 0,10 3 0,-9-4 0,0 0 0,0 0 0,0-1 0,0 0 0,0 0 0,1-1 0,-1-1 0,1 0 0,-1 0 0,1 0 0,-1-1 0,0-1 0,1 0 0,-1 0 0,0-1 0,0 0 0,0 0 0,-1-1 0,1 0 0,14-10 0,-9 2 0,1-2 0,-2 1 0,0-2 0,0 0 0,-2 0 0,0-1 0,0-1 0,-2 1 0,0-2 0,-1 1 0,-1-1 0,0 0 0,-1-1 0,-1 0 0,2-21 0,-6 29 0,0 0 0,-1-1 0,-1 1 0,0 0 0,0 0 0,-1 0 0,-1 0 0,0 0 0,0 0 0,-1 1 0,0-1 0,-1 1 0,0 0 0,-1 0 0,0 1 0,0 0 0,-1 0 0,0 0 0,-1 1 0,0 0 0,0 0 0,-1 1 0,-10-7 0,-6-3 0,5 3 0,-35-17 0,48 27 0,0 1 0,-1 0 0,1 1 0,-1 0 0,1 0 0,-1 1 0,0 0 0,0 0 0,-8 0 0,11 1 0,-22 4 0,27-4 0,-1 1 0,1-1 0,-1 0 0,1 1 0,-1-1 0,1 0 0,-1 1 0,1-1 0,-1 1 0,1-1 0,-1 1 0,1-1 0,0 1 0,-1-1 0,1 1 0,0-1 0,0 1 0,-1 0 0,1-1 0,0 1 0,0-1 0,0 1 0,0 0 0,0-1 0,0 1 0,0 0 0,0-1 0,0 1 0,0-1 0,0 1 0,0 0 0,0-1 0,0 1 0,1-1 0,-1 1 0,0 0 0,0-1 0,1 1 0,0 0 0,6 13 0,2-1 0,0-1 0,0 1 0,1-1 0,0-1 0,1 0 0,1-1 0,17 13 0,-14-12 0,1 0 0,0-1 0,1-1 0,0 0 0,1-2 0,-1 0 0,2 0 0,35 6 0,-28-9 0,-1-1 0,1-1 0,0-2 0,-1 0 0,1-2 0,31-6 0,-24 2 0,-1-3 0,0 0 0,0-2 0,-1-1 0,-1-2 0,0-1 0,0-1 0,-2-1 0,0-2 0,41-37 0,-45 34 0,-2-2 0,-1-1 0,-1-1 0,20-34 0,-13 14 0,37-89 0,-63 132 0,21-56 0,-20 54 0,-1-1 0,0 0 0,0 0 0,0 1 0,0-1 0,-1 0 0,0 0 0,-2-9 0,3 15 0,-1 0 0,-1-1 0,1 1 0,0-1 0,0 1 0,0-1 0,0 1 0,0 0 0,0-1 0,0 1 0,0-1 0,-1 1 0,1 0 0,0-1 0,0 1 0,-1-1 0,1 1 0,0 0 0,0 0 0,-1-1 0,1 1 0,0 0 0,-1-1 0,1 1 0,0 0 0,-1 0 0,1 0 0,-1-1 0,1 1 0,0 0 0,-1 0 0,1 0 0,-1 0 0,1 0 0,-1 0 0,1 0 0,0 0 0,-1 0 0,1 0 0,-1 0 0,1 0 0,-1 0 0,1 0 0,0 0 0,-1 0 0,1 0 0,-1 1 0,1-1 0,0 0 0,-1 0 0,1 0 0,-1 1 0,-20 18 0,18-16 0,-15 15 0,1 2 0,1 0 0,1 1 0,1 0 0,0 1 0,2 0 0,1 2 0,1-1 0,0 1 0,2 0 0,1 1 0,1 0 0,-3 32 0,8-53 0,1 1 0,-1-1 0,1 1 0,1-1 0,-1 1 0,1-1 0,-1 0 0,3 7 0,-3-10 0,1-1 0,-1 1 0,1 0 0,-1 0 0,1 0 0,0 0 0,0 0 0,-1-1 0,1 1 0,0 0 0,0-1 0,0 1 0,-1 0 0,1-1 0,0 1 0,0-1 0,0 0 0,0 1 0,0-1 0,0 0 0,0 1 0,0-1 0,0 0 0,0 0 0,1 0 0,-1 0 0,0 0 0,0 0 0,0 0 0,0 0 0,0-1 0,0 1 0,0 0 0,0-1 0,0 1 0,0-1 0,0 1 0,0-1 0,1 0 0,15-7 0,28-19 0,-36 20 0,0 1 0,1 0 0,0 1 0,0 0 0,0 1 0,0 0 0,1 0 0,0 1 0,12-2 0,-19 5 0,-1 1 0,1-1 0,-1 1 0,0 0 0,1 0 0,-1 0 0,0 0 0,0 0 0,0 1 0,1 0 0,-2-1 0,1 1 0,0 0 0,0 1 0,-1-1 0,1 0 0,-1 1 0,1 0 0,-1-1 0,0 1 0,0 0 0,2 3 0,5 11 0,1 0 0,11 29 0,-20-43 0,19 51 0,-3 0 0,-2 1 0,11 77 0,9 179 0,-31-263 0,12 149-1365,0 0-5461</inkml:trace>
+</inkml:ink>
+</file>
+
+<file path=ppt/ink/ink54.xml><?xml version="1.0" encoding="utf-8"?>
+<inkml:ink xmlns:inkml="http://www.w3.org/2003/InkML">
+  <inkml:definitions>
+    <inkml:context xml:id="ctx0">
+      <inkml:inkSource xml:id="inkSrc0">
+        <inkml:traceFormat>
+          <inkml:channel name="X" type="integer" min="-2.14748E9" max="2.14748E9" units="cm"/>
+          <inkml:channel name="Y" type="integer" min="-2.14748E9" max="2.14748E9" units="cm"/>
+          <inkml:channel name="F" type="integer" max="32767" units="dev"/>
+        </inkml:traceFormat>
+        <inkml:channelProperties>
+          <inkml:channelProperty channel="X" name="resolution" value="1000" units="1/cm"/>
+          <inkml:channelProperty channel="Y" name="resolution" value="1000" units="1/cm"/>
+          <inkml:channelProperty channel="F" name="resolution" value="0" units="1/dev"/>
+        </inkml:channelProperties>
+      </inkml:inkSource>
+      <inkml:timestamp xml:id="ts0" timeString="2025-06-23T15:25:20.644"/>
+    </inkml:context>
+    <inkml:brush xml:id="br0">
+      <inkml:brushProperty name="width" value="0.025" units="cm"/>
+      <inkml:brushProperty name="height" value="0.025" units="cm"/>
+      <inkml:brushProperty name="color" value="#E71224"/>
+    </inkml:brush>
+  </inkml:definitions>
+  <inkml:trace contextRef="#ctx0" brushRef="#br0">93 1359 24575,'-17'-13'0,"10"7"0,1 0 0,-1-1 0,1 1 0,1-1 0,-1-1 0,1 1 0,1-1 0,-1 0 0,1 0 0,1 0 0,-1-1 0,1 1 0,1-1 0,0 0 0,0 0 0,1 0 0,-1-14 0,1-1 0,1 0 0,1 0 0,1 1 0,1-1 0,10-37 0,1 17 0,2 0 0,1 1 0,3 1 0,1 1 0,2 1 0,2 1 0,1 1 0,54-59 0,7 7 0,193-155 0,-159 142 0,9-8 0,-90 86-1365,-30 17-5461</inkml:trace>
+</inkml:ink>
+</file>
+
+<file path=ppt/ink/ink55.xml><?xml version="1.0" encoding="utf-8"?>
+<inkml:ink xmlns:inkml="http://www.w3.org/2003/InkML">
+  <inkml:definitions>
+    <inkml:context xml:id="ctx0">
+      <inkml:inkSource xml:id="inkSrc0">
+        <inkml:traceFormat>
+          <inkml:channel name="X" type="integer" min="-2.14748E9" max="2.14748E9" units="cm"/>
+          <inkml:channel name="Y" type="integer" min="-2.14748E9" max="2.14748E9" units="cm"/>
+          <inkml:channel name="F" type="integer" max="32767" units="dev"/>
+        </inkml:traceFormat>
+        <inkml:channelProperties>
+          <inkml:channelProperty channel="X" name="resolution" value="1000" units="1/cm"/>
+          <inkml:channelProperty channel="Y" name="resolution" value="1000" units="1/cm"/>
+          <inkml:channelProperty channel="F" name="resolution" value="0" units="1/dev"/>
+        </inkml:channelProperties>
+      </inkml:inkSource>
+      <inkml:timestamp xml:id="ts0" timeString="2025-06-23T15:25:21.332"/>
+    </inkml:context>
+    <inkml:brush xml:id="br0">
+      <inkml:brushProperty name="width" value="0.025" units="cm"/>
+      <inkml:brushProperty name="height" value="0.025" units="cm"/>
+      <inkml:brushProperty name="color" value="#E71224"/>
+    </inkml:brush>
+  </inkml:definitions>
+  <inkml:trace contextRef="#ctx0" brushRef="#br0">442 0 24575,'-3'2'0,"0"1"0,0 0 0,0 0 0,0-1 0,0 2 0,0-1 0,1 0 0,-4 7 0,0-1 0,-19 29 0,3 2 0,-29 70 0,36-76 0,-53 138 0,-69 266 0,111-334 0,4 2 0,5 0 0,-6 209 0,34 119 0,-1-310 0,41 183 0,-35-239 0,3 0 0,4 0 0,2-2 0,3-1 0,3-1 0,50 77 0,-69-123 0,0-1 0,2 0 0,0-1 0,24 22 0,-32-33 0,0 0 0,0-1 0,1 0 0,-1 0 0,1 0 0,0-1 0,0 0 0,0-1 0,1 0 0,-1 0 0,1 0 0,-1-1 0,1 0 0,0 0 0,13-2 0,19-3 22,0-3 0,-1-1 0,41-14 0,-4 1-1475,-34 11-5373</inkml:trace>
+</inkml:ink>
+</file>
+
+<file path=ppt/ink/ink56.xml><?xml version="1.0" encoding="utf-8"?>
+<inkml:ink xmlns:inkml="http://www.w3.org/2003/InkML">
+  <inkml:definitions>
+    <inkml:context xml:id="ctx0">
+      <inkml:inkSource xml:id="inkSrc0">
+        <inkml:traceFormat>
+          <inkml:channel name="X" type="integer" min="-2.14748E9" max="2.14748E9" units="cm"/>
+          <inkml:channel name="Y" type="integer" min="-2.14748E9" max="2.14748E9" units="cm"/>
+          <inkml:channel name="F" type="integer" max="32767" units="dev"/>
+        </inkml:traceFormat>
+        <inkml:channelProperties>
+          <inkml:channelProperty channel="X" name="resolution" value="1000" units="1/cm"/>
+          <inkml:channelProperty channel="Y" name="resolution" value="1000" units="1/cm"/>
+          <inkml:channelProperty channel="F" name="resolution" value="0" units="1/dev"/>
+        </inkml:channelProperties>
+      </inkml:inkSource>
+      <inkml:timestamp xml:id="ts0" timeString="2025-06-23T15:25:21.765"/>
+    </inkml:context>
+    <inkml:brush xml:id="br0">
+      <inkml:brushProperty name="width" value="0.025" units="cm"/>
+      <inkml:brushProperty name="height" value="0.025" units="cm"/>
+      <inkml:brushProperty name="color" value="#E71224"/>
+    </inkml:brush>
+  </inkml:definitions>
+  <inkml:trace contextRef="#ctx0" brushRef="#br0">119 0 24575,'0'18'0,"-14"153"0,1-36 0,-36 385 0,21-270 0,14 241-50,15-341-1265,-1-140-5511</inkml:trace>
+</inkml:ink>
+</file>
+
+<file path=ppt/ink/ink57.xml><?xml version="1.0" encoding="utf-8"?>
+<inkml:ink xmlns:inkml="http://www.w3.org/2003/InkML">
+  <inkml:definitions>
+    <inkml:context xml:id="ctx0">
+      <inkml:inkSource xml:id="inkSrc0">
+        <inkml:traceFormat>
+          <inkml:channel name="X" type="integer" min="-2.14748E9" max="2.14748E9" units="cm"/>
+          <inkml:channel name="Y" type="integer" min="-2.14748E9" max="2.14748E9" units="cm"/>
+          <inkml:channel name="F" type="integer" max="32767" units="dev"/>
+        </inkml:traceFormat>
+        <inkml:channelProperties>
+          <inkml:channelProperty channel="X" name="resolution" value="1000" units="1/cm"/>
+          <inkml:channelProperty channel="Y" name="resolution" value="1000" units="1/cm"/>
+          <inkml:channelProperty channel="F" name="resolution" value="0" units="1/dev"/>
+        </inkml:channelProperties>
+      </inkml:inkSource>
+      <inkml:timestamp xml:id="ts0" timeString="2025-06-23T15:25:22.211"/>
+    </inkml:context>
+    <inkml:brush xml:id="br0">
+      <inkml:brushProperty name="width" value="0.025" units="cm"/>
+      <inkml:brushProperty name="height" value="0.025" units="cm"/>
+      <inkml:brushProperty name="color" value="#E71224"/>
+    </inkml:brush>
+  </inkml:definitions>
+  <inkml:trace contextRef="#ctx0" brushRef="#br0">1 151 24575,'2'0'0,"-1"-1"0,1 1 0,0 0 0,0-1 0,0 1 0,0 0 0,0 0 0,0 0 0,2 1 0,10-1 0,24-7 0,0-2 0,-1-1 0,50-22 0,52-14 0,51 8 0,-156 34 0,0 1 0,0 2 0,59 6 0,-71 0-1365,-5 1-5461</inkml:trace>
+</inkml:ink>
+</file>
+
+<file path=ppt/ink/ink58.xml><?xml version="1.0" encoding="utf-8"?>
+<inkml:ink xmlns:inkml="http://www.w3.org/2003/InkML">
+  <inkml:definitions>
+    <inkml:context xml:id="ctx0">
+      <inkml:inkSource xml:id="inkSrc0">
+        <inkml:traceFormat>
+          <inkml:channel name="X" type="integer" min="-2.14748E9" max="2.14748E9" units="cm"/>
+          <inkml:channel name="Y" type="integer" min="-2.14748E9" max="2.14748E9" units="cm"/>
+          <inkml:channel name="F" type="integer" max="32767" units="dev"/>
+        </inkml:traceFormat>
+        <inkml:channelProperties>
+          <inkml:channelProperty channel="X" name="resolution" value="1000" units="1/cm"/>
+          <inkml:channelProperty channel="Y" name="resolution" value="1000" units="1/cm"/>
+          <inkml:channelProperty channel="F" name="resolution" value="0" units="1/dev"/>
+        </inkml:channelProperties>
+      </inkml:inkSource>
+      <inkml:timestamp xml:id="ts0" timeString="2025-06-23T15:25:22.954"/>
+    </inkml:context>
+    <inkml:brush xml:id="br0">
+      <inkml:brushProperty name="width" value="0.025" units="cm"/>
+      <inkml:brushProperty name="height" value="0.025" units="cm"/>
+      <inkml:brushProperty name="color" value="#E71224"/>
+    </inkml:brush>
+  </inkml:definitions>
+  <inkml:trace contextRef="#ctx0" brushRef="#br0">728 143 24575,'-1'-2'0,"1"0"0,0 0 0,-1 1 0,0-1 0,1 0 0,-1 0 0,0 1 0,0-1 0,0 0 0,0 1 0,0-1 0,0 1 0,0-1 0,-3-1 0,-23-20 0,19 16 0,-4-1 0,0-1 0,-1 2 0,0 0 0,0 0 0,0 1 0,-1 1 0,-23-6 0,-3 1 0,-59-5 0,88 14 0,-1 1 0,0 0 0,0 1 0,1 0 0,-1 1 0,0 0 0,1 1 0,0 0 0,-1 1 0,1 0 0,1 1 0,-1 0 0,1 1 0,0 0 0,0 0 0,0 1 0,-15 15 0,4-2 0,1 2 0,1 0 0,1 1 0,1 1 0,1 0 0,-13 29 0,19-34 0,1 0 0,1 0 0,1 0 0,0 1 0,2 0 0,0 1 0,-1 22 0,5-31 0,0 1 0,1-1 0,1 1 0,0-1 0,1 1 0,0-1 0,1 0 0,0 0 0,1 0 0,1 0 0,-1 0 0,2-1 0,7 12 0,-7-13 0,1 0 0,0 0 0,1-1 0,-1 0 0,2-1 0,0 1 0,0-2 0,17 13 0,-18-16 0,0 1 0,1-2 0,-1 1 0,1-1 0,0 0 0,0-1 0,0 0 0,0 0 0,0-1 0,1-1 0,-1 1 0,10-2 0,9-1 0,0-1 0,0-1 0,-1-2 0,0-1 0,44-16 0,-58 17 0,1 0 0,-1 0 0,-1-1 0,1-1 0,-1 0 0,0-1 0,-1 0 0,0-1 0,0 0 0,-1-1 0,-1 0 0,14-20 0,-14 15 0,0 0 0,-2-1 0,0 1 0,-1-2 0,0 1 0,-2-1 0,0 1 0,-1-1 0,0 0 0,-2 0 0,0-20 0,-2 27 0,1 1 0,-2 0 0,1 0 0,-2 0 0,1 0 0,-1 0 0,-1 0 0,1 1 0,-2 0 0,1 0 0,-1 0 0,-1 0 0,0 0 0,0 1 0,0 0 0,-1 1 0,-1-1 0,1 1 0,-1 1 0,0-1 0,-9-4 0,0 1 0,0 0 0,-1 2 0,0 0 0,0 1 0,-21-5 0,29 9 0,0 1 0,-1 1 0,1-1 0,0 2 0,-1 0 0,1 0 0,0 0 0,-1 2 0,1-1 0,0 1 0,-14 5 0,11-2-273,-1 0 0,2 1 0,-1 1 0,-13 8 0,8 0-6553</inkml:trace>
+</inkml:ink>
+</file>
+
+<file path=ppt/ink/ink59.xml><?xml version="1.0" encoding="utf-8"?>
+<inkml:ink xmlns:inkml="http://www.w3.org/2003/InkML">
+  <inkml:definitions>
+    <inkml:context xml:id="ctx0">
+      <inkml:inkSource xml:id="inkSrc0">
+        <inkml:traceFormat>
+          <inkml:channel name="X" type="integer" min="-2.14748E9" max="2.14748E9" units="cm"/>
+          <inkml:channel name="Y" type="integer" min="-2.14748E9" max="2.14748E9" units="cm"/>
+          <inkml:channel name="F" type="integer" max="32767" units="dev"/>
+        </inkml:traceFormat>
+        <inkml:channelProperties>
+          <inkml:channelProperty channel="X" name="resolution" value="1000" units="1/cm"/>
+          <inkml:channelProperty channel="Y" name="resolution" value="1000" units="1/cm"/>
+          <inkml:channelProperty channel="F" name="resolution" value="0" units="1/dev"/>
+        </inkml:channelProperties>
+      </inkml:inkSource>
+      <inkml:timestamp xml:id="ts0" timeString="2025-06-23T15:25:23.249"/>
+    </inkml:context>
+    <inkml:brush xml:id="br0">
+      <inkml:brushProperty name="width" value="0.025" units="cm"/>
+      <inkml:brushProperty name="height" value="0.025" units="cm"/>
+      <inkml:brushProperty name="color" value="#E71224"/>
+    </inkml:brush>
+  </inkml:definitions>
+  <inkml:trace contextRef="#ctx0" brushRef="#br0">0 1 24575,'0'0'0</inkml:trace>
 </inkml:ink>
 </file>
 
@@ -932,6 +1829,286 @@
 </inkml:ink>
 </file>
 
+<file path=ppt/ink/ink60.xml><?xml version="1.0" encoding="utf-8"?>
+<inkml:ink xmlns:inkml="http://www.w3.org/2003/InkML">
+  <inkml:definitions>
+    <inkml:context xml:id="ctx0">
+      <inkml:inkSource xml:id="inkSrc0">
+        <inkml:traceFormat>
+          <inkml:channel name="X" type="integer" min="-2.14748E9" max="2.14748E9" units="cm"/>
+          <inkml:channel name="Y" type="integer" min="-2.14748E9" max="2.14748E9" units="cm"/>
+          <inkml:channel name="F" type="integer" max="32767" units="dev"/>
+        </inkml:traceFormat>
+        <inkml:channelProperties>
+          <inkml:channelProperty channel="X" name="resolution" value="1000" units="1/cm"/>
+          <inkml:channelProperty channel="Y" name="resolution" value="1000" units="1/cm"/>
+          <inkml:channelProperty channel="F" name="resolution" value="0" units="1/dev"/>
+        </inkml:channelProperties>
+      </inkml:inkSource>
+      <inkml:timestamp xml:id="ts0" timeString="2025-06-23T15:25:24.041"/>
+    </inkml:context>
+    <inkml:brush xml:id="br0">
+      <inkml:brushProperty name="width" value="0.025" units="cm"/>
+      <inkml:brushProperty name="height" value="0.025" units="cm"/>
+      <inkml:brushProperty name="color" value="#E71224"/>
+    </inkml:brush>
+  </inkml:definitions>
+  <inkml:trace contextRef="#ctx0" brushRef="#br0">1168 381 24575,'-1'-3'0,"0"0"0,0 0 0,0 0 0,0 1 0,-1-1 0,1 0 0,-1 1 0,0-1 0,0 1 0,0-1 0,0 1 0,0 0 0,-1 0 0,-3-3 0,-4-4 0,-12-14 0,10 9 0,-1 1 0,-26-20 0,-138-83 0,134 92 0,-2 1 0,-60-22 0,78 36 0,-1 1 0,0 1 0,-1 1 0,1 2 0,-36-2 0,42 6 0,0 1 0,0 1 0,0 0 0,0 2 0,0 1 0,1 0 0,-35 15 0,35-12 0,1 2 0,0 0 0,1 1 0,-21 16 0,30-19 0,0 1 0,1 0 0,0 1 0,0 0 0,1 0 0,0 0 0,1 1 0,-9 17 0,6-9 0,2 1 0,0 0 0,1 0 0,1 1 0,1 0 0,-3 25 0,7-39 0,1 0 0,0 0 0,0 1 0,0-1 0,1 0 0,1-1 0,-1 1 0,1 0 0,0 0 0,3 6 0,-3-9 0,1 0 0,-1 0 0,1 0 0,0 0 0,0 0 0,0-1 0,0 1 0,1-1 0,-1 0 0,1 0 0,0-1 0,0 1 0,0-1 0,0 1 0,1-1 0,5 2 0,5 0 0,1 0 0,0 0 0,-1-2 0,1 0 0,25 0 0,-8-3 0,56-7 0,-37-2 0,-1-1 0,-1-2 0,0-3 0,0-2 0,-2-2 0,52-30 0,-47 19 0,-33 17 0,1 2 0,0 1 0,32-12 0,-30 18 0,-22 5 0,-1 0 0,1 0 0,-1 0 0,1 1 0,-1-1 0,1 0 0,-1 0 0,1 0 0,-1 1 0,1-1 0,-1 0 0,1 1 0,-1-1 0,0 0 0,1 1 0,-1-1 0,0 0 0,1 1 0,-1-1 0,0 1 0,1-1 0,-1 1 0,0-1 0,0 1 0,0-1 0,1 1 0,-1-1 0,0 1 0,0-1 0,0 1 0,0-1 0,0 1 0,0-1 0,0 1 0,0-1 0,0 1 0,0-1 0,0 1 0,-1-1 0,1 2 0,-11 60 0,-3 0 0,-26 74 0,-2 7 0,-59 312 0,52-219 0,41-190-341,1 0 0,3 1-1,2 75 1,2-105-6485</inkml:trace>
+</inkml:ink>
+</file>
+
+<file path=ppt/ink/ink61.xml><?xml version="1.0" encoding="utf-8"?>
+<inkml:ink xmlns:inkml="http://www.w3.org/2003/InkML">
+  <inkml:definitions>
+    <inkml:context xml:id="ctx0">
+      <inkml:inkSource xml:id="inkSrc0">
+        <inkml:traceFormat>
+          <inkml:channel name="X" type="integer" min="-2.14748E9" max="2.14748E9" units="cm"/>
+          <inkml:channel name="Y" type="integer" min="-2.14748E9" max="2.14748E9" units="cm"/>
+          <inkml:channel name="F" type="integer" max="32767" units="dev"/>
+        </inkml:traceFormat>
+        <inkml:channelProperties>
+          <inkml:channelProperty channel="X" name="resolution" value="1000" units="1/cm"/>
+          <inkml:channelProperty channel="Y" name="resolution" value="1000" units="1/cm"/>
+          <inkml:channelProperty channel="F" name="resolution" value="0" units="1/dev"/>
+        </inkml:channelProperties>
+      </inkml:inkSource>
+      <inkml:timestamp xml:id="ts0" timeString="2025-06-23T15:25:24.827"/>
+    </inkml:context>
+    <inkml:brush xml:id="br0">
+      <inkml:brushProperty name="width" value="0.025" units="cm"/>
+      <inkml:brushProperty name="height" value="0.025" units="cm"/>
+      <inkml:brushProperty name="color" value="#E71224"/>
+    </inkml:brush>
+  </inkml:definitions>
+  <inkml:trace contextRef="#ctx0" brushRef="#br0">821 259 24575,'-4'-2'0,"-1"1"0,0-1 0,1 0 0,-1-1 0,1 1 0,0-1 0,-1 0 0,1 0 0,0 0 0,-5-6 0,1 2 0,-194-145 0,187 142 0,0 1 0,0 1 0,-1 1 0,0 0 0,0 1 0,-1 0 0,-29-5 0,36 10 0,-1 0 0,1 0 0,-1 1 0,1 1 0,-1-1 0,1 2 0,-1-1 0,1 1 0,0 1 0,0 0 0,0 1 0,0 0 0,-17 9 0,7 1 0,0 0 0,1 1 0,1 2 0,0-1 0,1 2 0,1 0 0,1 1 0,0 1 0,2 0 0,0 1 0,1 0 0,-14 37 0,22-47 0,0 1 0,1-1 0,1 1 0,-1 0 0,2 0 0,0 0 0,0 16 0,1-24 0,0-1 0,1 1 0,-1-1 0,1 0 0,-1 1 0,1-1 0,0 0 0,1 0 0,-1 0 0,0 0 0,1 0 0,0 0 0,-1 0 0,1 0 0,0-1 0,1 1 0,-1 0 0,0-1 0,1 0 0,-1 0 0,1 0 0,0 0 0,0 0 0,0 0 0,0-1 0,0 1 0,0-1 0,0 0 0,0 0 0,6 1 0,7 0 0,0 0 0,0-1 0,0-1 0,1-1 0,23-3 0,80-22 0,-84 14 0,1-1 0,-2-2 0,0-1 0,56-36 0,-89 50 0,1 1 0,0-1 0,-1 1 0,1-1 0,0 1 0,0 0 0,0 0 0,0 0 0,5 0 0,-7 1 0,0 0 0,-1 0 0,1 0 0,0 1 0,0-1 0,0 0 0,0 1 0,-1-1 0,1 0 0,0 1 0,0-1 0,-1 1 0,1-1 0,0 1 0,-1 0 0,1-1 0,-1 1 0,1-1 0,-1 1 0,1 0 0,-1 0 0,1-1 0,-1 1 0,0 0 0,1 0 0,-1 0 0,0-1 0,0 1 0,1 0 0,-1 0 0,0 0 0,0 0 0,0 0 0,0-1 0,0 1 0,0 0 0,-1 2 0,0 18 0,-2 0 0,0 0 0,-1 0 0,-1 0 0,-11 29 0,-4 14 0,-113 453 0,123-467 0,-4 79 0,12-99 0,0-17-170,0 0-1,0-1 0,-2 1 1,1-1-1,-2 1 0,1-1 1,-8 12-1,4-9-6655</inkml:trace>
+</inkml:ink>
+</file>
+
+<file path=ppt/ink/ink62.xml><?xml version="1.0" encoding="utf-8"?>
+<inkml:ink xmlns:inkml="http://www.w3.org/2003/InkML">
+  <inkml:definitions>
+    <inkml:context xml:id="ctx0">
+      <inkml:inkSource xml:id="inkSrc0">
+        <inkml:traceFormat>
+          <inkml:channel name="X" type="integer" min="-2.14748E9" max="2.14748E9" units="cm"/>
+          <inkml:channel name="Y" type="integer" min="-2.14748E9" max="2.14748E9" units="cm"/>
+          <inkml:channel name="F" type="integer" max="32767" units="dev"/>
+        </inkml:traceFormat>
+        <inkml:channelProperties>
+          <inkml:channelProperty channel="X" name="resolution" value="1000" units="1/cm"/>
+          <inkml:channelProperty channel="Y" name="resolution" value="1000" units="1/cm"/>
+          <inkml:channelProperty channel="F" name="resolution" value="0" units="1/dev"/>
+        </inkml:channelProperties>
+      </inkml:inkSource>
+      <inkml:timestamp xml:id="ts0" timeString="2025-06-23T15:25:25.246"/>
+    </inkml:context>
+    <inkml:brush xml:id="br0">
+      <inkml:brushProperty name="width" value="0.025" units="cm"/>
+      <inkml:brushProperty name="height" value="0.025" units="cm"/>
+      <inkml:brushProperty name="color" value="#E71224"/>
+    </inkml:brush>
+  </inkml:definitions>
+  <inkml:trace contextRef="#ctx0" brushRef="#br0">475 1 24575,'2'0'0,"-1"0"0,0 1 0,1-1 0,-1 1 0,0-1 0,0 1 0,1 0 0,-1-1 0,0 1 0,0 0 0,0 0 0,0 0 0,0 0 0,0 0 0,0 0 0,0 0 0,-1 0 0,2 2 0,0-1 0,43 61 0,-2 2 0,38 80 0,1 1 0,-62-115 0,-3 2 0,0 0 0,-2 1 0,-2 0 0,-1 1 0,-2 1 0,-1-1 0,-1 2 0,-3-1 0,-1 1 0,-1 68 0,-7-37-70,-4-1-1,-2 0 0,-3 0 1,-3-1-1,-3-1 1,-2-1-1,-4-1 0,-54 102 1,-86 113-2982,-286 335 2196,380-528-2792</inkml:trace>
+</inkml:ink>
+</file>
+
+<file path=ppt/ink/ink63.xml><?xml version="1.0" encoding="utf-8"?>
+<inkml:ink xmlns:inkml="http://www.w3.org/2003/InkML">
+  <inkml:definitions>
+    <inkml:context xml:id="ctx0">
+      <inkml:inkSource xml:id="inkSrc0">
+        <inkml:traceFormat>
+          <inkml:channel name="X" type="integer" min="-2.14748E9" max="2.14748E9" units="cm"/>
+          <inkml:channel name="Y" type="integer" min="-2.14748E9" max="2.14748E9" units="cm"/>
+          <inkml:channel name="F" type="integer" max="32767" units="dev"/>
+        </inkml:traceFormat>
+        <inkml:channelProperties>
+          <inkml:channelProperty channel="X" name="resolution" value="1000" units="1/cm"/>
+          <inkml:channelProperty channel="Y" name="resolution" value="1000" units="1/cm"/>
+          <inkml:channelProperty channel="F" name="resolution" value="0" units="1/dev"/>
+        </inkml:channelProperties>
+      </inkml:inkSource>
+      <inkml:timestamp xml:id="ts0" timeString="2025-06-23T15:25:25.395"/>
+    </inkml:context>
+    <inkml:brush xml:id="br0">
+      <inkml:brushProperty name="width" value="0.025" units="cm"/>
+      <inkml:brushProperty name="height" value="0.025" units="cm"/>
+      <inkml:brushProperty name="color" value="#E71224"/>
+    </inkml:brush>
+  </inkml:definitions>
+  <inkml:trace contextRef="#ctx0" brushRef="#br0">1 1 24575,'0'0'0,"0"0"0</inkml:trace>
+</inkml:ink>
+</file>
+
+<file path=ppt/ink/ink64.xml><?xml version="1.0" encoding="utf-8"?>
+<inkml:ink xmlns:inkml="http://www.w3.org/2003/InkML">
+  <inkml:definitions>
+    <inkml:context xml:id="ctx0">
+      <inkml:inkSource xml:id="inkSrc0">
+        <inkml:traceFormat>
+          <inkml:channel name="X" type="integer" min="-2.14748E9" max="2.14748E9" units="cm"/>
+          <inkml:channel name="Y" type="integer" min="-2.14748E9" max="2.14748E9" units="cm"/>
+          <inkml:channel name="F" type="integer" max="32767" units="dev"/>
+        </inkml:traceFormat>
+        <inkml:channelProperties>
+          <inkml:channelProperty channel="X" name="resolution" value="1000" units="1/cm"/>
+          <inkml:channelProperty channel="Y" name="resolution" value="1000" units="1/cm"/>
+          <inkml:channelProperty channel="F" name="resolution" value="0" units="1/dev"/>
+        </inkml:channelProperties>
+      </inkml:inkSource>
+      <inkml:timestamp xml:id="ts0" timeString="2025-06-23T15:25:26.552"/>
+    </inkml:context>
+    <inkml:brush xml:id="br0">
+      <inkml:brushProperty name="width" value="0.025" units="cm"/>
+      <inkml:brushProperty name="height" value="0.025" units="cm"/>
+      <inkml:brushProperty name="color" value="#E71224"/>
+    </inkml:brush>
+  </inkml:definitions>
+  <inkml:trace contextRef="#ctx0" brushRef="#br0">1 463 24575,'6'-12'0,"12"-1"0,1 2 0,1 0 0,0 1 0,1 2 0,33-11 0,-41 14 0,258-82 0,4 12 0,3 12 0,2 12 0,317-15 0,31 34-294,1184 96 1,-1586-41 293,266 24 0,3-26 0,189-28 0,106 0 0,-465 6 0,534 8 0,-190 37 0,-300-16 0,480 12 0,-264-8 0,-407-18 0,-37-8 0,181-15 0,138-39 0,-446 47 0,392-34 0,-39 4 0,395-16 0,-695 49 132,84-3 323,-78-13-455,-4 2 0,-37 7 0,-1-2 0,46-14 0,4-2 0,-64 20-249,0 1 0,0 0 0,33 3 1,-45-1-122,5 0-6456</inkml:trace>
+</inkml:ink>
+</file>
+
+<file path=ppt/ink/ink65.xml><?xml version="1.0" encoding="utf-8"?>
+<inkml:ink xmlns:inkml="http://www.w3.org/2003/InkML">
+  <inkml:definitions>
+    <inkml:context xml:id="ctx0">
+      <inkml:inkSource xml:id="inkSrc0">
+        <inkml:traceFormat>
+          <inkml:channel name="X" type="integer" min="-2.14748E9" max="2.14748E9" units="cm"/>
+          <inkml:channel name="Y" type="integer" min="-2.14748E9" max="2.14748E9" units="cm"/>
+          <inkml:channel name="F" type="integer" max="32767" units="dev"/>
+        </inkml:traceFormat>
+        <inkml:channelProperties>
+          <inkml:channelProperty channel="X" name="resolution" value="1000" units="1/cm"/>
+          <inkml:channelProperty channel="Y" name="resolution" value="1000" units="1/cm"/>
+          <inkml:channelProperty channel="F" name="resolution" value="0" units="1/dev"/>
+        </inkml:channelProperties>
+      </inkml:inkSource>
+      <inkml:timestamp xml:id="ts0" timeString="2025-06-23T15:25:28.104"/>
+    </inkml:context>
+    <inkml:brush xml:id="br0">
+      <inkml:brushProperty name="width" value="0.025" units="cm"/>
+      <inkml:brushProperty name="height" value="0.025" units="cm"/>
+      <inkml:brushProperty name="color" value="#E71224"/>
+    </inkml:brush>
+  </inkml:definitions>
+  <inkml:trace contextRef="#ctx0" brushRef="#br0">177 0 24575,'1'3'0,"-1"-1"0,0 1 0,0 0 0,0-1 0,0 1 0,0-1 0,-1 4 0,-40 211 0,-40 234 0,37-242 0,40-186 0,1 0 0,0 0 0,2 1 0,2 30 0,0-26 0,-1-26 0,0 1 0,0 0 0,1-1 0,-1 1 0,1 0 0,0-1 0,-1 1 0,1-1 0,0 1 0,1-1 0,-1 0 0,0 1 0,1-1 0,-1 0 0,1 0 0,0 0 0,0 0 0,0 0 0,0 0 0,0-1 0,0 1 0,0 0 0,0-1 0,1 0 0,-1 0 0,1 1 0,-1-1 0,1-1 0,-1 1 0,1 0 0,3 0 0,9 1 0,1 0 0,-1-1 0,1 0 0,20-3 0,-15 1 0,180 0 0,-200 1-105,1 0 0,0 0 0,-1 0 0,1 0 0,0 0 0,0 1 0,-1-1 0,1 1 0,0-1 0,-1 1 0,1 0 0,1 0 0,5 6-6721</inkml:trace>
+</inkml:ink>
+</file>
+
+<file path=ppt/ink/ink66.xml><?xml version="1.0" encoding="utf-8"?>
+<inkml:ink xmlns:inkml="http://www.w3.org/2003/InkML">
+  <inkml:definitions>
+    <inkml:context xml:id="ctx0">
+      <inkml:inkSource xml:id="inkSrc0">
+        <inkml:traceFormat>
+          <inkml:channel name="X" type="integer" min="-2.14748E9" max="2.14748E9" units="cm"/>
+          <inkml:channel name="Y" type="integer" min="-2.14748E9" max="2.14748E9" units="cm"/>
+          <inkml:channel name="F" type="integer" max="32767" units="dev"/>
+        </inkml:traceFormat>
+        <inkml:channelProperties>
+          <inkml:channelProperty channel="X" name="resolution" value="1000" units="1/cm"/>
+          <inkml:channelProperty channel="Y" name="resolution" value="1000" units="1/cm"/>
+          <inkml:channelProperty channel="F" name="resolution" value="0" units="1/dev"/>
+        </inkml:channelProperties>
+      </inkml:inkSource>
+      <inkml:timestamp xml:id="ts0" timeString="2025-06-23T15:25:29.394"/>
+    </inkml:context>
+    <inkml:brush xml:id="br0">
+      <inkml:brushProperty name="width" value="0.025" units="cm"/>
+      <inkml:brushProperty name="height" value="0.025" units="cm"/>
+      <inkml:brushProperty name="color" value="#E71224"/>
+    </inkml:brush>
+  </inkml:definitions>
+  <inkml:trace contextRef="#ctx0" brushRef="#br0">353 50 24575,'-8'0'0,"0"0"0,0 0 0,0 1 0,0 0 0,1 0 0,-1 1 0,0 0 0,1 0 0,0 1 0,-1 0 0,1 0 0,0 1 0,0 0 0,1 0 0,-9 7 0,-3 4 0,0 1 0,1 1 0,1 0 0,1 1 0,1 1 0,0 0 0,1 1 0,1 1 0,1 0 0,1 0 0,1 1 0,-7 25 0,4-5 0,2 1 0,2 0 0,2 0 0,1 1 0,3 72 0,2-111 0,0-1 0,0 0 0,1 0 0,0 0 0,-1 0 0,1 0 0,1 0 0,-1 0 0,0 0 0,1 0 0,0 0 0,0-1 0,0 1 0,5 6 0,-4-8 0,0 1 0,0-1 0,0 0 0,0 0 0,0 0 0,1-1 0,-1 1 0,0-1 0,1 0 0,-1 0 0,1 0 0,-1 0 0,1 0 0,0-1 0,-1 0 0,1 0 0,4 0 0,4-1 0,-1 0 0,1 0 0,-1-2 0,0 1 0,0-2 0,0 1 0,0-1 0,0-1 0,-1 0 0,0-1 0,0 0 0,15-11 0,-13 7 0,0-1 0,0 0 0,-1-1 0,0 0 0,-1 0 0,-1-1 0,0-1 0,11-21 0,-14 22 0,0-1 0,-1-1 0,0 1 0,-1-1 0,0 0 0,-2 0 0,1 0 0,-1-20 0,-2 26 0,-1 0 0,1 1 0,-2-1 0,1 0 0,-1 1 0,0 0 0,-1-1 0,0 1 0,0 0 0,-1 0 0,0 0 0,-1 1 0,1 0 0,-1-1 0,-11-10 0,5 7 0,-1 1 0,0 0 0,0 1 0,-23-12 0,35 21 0,0 0 0,0 1 0,0-1 0,0 0 0,0 0 0,0 1 0,1-1 0,-1 0 0,0 1 0,0-1 0,0 0 0,0 1 0,0-1 0,0 0 0,-1 1 0,1-1 0,0 0 0,0 1 0,0-1 0,0 0 0,0 0 0,0 1 0,0-1 0,-1 0 0,1 0 0,0 1 0,0-1 0,0 0 0,-1 0 0,1 1 0,0-1 0,0 0 0,-1 0 0,1 0 0,0 0 0,-1 1 0,1-1 0,0 0 0,0 0 0,-1 0 0,1 0 0,0 0 0,-1 0 0,1 0 0,0 0 0,-1 0 0,1 0 0,0 0 0,-1 0 0,1 0 0,0 0 0,0 0 0,-1 0 0,1 0 0,0 0 0,-1 0 0,1 0 0,0-1 0,0 1 0,-1 0 0,1 0 0,0 0 0,0-1 0,-1 1 0,1 0 0,9 24 0,-1-13 0,-1 0 0,2 0 0,-1-1 0,1 0 0,1-1 0,0 0 0,0 0 0,1-1 0,0 0 0,0-1 0,1-1 0,0 1 0,0-2 0,0 0 0,1 0 0,0-1 0,0-1 0,0 0 0,0-1 0,0 0 0,1-1 0,-1 0 0,16-2 0,-2-3 0,1 0 0,-1-2 0,0-1 0,30-12 0,-13 1 0,67-38 0,-98 48 0,-1 0 0,1-1 0,-2 0 0,1-1 0,-1-1 0,-1 1 0,0-2 0,-1 1 0,0-2 0,0 1 0,-2-1 0,1 0 0,-2 0 0,1-1 0,-2 0 0,0 0 0,-1-1 0,0 1 0,2-25 0,-6 36 0,1 0 0,-2 1 0,1-1 0,0 1 0,0-1 0,-1 0 0,1 1 0,-1-1 0,0 1 0,0-1 0,0 1 0,-2-4 0,3 6 0,0-1 0,-1 1 0,1 0 0,0-1 0,-1 1 0,1-1 0,-1 1 0,1-1 0,0 1 0,-1 0 0,1-1 0,-1 1 0,1 0 0,-1 0 0,1-1 0,-1 1 0,0 0 0,1 0 0,-1 0 0,1 0 0,-1 0 0,0-1 0,-1 2 0,1-1 0,0 0 0,0 1 0,0-1 0,0 1 0,0-1 0,0 1 0,0 0 0,1-1 0,-1 1 0,0 0 0,0-1 0,0 1 0,1 0 0,-1 0 0,-1 2 0,-1 2 0,0 0 0,0 1 0,1-1 0,0 1 0,0-1 0,0 1 0,1 0 0,-1 6 0,-4 13 0,-9 29 0,1 1 0,4 1 0,-7 83 0,17-137 0,0-1 0,0 0 0,0 0 0,0 0 0,0 1 0,0-1 0,0 0 0,0 0 0,0 0 0,1 0 0,-1 0 0,0 1 0,1-1 0,-1 0 0,1 0 0,-1 0 0,1 0 0,0 0 0,-1 0 0,3 1 0,-3-2 0,1 1 0,0-1 0,0 0 0,0 0 0,0 0 0,0 0 0,0 0 0,0 0 0,0-1 0,0 1 0,0 0 0,0 0 0,0-1 0,0 1 0,0-1 0,0 1 0,-1-1 0,1 1 0,0-1 0,0 1 0,0-1 0,-1 0 0,1 1 0,0-1 0,0-1 0,42-37 0,-14 11 0,1 2 0,39-26 0,-60 46 0,1 0 0,-1 1 0,2 0 0,-1 0 0,0 1 0,1 0 0,0 1 0,0 1 0,0-1 0,0 2 0,0 0 0,16 0 0,-22 1 0,1 1 0,-1 0 0,0 1 0,0-1 0,0 1 0,0 0 0,-1 0 0,1 0 0,0 1 0,-1-1 0,0 1 0,1 1 0,-1-1 0,0 0 0,-1 1 0,1 0 0,0 0 0,-1 0 0,4 7 0,2 4 0,0 0 0,-1 1 0,0 1 0,7 24 0,8 38 0,-4 0 0,-3 1 0,9 130 0,-13 249 0,-12-458 0,-14 302 0,7-243 0,-3-1 0,-2 0 0,-21 59 0,-30 28 0,34-84 0,27-58 0,0 0 0,0 0 0,0-1 0,0 1 0,-1 0 0,0-1 0,1 0 0,-1 0 0,-4 4 0,6-7 0,1 1 0,-1-1 0,0 0 0,1 1 0,-1-1 0,1 0 0,-1 0 0,0 1 0,1-1 0,-1 0 0,0 0 0,1 0 0,-1 0 0,0 0 0,1 0 0,-1 0 0,0 0 0,1 0 0,-1 0 0,0 0 0,1 0 0,-1-1 0,1 1 0,-2 0 0,1-2 0,-1 1 0,1 0 0,0 0 0,0 0 0,0-1 0,-1 1 0,1-1 0,1 1 0,-1-1 0,0 1 0,0-1 0,0 0 0,0-2 0,-2-7 0,1 1 0,0 0 0,1-1 0,0 0 0,1 1 0,0-1 0,0 1 0,1-1 0,1 1 0,0-1 0,0 1 0,1 0 0,4-11 0,8-18 0,38-68 0,-53 106 0,49-81 0,107-136 0,-134 191 0,1 1 0,0 0 0,3 2 0,0 1 0,1 1 0,36-22 0,-29 28-1365,-23 12-5461</inkml:trace>
+</inkml:ink>
+</file>
+
+<file path=ppt/ink/ink67.xml><?xml version="1.0" encoding="utf-8"?>
+<inkml:ink xmlns:inkml="http://www.w3.org/2003/InkML">
+  <inkml:definitions>
+    <inkml:context xml:id="ctx0">
+      <inkml:inkSource xml:id="inkSrc0">
+        <inkml:traceFormat>
+          <inkml:channel name="X" type="integer" min="-2.14748E9" max="2.14748E9" units="cm"/>
+          <inkml:channel name="Y" type="integer" min="-2.14748E9" max="2.14748E9" units="cm"/>
+          <inkml:channel name="F" type="integer" max="32767" units="dev"/>
+        </inkml:traceFormat>
+        <inkml:channelProperties>
+          <inkml:channelProperty channel="X" name="resolution" value="1000" units="1/cm"/>
+          <inkml:channelProperty channel="Y" name="resolution" value="1000" units="1/cm"/>
+          <inkml:channelProperty channel="F" name="resolution" value="0" units="1/dev"/>
+        </inkml:channelProperties>
+      </inkml:inkSource>
+      <inkml:timestamp xml:id="ts0" timeString="2025-06-23T15:25:30.011"/>
+    </inkml:context>
+    <inkml:brush xml:id="br0">
+      <inkml:brushProperty name="width" value="0.025" units="cm"/>
+      <inkml:brushProperty name="height" value="0.025" units="cm"/>
+      <inkml:brushProperty name="color" value="#E71224"/>
+    </inkml:brush>
+  </inkml:definitions>
+  <inkml:trace contextRef="#ctx0" brushRef="#br0">350 1 24575,'-1'15'0,"0"-1"0,-2 1 0,1-1 0,-6 16 0,-1 3 0,-169 835 0,147-708 0,-71 515 0,87-496 0,16 323 0,6-410 0,21 98 0,-18-148 0,1 1 0,1-1 0,3-1 0,28 56 0,-36-84 0,1 0 0,0 0 0,1-1 0,0 0 0,1-1 0,0 0 0,22 18 0,-24-22 0,1-1 0,0-1 0,0 0 0,1 0 0,-1-1 0,1 0 0,0 0 0,0-1 0,1-1 0,-1 0 0,0 0 0,11 0 0,15-1-1365,-5-1-5461</inkml:trace>
+</inkml:ink>
+</file>
+
+<file path=ppt/ink/ink68.xml><?xml version="1.0" encoding="utf-8"?>
+<inkml:ink xmlns:inkml="http://www.w3.org/2003/InkML">
+  <inkml:definitions>
+    <inkml:context xml:id="ctx0">
+      <inkml:inkSource xml:id="inkSrc0">
+        <inkml:traceFormat>
+          <inkml:channel name="X" type="integer" min="-2.14748E9" max="2.14748E9" units="cm"/>
+          <inkml:channel name="Y" type="integer" min="-2.14748E9" max="2.14748E9" units="cm"/>
+          <inkml:channel name="F" type="integer" max="32767" units="dev"/>
+        </inkml:traceFormat>
+        <inkml:channelProperties>
+          <inkml:channelProperty channel="X" name="resolution" value="1000" units="1/cm"/>
+          <inkml:channelProperty channel="Y" name="resolution" value="1000" units="1/cm"/>
+          <inkml:channelProperty channel="F" name="resolution" value="0" units="1/dev"/>
+        </inkml:channelProperties>
+      </inkml:inkSource>
+      <inkml:timestamp xml:id="ts0" timeString="2025-06-23T15:25:30.478"/>
+    </inkml:context>
+    <inkml:brush xml:id="br0">
+      <inkml:brushProperty name="width" value="0.025" units="cm"/>
+      <inkml:brushProperty name="height" value="0.025" units="cm"/>
+      <inkml:brushProperty name="color" value="#E71224"/>
+    </inkml:brush>
+  </inkml:definitions>
+  <inkml:trace contextRef="#ctx0" brushRef="#br0">353 0 24575,'-1'18'0,"-30"113"0,13-62 0,-204 798 0,194-761 190,-9 37-126,31-114-469,2-1 1,1 1-1,1 32 0,2-43-6421</inkml:trace>
+</inkml:ink>
+</file>
+
+<file path=ppt/ink/ink69.xml><?xml version="1.0" encoding="utf-8"?>
+<inkml:ink xmlns:inkml="http://www.w3.org/2003/InkML">
+  <inkml:definitions>
+    <inkml:context xml:id="ctx0">
+      <inkml:inkSource xml:id="inkSrc0">
+        <inkml:traceFormat>
+          <inkml:channel name="X" type="integer" min="-2.14748E9" max="2.14748E9" units="cm"/>
+          <inkml:channel name="Y" type="integer" min="-2.14748E9" max="2.14748E9" units="cm"/>
+          <inkml:channel name="F" type="integer" max="32767" units="dev"/>
+        </inkml:traceFormat>
+        <inkml:channelProperties>
+          <inkml:channelProperty channel="X" name="resolution" value="1000" units="1/cm"/>
+          <inkml:channelProperty channel="Y" name="resolution" value="1000" units="1/cm"/>
+          <inkml:channelProperty channel="F" name="resolution" value="0" units="1/dev"/>
+        </inkml:channelProperties>
+      </inkml:inkSource>
+      <inkml:timestamp xml:id="ts0" timeString="2025-06-23T15:25:30.928"/>
+    </inkml:context>
+    <inkml:brush xml:id="br0">
+      <inkml:brushProperty name="width" value="0.025" units="cm"/>
+      <inkml:brushProperty name="height" value="0.025" units="cm"/>
+      <inkml:brushProperty name="color" value="#E71224"/>
+    </inkml:brush>
+  </inkml:definitions>
+  <inkml:trace contextRef="#ctx0" brushRef="#br0">0 88 24575,'287'-11'0,"130"-54"0,-388 60-455,0 1 0,36 1 0,-52 4-6371</inkml:trace>
+</inkml:ink>
+</file>
+
 <file path=ppt/ink/ink7.xml><?xml version="1.0" encoding="utf-8"?>
 <inkml:ink xmlns:inkml="http://www.w3.org/2003/InkML">
   <inkml:definitions>
@@ -957,6 +2134,286 @@
     </inkml:brush>
   </inkml:definitions>
   <inkml:trace contextRef="#ctx0" brushRef="#br0">0 1116 24575,'5'18'0,"20"41"0,48 139 0,146 567 0,-192-665 0,19 57 0,-8-75 0,-37-81 0,3 6 0,-1-20 0,15-331 0,-15 232 0,-2 67 0,1 20 0,-1 0 0,-1 0 0,-1 0 0,-8-41 0,7 62 0,1 0 0,0 0 0,-1 0 0,0 0 0,0 0 0,0 0 0,0 0 0,-1 0 0,0 1 0,0 0 0,1-1 0,-2 1 0,-3-4 0,-4-1 0,-1 1 0,-23-12 0,-2-2 0,17 8 0,-37-30 0,49 36 0,0-1 0,1-1 0,-1 0 0,2 0 0,-1 0 0,-7-15 0,7 10 0,1 0 0,0 0 0,1-1 0,0 0 0,1 0 0,1 0 0,0 0 0,2-1 0,-1 1 0,2 0 0,0-1 0,1 1 0,0-1 0,1 1 0,1-1 0,0 1 0,1 0 0,1 1 0,1-1 0,7-14 0,5-5 0,1 1 0,1 1 0,35-39 0,84-82 0,-51 70 0,179-133 0,123-38 0,-34 63 0,-258 147 0,181-55 0,-242 88 0,1 2 0,1 2 0,0 1 0,78-2 0,-101 8 0,0 2 0,0-1 0,0 2 0,0 0 0,-1 1 0,1 1 0,-1 0 0,0 1 0,-1 1 0,1 0 0,-1 1 0,-1 0 0,1 1 0,22 21 0,-6 0 0,-2 1 0,-1 1 0,33 52 0,58 118 0,-101-172 0,40 73-179,362 608-3731,-273-496 3910,60 53 0,-191-251 0,-5-4 0,1 1 0,1-2 0,1 1 0,0-2 0,0 0 0,1 0 0,17 10 0,-26-18 0,0 0 0,0 1 0,-1 0 0,0 0 0,0 0 0,0 1 0,0-1 0,4 8 0,23 43 0,-23-39 0,-2-5-10,-1 0 0,0 0 0,-1 0 0,0 0 0,3 13 0,-7-20 46,1 0-1,-1-1 0,0 1 1,1-1-1,-2 1 0,1 0 1,0-1-1,-1 1 0,0 0 0,1-1 1,-1 1-1,-1-1 0,1 1 1,-1-1-1,1 0 0,-1 0 1,0 0-1,0 0 0,0 0 0,-5 5 1,-8 6 505,-1-2 1,-1 0-1,0 0 1,0-2-1,-38 17 1,25-13-384,-91 45-158,-2-6 0,-3-6 0,-2-5 0,-1-5 0,-2-6 0,-157 16 0,120-34 0,-1-7 0,0-8 0,-181-24 0,61-29 0,156 26 0,106 24 0,-21-6 0,-1 3 0,-77-4 0,-115 14-1365,231-2-5461</inkml:trace>
+</inkml:ink>
+</file>
+
+<file path=ppt/ink/ink70.xml><?xml version="1.0" encoding="utf-8"?>
+<inkml:ink xmlns:inkml="http://www.w3.org/2003/InkML">
+  <inkml:definitions>
+    <inkml:context xml:id="ctx0">
+      <inkml:inkSource xml:id="inkSrc0">
+        <inkml:traceFormat>
+          <inkml:channel name="X" type="integer" min="-2.14748E9" max="2.14748E9" units="cm"/>
+          <inkml:channel name="Y" type="integer" min="-2.14748E9" max="2.14748E9" units="cm"/>
+          <inkml:channel name="F" type="integer" max="32767" units="dev"/>
+        </inkml:traceFormat>
+        <inkml:channelProperties>
+          <inkml:channelProperty channel="X" name="resolution" value="1000" units="1/cm"/>
+          <inkml:channelProperty channel="Y" name="resolution" value="1000" units="1/cm"/>
+          <inkml:channelProperty channel="F" name="resolution" value="0" units="1/dev"/>
+        </inkml:channelProperties>
+      </inkml:inkSource>
+      <inkml:timestamp xml:id="ts0" timeString="2025-06-23T15:25:32.334"/>
+    </inkml:context>
+    <inkml:brush xml:id="br0">
+      <inkml:brushProperty name="width" value="0.025" units="cm"/>
+      <inkml:brushProperty name="height" value="0.025" units="cm"/>
+      <inkml:brushProperty name="color" value="#E71224"/>
+    </inkml:brush>
+  </inkml:definitions>
+  <inkml:trace contextRef="#ctx0" brushRef="#br0">497 0 24575,'-19'1'0,"0"0"0,-1 2 0,1 0 0,0 1 0,0 1 0,1 1 0,0 0 0,0 1 0,-19 11 0,12-4 0,0 2 0,2 0 0,0 1 0,1 1 0,-30 33 0,40-38 0,1 2 0,1-1 0,0 1 0,1 1 0,0 0 0,-8 25 0,7-14 0,1 1 0,1 0 0,-4 35 0,10-52 0,1 0 0,1 0 0,-1 0 0,2 0 0,0 1 0,0-1 0,1 0 0,0-1 0,1 1 0,0 0 0,1-1 0,0 1 0,1-1 0,0 0 0,0-1 0,1 1 0,0-1 0,1 0 0,0-1 0,1 1 0,12 10 0,-10-11 0,1 0 0,0-1 0,1 0 0,0 0 0,23 8 0,-29-13 0,-1 0 0,1-1 0,0 1 0,0-1 0,1 0 0,-1-1 0,0 1 0,0-1 0,0-1 0,0 1 0,0-1 0,0 0 0,0 0 0,12-5 0,-9 2 0,1-1 0,0 0 0,-1-1 0,0 0 0,-1-1 0,1 0 0,-1 0 0,0-1 0,-1 1 0,0-2 0,0 1 0,10-18 0,-11 14 0,0 0 0,-1-1 0,0 0 0,0 0 0,-2 0 0,1 0 0,-2-1 0,0 1 0,1-23 0,-3 22 0,-1 0 0,0 0 0,-1 0 0,0 0 0,-1 0 0,-1 0 0,0 1 0,-1-1 0,-9-16 0,9 20 0,-1 1 0,0-1 0,-1 1 0,0 0 0,0 1 0,-1-1 0,0 2 0,0-1 0,-1 1 0,0 0 0,0 1 0,-13-7 0,-16-5 0,-32-19 0,61 32 69,0 0-1,-1 1 0,1 0 0,-12-4 1,18 7-159,0 1 0,0-1 0,1 0 0,-1 1 0,0-1 1,0 1-1,0 0 0,0 0 0,0 0 0,0 0 1,0 1-1,0-1 0,0 1 0,0-1 0,1 1 0,-1 0 1,0 1-1,-4 1 0,-1 4-6736</inkml:trace>
+</inkml:ink>
+</file>
+
+<file path=ppt/ink/ink71.xml><?xml version="1.0" encoding="utf-8"?>
+<inkml:ink xmlns:inkml="http://www.w3.org/2003/InkML">
+  <inkml:definitions>
+    <inkml:context xml:id="ctx0">
+      <inkml:inkSource xml:id="inkSrc0">
+        <inkml:traceFormat>
+          <inkml:channel name="X" type="integer" min="-2.14748E9" max="2.14748E9" units="cm"/>
+          <inkml:channel name="Y" type="integer" min="-2.14748E9" max="2.14748E9" units="cm"/>
+          <inkml:channel name="F" type="integer" max="32767" units="dev"/>
+        </inkml:traceFormat>
+        <inkml:channelProperties>
+          <inkml:channelProperty channel="X" name="resolution" value="1000" units="1/cm"/>
+          <inkml:channelProperty channel="Y" name="resolution" value="1000" units="1/cm"/>
+          <inkml:channelProperty channel="F" name="resolution" value="0" units="1/dev"/>
+        </inkml:channelProperties>
+      </inkml:inkSource>
+      <inkml:timestamp xml:id="ts0" timeString="2025-06-23T15:25:32.580"/>
+    </inkml:context>
+    <inkml:brush xml:id="br0">
+      <inkml:brushProperty name="width" value="0.025" units="cm"/>
+      <inkml:brushProperty name="height" value="0.025" units="cm"/>
+      <inkml:brushProperty name="color" value="#E71224"/>
+    </inkml:brush>
+  </inkml:definitions>
+  <inkml:trace contextRef="#ctx0" brushRef="#br0">1 1 24575,'0'0'0</inkml:trace>
+</inkml:ink>
+</file>
+
+<file path=ppt/ink/ink72.xml><?xml version="1.0" encoding="utf-8"?>
+<inkml:ink xmlns:inkml="http://www.w3.org/2003/InkML">
+  <inkml:definitions>
+    <inkml:context xml:id="ctx0">
+      <inkml:inkSource xml:id="inkSrc0">
+        <inkml:traceFormat>
+          <inkml:channel name="X" type="integer" min="-2.14748E9" max="2.14748E9" units="cm"/>
+          <inkml:channel name="Y" type="integer" min="-2.14748E9" max="2.14748E9" units="cm"/>
+          <inkml:channel name="F" type="integer" max="32767" units="dev"/>
+        </inkml:traceFormat>
+        <inkml:channelProperties>
+          <inkml:channelProperty channel="X" name="resolution" value="1000" units="1/cm"/>
+          <inkml:channelProperty channel="Y" name="resolution" value="1000" units="1/cm"/>
+          <inkml:channelProperty channel="F" name="resolution" value="0" units="1/dev"/>
+        </inkml:channelProperties>
+      </inkml:inkSource>
+      <inkml:timestamp xml:id="ts0" timeString="2025-06-23T15:25:33.459"/>
+    </inkml:context>
+    <inkml:brush xml:id="br0">
+      <inkml:brushProperty name="width" value="0.025" units="cm"/>
+      <inkml:brushProperty name="height" value="0.025" units="cm"/>
+      <inkml:brushProperty name="color" value="#E71224"/>
+    </inkml:brush>
+  </inkml:definitions>
+  <inkml:trace contextRef="#ctx0" brushRef="#br0">459 206 24575,'-1'0'0,"1"-1"0,0 1 0,0-1 0,0 0 0,0 1 0,1-1 0,-1 1 0,0-1 0,0 1 0,0-1 0,0 1 0,0-1 0,1 1 0,-1-1 0,0 1 0,1-1 0,-1 1 0,0-1 0,1 1 0,-1-1 0,0 1 0,1-1 0,-1 1 0,1 0 0,0-1 0,14-13 0,-13 13 0,34-26 0,1 1 0,1 2 0,49-24 0,4 5 0,-73 35 0,-13 6 0,-13 7 0,-188 83 0,-14 7 0,145-67 0,50-21 0,-1 1 0,1 1 0,1 0 0,0 1 0,0 1 0,1 0 0,0 1 0,1 0 0,1 1 0,0 0 0,0 1 0,1 0 0,1 0 0,1 1 0,0 1 0,1-1 0,0 1 0,1 1 0,1-1 0,1 1 0,-5 34 0,4-6 0,3 1 0,5 87 0,-3-130 0,0 0 0,1 0 0,-1 0 0,1 0 0,-1 0 0,1 0 0,0 0 0,0-1 0,1 1 0,-1 0 0,0-1 0,1 1 0,0-1 0,-1 1 0,1-1 0,0 0 0,0 1 0,0-1 0,1-1 0,-1 1 0,5 3 0,-4-4 0,1 0 0,0 0 0,-1 0 0,1 0 0,0 0 0,0-1 0,0 0 0,-1 0 0,1 0 0,0 0 0,0 0 0,0-1 0,-1 0 0,1 0 0,0 0 0,5-2 0,23-9 0,0 1 0,1 2 0,0 1 0,0 2 0,46-3 0,-66 10 0,0 0 0,0 1 0,-1 1 0,1 0 0,-1 1 0,1 0 0,-1 1 0,0 0 0,-1 1 0,1 0 0,-1 1 0,0 0 0,-1 0 0,0 2 0,0-1 0,-1 1 0,0 0 0,0 1 0,-1 0 0,0 1 0,9 17 0,-13-21 0,-1 1 0,0 0 0,0 0 0,-1 0 0,0 0 0,0 0 0,-1 0 0,0 1 0,-1-1 0,0 16 0,-2-11 0,0 1 0,0-1 0,-2 0 0,1 0 0,-2 0 0,-6 14 0,0-5 0,-1 0 0,-1-1 0,-1-1 0,-1 0 0,0-1 0,-35 33 0,19-25 0,-1-1 0,-63 38 0,74-52 0,0-1 0,-1-1 0,0-1 0,0-1 0,-1-1 0,-28 5 0,38-11-105,0 0 0,0-1 0,0-1 0,0 0 0,0-1 0,0 0 0,0-1 0,1-1 0,-1 0 0,1 0 0,0-1 0,-16-10 0,15 7-6721</inkml:trace>
+</inkml:ink>
+</file>
+
+<file path=ppt/ink/ink73.xml><?xml version="1.0" encoding="utf-8"?>
+<inkml:ink xmlns:inkml="http://www.w3.org/2003/InkML">
+  <inkml:definitions>
+    <inkml:context xml:id="ctx0">
+      <inkml:inkSource xml:id="inkSrc0">
+        <inkml:traceFormat>
+          <inkml:channel name="X" type="integer" min="-2.14748E9" max="2.14748E9" units="cm"/>
+          <inkml:channel name="Y" type="integer" min="-2.14748E9" max="2.14748E9" units="cm"/>
+          <inkml:channel name="F" type="integer" max="32767" units="dev"/>
+        </inkml:traceFormat>
+        <inkml:channelProperties>
+          <inkml:channelProperty channel="X" name="resolution" value="1000" units="1/cm"/>
+          <inkml:channelProperty channel="Y" name="resolution" value="1000" units="1/cm"/>
+          <inkml:channelProperty channel="F" name="resolution" value="0" units="1/dev"/>
+        </inkml:channelProperties>
+      </inkml:inkSource>
+      <inkml:timestamp xml:id="ts0" timeString="2025-06-23T15:25:33.894"/>
+    </inkml:context>
+    <inkml:brush xml:id="br0">
+      <inkml:brushProperty name="width" value="0.025" units="cm"/>
+      <inkml:brushProperty name="height" value="0.025" units="cm"/>
+      <inkml:brushProperty name="color" value="#E71224"/>
+    </inkml:brush>
+  </inkml:definitions>
+  <inkml:trace contextRef="#ctx0" brushRef="#br0">721 0 24575,'0'2'0,"1"1"0,0-1 0,0 0 0,0 0 0,0 0 0,0 0 0,1 0 0,-1 0 0,0-1 0,1 1 0,1 2 0,0-1 0,39 56 0,-3 2 0,-2 2 0,-3 1 0,-3 2 0,26 81 0,-45-105 0,-2 1 0,-2 0 0,-2 0 0,-2 0 0,-2 1 0,-5 72 0,0-81 0,-2 0 0,-1-1 0,-2 0 0,-1-1 0,-2 1 0,-1-2 0,-29 54 0,1-14 0,-4-2 0,-64 77 0,-88 75 0,180-206 0,-428 432-4590,439-443 4552,-5 5-103,-1 0 1,0-1-1,-15 10 1,15-14-2861</inkml:trace>
+</inkml:ink>
+</file>
+
+<file path=ppt/ink/ink74.xml><?xml version="1.0" encoding="utf-8"?>
+<inkml:ink xmlns:inkml="http://www.w3.org/2003/InkML">
+  <inkml:definitions>
+    <inkml:context xml:id="ctx0">
+      <inkml:inkSource xml:id="inkSrc0">
+        <inkml:traceFormat>
+          <inkml:channel name="X" type="integer" min="-2.14748E9" max="2.14748E9" units="cm"/>
+          <inkml:channel name="Y" type="integer" min="-2.14748E9" max="2.14748E9" units="cm"/>
+          <inkml:channel name="F" type="integer" max="32767" units="dev"/>
+        </inkml:traceFormat>
+        <inkml:channelProperties>
+          <inkml:channelProperty channel="X" name="resolution" value="1000" units="1/cm"/>
+          <inkml:channelProperty channel="Y" name="resolution" value="1000" units="1/cm"/>
+          <inkml:channelProperty channel="F" name="resolution" value="0" units="1/dev"/>
+        </inkml:channelProperties>
+      </inkml:inkSource>
+      <inkml:timestamp xml:id="ts0" timeString="2025-06-23T15:25:34.446"/>
+    </inkml:context>
+    <inkml:brush xml:id="br0">
+      <inkml:brushProperty name="width" value="0.025" units="cm"/>
+      <inkml:brushProperty name="height" value="0.025" units="cm"/>
+      <inkml:brushProperty name="color" value="#E71224"/>
+    </inkml:brush>
+  </inkml:definitions>
+  <inkml:trace contextRef="#ctx0" brushRef="#br0">197 0 24575,'0'0'0,"-1"0"0,0 0 0,1 0 0,-1 1 0,0-1 0,1 0 0,-1 0 0,0 0 0,1 1 0,-1-1 0,1 0 0,-1 0 0,0 1 0,1-1 0,-1 1 0,1-1 0,-1 0 0,1 1 0,-1-1 0,1 1 0,-1-1 0,1 1 0,0-1 0,-1 2 0,-12 14 0,-2 7 0,1 0 0,1 2 0,1 0 0,1 0 0,-13 46 0,-21 138 0,37-168 0,-3 32 0,2-1 0,4 1 0,3 0 0,3 1 0,3-1 0,3 0 0,33 136 0,-24-145 0,41 100 0,-44-132 0,2-2 0,2 0 0,0-1 0,2-1 0,23 27 0,-14-23-273,2-1 0,1-2 0,1-1 0,40 27 0,-21-22-6553</inkml:trace>
+</inkml:ink>
+</file>
+
+<file path=ppt/ink/ink75.xml><?xml version="1.0" encoding="utf-8"?>
+<inkml:ink xmlns:inkml="http://www.w3.org/2003/InkML">
+  <inkml:definitions>
+    <inkml:context xml:id="ctx0">
+      <inkml:inkSource xml:id="inkSrc0">
+        <inkml:traceFormat>
+          <inkml:channel name="X" type="integer" min="-2.14748E9" max="2.14748E9" units="cm"/>
+          <inkml:channel name="Y" type="integer" min="-2.14748E9" max="2.14748E9" units="cm"/>
+          <inkml:channel name="F" type="integer" max="32767" units="dev"/>
+        </inkml:traceFormat>
+        <inkml:channelProperties>
+          <inkml:channelProperty channel="X" name="resolution" value="1000" units="1/cm"/>
+          <inkml:channelProperty channel="Y" name="resolution" value="1000" units="1/cm"/>
+          <inkml:channelProperty channel="F" name="resolution" value="0" units="1/dev"/>
+        </inkml:channelProperties>
+      </inkml:inkSource>
+      <inkml:timestamp xml:id="ts0" timeString="2025-06-23T15:25:35.419"/>
+    </inkml:context>
+    <inkml:brush xml:id="br0">
+      <inkml:brushProperty name="width" value="0.025" units="cm"/>
+      <inkml:brushProperty name="height" value="0.025" units="cm"/>
+      <inkml:brushProperty name="color" value="#E71224"/>
+    </inkml:brush>
+  </inkml:definitions>
+  <inkml:trace contextRef="#ctx0" brushRef="#br0">2 0 24575,'0'18'0,"0"7"0,-1-5 0,1 0 0,1-1 0,1 1 0,0 0 0,6 19 0,-7-34 0,1 0 0,0-1 0,-1 1 0,2-1 0,-1 0 0,0 0 0,1 1 0,0-2 0,0 1 0,0 0 0,0-1 0,1 1 0,-1-1 0,1 0 0,0 0 0,0 0 0,0-1 0,0 1 0,1-1 0,-1 0 0,0 0 0,1-1 0,0 1 0,-1-1 0,1 0 0,6 0 0,-5 0 0,0 0 0,0-1 0,0 1 0,0-2 0,11 0 0,-14 0 0,-1 0 0,1 1 0,0-1 0,-1 0 0,1-1 0,-1 1 0,1 0 0,-1-1 0,0 1 0,0-1 0,1 0 0,-1 0 0,0 0 0,3-4 0,2-4 0,-3 5 0,-1-1 0,1 1 0,0 1 0,0-1 0,1 0 0,0 1 0,-1 0 0,1 0 0,6-3 0,-10 7 0,-1 0 0,1 0 0,-1 0 0,0 0 0,1 0 0,-1 0 0,0 0 0,1 0 0,-1 0 0,0 0 0,1 0 0,-1 0 0,0 0 0,1 1 0,-1-1 0,0 0 0,1 0 0,-1 0 0,0 1 0,0-1 0,1 0 0,-1 0 0,0 1 0,0-1 0,0 0 0,1 0 0,-1 1 0,0-1 0,0 0 0,0 1 0,0-1 0,1 0 0,-1 1 0,0-1 0,0 0 0,0 1 0,0-1 0,0 0 0,0 1 0,2 17 0,-2-16 0,1 286 0,-3-134 0,2-13-1365,0-116-5461</inkml:trace>
+</inkml:ink>
+</file>
+
+<file path=ppt/ink/ink76.xml><?xml version="1.0" encoding="utf-8"?>
+<inkml:ink xmlns:inkml="http://www.w3.org/2003/InkML">
+  <inkml:definitions>
+    <inkml:context xml:id="ctx0">
+      <inkml:inkSource xml:id="inkSrc0">
+        <inkml:traceFormat>
+          <inkml:channel name="X" type="integer" min="-2.14748E9" max="2.14748E9" units="cm"/>
+          <inkml:channel name="Y" type="integer" min="-2.14748E9" max="2.14748E9" units="cm"/>
+          <inkml:channel name="F" type="integer" max="32767" units="dev"/>
+        </inkml:traceFormat>
+        <inkml:channelProperties>
+          <inkml:channelProperty channel="X" name="resolution" value="1000" units="1/cm"/>
+          <inkml:channelProperty channel="Y" name="resolution" value="1000" units="1/cm"/>
+          <inkml:channelProperty channel="F" name="resolution" value="0" units="1/dev"/>
+        </inkml:channelProperties>
+      </inkml:inkSource>
+      <inkml:timestamp xml:id="ts0" timeString="2025-06-23T15:25:35.804"/>
+    </inkml:context>
+    <inkml:brush xml:id="br0">
+      <inkml:brushProperty name="width" value="0.025" units="cm"/>
+      <inkml:brushProperty name="height" value="0.025" units="cm"/>
+      <inkml:brushProperty name="color" value="#E71224"/>
+    </inkml:brush>
+  </inkml:definitions>
+  <inkml:trace contextRef="#ctx0" brushRef="#br0">172 1 24575,'2'0'0,"-1"0"0,1 0 0,-1 1 0,0-1 0,1 1 0,-1 0 0,0-1 0,1 1 0,-1 0 0,0 0 0,0-1 0,0 1 0,0 0 0,0 0 0,0 0 0,0 0 0,0 1 0,0-1 0,0 0 0,0 0 0,0 2 0,15 33 0,-13-28 0,34 90 0,33 138 0,2 108 0,-39-117 0,-30-189 0,-2 0 0,-2 0 0,-1 0 0,-11 52 0,-131 456-3627,72-336 1006,68-199 2594,-1-1 0,0 1 0,-1-1 0,0 0 0,-1 0 0,0 0 0,0-1 0,-1 0 0,0-1 0,-1 0 0,1 0-1,-2-1 1,-14 10 0,-36 23 2259,34-21-6028</inkml:trace>
+</inkml:ink>
+</file>
+
+<file path=ppt/ink/ink77.xml><?xml version="1.0" encoding="utf-8"?>
+<inkml:ink xmlns:inkml="http://www.w3.org/2003/InkML">
+  <inkml:definitions>
+    <inkml:context xml:id="ctx0">
+      <inkml:inkSource xml:id="inkSrc0">
+        <inkml:traceFormat>
+          <inkml:channel name="X" type="integer" min="-2.14748E9" max="2.14748E9" units="cm"/>
+          <inkml:channel name="Y" type="integer" min="-2.14748E9" max="2.14748E9" units="cm"/>
+          <inkml:channel name="F" type="integer" max="32767" units="dev"/>
+        </inkml:traceFormat>
+        <inkml:channelProperties>
+          <inkml:channelProperty channel="X" name="resolution" value="1000" units="1/cm"/>
+          <inkml:channelProperty channel="Y" name="resolution" value="1000" units="1/cm"/>
+          <inkml:channelProperty channel="F" name="resolution" value="0" units="1/dev"/>
+        </inkml:channelProperties>
+      </inkml:inkSource>
+      <inkml:timestamp xml:id="ts0" timeString="2025-06-23T15:25:37.173"/>
+    </inkml:context>
+    <inkml:brush xml:id="br0">
+      <inkml:brushProperty name="width" value="0.025" units="cm"/>
+      <inkml:brushProperty name="height" value="0.025" units="cm"/>
+      <inkml:brushProperty name="color" value="#E71224"/>
+    </inkml:brush>
+  </inkml:definitions>
+  <inkml:trace contextRef="#ctx0" brushRef="#br0">0 153 24575,'41'-5'0,"32"-14"0,96-12 0,38-10 0,-150 25 0,74-17 0,-114 30 0,0 1 0,0 0 0,0 2 0,1-1 0,28 5 0,-12 8-1365,-20-5-5461</inkml:trace>
+</inkml:ink>
+</file>
+
+<file path=ppt/ink/ink78.xml><?xml version="1.0" encoding="utf-8"?>
+<inkml:ink xmlns:inkml="http://www.w3.org/2003/InkML">
+  <inkml:definitions>
+    <inkml:context xml:id="ctx0">
+      <inkml:inkSource xml:id="inkSrc0">
+        <inkml:traceFormat>
+          <inkml:channel name="X" type="integer" min="-2.14748E9" max="2.14748E9" units="cm"/>
+          <inkml:channel name="Y" type="integer" min="-2.14748E9" max="2.14748E9" units="cm"/>
+          <inkml:channel name="F" type="integer" max="32767" units="dev"/>
+        </inkml:traceFormat>
+        <inkml:channelProperties>
+          <inkml:channelProperty channel="X" name="resolution" value="1000" units="1/cm"/>
+          <inkml:channelProperty channel="Y" name="resolution" value="1000" units="1/cm"/>
+          <inkml:channelProperty channel="F" name="resolution" value="0" units="1/dev"/>
+        </inkml:channelProperties>
+      </inkml:inkSource>
+      <inkml:timestamp xml:id="ts0" timeString="2025-06-23T15:25:37.494"/>
+    </inkml:context>
+    <inkml:brush xml:id="br0">
+      <inkml:brushProperty name="width" value="0.025" units="cm"/>
+      <inkml:brushProperty name="height" value="0.025" units="cm"/>
+      <inkml:brushProperty name="color" value="#E71224"/>
+    </inkml:brush>
+  </inkml:definitions>
+  <inkml:trace contextRef="#ctx0" brushRef="#br0">1 178 24575,'18'-5'0,"19"-7"0,54-10 0,-28 9 0,61-12 0,180-11 0,-139 20 0,88-20 0,-222 31-682,45-2-1,-59 7-6143</inkml:trace>
+</inkml:ink>
+</file>
+
+<file path=ppt/ink/ink79.xml><?xml version="1.0" encoding="utf-8"?>
+<inkml:ink xmlns:inkml="http://www.w3.org/2003/InkML">
+  <inkml:definitions>
+    <inkml:context xml:id="ctx0">
+      <inkml:inkSource xml:id="inkSrc0">
+        <inkml:traceFormat>
+          <inkml:channel name="X" type="integer" min="-2.14748E9" max="2.14748E9" units="cm"/>
+          <inkml:channel name="Y" type="integer" min="-2.14748E9" max="2.14748E9" units="cm"/>
+          <inkml:channel name="F" type="integer" max="32767" units="dev"/>
+        </inkml:traceFormat>
+        <inkml:channelProperties>
+          <inkml:channelProperty channel="X" name="resolution" value="1000" units="1/cm"/>
+          <inkml:channelProperty channel="Y" name="resolution" value="1000" units="1/cm"/>
+          <inkml:channelProperty channel="F" name="resolution" value="0" units="1/dev"/>
+        </inkml:channelProperties>
+      </inkml:inkSource>
+      <inkml:timestamp xml:id="ts0" timeString="2025-06-23T15:25:40.617"/>
+    </inkml:context>
+    <inkml:brush xml:id="br0">
+      <inkml:brushProperty name="width" value="0.025" units="cm"/>
+      <inkml:brushProperty name="height" value="0.025" units="cm"/>
+      <inkml:brushProperty name="color" value="#E71224"/>
+    </inkml:brush>
+  </inkml:definitions>
+  <inkml:trace contextRef="#ctx0" brushRef="#br0">0 177 24575,'3'-1'0,"-1"1"0,1-1 0,-1 1 0,1-1 0,0 1 0,-1 0 0,1 0 0,-1 0 0,5 1 0,14 0 0,33-12 0,88-30 0,-106 29 0,58-21 0,54-16 0,-108 36 308,-30 10-726,0-1 0,1 1-1,16-3 1,-17 5-6408</inkml:trace>
 </inkml:ink>
 </file>
 
@@ -988,6 +2445,286 @@
 </inkml:ink>
 </file>
 
+<file path=ppt/ink/ink80.xml><?xml version="1.0" encoding="utf-8"?>
+<inkml:ink xmlns:inkml="http://www.w3.org/2003/InkML">
+  <inkml:definitions>
+    <inkml:context xml:id="ctx0">
+      <inkml:inkSource xml:id="inkSrc0">
+        <inkml:traceFormat>
+          <inkml:channel name="X" type="integer" min="-2.14748E9" max="2.14748E9" units="cm"/>
+          <inkml:channel name="Y" type="integer" min="-2.14748E9" max="2.14748E9" units="cm"/>
+          <inkml:channel name="F" type="integer" max="32767" units="dev"/>
+        </inkml:traceFormat>
+        <inkml:channelProperties>
+          <inkml:channelProperty channel="X" name="resolution" value="1000" units="1/cm"/>
+          <inkml:channelProperty channel="Y" name="resolution" value="1000" units="1/cm"/>
+          <inkml:channelProperty channel="F" name="resolution" value="0" units="1/dev"/>
+        </inkml:channelProperties>
+      </inkml:inkSource>
+      <inkml:timestamp xml:id="ts0" timeString="2025-06-23T15:25:41.391"/>
+    </inkml:context>
+    <inkml:brush xml:id="br0">
+      <inkml:brushProperty name="width" value="0.025" units="cm"/>
+      <inkml:brushProperty name="height" value="0.025" units="cm"/>
+      <inkml:brushProperty name="color" value="#E71224"/>
+    </inkml:brush>
+  </inkml:definitions>
+  <inkml:trace contextRef="#ctx0" brushRef="#br0">61 0 24575,'-16'259'0,"4"-133"0,-1 10 0,-5 108 0,17-201 0,1 38 0,0-72 0,1 1 0,0-1 0,1 1 0,0-1 0,7 18 0,-8-25 0,1 1 0,-1-1 0,1 1 0,0-1 0,0 0 0,0 0 0,0 1 0,0-1 0,1-1 0,-1 1 0,0 0 0,1-1 0,-1 1 0,1-1 0,0 0 0,0 1 0,-1-1 0,1-1 0,0 1 0,0 0 0,0-1 0,0 1 0,0-1 0,0 0 0,4 0 0,8-1 0,0 0 0,0-1 0,24-6 0,-35 7 0,21-6 0,0-1 0,-1-1 0,0-1 0,0-1 0,-1-1 0,-1-1 0,0-1 0,0-1 0,-2-1 0,0-1 0,-1-1 0,0 0 0,-2-1 0,0-1 0,-2-1 0,27-44 0,-14 5 0,36-104 0,-32 84 0,-30 126 0,-15 264 0,-2-47 0,10-133 0,-9 12 0,-1 31 0,16 123-1365,-1-282-5461</inkml:trace>
+</inkml:ink>
+</file>
+
+<file path=ppt/ink/ink81.xml><?xml version="1.0" encoding="utf-8"?>
+<inkml:ink xmlns:inkml="http://www.w3.org/2003/InkML">
+  <inkml:definitions>
+    <inkml:context xml:id="ctx0">
+      <inkml:inkSource xml:id="inkSrc0">
+        <inkml:traceFormat>
+          <inkml:channel name="X" type="integer" min="-2.14748E9" max="2.14748E9" units="cm"/>
+          <inkml:channel name="Y" type="integer" min="-2.14748E9" max="2.14748E9" units="cm"/>
+          <inkml:channel name="F" type="integer" max="32767" units="dev"/>
+        </inkml:traceFormat>
+        <inkml:channelProperties>
+          <inkml:channelProperty channel="X" name="resolution" value="1000" units="1/cm"/>
+          <inkml:channelProperty channel="Y" name="resolution" value="1000" units="1/cm"/>
+          <inkml:channelProperty channel="F" name="resolution" value="0" units="1/dev"/>
+        </inkml:channelProperties>
+      </inkml:inkSource>
+      <inkml:timestamp xml:id="ts0" timeString="2025-06-23T15:25:41.589"/>
+    </inkml:context>
+    <inkml:brush xml:id="br0">
+      <inkml:brushProperty name="width" value="0.025" units="cm"/>
+      <inkml:brushProperty name="height" value="0.025" units="cm"/>
+      <inkml:brushProperty name="color" value="#E71224"/>
+    </inkml:brush>
+  </inkml:definitions>
+  <inkml:trace contextRef="#ctx0" brushRef="#br0">1 1 24575,'0'0'0,"0"0"0</inkml:trace>
+</inkml:ink>
+</file>
+
+<file path=ppt/ink/ink82.xml><?xml version="1.0" encoding="utf-8"?>
+<inkml:ink xmlns:inkml="http://www.w3.org/2003/InkML">
+  <inkml:definitions>
+    <inkml:context xml:id="ctx0">
+      <inkml:inkSource xml:id="inkSrc0">
+        <inkml:traceFormat>
+          <inkml:channel name="X" type="integer" min="-2.14748E9" max="2.14748E9" units="cm"/>
+          <inkml:channel name="Y" type="integer" min="-2.14748E9" max="2.14748E9" units="cm"/>
+          <inkml:channel name="F" type="integer" max="32767" units="dev"/>
+        </inkml:traceFormat>
+        <inkml:channelProperties>
+          <inkml:channelProperty channel="X" name="resolution" value="1000" units="1/cm"/>
+          <inkml:channelProperty channel="Y" name="resolution" value="1000" units="1/cm"/>
+          <inkml:channelProperty channel="F" name="resolution" value="0" units="1/dev"/>
+        </inkml:channelProperties>
+      </inkml:inkSource>
+      <inkml:timestamp xml:id="ts0" timeString="2025-06-23T15:25:42.233"/>
+    </inkml:context>
+    <inkml:brush xml:id="br0">
+      <inkml:brushProperty name="width" value="0.025" units="cm"/>
+      <inkml:brushProperty name="height" value="0.025" units="cm"/>
+      <inkml:brushProperty name="color" value="#E71224"/>
+    </inkml:brush>
+  </inkml:definitions>
+  <inkml:trace contextRef="#ctx0" brushRef="#br0">963 83 24575,'0'-3'0,"-1"0"0,1 0 0,-1 1 0,0-1 0,0 0 0,0 1 0,0-1 0,0 1 0,0-1 0,-1 1 0,1 0 0,-1-1 0,0 1 0,1 0 0,-1 0 0,0 0 0,0 1 0,-1-1 0,1 0 0,0 1 0,0-1 0,-1 1 0,1 0 0,-4-2 0,-6-2 0,-1 0 0,1 1 0,-24-4 0,19 5 0,0 2 0,0 0 0,0 1 0,0 1 0,0 0 0,0 1 0,0 1 0,1 1 0,-29 9 0,14-1 0,0 1 0,0 1 0,-56 36 0,41-19 0,2 2 0,0 1 0,3 2 0,-58 65 0,81-77 0,0 1 0,2 1 0,1 1 0,1 0 0,2 1 0,-12 37 0,1 9 0,-15 97 0,31-137 0,2 2 0,2-1 0,0 0 0,3 1 0,1 0 0,1-1 0,3 0 0,0 0 0,13 41 0,-10-48 0,1 0 0,2 0 0,0-2 0,20 34 0,-26-52 0,0 0 0,0-1 0,1 1 0,0-1 0,1 0 0,-1 0 0,1-1 0,1 0 0,-1 0 0,1-1 0,0 0 0,0 0 0,0-1 0,1 0 0,0 0 0,0-1 0,13 3 0,-13-6 0,0 0 0,0 0 0,1-1 0,-1 0 0,0-1 0,0 0 0,0 0 0,0-1 0,-1 0 0,1-1 0,-1 0 0,0 0 0,0-1 0,0 0 0,0 0 0,8-8 0,-14 11 0,-1 0 0,0 0 0,0 1 0,0-1 0,0 0 0,0 0 0,0 0 0,0-1 0,-1 1 0,1 0 0,-1 0 0,1 0 0,-1 0 0,0-1 0,0 1 0,0 0 0,0 0 0,0-1 0,-1 1 0,1 0 0,-1 0 0,1 0 0,-1 0 0,0 0 0,0 0 0,-1-3 0,-3-5 0,0 1 0,0 0 0,-1 1 0,-8-11 0,10 15 0,0 0 0,0 1 0,0 0 0,0 0 0,0 0 0,-1 0 0,1 0 0,-1 1 0,0 0 0,0 0 0,0 0 0,0 1 0,0 0 0,0 0 0,-7-1 0,-9 0 0,-1 2 0,-30 2 0,17-1 0,-46 1-1365,58-2-5461</inkml:trace>
+</inkml:ink>
+</file>
+
+<file path=ppt/ink/ink83.xml><?xml version="1.0" encoding="utf-8"?>
+<inkml:ink xmlns:inkml="http://www.w3.org/2003/InkML">
+  <inkml:definitions>
+    <inkml:context xml:id="ctx0">
+      <inkml:inkSource xml:id="inkSrc0">
+        <inkml:traceFormat>
+          <inkml:channel name="X" type="integer" min="-2.14748E9" max="2.14748E9" units="cm"/>
+          <inkml:channel name="Y" type="integer" min="-2.14748E9" max="2.14748E9" units="cm"/>
+          <inkml:channel name="F" type="integer" max="32767" units="dev"/>
+        </inkml:traceFormat>
+        <inkml:channelProperties>
+          <inkml:channelProperty channel="X" name="resolution" value="1000" units="1/cm"/>
+          <inkml:channelProperty channel="Y" name="resolution" value="1000" units="1/cm"/>
+          <inkml:channelProperty channel="F" name="resolution" value="0" units="1/dev"/>
+        </inkml:channelProperties>
+      </inkml:inkSource>
+      <inkml:timestamp xml:id="ts0" timeString="2025-06-23T15:25:43.209"/>
+    </inkml:context>
+    <inkml:brush xml:id="br0">
+      <inkml:brushProperty name="width" value="0.025" units="cm"/>
+      <inkml:brushProperty name="height" value="0.025" units="cm"/>
+      <inkml:brushProperty name="color" value="#E71224"/>
+    </inkml:brush>
+  </inkml:definitions>
+  <inkml:trace contextRef="#ctx0" brushRef="#br0">1 411 24575,'142'-12'0,"-78"5"0,871-131 0,-374 46 0,4 30 0,-542 60 0,773-55 0,-297 47 0,-355 11 0,-113-3 0,0-1 0,35-8 0,-32 5 0,49-3 0,172 9 239,-116 1-1843,-131-1-5222</inkml:trace>
+</inkml:ink>
+</file>
+
+<file path=ppt/ink/ink84.xml><?xml version="1.0" encoding="utf-8"?>
+<inkml:ink xmlns:inkml="http://www.w3.org/2003/InkML">
+  <inkml:definitions>
+    <inkml:context xml:id="ctx0">
+      <inkml:inkSource xml:id="inkSrc0">
+        <inkml:traceFormat>
+          <inkml:channel name="X" type="integer" min="-2.14748E9" max="2.14748E9" units="cm"/>
+          <inkml:channel name="Y" type="integer" min="-2.14748E9" max="2.14748E9" units="cm"/>
+          <inkml:channel name="F" type="integer" max="32767" units="dev"/>
+        </inkml:traceFormat>
+        <inkml:channelProperties>
+          <inkml:channelProperty channel="X" name="resolution" value="1000" units="1/cm"/>
+          <inkml:channelProperty channel="Y" name="resolution" value="1000" units="1/cm"/>
+          <inkml:channelProperty channel="F" name="resolution" value="0" units="1/dev"/>
+        </inkml:channelProperties>
+      </inkml:inkSource>
+      <inkml:timestamp xml:id="ts0" timeString="2025-06-23T15:25:44.134"/>
+    </inkml:context>
+    <inkml:brush xml:id="br0">
+      <inkml:brushProperty name="width" value="0.025" units="cm"/>
+      <inkml:brushProperty name="height" value="0.025" units="cm"/>
+      <inkml:brushProperty name="color" value="#E71224"/>
+    </inkml:brush>
+  </inkml:definitions>
+  <inkml:trace contextRef="#ctx0" brushRef="#br0">0 177 24575,'3'0'0,"0"0"0,1-1 0,-1 0 0,0 1 0,0-1 0,0-1 0,0 1 0,4-3 0,-3 3 0,102-42 0,2 5 0,173-36 0,-252 69-341,0 2 0,0 1-1,33 2 1,-49 0-6485</inkml:trace>
+</inkml:ink>
+</file>
+
+<file path=ppt/ink/ink85.xml><?xml version="1.0" encoding="utf-8"?>
+<inkml:ink xmlns:inkml="http://www.w3.org/2003/InkML">
+  <inkml:definitions>
+    <inkml:context xml:id="ctx0">
+      <inkml:inkSource xml:id="inkSrc0">
+        <inkml:traceFormat>
+          <inkml:channel name="X" type="integer" min="-2.14748E9" max="2.14748E9" units="cm"/>
+          <inkml:channel name="Y" type="integer" min="-2.14748E9" max="2.14748E9" units="cm"/>
+          <inkml:channel name="F" type="integer" max="32767" units="dev"/>
+        </inkml:traceFormat>
+        <inkml:channelProperties>
+          <inkml:channelProperty channel="X" name="resolution" value="1000" units="1/cm"/>
+          <inkml:channelProperty channel="Y" name="resolution" value="1000" units="1/cm"/>
+          <inkml:channelProperty channel="F" name="resolution" value="0" units="1/dev"/>
+        </inkml:channelProperties>
+      </inkml:inkSource>
+      <inkml:timestamp xml:id="ts0" timeString="2025-06-23T15:25:44.732"/>
+    </inkml:context>
+    <inkml:brush xml:id="br0">
+      <inkml:brushProperty name="width" value="0.025" units="cm"/>
+      <inkml:brushProperty name="height" value="0.025" units="cm"/>
+      <inkml:brushProperty name="color" value="#E71224"/>
+    </inkml:brush>
+  </inkml:definitions>
+  <inkml:trace contextRef="#ctx0" brushRef="#br0">293 199 24575,'-3'-2'0,"1"-1"0,-1 1 0,1-1 0,-1 1 0,0 0 0,0 0 0,0 1 0,0-1 0,0 1 0,0-1 0,-1 1 0,1 0 0,0 0 0,-1 0 0,1 1 0,-1-1 0,1 1 0,-6 0 0,5 0 0,-1 1 0,1 0 0,-1 0 0,1 1 0,0 0 0,0-1 0,0 1 0,0 1 0,0-1 0,0 0 0,0 1 0,-4 4 0,-5 6 0,2-1 0,-1 2 0,2 0 0,0 0 0,0 0 0,-7 19 0,3-3 0,1 0 0,2 1 0,1 0 0,-9 45 0,11-28 0,2 0 0,0 62 0,6-79 0,2-1 0,1 0 0,1 0 0,2-1 0,1 1 0,1-1 0,17 40 0,-24-66 0,1 1 0,-1-1 0,1 0 0,-1 0 0,1 0 0,0 0 0,0 0 0,1 0 0,-1-1 0,0 1 0,1-1 0,0 1 0,0-1 0,-1 0 0,1 0 0,0 0 0,1 0 0,-1-1 0,0 0 0,0 1 0,1-1 0,-1 0 0,1 0 0,-1-1 0,1 1 0,-1-1 0,1 0 0,-1 1 0,1-2 0,-1 1 0,1 0 0,-1-1 0,1 0 0,4-1 0,13-3 0,-1-2 0,0 0 0,-1-1 0,0-1 0,0-1 0,20-14 0,-14 7 0,-2-1 0,0-2 0,37-38 0,-39 34 0,-1-1 0,0-1 0,-2 0 0,-2-2 0,0 0 0,-2 0 0,-1-2 0,-1 1 0,-1-2 0,-2 1 0,-2-2 0,0 1 0,-2-1 0,-1 1 0,-1-38 0,-4 55 0,0 0 0,-1 0 0,0 0 0,-1 0 0,-1 0 0,0 0 0,-1 1 0,-1 0 0,0 0 0,-10-17 0,6 15 0,-1 1 0,0 1 0,0 0 0,-1 0 0,-1 1 0,0 1 0,-1 0 0,-15-10 0,3 5 0,0 0 0,-52-23 0,76 39-57,0-1 0,-1 1 1,1-1-1,0 1 0,0 0 0,-1 0 0,1 0 0,0 0 0,-1 0 0,1 0 0,0 1 1,-1-1-1,1 1 0,0-1 0,0 1 0,-1 0 0,1 0 0,0 0 0,0 0 1,0 0-1,0 1 0,0-1 0,-2 3 0,-7 8-6769</inkml:trace>
+</inkml:ink>
+</file>
+
+<file path=ppt/ink/ink86.xml><?xml version="1.0" encoding="utf-8"?>
+<inkml:ink xmlns:inkml="http://www.w3.org/2003/InkML">
+  <inkml:definitions>
+    <inkml:context xml:id="ctx0">
+      <inkml:inkSource xml:id="inkSrc0">
+        <inkml:traceFormat>
+          <inkml:channel name="X" type="integer" min="-2.14748E9" max="2.14748E9" units="cm"/>
+          <inkml:channel name="Y" type="integer" min="-2.14748E9" max="2.14748E9" units="cm"/>
+          <inkml:channel name="F" type="integer" max="32767" units="dev"/>
+        </inkml:traceFormat>
+        <inkml:channelProperties>
+          <inkml:channelProperty channel="X" name="resolution" value="1000" units="1/cm"/>
+          <inkml:channelProperty channel="Y" name="resolution" value="1000" units="1/cm"/>
+          <inkml:channelProperty channel="F" name="resolution" value="0" units="1/dev"/>
+        </inkml:channelProperties>
+      </inkml:inkSource>
+      <inkml:timestamp xml:id="ts0" timeString="2025-06-23T15:25:44.992"/>
+    </inkml:context>
+    <inkml:brush xml:id="br0">
+      <inkml:brushProperty name="width" value="0.025" units="cm"/>
+      <inkml:brushProperty name="height" value="0.025" units="cm"/>
+      <inkml:brushProperty name="color" value="#E71224"/>
+    </inkml:brush>
+  </inkml:definitions>
+  <inkml:trace contextRef="#ctx0" brushRef="#br0">12 1 24575,'0'0'0,"-5"0"0,-2 0-8191</inkml:trace>
+</inkml:ink>
+</file>
+
+<file path=ppt/ink/ink87.xml><?xml version="1.0" encoding="utf-8"?>
+<inkml:ink xmlns:inkml="http://www.w3.org/2003/InkML">
+  <inkml:definitions>
+    <inkml:context xml:id="ctx0">
+      <inkml:inkSource xml:id="inkSrc0">
+        <inkml:traceFormat>
+          <inkml:channel name="X" type="integer" min="-2.14748E9" max="2.14748E9" units="cm"/>
+          <inkml:channel name="Y" type="integer" min="-2.14748E9" max="2.14748E9" units="cm"/>
+          <inkml:channel name="F" type="integer" max="32767" units="dev"/>
+        </inkml:traceFormat>
+        <inkml:channelProperties>
+          <inkml:channelProperty channel="X" name="resolution" value="1000" units="1/cm"/>
+          <inkml:channelProperty channel="Y" name="resolution" value="1000" units="1/cm"/>
+          <inkml:channelProperty channel="F" name="resolution" value="0" units="1/dev"/>
+        </inkml:channelProperties>
+      </inkml:inkSource>
+      <inkml:timestamp xml:id="ts0" timeString="2025-06-23T15:25:45.702"/>
+    </inkml:context>
+    <inkml:brush xml:id="br0">
+      <inkml:brushProperty name="width" value="0.025" units="cm"/>
+      <inkml:brushProperty name="height" value="0.025" units="cm"/>
+      <inkml:brushProperty name="color" value="#E71224"/>
+    </inkml:brush>
+  </inkml:definitions>
+  <inkml:trace contextRef="#ctx0" brushRef="#br0">504 0 24575,'-5'1'0,"0"-1"0,0 1 0,0 1 0,0-1 0,0 1 0,0 0 0,0 0 0,0 0 0,1 1 0,-1 0 0,1 0 0,0 0 0,-1 0 0,-5 7 0,-7 7 0,-27 35 0,35-40 0,-166 223 0,146-197 0,3 1 0,-38 74 0,53-89 0,1 0 0,1 1 0,2 0 0,0 1 0,2 0 0,-4 38 0,4 140 0,7-163 0,2 1 0,16 75 0,-15-104 0,0-1 0,1 1 0,0-1 0,1 0 0,0-1 0,1 1 0,0-2 0,0 1 0,12 9 0,-16-16 0,0-1 0,1 0 0,-1 0 0,1 0 0,0-1 0,0 0 0,0 0 0,0 0 0,0 0 0,0-1 0,0 0 0,0 0 0,1 0 0,10 0 0,-2-1 0,1-1 0,-1 0 0,0-1 0,21-5 0,-15 1 0,1-1 0,-2-1 0,1-1 0,-1 0 0,0-2 0,27-20 0,-24 14 0,-1 0 0,-1-2 0,0-1 0,28-37 0,-31 33 0,-1-2 0,-1 0 0,-1-1 0,-1 0 0,-2-1 0,-1 0 0,9-42 0,-12 36 0,-1 0 0,-2 0 0,-2 0 0,-1-1 0,-1 1 0,-7-44 0,-1 42 0,-1 0 0,-2 0 0,-1 1 0,-27-53 0,34 78 0,-2-4 0,0 0 0,-1 1 0,0-1 0,-1 2 0,-13-14 0,18 21 0,0 0 0,-1 1 0,0-1 0,0 1 0,0 0 0,0 1 0,-1-1 0,1 1 0,-1 0 0,0 1 0,0-1 0,0 1 0,0 0 0,-13-1 0,15 3-65,1 0 0,-1 0 0,1 1 0,-1-1 0,1 1 0,-1 0 0,1 0 0,-1 1 0,1-1 0,0 1 0,0 0 0,0-1 0,0 1 0,0 1 0,0-1 0,0 0 0,1 1 0,-1-1 0,1 1 0,-4 4 0,-1 4-6761</inkml:trace>
+</inkml:ink>
+</file>
+
+<file path=ppt/ink/ink88.xml><?xml version="1.0" encoding="utf-8"?>
+<inkml:ink xmlns:inkml="http://www.w3.org/2003/InkML">
+  <inkml:definitions>
+    <inkml:context xml:id="ctx0">
+      <inkml:inkSource xml:id="inkSrc0">
+        <inkml:traceFormat>
+          <inkml:channel name="X" type="integer" min="-2.14748E9" max="2.14748E9" units="cm"/>
+          <inkml:channel name="Y" type="integer" min="-2.14748E9" max="2.14748E9" units="cm"/>
+          <inkml:channel name="F" type="integer" max="32767" units="dev"/>
+        </inkml:traceFormat>
+        <inkml:channelProperties>
+          <inkml:channelProperty channel="X" name="resolution" value="1000" units="1/cm"/>
+          <inkml:channelProperty channel="Y" name="resolution" value="1000" units="1/cm"/>
+          <inkml:channelProperty channel="F" name="resolution" value="0" units="1/dev"/>
+        </inkml:channelProperties>
+      </inkml:inkSource>
+      <inkml:timestamp xml:id="ts0" timeString="2025-06-23T15:25:46.362"/>
+    </inkml:context>
+    <inkml:brush xml:id="br0">
+      <inkml:brushProperty name="width" value="0.025" units="cm"/>
+      <inkml:brushProperty name="height" value="0.025" units="cm"/>
+      <inkml:brushProperty name="color" value="#E71224"/>
+    </inkml:brush>
+  </inkml:definitions>
+  <inkml:trace contextRef="#ctx0" brushRef="#br0">750 0 24575,'-6'7'0,"-140"169"0,-18 23 0,-75 155 0,203-289 0,2 1 0,3 2 0,-38 125 0,62-167 0,1 1 0,1 0 0,2 0 0,0 0 0,2 1 0,1-1 0,1 0 0,2 1 0,1-1 0,0 0 0,2-1 0,12 34 0,-14-51 0,-1-1 0,1 1 0,1-1 0,-1 0 0,1-1 0,1 1 0,-1-1 0,1 0 0,1-1 0,-1 1 0,1-1 0,13 9 0,-13-11 0,-1-1 0,1 0 0,0 0 0,0 0 0,0-1 0,1 0 0,-1 0 0,0-1 0,1 0 0,-1-1 0,1 1 0,-1-1 0,1-1 0,-1 1 0,14-4 0,6-3 0,-1-1 0,0-1 0,-1-1 0,0-2 0,-1 0 0,0-2 0,-1 0 0,41-35 0,-58 44 0,0 0 0,-1-1 0,1 1 0,-1-2 0,-1 1 0,1 0 0,-1-1 0,0 0 0,-1 0 0,0 0 0,0 0 0,0 0 0,-1-1 0,0 1 0,0-1 0,-1 0 0,1-10 0,-2 12 0,-1-1 0,1 1 0,-1-1 0,0 1 0,-1-1 0,1 1 0,-1 0 0,-1 0 0,1 0 0,-1 0 0,0 0 0,0 0 0,-1 1 0,1-1 0,-1 1 0,-1 0 0,1 0 0,-1 1 0,0-1 0,-10-7 0,-1 2 0,0 1 0,0 0 0,-1 2 0,-1-1 0,1 2 0,-1 1 0,0 0 0,-27-4 0,-3 4 0,0 1 0,-52 4 0,53 4 342,44-4-464,0 1 0,1-1 0,-1 1 0,0 0 0,0 0 0,1 0 0,-1 1 0,0-1 0,1 1 1,-1-1-1,1 1 0,0 0 0,-4 4 0,3-2-6704</inkml:trace>
+</inkml:ink>
+</file>
+
+<file path=ppt/ink/ink89.xml><?xml version="1.0" encoding="utf-8"?>
+<inkml:ink xmlns:inkml="http://www.w3.org/2003/InkML">
+  <inkml:definitions>
+    <inkml:context xml:id="ctx0">
+      <inkml:inkSource xml:id="inkSrc0">
+        <inkml:traceFormat>
+          <inkml:channel name="X" type="integer" min="-2.14748E9" max="2.14748E9" units="cm"/>
+          <inkml:channel name="Y" type="integer" min="-2.14748E9" max="2.14748E9" units="cm"/>
+          <inkml:channel name="F" type="integer" max="32767" units="dev"/>
+        </inkml:traceFormat>
+        <inkml:channelProperties>
+          <inkml:channelProperty channel="X" name="resolution" value="1000" units="1/cm"/>
+          <inkml:channelProperty channel="Y" name="resolution" value="1000" units="1/cm"/>
+          <inkml:channelProperty channel="F" name="resolution" value="0" units="1/dev"/>
+        </inkml:channelProperties>
+      </inkml:inkSource>
+      <inkml:timestamp xml:id="ts0" timeString="2025-06-23T15:25:50.679"/>
+    </inkml:context>
+    <inkml:brush xml:id="br0">
+      <inkml:brushProperty name="width" value="0.025" units="cm"/>
+      <inkml:brushProperty name="height" value="0.025" units="cm"/>
+      <inkml:brushProperty name="color" value="#E71224"/>
+    </inkml:brush>
+  </inkml:definitions>
+  <inkml:trace contextRef="#ctx0" brushRef="#br0">110 6193 24575,'0'-18'0,"3"-79"0,27-167 0,42-93 0,-44 234 0,105-439-92,-6 30-105,-31-7-21,-19-279 112,-27 232 111,66-275-5,-59 582-1,52-326-9,-103 525 293,-4-96-1,-2 175-281,0-1 0,0 1 0,0 0-1,0-1 1,0 1 0,0 0 0,-1-1 0,1 1-1,0 0 1,-1-1 0,1 1 0,-1 0 0,0 0-1,1 0 1,-1 0 0,0-1 0,0 1 0,0 0-1,1 0 1,-1 0 0,0 1 0,0-1 0,-1 0-1,1 0 1,0 0 0,0 1 0,0-1 0,0 1-1,-1-1 1,1 1 0,0-1 0,0 1 0,-1 0-1,1-1 1,0 1 0,-1 0 0,1 0 0,0 0-1,-1 0 1,1 0 0,0 0 0,-1 1 0,-1 0-1,-4 0 3,0 1 0,-1 0-1,1 0 1,0 1 0,1 0 0,-11 6-1,-99 70-2,24-16 0,27-21 0,-413 285 0,406-276 0,64-46 0,-1 0 0,0-1 0,1 0 0,-2 0 0,1-1 0,-18 5 0,26-8 0,1 0 0,0 0 0,-1 0 0,1 0 0,-1 0 0,1 0 0,-1 0 0,1 0 0,-1 0 0,1 0 0,-1 0 0,1 0 0,0 0 0,-1 0 0,1 0 0,-1 0 0,1-1 0,-1 1 0,1 0 0,0 0 0,-1-1 0,1 1 0,0 0 0,-1 0 0,1-1 0,0 1 0,-1 0 0,1-1 0,0 1 0,-1 0 0,1-1 0,0 0 0,1-17 0,20-27 0,-16 36 0,46-89 0,5 3 0,4 1 0,127-148 0,-167 218 0,2 1 0,1 0 0,1 2 0,1 1 0,0 1 0,2 1 0,0 1 0,1 1 0,1 2 0,41-15 0,-35 17 0,1 2 0,0 1 0,0 2 0,44-3 0,-67 9 0,0 1 0,1 0 0,-1 1 0,0 0 0,0 1 0,0 1 0,0 0 0,0 1 0,-1 0 0,1 1 0,-1 0 0,0 1 0,-1 1 0,1 0 0,10 9 0,2 5 0,0 2 0,-2 0 0,-1 2 0,-1 0 0,-1 2 0,29 51 0,71 186 0,-104-227 0,27 72-1365,-31-79-5461</inkml:trace>
+</inkml:ink>
+</file>
+
 <file path=ppt/ink/ink9.xml><?xml version="1.0" encoding="utf-8"?>
 <inkml:ink xmlns:inkml="http://www.w3.org/2003/InkML">
   <inkml:definitions>
@@ -1013,6 +2750,118 @@
     </inkml:brush>
   </inkml:definitions>
   <inkml:trace contextRef="#ctx0" brushRef="#br0">0 1 24575,'0'0'0</inkml:trace>
+</inkml:ink>
+</file>
+
+<file path=ppt/ink/ink90.xml><?xml version="1.0" encoding="utf-8"?>
+<inkml:ink xmlns:inkml="http://www.w3.org/2003/InkML">
+  <inkml:definitions>
+    <inkml:context xml:id="ctx0">
+      <inkml:inkSource xml:id="inkSrc0">
+        <inkml:traceFormat>
+          <inkml:channel name="X" type="integer" min="-2.14748E9" max="2.14748E9" units="cm"/>
+          <inkml:channel name="Y" type="integer" min="-2.14748E9" max="2.14748E9" units="cm"/>
+          <inkml:channel name="F" type="integer" max="32767" units="dev"/>
+        </inkml:traceFormat>
+        <inkml:channelProperties>
+          <inkml:channelProperty channel="X" name="resolution" value="1000" units="1/cm"/>
+          <inkml:channelProperty channel="Y" name="resolution" value="1000" units="1/cm"/>
+          <inkml:channelProperty channel="F" name="resolution" value="0" units="1/dev"/>
+        </inkml:channelProperties>
+      </inkml:inkSource>
+      <inkml:timestamp xml:id="ts0" timeString="2025-06-23T15:25:51.448"/>
+    </inkml:context>
+    <inkml:brush xml:id="br0">
+      <inkml:brushProperty name="width" value="0.025" units="cm"/>
+      <inkml:brushProperty name="height" value="0.025" units="cm"/>
+      <inkml:brushProperty name="color" value="#E71224"/>
+    </inkml:brush>
+  </inkml:definitions>
+  <inkml:trace contextRef="#ctx0" brushRef="#br0">1 298 24575,'72'-18'0,"468"-139"0,-515 148 0,205-70 0,-195 69 0,2 2 0,-1 1 0,1 3 0,56-2 0,-84 6 0,1 1 0,-1-1 0,1 1 0,-1 1 0,0 0 0,15 5 0,-18-5 0,0 1 0,-1 0 0,0 1 0,0-1 0,0 1 0,0 0 0,0 0 0,-1 1 0,1-1 0,-1 1 0,3 5 0,7 11 0,-1 0 0,-1 1 0,-1 1 0,-1 0 0,-1 0 0,-1 1 0,5 29 0,-1 8 0,8 108 0,-18-51 0,-15 145 0,2-88 0,-5 64 0,-2 161 0,19-274-1365,-1-115-5461</inkml:trace>
+</inkml:ink>
+</file>
+
+<file path=ppt/ink/ink91.xml><?xml version="1.0" encoding="utf-8"?>
+<inkml:ink xmlns:inkml="http://www.w3.org/2003/InkML">
+  <inkml:definitions>
+    <inkml:context xml:id="ctx0">
+      <inkml:inkSource xml:id="inkSrc0">
+        <inkml:traceFormat>
+          <inkml:channel name="X" type="integer" min="-2.14748E9" max="2.14748E9" units="cm"/>
+          <inkml:channel name="Y" type="integer" min="-2.14748E9" max="2.14748E9" units="cm"/>
+          <inkml:channel name="F" type="integer" max="32767" units="dev"/>
+        </inkml:traceFormat>
+        <inkml:channelProperties>
+          <inkml:channelProperty channel="X" name="resolution" value="1000" units="1/cm"/>
+          <inkml:channelProperty channel="Y" name="resolution" value="1000" units="1/cm"/>
+          <inkml:channelProperty channel="F" name="resolution" value="0" units="1/dev"/>
+        </inkml:channelProperties>
+      </inkml:inkSource>
+      <inkml:timestamp xml:id="ts0" timeString="2025-06-23T15:25:51.865"/>
+    </inkml:context>
+    <inkml:brush xml:id="br0">
+      <inkml:brushProperty name="width" value="0.025" units="cm"/>
+      <inkml:brushProperty name="height" value="0.025" units="cm"/>
+      <inkml:brushProperty name="color" value="#E71224"/>
+    </inkml:brush>
+  </inkml:definitions>
+  <inkml:trace contextRef="#ctx0" brushRef="#br0">0 1 24575,'14'226'0,"-1"-48"0,-8 652 0,-7-461 0,2 111 0,0-465-227,0 1-1,2-1 1,0 0-1,0 1 1,9 25-1,-6-27-6598</inkml:trace>
+</inkml:ink>
+</file>
+
+<file path=ppt/ink/ink92.xml><?xml version="1.0" encoding="utf-8"?>
+<inkml:ink xmlns:inkml="http://www.w3.org/2003/InkML">
+  <inkml:definitions>
+    <inkml:context xml:id="ctx0">
+      <inkml:inkSource xml:id="inkSrc0">
+        <inkml:traceFormat>
+          <inkml:channel name="X" type="integer" min="-2.14748E9" max="2.14748E9" units="cm"/>
+          <inkml:channel name="Y" type="integer" min="-2.14748E9" max="2.14748E9" units="cm"/>
+          <inkml:channel name="F" type="integer" max="32767" units="dev"/>
+        </inkml:traceFormat>
+        <inkml:channelProperties>
+          <inkml:channelProperty channel="X" name="resolution" value="1000" units="1/cm"/>
+          <inkml:channelProperty channel="Y" name="resolution" value="1000" units="1/cm"/>
+          <inkml:channelProperty channel="F" name="resolution" value="0" units="1/dev"/>
+        </inkml:channelProperties>
+      </inkml:inkSource>
+      <inkml:timestamp xml:id="ts0" timeString="2025-06-23T15:25:52.768"/>
+    </inkml:context>
+    <inkml:brush xml:id="br0">
+      <inkml:brushProperty name="width" value="0.025" units="cm"/>
+      <inkml:brushProperty name="height" value="0.025" units="cm"/>
+      <inkml:brushProperty name="color" value="#E71224"/>
+    </inkml:brush>
+  </inkml:definitions>
+  <inkml:trace contextRef="#ctx0" brushRef="#br0">3901 230 24575,'-1'-2'0,"0"1"0,0-1 0,-1 1 0,1-1 0,-1 1 0,0-1 0,1 1 0,-1 0 0,0 0 0,0 0 0,0 0 0,-2-1 0,-105-40 0,0 5 0,-193-38 0,160 51 0,-256-9 0,254 33 0,1 6 0,0 7 0,0 6 0,2 6 0,1 6 0,-146 53 0,163-38 0,2 5 0,2 5 0,3 5 0,-166 117 0,185-106 0,4 4 0,2 4 0,5 3 0,3 5 0,-80 109 0,124-141 0,2 1 0,3 2 0,3 1 0,2 2 0,2 1 0,4 0 0,2 2 0,4 1 0,2 0 0,3 1 0,3 1 0,2 0 0,4 0 0,3 0 0,3 0 0,3 0 0,2-1 0,25 90 0,-5-59 0,5-2 0,3-2 0,5-1 0,83 137 0,-75-152 0,4-3 0,3-2 0,3-2 0,3-4 0,2-1 0,4-4 0,86 61 0,-84-76 0,2-3 0,2-4 0,1-2 0,2-4 0,1-4 0,140 36 0,-94-39 0,0-6 0,1-5 0,231 0 0,-270-18 0,0-4 0,-1-3 0,0-5 0,0-3 0,-2-3 0,89-35 0,-113 29 0,-2-2 0,-1-3 0,-1-2 0,-2-2 0,-1-3 0,70-66 0,-15-2 0,151-192 0,-165 176 0,-5-3 0,101-194 0,-140 219 0,-4-1 0,-4-2 0,-5-1 0,25-122 0,-53 187 0,-1-1 0,-2 1 0,-2-1 0,-2 0 0,-1 0 0,-2 0 0,-2 0 0,-1 0 0,-17-58 0,2 34 0,-2 1 0,-4 1 0,-2 2 0,-2 0 0,-4 2 0,-1 2 0,-3 1 0,-3 1 0,-2 3 0,-2 2 0,-2 1 0,-71-55 0,29 35 0,-3 4 0,-3 5 0,-2 3 0,-3 5 0,-201-73 0,127 69 0,-190-33 0,221 63 0,-269-11 0,327 36-195,0 3 0,0 5 0,1 3 0,0 3 0,1 5 0,-95 33 0,123-32-6631</inkml:trace>
+</inkml:ink>
+</file>
+
+<file path=ppt/ink/ink93.xml><?xml version="1.0" encoding="utf-8"?>
+<inkml:ink xmlns:inkml="http://www.w3.org/2003/InkML">
+  <inkml:definitions>
+    <inkml:context xml:id="ctx0">
+      <inkml:inkSource xml:id="inkSrc0">
+        <inkml:traceFormat>
+          <inkml:channel name="X" type="integer" min="-2.14748E9" max="2.14748E9" units="cm"/>
+          <inkml:channel name="Y" type="integer" min="-2.14748E9" max="2.14748E9" units="cm"/>
+          <inkml:channel name="F" type="integer" max="32767" units="dev"/>
+        </inkml:traceFormat>
+        <inkml:channelProperties>
+          <inkml:channelProperty channel="X" name="resolution" value="1000" units="1/cm"/>
+          <inkml:channelProperty channel="Y" name="resolution" value="1000" units="1/cm"/>
+          <inkml:channelProperty channel="F" name="resolution" value="0" units="1/dev"/>
+        </inkml:channelProperties>
+      </inkml:inkSource>
+      <inkml:timestamp xml:id="ts0" timeString="2025-06-23T15:25:57.851"/>
+    </inkml:context>
+    <inkml:brush xml:id="br0">
+      <inkml:brushProperty name="width" value="0.025" units="cm"/>
+      <inkml:brushProperty name="height" value="0.025" units="cm"/>
+      <inkml:brushProperty name="color" value="#E71224"/>
+    </inkml:brush>
+  </inkml:definitions>
+  <inkml:trace contextRef="#ctx0" brushRef="#br0">0 0 24575,'0'0'-8191</inkml:trace>
 </inkml:ink>
 </file>
 
@@ -9626,8 +11475,8 @@
           </a:prstGeom>
         </p:spPr>
       </p:pic>
-      <mc:AlternateContent xmlns:mc="http://schemas.openxmlformats.org/markup-compatibility/2006">
-        <mc:Choice xmlns:p14="http://schemas.microsoft.com/office/powerpoint/2010/main" Requires="p14">
+      <mc:AlternateContent xmlns:mc="http://schemas.openxmlformats.org/markup-compatibility/2006" xmlns:p14="http://schemas.microsoft.com/office/powerpoint/2010/main">
+        <mc:Choice Requires="p14">
           <p:contentPart p14:bwMode="auto" r:id="rId4">
             <p14:nvContentPartPr>
               <p14:cNvPr id="34" name="Ink 33">
@@ -9646,7 +11495,7 @@
             </p14:xfrm>
           </p:contentPart>
         </mc:Choice>
-        <mc:Fallback>
+        <mc:Fallback xmlns="">
           <p:pic>
             <p:nvPicPr>
               <p:cNvPr id="34" name="Ink 33">
@@ -9697,8 +11546,8 @@
             <a:chExt cx="3463920" cy="3039480"/>
           </a:xfrm>
         </p:grpSpPr>
-        <mc:AlternateContent xmlns:mc="http://schemas.openxmlformats.org/markup-compatibility/2006">
-          <mc:Choice xmlns:p14="http://schemas.microsoft.com/office/powerpoint/2010/main" Requires="p14">
+        <mc:AlternateContent xmlns:mc="http://schemas.openxmlformats.org/markup-compatibility/2006" xmlns:p14="http://schemas.microsoft.com/office/powerpoint/2010/main">
+          <mc:Choice Requires="p14">
             <p:contentPart p14:bwMode="auto" r:id="rId6">
               <p14:nvContentPartPr>
                 <p14:cNvPr id="8" name="Ink 7">
@@ -9717,7 +11566,7 @@
               </p14:xfrm>
             </p:contentPart>
           </mc:Choice>
-          <mc:Fallback>
+          <mc:Fallback xmlns="">
             <p:pic>
               <p:nvPicPr>
                 <p:cNvPr id="8" name="Ink 7">
@@ -9748,8 +11597,8 @@
             </p:pic>
           </mc:Fallback>
         </mc:AlternateContent>
-        <mc:AlternateContent xmlns:mc="http://schemas.openxmlformats.org/markup-compatibility/2006">
-          <mc:Choice xmlns:p14="http://schemas.microsoft.com/office/powerpoint/2010/main" Requires="p14">
+        <mc:AlternateContent xmlns:mc="http://schemas.openxmlformats.org/markup-compatibility/2006" xmlns:p14="http://schemas.microsoft.com/office/powerpoint/2010/main">
+          <mc:Choice Requires="p14">
             <p:contentPart p14:bwMode="auto" r:id="rId8">
               <p14:nvContentPartPr>
                 <p14:cNvPr id="9" name="Ink 8">
@@ -9768,7 +11617,7 @@
               </p14:xfrm>
             </p:contentPart>
           </mc:Choice>
-          <mc:Fallback>
+          <mc:Fallback xmlns="">
             <p:pic>
               <p:nvPicPr>
                 <p:cNvPr id="9" name="Ink 8">
@@ -9799,8 +11648,8 @@
             </p:pic>
           </mc:Fallback>
         </mc:AlternateContent>
-        <mc:AlternateContent xmlns:mc="http://schemas.openxmlformats.org/markup-compatibility/2006">
-          <mc:Choice xmlns:p14="http://schemas.microsoft.com/office/powerpoint/2010/main" Requires="p14">
+        <mc:AlternateContent xmlns:mc="http://schemas.openxmlformats.org/markup-compatibility/2006" xmlns:p14="http://schemas.microsoft.com/office/powerpoint/2010/main">
+          <mc:Choice Requires="p14">
             <p:contentPart p14:bwMode="auto" r:id="rId10">
               <p14:nvContentPartPr>
                 <p14:cNvPr id="10" name="Ink 9">
@@ -9819,7 +11668,7 @@
               </p14:xfrm>
             </p:contentPart>
           </mc:Choice>
-          <mc:Fallback>
+          <mc:Fallback xmlns="">
             <p:pic>
               <p:nvPicPr>
                 <p:cNvPr id="10" name="Ink 9">
@@ -9850,8 +11699,8 @@
             </p:pic>
           </mc:Fallback>
         </mc:AlternateContent>
-        <mc:AlternateContent xmlns:mc="http://schemas.openxmlformats.org/markup-compatibility/2006">
-          <mc:Choice xmlns:p14="http://schemas.microsoft.com/office/powerpoint/2010/main" Requires="p14">
+        <mc:AlternateContent xmlns:mc="http://schemas.openxmlformats.org/markup-compatibility/2006" xmlns:p14="http://schemas.microsoft.com/office/powerpoint/2010/main">
+          <mc:Choice Requires="p14">
             <p:contentPart p14:bwMode="auto" r:id="rId12">
               <p14:nvContentPartPr>
                 <p14:cNvPr id="11" name="Ink 10">
@@ -9870,7 +11719,7 @@
               </p14:xfrm>
             </p:contentPart>
           </mc:Choice>
-          <mc:Fallback>
+          <mc:Fallback xmlns="">
             <p:pic>
               <p:nvPicPr>
                 <p:cNvPr id="11" name="Ink 10">
@@ -9901,8 +11750,8 @@
             </p:pic>
           </mc:Fallback>
         </mc:AlternateContent>
-        <mc:AlternateContent xmlns:mc="http://schemas.openxmlformats.org/markup-compatibility/2006">
-          <mc:Choice xmlns:p14="http://schemas.microsoft.com/office/powerpoint/2010/main" Requires="p14">
+        <mc:AlternateContent xmlns:mc="http://schemas.openxmlformats.org/markup-compatibility/2006" xmlns:p14="http://schemas.microsoft.com/office/powerpoint/2010/main">
+          <mc:Choice Requires="p14">
             <p:contentPart p14:bwMode="auto" r:id="rId13">
               <p14:nvContentPartPr>
                 <p14:cNvPr id="12" name="Ink 11">
@@ -9921,7 +11770,7 @@
               </p14:xfrm>
             </p:contentPart>
           </mc:Choice>
-          <mc:Fallback>
+          <mc:Fallback xmlns="">
             <p:pic>
               <p:nvPicPr>
                 <p:cNvPr id="12" name="Ink 11">
@@ -9952,8 +11801,8 @@
             </p:pic>
           </mc:Fallback>
         </mc:AlternateContent>
-        <mc:AlternateContent xmlns:mc="http://schemas.openxmlformats.org/markup-compatibility/2006">
-          <mc:Choice xmlns:p14="http://schemas.microsoft.com/office/powerpoint/2010/main" Requires="p14">
+        <mc:AlternateContent xmlns:mc="http://schemas.openxmlformats.org/markup-compatibility/2006" xmlns:p14="http://schemas.microsoft.com/office/powerpoint/2010/main">
+          <mc:Choice Requires="p14">
             <p:contentPart p14:bwMode="auto" r:id="rId14">
               <p14:nvContentPartPr>
                 <p14:cNvPr id="13" name="Ink 12">
@@ -9972,7 +11821,7 @@
               </p14:xfrm>
             </p:contentPart>
           </mc:Choice>
-          <mc:Fallback>
+          <mc:Fallback xmlns="">
             <p:pic>
               <p:nvPicPr>
                 <p:cNvPr id="13" name="Ink 12">
@@ -10003,8 +11852,8 @@
             </p:pic>
           </mc:Fallback>
         </mc:AlternateContent>
-        <mc:AlternateContent xmlns:mc="http://schemas.openxmlformats.org/markup-compatibility/2006">
-          <mc:Choice xmlns:p14="http://schemas.microsoft.com/office/powerpoint/2010/main" Requires="p14">
+        <mc:AlternateContent xmlns:mc="http://schemas.openxmlformats.org/markup-compatibility/2006" xmlns:p14="http://schemas.microsoft.com/office/powerpoint/2010/main">
+          <mc:Choice Requires="p14">
             <p:contentPart p14:bwMode="auto" r:id="rId16">
               <p14:nvContentPartPr>
                 <p14:cNvPr id="14" name="Ink 13">
@@ -10023,7 +11872,7 @@
               </p14:xfrm>
             </p:contentPart>
           </mc:Choice>
-          <mc:Fallback>
+          <mc:Fallback xmlns="">
             <p:pic>
               <p:nvPicPr>
                 <p:cNvPr id="14" name="Ink 13">
@@ -10054,8 +11903,8 @@
             </p:pic>
           </mc:Fallback>
         </mc:AlternateContent>
-        <mc:AlternateContent xmlns:mc="http://schemas.openxmlformats.org/markup-compatibility/2006">
-          <mc:Choice xmlns:p14="http://schemas.microsoft.com/office/powerpoint/2010/main" Requires="p14">
+        <mc:AlternateContent xmlns:mc="http://schemas.openxmlformats.org/markup-compatibility/2006" xmlns:p14="http://schemas.microsoft.com/office/powerpoint/2010/main">
+          <mc:Choice Requires="p14">
             <p:contentPart p14:bwMode="auto" r:id="rId17">
               <p14:nvContentPartPr>
                 <p14:cNvPr id="15" name="Ink 14">
@@ -10074,7 +11923,7 @@
               </p14:xfrm>
             </p:contentPart>
           </mc:Choice>
-          <mc:Fallback>
+          <mc:Fallback xmlns="">
             <p:pic>
               <p:nvPicPr>
                 <p:cNvPr id="15" name="Ink 14">
@@ -10105,8 +11954,8 @@
             </p:pic>
           </mc:Fallback>
         </mc:AlternateContent>
-        <mc:AlternateContent xmlns:mc="http://schemas.openxmlformats.org/markup-compatibility/2006">
-          <mc:Choice xmlns:p14="http://schemas.microsoft.com/office/powerpoint/2010/main" Requires="p14">
+        <mc:AlternateContent xmlns:mc="http://schemas.openxmlformats.org/markup-compatibility/2006" xmlns:p14="http://schemas.microsoft.com/office/powerpoint/2010/main">
+          <mc:Choice Requires="p14">
             <p:contentPart p14:bwMode="auto" r:id="rId18">
               <p14:nvContentPartPr>
                 <p14:cNvPr id="16" name="Ink 15">
@@ -10125,7 +11974,7 @@
               </p14:xfrm>
             </p:contentPart>
           </mc:Choice>
-          <mc:Fallback>
+          <mc:Fallback xmlns="">
             <p:pic>
               <p:nvPicPr>
                 <p:cNvPr id="16" name="Ink 15">
@@ -10156,8 +12005,8 @@
             </p:pic>
           </mc:Fallback>
         </mc:AlternateContent>
-        <mc:AlternateContent xmlns:mc="http://schemas.openxmlformats.org/markup-compatibility/2006">
-          <mc:Choice xmlns:p14="http://schemas.microsoft.com/office/powerpoint/2010/main" Requires="p14">
+        <mc:AlternateContent xmlns:mc="http://schemas.openxmlformats.org/markup-compatibility/2006" xmlns:p14="http://schemas.microsoft.com/office/powerpoint/2010/main">
+          <mc:Choice Requires="p14">
             <p:contentPart p14:bwMode="auto" r:id="rId19">
               <p14:nvContentPartPr>
                 <p14:cNvPr id="17" name="Ink 16">
@@ -10176,7 +12025,7 @@
               </p14:xfrm>
             </p:contentPart>
           </mc:Choice>
-          <mc:Fallback>
+          <mc:Fallback xmlns="">
             <p:pic>
               <p:nvPicPr>
                 <p:cNvPr id="17" name="Ink 16">
@@ -10207,8 +12056,8 @@
             </p:pic>
           </mc:Fallback>
         </mc:AlternateContent>
-        <mc:AlternateContent xmlns:mc="http://schemas.openxmlformats.org/markup-compatibility/2006">
-          <mc:Choice xmlns:p14="http://schemas.microsoft.com/office/powerpoint/2010/main" Requires="p14">
+        <mc:AlternateContent xmlns:mc="http://schemas.openxmlformats.org/markup-compatibility/2006" xmlns:p14="http://schemas.microsoft.com/office/powerpoint/2010/main">
+          <mc:Choice Requires="p14">
             <p:contentPart p14:bwMode="auto" r:id="rId21">
               <p14:nvContentPartPr>
                 <p14:cNvPr id="18" name="Ink 17">
@@ -10227,7 +12076,7 @@
               </p14:xfrm>
             </p:contentPart>
           </mc:Choice>
-          <mc:Fallback>
+          <mc:Fallback xmlns="">
             <p:pic>
               <p:nvPicPr>
                 <p:cNvPr id="18" name="Ink 17">
@@ -10258,8 +12107,8 @@
             </p:pic>
           </mc:Fallback>
         </mc:AlternateContent>
-        <mc:AlternateContent xmlns:mc="http://schemas.openxmlformats.org/markup-compatibility/2006">
-          <mc:Choice xmlns:p14="http://schemas.microsoft.com/office/powerpoint/2010/main" Requires="p14">
+        <mc:AlternateContent xmlns:mc="http://schemas.openxmlformats.org/markup-compatibility/2006" xmlns:p14="http://schemas.microsoft.com/office/powerpoint/2010/main">
+          <mc:Choice Requires="p14">
             <p:contentPart p14:bwMode="auto" r:id="rId23">
               <p14:nvContentPartPr>
                 <p14:cNvPr id="19" name="Ink 18">
@@ -10278,7 +12127,7 @@
               </p14:xfrm>
             </p:contentPart>
           </mc:Choice>
-          <mc:Fallback>
+          <mc:Fallback xmlns="">
             <p:pic>
               <p:nvPicPr>
                 <p:cNvPr id="19" name="Ink 18">
@@ -10309,8 +12158,8 @@
             </p:pic>
           </mc:Fallback>
         </mc:AlternateContent>
-        <mc:AlternateContent xmlns:mc="http://schemas.openxmlformats.org/markup-compatibility/2006">
-          <mc:Choice xmlns:p14="http://schemas.microsoft.com/office/powerpoint/2010/main" Requires="p14">
+        <mc:AlternateContent xmlns:mc="http://schemas.openxmlformats.org/markup-compatibility/2006" xmlns:p14="http://schemas.microsoft.com/office/powerpoint/2010/main">
+          <mc:Choice Requires="p14">
             <p:contentPart p14:bwMode="auto" r:id="rId24">
               <p14:nvContentPartPr>
                 <p14:cNvPr id="22" name="Ink 21">
@@ -10329,7 +12178,7 @@
               </p14:xfrm>
             </p:contentPart>
           </mc:Choice>
-          <mc:Fallback>
+          <mc:Fallback xmlns="">
             <p:pic>
               <p:nvPicPr>
                 <p:cNvPr id="22" name="Ink 21">
@@ -10360,8 +12209,8 @@
             </p:pic>
           </mc:Fallback>
         </mc:AlternateContent>
-        <mc:AlternateContent xmlns:mc="http://schemas.openxmlformats.org/markup-compatibility/2006">
-          <mc:Choice xmlns:p14="http://schemas.microsoft.com/office/powerpoint/2010/main" Requires="p14">
+        <mc:AlternateContent xmlns:mc="http://schemas.openxmlformats.org/markup-compatibility/2006" xmlns:p14="http://schemas.microsoft.com/office/powerpoint/2010/main">
+          <mc:Choice Requires="p14">
             <p:contentPart p14:bwMode="auto" r:id="rId26">
               <p14:nvContentPartPr>
                 <p14:cNvPr id="23" name="Ink 22">
@@ -10380,7 +12229,7 @@
               </p14:xfrm>
             </p:contentPart>
           </mc:Choice>
-          <mc:Fallback>
+          <mc:Fallback xmlns="">
             <p:pic>
               <p:nvPicPr>
                 <p:cNvPr id="23" name="Ink 22">
@@ -10411,8 +12260,8 @@
             </p:pic>
           </mc:Fallback>
         </mc:AlternateContent>
-        <mc:AlternateContent xmlns:mc="http://schemas.openxmlformats.org/markup-compatibility/2006">
-          <mc:Choice xmlns:p14="http://schemas.microsoft.com/office/powerpoint/2010/main" Requires="p14">
+        <mc:AlternateContent xmlns:mc="http://schemas.openxmlformats.org/markup-compatibility/2006" xmlns:p14="http://schemas.microsoft.com/office/powerpoint/2010/main">
+          <mc:Choice Requires="p14">
             <p:contentPart p14:bwMode="auto" r:id="rId28">
               <p14:nvContentPartPr>
                 <p14:cNvPr id="25" name="Ink 24">
@@ -10431,7 +12280,7 @@
               </p14:xfrm>
             </p:contentPart>
           </mc:Choice>
-          <mc:Fallback>
+          <mc:Fallback xmlns="">
             <p:pic>
               <p:nvPicPr>
                 <p:cNvPr id="25" name="Ink 24">
@@ -10462,8 +12311,8 @@
             </p:pic>
           </mc:Fallback>
         </mc:AlternateContent>
-        <mc:AlternateContent xmlns:mc="http://schemas.openxmlformats.org/markup-compatibility/2006">
-          <mc:Choice xmlns:p14="http://schemas.microsoft.com/office/powerpoint/2010/main" Requires="p14">
+        <mc:AlternateContent xmlns:mc="http://schemas.openxmlformats.org/markup-compatibility/2006" xmlns:p14="http://schemas.microsoft.com/office/powerpoint/2010/main">
+          <mc:Choice Requires="p14">
             <p:contentPart p14:bwMode="auto" r:id="rId30">
               <p14:nvContentPartPr>
                 <p14:cNvPr id="26" name="Ink 25">
@@ -10482,7 +12331,7 @@
               </p14:xfrm>
             </p:contentPart>
           </mc:Choice>
-          <mc:Fallback>
+          <mc:Fallback xmlns="">
             <p:pic>
               <p:nvPicPr>
                 <p:cNvPr id="26" name="Ink 25">
@@ -10513,8 +12362,8 @@
             </p:pic>
           </mc:Fallback>
         </mc:AlternateContent>
-        <mc:AlternateContent xmlns:mc="http://schemas.openxmlformats.org/markup-compatibility/2006">
-          <mc:Choice xmlns:p14="http://schemas.microsoft.com/office/powerpoint/2010/main" Requires="p14">
+        <mc:AlternateContent xmlns:mc="http://schemas.openxmlformats.org/markup-compatibility/2006" xmlns:p14="http://schemas.microsoft.com/office/powerpoint/2010/main">
+          <mc:Choice Requires="p14">
             <p:contentPart p14:bwMode="auto" r:id="rId32">
               <p14:nvContentPartPr>
                 <p14:cNvPr id="27" name="Ink 26">
@@ -10533,7 +12382,7 @@
               </p14:xfrm>
             </p:contentPart>
           </mc:Choice>
-          <mc:Fallback>
+          <mc:Fallback xmlns="">
             <p:pic>
               <p:nvPicPr>
                 <p:cNvPr id="27" name="Ink 26">
@@ -10564,8 +12413,8 @@
             </p:pic>
           </mc:Fallback>
         </mc:AlternateContent>
-        <mc:AlternateContent xmlns:mc="http://schemas.openxmlformats.org/markup-compatibility/2006">
-          <mc:Choice xmlns:p14="http://schemas.microsoft.com/office/powerpoint/2010/main" Requires="p14">
+        <mc:AlternateContent xmlns:mc="http://schemas.openxmlformats.org/markup-compatibility/2006" xmlns:p14="http://schemas.microsoft.com/office/powerpoint/2010/main">
+          <mc:Choice Requires="p14">
             <p:contentPart p14:bwMode="auto" r:id="rId34">
               <p14:nvContentPartPr>
                 <p14:cNvPr id="29" name="Ink 28">
@@ -10584,7 +12433,7 @@
               </p14:xfrm>
             </p:contentPart>
           </mc:Choice>
-          <mc:Fallback>
+          <mc:Fallback xmlns="">
             <p:pic>
               <p:nvPicPr>
                 <p:cNvPr id="29" name="Ink 28">
@@ -10615,8 +12464,8 @@
             </p:pic>
           </mc:Fallback>
         </mc:AlternateContent>
-        <mc:AlternateContent xmlns:mc="http://schemas.openxmlformats.org/markup-compatibility/2006">
-          <mc:Choice xmlns:p14="http://schemas.microsoft.com/office/powerpoint/2010/main" Requires="p14">
+        <mc:AlternateContent xmlns:mc="http://schemas.openxmlformats.org/markup-compatibility/2006" xmlns:p14="http://schemas.microsoft.com/office/powerpoint/2010/main">
+          <mc:Choice Requires="p14">
             <p:contentPart p14:bwMode="auto" r:id="rId36">
               <p14:nvContentPartPr>
                 <p14:cNvPr id="30" name="Ink 29">
@@ -10635,7 +12484,7 @@
               </p14:xfrm>
             </p:contentPart>
           </mc:Choice>
-          <mc:Fallback>
+          <mc:Fallback xmlns="">
             <p:pic>
               <p:nvPicPr>
                 <p:cNvPr id="30" name="Ink 29">
@@ -10666,8 +12515,8 @@
             </p:pic>
           </mc:Fallback>
         </mc:AlternateContent>
-        <mc:AlternateContent xmlns:mc="http://schemas.openxmlformats.org/markup-compatibility/2006">
-          <mc:Choice xmlns:p14="http://schemas.microsoft.com/office/powerpoint/2010/main" Requires="p14">
+        <mc:AlternateContent xmlns:mc="http://schemas.openxmlformats.org/markup-compatibility/2006" xmlns:p14="http://schemas.microsoft.com/office/powerpoint/2010/main">
+          <mc:Choice Requires="p14">
             <p:contentPart p14:bwMode="auto" r:id="rId38">
               <p14:nvContentPartPr>
                 <p14:cNvPr id="31" name="Ink 30">
@@ -10686,7 +12535,7 @@
               </p14:xfrm>
             </p:contentPart>
           </mc:Choice>
-          <mc:Fallback>
+          <mc:Fallback xmlns="">
             <p:pic>
               <p:nvPicPr>
                 <p:cNvPr id="31" name="Ink 30">
@@ -10717,8 +12566,8 @@
             </p:pic>
           </mc:Fallback>
         </mc:AlternateContent>
-        <mc:AlternateContent xmlns:mc="http://schemas.openxmlformats.org/markup-compatibility/2006">
-          <mc:Choice xmlns:p14="http://schemas.microsoft.com/office/powerpoint/2010/main" Requires="p14">
+        <mc:AlternateContent xmlns:mc="http://schemas.openxmlformats.org/markup-compatibility/2006" xmlns:p14="http://schemas.microsoft.com/office/powerpoint/2010/main">
+          <mc:Choice Requires="p14">
             <p:contentPart p14:bwMode="auto" r:id="rId39">
               <p14:nvContentPartPr>
                 <p14:cNvPr id="32" name="Ink 31">
@@ -10737,7 +12586,7 @@
               </p14:xfrm>
             </p:contentPart>
           </mc:Choice>
-          <mc:Fallback>
+          <mc:Fallback xmlns="">
             <p:pic>
               <p:nvPicPr>
                 <p:cNvPr id="32" name="Ink 31">
@@ -10768,8 +12617,8 @@
             </p:pic>
           </mc:Fallback>
         </mc:AlternateContent>
-        <mc:AlternateContent xmlns:mc="http://schemas.openxmlformats.org/markup-compatibility/2006">
-          <mc:Choice xmlns:p14="http://schemas.microsoft.com/office/powerpoint/2010/main" Requires="p14">
+        <mc:AlternateContent xmlns:mc="http://schemas.openxmlformats.org/markup-compatibility/2006" xmlns:p14="http://schemas.microsoft.com/office/powerpoint/2010/main">
+          <mc:Choice Requires="p14">
             <p:contentPart p14:bwMode="auto" r:id="rId41">
               <p14:nvContentPartPr>
                 <p14:cNvPr id="35" name="Ink 34">
@@ -10788,7 +12637,7 @@
               </p14:xfrm>
             </p:contentPart>
           </mc:Choice>
-          <mc:Fallback>
+          <mc:Fallback xmlns="">
             <p:pic>
               <p:nvPicPr>
                 <p:cNvPr id="35" name="Ink 34">
@@ -10819,8 +12668,8 @@
             </p:pic>
           </mc:Fallback>
         </mc:AlternateContent>
-        <mc:AlternateContent xmlns:mc="http://schemas.openxmlformats.org/markup-compatibility/2006">
-          <mc:Choice xmlns:p14="http://schemas.microsoft.com/office/powerpoint/2010/main" Requires="p14">
+        <mc:AlternateContent xmlns:mc="http://schemas.openxmlformats.org/markup-compatibility/2006" xmlns:p14="http://schemas.microsoft.com/office/powerpoint/2010/main">
+          <mc:Choice Requires="p14">
             <p:contentPart p14:bwMode="auto" r:id="rId43">
               <p14:nvContentPartPr>
                 <p14:cNvPr id="36" name="Ink 35">
@@ -10839,7 +12688,7 @@
               </p14:xfrm>
             </p:contentPart>
           </mc:Choice>
-          <mc:Fallback>
+          <mc:Fallback xmlns="">
             <p:pic>
               <p:nvPicPr>
                 <p:cNvPr id="36" name="Ink 35">
@@ -10870,8 +12719,8 @@
             </p:pic>
           </mc:Fallback>
         </mc:AlternateContent>
-        <mc:AlternateContent xmlns:mc="http://schemas.openxmlformats.org/markup-compatibility/2006">
-          <mc:Choice xmlns:p14="http://schemas.microsoft.com/office/powerpoint/2010/main" Requires="p14">
+        <mc:AlternateContent xmlns:mc="http://schemas.openxmlformats.org/markup-compatibility/2006" xmlns:p14="http://schemas.microsoft.com/office/powerpoint/2010/main">
+          <mc:Choice Requires="p14">
             <p:contentPart p14:bwMode="auto" r:id="rId45">
               <p14:nvContentPartPr>
                 <p14:cNvPr id="37" name="Ink 36">
@@ -10890,7 +12739,7 @@
               </p14:xfrm>
             </p:contentPart>
           </mc:Choice>
-          <mc:Fallback>
+          <mc:Fallback xmlns="">
             <p:pic>
               <p:nvPicPr>
                 <p:cNvPr id="37" name="Ink 36">
@@ -10921,8 +12770,8 @@
             </p:pic>
           </mc:Fallback>
         </mc:AlternateContent>
-        <mc:AlternateContent xmlns:mc="http://schemas.openxmlformats.org/markup-compatibility/2006">
-          <mc:Choice xmlns:p14="http://schemas.microsoft.com/office/powerpoint/2010/main" Requires="p14">
+        <mc:AlternateContent xmlns:mc="http://schemas.openxmlformats.org/markup-compatibility/2006" xmlns:p14="http://schemas.microsoft.com/office/powerpoint/2010/main">
+          <mc:Choice Requires="p14">
             <p:contentPart p14:bwMode="auto" r:id="rId47">
               <p14:nvContentPartPr>
                 <p14:cNvPr id="38" name="Ink 37">
@@ -10941,7 +12790,7 @@
               </p14:xfrm>
             </p:contentPart>
           </mc:Choice>
-          <mc:Fallback>
+          <mc:Fallback xmlns="">
             <p:pic>
               <p:nvPicPr>
                 <p:cNvPr id="38" name="Ink 37">
@@ -10972,8 +12821,8 @@
             </p:pic>
           </mc:Fallback>
         </mc:AlternateContent>
-        <mc:AlternateContent xmlns:mc="http://schemas.openxmlformats.org/markup-compatibility/2006">
-          <mc:Choice xmlns:p14="http://schemas.microsoft.com/office/powerpoint/2010/main" Requires="p14">
+        <mc:AlternateContent xmlns:mc="http://schemas.openxmlformats.org/markup-compatibility/2006" xmlns:p14="http://schemas.microsoft.com/office/powerpoint/2010/main">
+          <mc:Choice Requires="p14">
             <p:contentPart p14:bwMode="auto" r:id="rId49">
               <p14:nvContentPartPr>
                 <p14:cNvPr id="39" name="Ink 38">
@@ -10992,7 +12841,7 @@
               </p14:xfrm>
             </p:contentPart>
           </mc:Choice>
-          <mc:Fallback>
+          <mc:Fallback xmlns="">
             <p:pic>
               <p:nvPicPr>
                 <p:cNvPr id="39" name="Ink 38">
@@ -11156,6 +13005,3642 @@
     <p:extLst>
       <p:ext uri="{BB962C8B-B14F-4D97-AF65-F5344CB8AC3E}">
         <p14:creationId xmlns:p14="http://schemas.microsoft.com/office/powerpoint/2010/main" val="2972733488"/>
+      </p:ext>
+    </p:extLst>
+  </p:cSld>
+  <p:clrMapOvr>
+    <a:masterClrMapping/>
+  </p:clrMapOvr>
+</p:sld>
+</file>
+
+<file path=ppt/slides/slide9.xml><?xml version="1.0" encoding="utf-8"?>
+<p:sld xmlns:a="http://schemas.openxmlformats.org/drawingml/2006/main" xmlns:r="http://schemas.openxmlformats.org/officeDocument/2006/relationships" xmlns:p="http://schemas.openxmlformats.org/presentationml/2006/main">
+  <p:cSld>
+    <p:spTree>
+      <p:nvGrpSpPr>
+        <p:cNvPr id="1" name=""/>
+        <p:cNvGrpSpPr/>
+        <p:nvPr/>
+      </p:nvGrpSpPr>
+      <p:grpSpPr>
+        <a:xfrm>
+          <a:off x="0" y="0"/>
+          <a:ext cx="0" cy="0"/>
+          <a:chOff x="0" y="0"/>
+          <a:chExt cx="0" cy="0"/>
+        </a:xfrm>
+      </p:grpSpPr>
+      <p:sp>
+        <p:nvSpPr>
+          <p:cNvPr id="2" name="Title 1">
+            <a:extLst>
+              <a:ext uri="{FF2B5EF4-FFF2-40B4-BE49-F238E27FC236}">
+                <a16:creationId xmlns:a16="http://schemas.microsoft.com/office/drawing/2014/main" id="{4EAB3478-8B24-D064-E7EC-DBBFC2F0643B}"/>
+              </a:ext>
+            </a:extLst>
+          </p:cNvPr>
+          <p:cNvSpPr>
+            <a:spLocks noGrp="1"/>
+          </p:cNvSpPr>
+          <p:nvPr>
+            <p:ph type="title"/>
+          </p:nvPr>
+        </p:nvSpPr>
+        <p:spPr/>
+        <p:txBody>
+          <a:bodyPr>
+            <a:normAutofit fontScale="90000"/>
+          </a:bodyPr>
+          <a:lstStyle/>
+          <a:p>
+            <a:r>
+              <a:rPr lang="en-US" dirty="0"/>
+              <a:t>No </a:t>
+            </a:r>
+            <a:r>
+              <a:rPr lang="en-US"/>
+              <a:t>of iterations</a:t>
+            </a:r>
+          </a:p>
+        </p:txBody>
+      </p:sp>
+      <p:sp>
+        <p:nvSpPr>
+          <p:cNvPr id="3" name="Slide Number Placeholder 2">
+            <a:extLst>
+              <a:ext uri="{FF2B5EF4-FFF2-40B4-BE49-F238E27FC236}">
+                <a16:creationId xmlns:a16="http://schemas.microsoft.com/office/drawing/2014/main" id="{90D8D857-644A-26CC-D08A-ACF6883C1274}"/>
+              </a:ext>
+            </a:extLst>
+          </p:cNvPr>
+          <p:cNvSpPr>
+            <a:spLocks noGrp="1"/>
+          </p:cNvSpPr>
+          <p:nvPr>
+            <p:ph type="sldNum" idx="12"/>
+          </p:nvPr>
+        </p:nvSpPr>
+        <p:spPr/>
+        <p:txBody>
+          <a:bodyPr/>
+          <a:lstStyle/>
+          <a:p>
+            <a:pPr marL="0" lvl="0" indent="0" algn="r" rtl="0">
+              <a:spcBef>
+                <a:spcPts val="0"/>
+              </a:spcBef>
+              <a:spcAft>
+                <a:spcPts val="0"/>
+              </a:spcAft>
+              <a:buNone/>
+            </a:pPr>
+            <a:fld id="{00000000-1234-1234-1234-123412341234}" type="slidenum">
+              <a:rPr lang="en-US" smtClean="0"/>
+              <a:t>9</a:t>
+            </a:fld>
+            <a:endParaRPr lang="en-US"/>
+          </a:p>
+        </p:txBody>
+      </p:sp>
+      <p:grpSp>
+        <p:nvGrpSpPr>
+          <p:cNvPr id="7" name="Group 6">
+            <a:extLst>
+              <a:ext uri="{FF2B5EF4-FFF2-40B4-BE49-F238E27FC236}">
+                <a16:creationId xmlns:a16="http://schemas.microsoft.com/office/drawing/2014/main" id="{CA038D48-D1F2-CBB3-5F48-A7A5F9FD1151}"/>
+              </a:ext>
+            </a:extLst>
+          </p:cNvPr>
+          <p:cNvGrpSpPr/>
+          <p:nvPr/>
+        </p:nvGrpSpPr>
+        <p:grpSpPr>
+          <a:xfrm>
+            <a:off x="2090156" y="1976007"/>
+            <a:ext cx="1177200" cy="632520"/>
+            <a:chOff x="2090156" y="1976007"/>
+            <a:chExt cx="1177200" cy="632520"/>
+          </a:xfrm>
+        </p:grpSpPr>
+        <mc:AlternateContent xmlns:mc="http://schemas.openxmlformats.org/markup-compatibility/2006">
+          <mc:Choice xmlns:p14="http://schemas.microsoft.com/office/powerpoint/2010/main" Requires="p14">
+            <p:contentPart p14:bwMode="auto" r:id="rId2">
+              <p14:nvContentPartPr>
+                <p14:cNvPr id="4" name="Ink 3">
+                  <a:extLst>
+                    <a:ext uri="{FF2B5EF4-FFF2-40B4-BE49-F238E27FC236}">
+                      <a16:creationId xmlns:a16="http://schemas.microsoft.com/office/drawing/2014/main" id="{D1FCB6F4-3ADE-1185-6AE2-9EA91B2B3A24}"/>
+                    </a:ext>
+                  </a:extLst>
+                </p14:cNvPr>
+                <p14:cNvContentPartPr/>
+                <p14:nvPr/>
+              </p14:nvContentPartPr>
+              <p14:xfrm>
+                <a:off x="2090156" y="1976007"/>
+                <a:ext cx="296280" cy="632520"/>
+              </p14:xfrm>
+            </p:contentPart>
+          </mc:Choice>
+          <mc:Fallback>
+            <p:pic>
+              <p:nvPicPr>
+                <p:cNvPr id="4" name="Ink 3">
+                  <a:extLst>
+                    <a:ext uri="{FF2B5EF4-FFF2-40B4-BE49-F238E27FC236}">
+                      <a16:creationId xmlns:a16="http://schemas.microsoft.com/office/drawing/2014/main" id="{D1FCB6F4-3ADE-1185-6AE2-9EA91B2B3A24}"/>
+                    </a:ext>
+                  </a:extLst>
+                </p:cNvPr>
+                <p:cNvPicPr/>
+                <p:nvPr/>
+              </p:nvPicPr>
+              <p:blipFill>
+                <a:blip r:embed="rId3"/>
+                <a:stretch>
+                  <a:fillRect/>
+                </a:stretch>
+              </p:blipFill>
+              <p:spPr>
+                <a:xfrm>
+                  <a:off x="2085836" y="1971687"/>
+                  <a:ext cx="304920" cy="641160"/>
+                </a:xfrm>
+                <a:prstGeom prst="rect">
+                  <a:avLst/>
+                </a:prstGeom>
+              </p:spPr>
+            </p:pic>
+          </mc:Fallback>
+        </mc:AlternateContent>
+        <mc:AlternateContent xmlns:mc="http://schemas.openxmlformats.org/markup-compatibility/2006">
+          <mc:Choice xmlns:p14="http://schemas.microsoft.com/office/powerpoint/2010/main" Requires="p14">
+            <p:contentPart p14:bwMode="auto" r:id="rId4">
+              <p14:nvContentPartPr>
+                <p14:cNvPr id="5" name="Ink 4">
+                  <a:extLst>
+                    <a:ext uri="{FF2B5EF4-FFF2-40B4-BE49-F238E27FC236}">
+                      <a16:creationId xmlns:a16="http://schemas.microsoft.com/office/drawing/2014/main" id="{BFE92DF9-6D0E-6ED5-EE61-F207CC3E48B4}"/>
+                    </a:ext>
+                  </a:extLst>
+                </p14:cNvPr>
+                <p14:cNvContentPartPr/>
+                <p14:nvPr/>
+              </p14:nvContentPartPr>
+              <p14:xfrm>
+                <a:off x="2711516" y="2226927"/>
+                <a:ext cx="555840" cy="85320"/>
+              </p14:xfrm>
+            </p:contentPart>
+          </mc:Choice>
+          <mc:Fallback>
+            <p:pic>
+              <p:nvPicPr>
+                <p:cNvPr id="5" name="Ink 4">
+                  <a:extLst>
+                    <a:ext uri="{FF2B5EF4-FFF2-40B4-BE49-F238E27FC236}">
+                      <a16:creationId xmlns:a16="http://schemas.microsoft.com/office/drawing/2014/main" id="{BFE92DF9-6D0E-6ED5-EE61-F207CC3E48B4}"/>
+                    </a:ext>
+                  </a:extLst>
+                </p:cNvPr>
+                <p:cNvPicPr/>
+                <p:nvPr/>
+              </p:nvPicPr>
+              <p:blipFill>
+                <a:blip r:embed="rId5"/>
+                <a:stretch>
+                  <a:fillRect/>
+                </a:stretch>
+              </p:blipFill>
+              <p:spPr>
+                <a:xfrm>
+                  <a:off x="2707196" y="2222607"/>
+                  <a:ext cx="564480" cy="93960"/>
+                </a:xfrm>
+                <a:prstGeom prst="rect">
+                  <a:avLst/>
+                </a:prstGeom>
+              </p:spPr>
+            </p:pic>
+          </mc:Fallback>
+        </mc:AlternateContent>
+        <mc:AlternateContent xmlns:mc="http://schemas.openxmlformats.org/markup-compatibility/2006">
+          <mc:Choice xmlns:p14="http://schemas.microsoft.com/office/powerpoint/2010/main" Requires="p14">
+            <p:contentPart p14:bwMode="auto" r:id="rId6">
+              <p14:nvContentPartPr>
+                <p14:cNvPr id="6" name="Ink 5">
+                  <a:extLst>
+                    <a:ext uri="{FF2B5EF4-FFF2-40B4-BE49-F238E27FC236}">
+                      <a16:creationId xmlns:a16="http://schemas.microsoft.com/office/drawing/2014/main" id="{1349AC64-F3EC-E002-14C5-BB87A5B39DB5}"/>
+                    </a:ext>
+                  </a:extLst>
+                </p14:cNvPr>
+                <p14:cNvContentPartPr/>
+                <p14:nvPr/>
+              </p14:nvContentPartPr>
+              <p14:xfrm>
+                <a:off x="2827076" y="2574327"/>
+                <a:ext cx="403920" cy="32400"/>
+              </p14:xfrm>
+            </p:contentPart>
+          </mc:Choice>
+          <mc:Fallback>
+            <p:pic>
+              <p:nvPicPr>
+                <p:cNvPr id="6" name="Ink 5">
+                  <a:extLst>
+                    <a:ext uri="{FF2B5EF4-FFF2-40B4-BE49-F238E27FC236}">
+                      <a16:creationId xmlns:a16="http://schemas.microsoft.com/office/drawing/2014/main" id="{1349AC64-F3EC-E002-14C5-BB87A5B39DB5}"/>
+                    </a:ext>
+                  </a:extLst>
+                </p:cNvPr>
+                <p:cNvPicPr/>
+                <p:nvPr/>
+              </p:nvPicPr>
+              <p:blipFill>
+                <a:blip r:embed="rId7"/>
+                <a:stretch>
+                  <a:fillRect/>
+                </a:stretch>
+              </p:blipFill>
+              <p:spPr>
+                <a:xfrm>
+                  <a:off x="2822756" y="2570007"/>
+                  <a:ext cx="412560" cy="41040"/>
+                </a:xfrm>
+                <a:prstGeom prst="rect">
+                  <a:avLst/>
+                </a:prstGeom>
+              </p:spPr>
+            </p:pic>
+          </mc:Fallback>
+        </mc:AlternateContent>
+      </p:grpSp>
+      <mc:AlternateContent xmlns:mc="http://schemas.openxmlformats.org/markup-compatibility/2006">
+        <mc:Choice xmlns:p14="http://schemas.microsoft.com/office/powerpoint/2010/main" Requires="p14">
+          <p:contentPart p14:bwMode="auto" r:id="rId8">
+            <p14:nvContentPartPr>
+              <p14:cNvPr id="8" name="Ink 7">
+                <a:extLst>
+                  <a:ext uri="{FF2B5EF4-FFF2-40B4-BE49-F238E27FC236}">
+                    <a16:creationId xmlns:a16="http://schemas.microsoft.com/office/drawing/2014/main" id="{853E5423-F3BB-7824-1476-760DD9AA4F5A}"/>
+                  </a:ext>
+                </a:extLst>
+              </p14:cNvPr>
+              <p14:cNvContentPartPr/>
+              <p14:nvPr/>
+            </p14:nvContentPartPr>
+            <p14:xfrm>
+              <a:off x="3806636" y="2206047"/>
+              <a:ext cx="353160" cy="356760"/>
+            </p14:xfrm>
+          </p:contentPart>
+        </mc:Choice>
+        <mc:Fallback>
+          <p:pic>
+            <p:nvPicPr>
+              <p:cNvPr id="8" name="Ink 7">
+                <a:extLst>
+                  <a:ext uri="{FF2B5EF4-FFF2-40B4-BE49-F238E27FC236}">
+                    <a16:creationId xmlns:a16="http://schemas.microsoft.com/office/drawing/2014/main" id="{853E5423-F3BB-7824-1476-760DD9AA4F5A}"/>
+                  </a:ext>
+                </a:extLst>
+              </p:cNvPr>
+              <p:cNvPicPr/>
+              <p:nvPr/>
+            </p:nvPicPr>
+            <p:blipFill>
+              <a:blip r:embed="rId9"/>
+              <a:stretch>
+                <a:fillRect/>
+              </a:stretch>
+            </p:blipFill>
+            <p:spPr>
+              <a:xfrm>
+                <a:off x="3802316" y="2201727"/>
+                <a:ext cx="361800" cy="365400"/>
+              </a:xfrm>
+              <a:prstGeom prst="rect">
+                <a:avLst/>
+              </a:prstGeom>
+            </p:spPr>
+          </p:pic>
+        </mc:Fallback>
+      </mc:AlternateContent>
+      <p:grpSp>
+        <p:nvGrpSpPr>
+          <p:cNvPr id="12" name="Group 11">
+            <a:extLst>
+              <a:ext uri="{FF2B5EF4-FFF2-40B4-BE49-F238E27FC236}">
+                <a16:creationId xmlns:a16="http://schemas.microsoft.com/office/drawing/2014/main" id="{429B7D9D-B3B4-2286-A2E1-B30D233CF4BE}"/>
+              </a:ext>
+            </a:extLst>
+          </p:cNvPr>
+          <p:cNvGrpSpPr/>
+          <p:nvPr/>
+        </p:nvGrpSpPr>
+        <p:grpSpPr>
+          <a:xfrm>
+            <a:off x="4634996" y="1996167"/>
+            <a:ext cx="1387440" cy="1108440"/>
+            <a:chOff x="4634996" y="1996167"/>
+            <a:chExt cx="1387440" cy="1108440"/>
+          </a:xfrm>
+        </p:grpSpPr>
+        <mc:AlternateContent xmlns:mc="http://schemas.openxmlformats.org/markup-compatibility/2006">
+          <mc:Choice xmlns:p14="http://schemas.microsoft.com/office/powerpoint/2010/main" Requires="p14">
+            <p:contentPart p14:bwMode="auto" r:id="rId10">
+              <p14:nvContentPartPr>
+                <p14:cNvPr id="9" name="Ink 8">
+                  <a:extLst>
+                    <a:ext uri="{FF2B5EF4-FFF2-40B4-BE49-F238E27FC236}">
+                      <a16:creationId xmlns:a16="http://schemas.microsoft.com/office/drawing/2014/main" id="{2BB55EE0-F2F4-97E9-2ACC-EFBFF71DCA89}"/>
+                    </a:ext>
+                  </a:extLst>
+                </p14:cNvPr>
+                <p14:cNvContentPartPr/>
+                <p14:nvPr/>
+              </p14:nvContentPartPr>
+              <p14:xfrm>
+                <a:off x="4634996" y="2473887"/>
+                <a:ext cx="360" cy="6480"/>
+              </p14:xfrm>
+            </p:contentPart>
+          </mc:Choice>
+          <mc:Fallback>
+            <p:pic>
+              <p:nvPicPr>
+                <p:cNvPr id="9" name="Ink 8">
+                  <a:extLst>
+                    <a:ext uri="{FF2B5EF4-FFF2-40B4-BE49-F238E27FC236}">
+                      <a16:creationId xmlns:a16="http://schemas.microsoft.com/office/drawing/2014/main" id="{2BB55EE0-F2F4-97E9-2ACC-EFBFF71DCA89}"/>
+                    </a:ext>
+                  </a:extLst>
+                </p:cNvPr>
+                <p:cNvPicPr/>
+                <p:nvPr/>
+              </p:nvPicPr>
+              <p:blipFill>
+                <a:blip r:embed="rId11"/>
+                <a:stretch>
+                  <a:fillRect/>
+                </a:stretch>
+              </p:blipFill>
+              <p:spPr>
+                <a:xfrm>
+                  <a:off x="4630676" y="2469567"/>
+                  <a:ext cx="9000" cy="15120"/>
+                </a:xfrm>
+                <a:prstGeom prst="rect">
+                  <a:avLst/>
+                </a:prstGeom>
+              </p:spPr>
+            </p:pic>
+          </mc:Fallback>
+        </mc:AlternateContent>
+        <mc:AlternateContent xmlns:mc="http://schemas.openxmlformats.org/markup-compatibility/2006">
+          <mc:Choice xmlns:p14="http://schemas.microsoft.com/office/powerpoint/2010/main" Requires="p14">
+            <p:contentPart p14:bwMode="auto" r:id="rId12">
+              <p14:nvContentPartPr>
+                <p14:cNvPr id="10" name="Ink 9">
+                  <a:extLst>
+                    <a:ext uri="{FF2B5EF4-FFF2-40B4-BE49-F238E27FC236}">
+                      <a16:creationId xmlns:a16="http://schemas.microsoft.com/office/drawing/2014/main" id="{57B82AD4-5850-0C71-EEDC-E4322F7927FF}"/>
+                    </a:ext>
+                  </a:extLst>
+                </p14:cNvPr>
+                <p14:cNvContentPartPr/>
+                <p14:nvPr/>
+              </p14:nvContentPartPr>
+              <p14:xfrm>
+                <a:off x="4904636" y="1996167"/>
+                <a:ext cx="508320" cy="796680"/>
+              </p14:xfrm>
+            </p:contentPart>
+          </mc:Choice>
+          <mc:Fallback>
+            <p:pic>
+              <p:nvPicPr>
+                <p:cNvPr id="10" name="Ink 9">
+                  <a:extLst>
+                    <a:ext uri="{FF2B5EF4-FFF2-40B4-BE49-F238E27FC236}">
+                      <a16:creationId xmlns:a16="http://schemas.microsoft.com/office/drawing/2014/main" id="{57B82AD4-5850-0C71-EEDC-E4322F7927FF}"/>
+                    </a:ext>
+                  </a:extLst>
+                </p:cNvPr>
+                <p:cNvPicPr/>
+                <p:nvPr/>
+              </p:nvPicPr>
+              <p:blipFill>
+                <a:blip r:embed="rId13"/>
+                <a:stretch>
+                  <a:fillRect/>
+                </a:stretch>
+              </p:blipFill>
+              <p:spPr>
+                <a:xfrm>
+                  <a:off x="4900316" y="1991847"/>
+                  <a:ext cx="516960" cy="805320"/>
+                </a:xfrm>
+                <a:prstGeom prst="rect">
+                  <a:avLst/>
+                </a:prstGeom>
+              </p:spPr>
+            </p:pic>
+          </mc:Fallback>
+        </mc:AlternateContent>
+        <mc:AlternateContent xmlns:mc="http://schemas.openxmlformats.org/markup-compatibility/2006">
+          <mc:Choice xmlns:p14="http://schemas.microsoft.com/office/powerpoint/2010/main" Requires="p14">
+            <p:contentPart p14:bwMode="auto" r:id="rId14">
+              <p14:nvContentPartPr>
+                <p14:cNvPr id="11" name="Ink 10">
+                  <a:extLst>
+                    <a:ext uri="{FF2B5EF4-FFF2-40B4-BE49-F238E27FC236}">
+                      <a16:creationId xmlns:a16="http://schemas.microsoft.com/office/drawing/2014/main" id="{9CD98550-47BD-810E-7DEE-34F2839CB89F}"/>
+                    </a:ext>
+                  </a:extLst>
+                </p14:cNvPr>
+                <p14:cNvContentPartPr/>
+                <p14:nvPr/>
+              </p14:nvContentPartPr>
+              <p14:xfrm>
+                <a:off x="5685476" y="2016687"/>
+                <a:ext cx="336960" cy="1087920"/>
+              </p14:xfrm>
+            </p:contentPart>
+          </mc:Choice>
+          <mc:Fallback>
+            <p:pic>
+              <p:nvPicPr>
+                <p:cNvPr id="11" name="Ink 10">
+                  <a:extLst>
+                    <a:ext uri="{FF2B5EF4-FFF2-40B4-BE49-F238E27FC236}">
+                      <a16:creationId xmlns:a16="http://schemas.microsoft.com/office/drawing/2014/main" id="{9CD98550-47BD-810E-7DEE-34F2839CB89F}"/>
+                    </a:ext>
+                  </a:extLst>
+                </p:cNvPr>
+                <p:cNvPicPr/>
+                <p:nvPr/>
+              </p:nvPicPr>
+              <p:blipFill>
+                <a:blip r:embed="rId15"/>
+                <a:stretch>
+                  <a:fillRect/>
+                </a:stretch>
+              </p:blipFill>
+              <p:spPr>
+                <a:xfrm>
+                  <a:off x="5681156" y="2012367"/>
+                  <a:ext cx="345600" cy="1096560"/>
+                </a:xfrm>
+                <a:prstGeom prst="rect">
+                  <a:avLst/>
+                </a:prstGeom>
+              </p:spPr>
+            </p:pic>
+          </mc:Fallback>
+        </mc:AlternateContent>
+      </p:grpSp>
+      <p:grpSp>
+        <p:nvGrpSpPr>
+          <p:cNvPr id="23" name="Group 22">
+            <a:extLst>
+              <a:ext uri="{FF2B5EF4-FFF2-40B4-BE49-F238E27FC236}">
+                <a16:creationId xmlns:a16="http://schemas.microsoft.com/office/drawing/2014/main" id="{1874636C-EEF3-E088-EA96-483AC1DCCFDB}"/>
+              </a:ext>
+            </a:extLst>
+          </p:cNvPr>
+          <p:cNvGrpSpPr/>
+          <p:nvPr/>
+        </p:nvGrpSpPr>
+        <p:grpSpPr>
+          <a:xfrm>
+            <a:off x="2070356" y="3204327"/>
+            <a:ext cx="581400" cy="748080"/>
+            <a:chOff x="2070356" y="3204327"/>
+            <a:chExt cx="581400" cy="748080"/>
+          </a:xfrm>
+        </p:grpSpPr>
+        <mc:AlternateContent xmlns:mc="http://schemas.openxmlformats.org/markup-compatibility/2006">
+          <mc:Choice xmlns:p14="http://schemas.microsoft.com/office/powerpoint/2010/main" Requires="p14">
+            <p:contentPart p14:bwMode="auto" r:id="rId16">
+              <p14:nvContentPartPr>
+                <p14:cNvPr id="13" name="Ink 12">
+                  <a:extLst>
+                    <a:ext uri="{FF2B5EF4-FFF2-40B4-BE49-F238E27FC236}">
+                      <a16:creationId xmlns:a16="http://schemas.microsoft.com/office/drawing/2014/main" id="{5CE10031-7BF0-A21E-AA6D-113BFB13FC8C}"/>
+                    </a:ext>
+                  </a:extLst>
+                </p14:cNvPr>
+                <p14:cNvContentPartPr/>
+                <p14:nvPr/>
+              </p14:nvContentPartPr>
+              <p14:xfrm>
+                <a:off x="2091236" y="3204327"/>
+                <a:ext cx="521280" cy="117000"/>
+              </p14:xfrm>
+            </p:contentPart>
+          </mc:Choice>
+          <mc:Fallback>
+            <p:pic>
+              <p:nvPicPr>
+                <p:cNvPr id="13" name="Ink 12">
+                  <a:extLst>
+                    <a:ext uri="{FF2B5EF4-FFF2-40B4-BE49-F238E27FC236}">
+                      <a16:creationId xmlns:a16="http://schemas.microsoft.com/office/drawing/2014/main" id="{5CE10031-7BF0-A21E-AA6D-113BFB13FC8C}"/>
+                    </a:ext>
+                  </a:extLst>
+                </p:cNvPr>
+                <p:cNvPicPr/>
+                <p:nvPr/>
+              </p:nvPicPr>
+              <p:blipFill>
+                <a:blip r:embed="rId17"/>
+                <a:stretch>
+                  <a:fillRect/>
+                </a:stretch>
+              </p:blipFill>
+              <p:spPr>
+                <a:xfrm>
+                  <a:off x="2086916" y="3200007"/>
+                  <a:ext cx="529920" cy="125640"/>
+                </a:xfrm>
+                <a:prstGeom prst="rect">
+                  <a:avLst/>
+                </a:prstGeom>
+              </p:spPr>
+            </p:pic>
+          </mc:Fallback>
+        </mc:AlternateContent>
+        <mc:AlternateContent xmlns:mc="http://schemas.openxmlformats.org/markup-compatibility/2006">
+          <mc:Choice xmlns:p14="http://schemas.microsoft.com/office/powerpoint/2010/main" Requires="p14">
+            <p:contentPart p14:bwMode="auto" r:id="rId18">
+              <p14:nvContentPartPr>
+                <p14:cNvPr id="14" name="Ink 13">
+                  <a:extLst>
+                    <a:ext uri="{FF2B5EF4-FFF2-40B4-BE49-F238E27FC236}">
+                      <a16:creationId xmlns:a16="http://schemas.microsoft.com/office/drawing/2014/main" id="{5BEB4CD1-B7C6-D7DB-93A9-55BDF9890647}"/>
+                    </a:ext>
+                  </a:extLst>
+                </p14:cNvPr>
+                <p14:cNvContentPartPr/>
+                <p14:nvPr/>
+              </p14:nvContentPartPr>
+              <p14:xfrm>
+                <a:off x="2343236" y="3236727"/>
+                <a:ext cx="95400" cy="596880"/>
+              </p14:xfrm>
+            </p:contentPart>
+          </mc:Choice>
+          <mc:Fallback>
+            <p:pic>
+              <p:nvPicPr>
+                <p:cNvPr id="14" name="Ink 13">
+                  <a:extLst>
+                    <a:ext uri="{FF2B5EF4-FFF2-40B4-BE49-F238E27FC236}">
+                      <a16:creationId xmlns:a16="http://schemas.microsoft.com/office/drawing/2014/main" id="{5BEB4CD1-B7C6-D7DB-93A9-55BDF9890647}"/>
+                    </a:ext>
+                  </a:extLst>
+                </p:cNvPr>
+                <p:cNvPicPr/>
+                <p:nvPr/>
+              </p:nvPicPr>
+              <p:blipFill>
+                <a:blip r:embed="rId19"/>
+                <a:stretch>
+                  <a:fillRect/>
+                </a:stretch>
+              </p:blipFill>
+              <p:spPr>
+                <a:xfrm>
+                  <a:off x="2338916" y="3232407"/>
+                  <a:ext cx="104040" cy="605520"/>
+                </a:xfrm>
+                <a:prstGeom prst="rect">
+                  <a:avLst/>
+                </a:prstGeom>
+              </p:spPr>
+            </p:pic>
+          </mc:Fallback>
+        </mc:AlternateContent>
+        <mc:AlternateContent xmlns:mc="http://schemas.openxmlformats.org/markup-compatibility/2006">
+          <mc:Choice xmlns:p14="http://schemas.microsoft.com/office/powerpoint/2010/main" Requires="p14">
+            <p:contentPart p14:bwMode="auto" r:id="rId20">
+              <p14:nvContentPartPr>
+                <p14:cNvPr id="15" name="Ink 14">
+                  <a:extLst>
+                    <a:ext uri="{FF2B5EF4-FFF2-40B4-BE49-F238E27FC236}">
+                      <a16:creationId xmlns:a16="http://schemas.microsoft.com/office/drawing/2014/main" id="{E4933B19-BDAC-FE38-6304-ADC7CACA632A}"/>
+                    </a:ext>
+                  </a:extLst>
+                </p14:cNvPr>
+                <p14:cNvContentPartPr/>
+                <p14:nvPr/>
+              </p14:nvContentPartPr>
+              <p14:xfrm>
+                <a:off x="2070356" y="3892647"/>
+                <a:ext cx="581400" cy="59760"/>
+              </p14:xfrm>
+            </p:contentPart>
+          </mc:Choice>
+          <mc:Fallback>
+            <p:pic>
+              <p:nvPicPr>
+                <p:cNvPr id="15" name="Ink 14">
+                  <a:extLst>
+                    <a:ext uri="{FF2B5EF4-FFF2-40B4-BE49-F238E27FC236}">
+                      <a16:creationId xmlns:a16="http://schemas.microsoft.com/office/drawing/2014/main" id="{E4933B19-BDAC-FE38-6304-ADC7CACA632A}"/>
+                    </a:ext>
+                  </a:extLst>
+                </p:cNvPr>
+                <p:cNvPicPr/>
+                <p:nvPr/>
+              </p:nvPicPr>
+              <p:blipFill>
+                <a:blip r:embed="rId21"/>
+                <a:stretch>
+                  <a:fillRect/>
+                </a:stretch>
+              </p:blipFill>
+              <p:spPr>
+                <a:xfrm>
+                  <a:off x="2066036" y="3888327"/>
+                  <a:ext cx="590040" cy="68400"/>
+                </a:xfrm>
+                <a:prstGeom prst="rect">
+                  <a:avLst/>
+                </a:prstGeom>
+              </p:spPr>
+            </p:pic>
+          </mc:Fallback>
+        </mc:AlternateContent>
+      </p:grpSp>
+      <p:grpSp>
+        <p:nvGrpSpPr>
+          <p:cNvPr id="22" name="Group 21">
+            <a:extLst>
+              <a:ext uri="{FF2B5EF4-FFF2-40B4-BE49-F238E27FC236}">
+                <a16:creationId xmlns:a16="http://schemas.microsoft.com/office/drawing/2014/main" id="{070BE839-64DE-2889-4BB0-3980D0228203}"/>
+              </a:ext>
+            </a:extLst>
+          </p:cNvPr>
+          <p:cNvGrpSpPr/>
+          <p:nvPr/>
+        </p:nvGrpSpPr>
+        <p:grpSpPr>
+          <a:xfrm>
+            <a:off x="3079436" y="3362727"/>
+            <a:ext cx="2595600" cy="933480"/>
+            <a:chOff x="3079436" y="3362727"/>
+            <a:chExt cx="2595600" cy="933480"/>
+          </a:xfrm>
+        </p:grpSpPr>
+        <mc:AlternateContent xmlns:mc="http://schemas.openxmlformats.org/markup-compatibility/2006">
+          <mc:Choice xmlns:p14="http://schemas.microsoft.com/office/powerpoint/2010/main" Requires="p14">
+            <p:contentPart p14:bwMode="auto" r:id="rId22">
+              <p14:nvContentPartPr>
+                <p14:cNvPr id="16" name="Ink 15">
+                  <a:extLst>
+                    <a:ext uri="{FF2B5EF4-FFF2-40B4-BE49-F238E27FC236}">
+                      <a16:creationId xmlns:a16="http://schemas.microsoft.com/office/drawing/2014/main" id="{FA3863F9-E6CE-0CBE-9E8A-9A7D2D17A25A}"/>
+                    </a:ext>
+                  </a:extLst>
+                </p14:cNvPr>
+                <p14:cNvContentPartPr/>
+                <p14:nvPr/>
+              </p14:nvContentPartPr>
+              <p14:xfrm>
+                <a:off x="3079436" y="3478647"/>
+                <a:ext cx="508680" cy="360"/>
+              </p14:xfrm>
+            </p:contentPart>
+          </mc:Choice>
+          <mc:Fallback>
+            <p:pic>
+              <p:nvPicPr>
+                <p:cNvPr id="16" name="Ink 15">
+                  <a:extLst>
+                    <a:ext uri="{FF2B5EF4-FFF2-40B4-BE49-F238E27FC236}">
+                      <a16:creationId xmlns:a16="http://schemas.microsoft.com/office/drawing/2014/main" id="{FA3863F9-E6CE-0CBE-9E8A-9A7D2D17A25A}"/>
+                    </a:ext>
+                  </a:extLst>
+                </p:cNvPr>
+                <p:cNvPicPr/>
+                <p:nvPr/>
+              </p:nvPicPr>
+              <p:blipFill>
+                <a:blip r:embed="rId23"/>
+                <a:stretch>
+                  <a:fillRect/>
+                </a:stretch>
+              </p:blipFill>
+              <p:spPr>
+                <a:xfrm>
+                  <a:off x="3075116" y="3474327"/>
+                  <a:ext cx="517320" cy="9000"/>
+                </a:xfrm>
+                <a:prstGeom prst="rect">
+                  <a:avLst/>
+                </a:prstGeom>
+              </p:spPr>
+            </p:pic>
+          </mc:Fallback>
+        </mc:AlternateContent>
+        <mc:AlternateContent xmlns:mc="http://schemas.openxmlformats.org/markup-compatibility/2006">
+          <mc:Choice xmlns:p14="http://schemas.microsoft.com/office/powerpoint/2010/main" Requires="p14">
+            <p:contentPart p14:bwMode="auto" r:id="rId24">
+              <p14:nvContentPartPr>
+                <p14:cNvPr id="17" name="Ink 16">
+                  <a:extLst>
+                    <a:ext uri="{FF2B5EF4-FFF2-40B4-BE49-F238E27FC236}">
+                      <a16:creationId xmlns:a16="http://schemas.microsoft.com/office/drawing/2014/main" id="{96555317-1DD7-E67F-2F34-A1041A1C22B4}"/>
+                    </a:ext>
+                  </a:extLst>
+                </p14:cNvPr>
+                <p14:cNvContentPartPr/>
+                <p14:nvPr/>
+              </p14:nvContentPartPr>
+              <p14:xfrm>
+                <a:off x="3099956" y="3824967"/>
+                <a:ext cx="504360" cy="21960"/>
+              </p14:xfrm>
+            </p:contentPart>
+          </mc:Choice>
+          <mc:Fallback>
+            <p:pic>
+              <p:nvPicPr>
+                <p:cNvPr id="17" name="Ink 16">
+                  <a:extLst>
+                    <a:ext uri="{FF2B5EF4-FFF2-40B4-BE49-F238E27FC236}">
+                      <a16:creationId xmlns:a16="http://schemas.microsoft.com/office/drawing/2014/main" id="{96555317-1DD7-E67F-2F34-A1041A1C22B4}"/>
+                    </a:ext>
+                  </a:extLst>
+                </p:cNvPr>
+                <p:cNvPicPr/>
+                <p:nvPr/>
+              </p:nvPicPr>
+              <p:blipFill>
+                <a:blip r:embed="rId25"/>
+                <a:stretch>
+                  <a:fillRect/>
+                </a:stretch>
+              </p:blipFill>
+              <p:spPr>
+                <a:xfrm>
+                  <a:off x="3095636" y="3820647"/>
+                  <a:ext cx="513000" cy="30600"/>
+                </a:xfrm>
+                <a:prstGeom prst="rect">
+                  <a:avLst/>
+                </a:prstGeom>
+              </p:spPr>
+            </p:pic>
+          </mc:Fallback>
+        </mc:AlternateContent>
+        <mc:AlternateContent xmlns:mc="http://schemas.openxmlformats.org/markup-compatibility/2006">
+          <mc:Choice xmlns:p14="http://schemas.microsoft.com/office/powerpoint/2010/main" Requires="p14">
+            <p:contentPart p14:bwMode="auto" r:id="rId26">
+              <p14:nvContentPartPr>
+                <p14:cNvPr id="18" name="Ink 17">
+                  <a:extLst>
+                    <a:ext uri="{FF2B5EF4-FFF2-40B4-BE49-F238E27FC236}">
+                      <a16:creationId xmlns:a16="http://schemas.microsoft.com/office/drawing/2014/main" id="{BFCC8BDE-DEB7-AE89-5F5D-AFA3B5D806AA}"/>
+                    </a:ext>
+                  </a:extLst>
+                </p14:cNvPr>
+                <p14:cNvContentPartPr/>
+                <p14:nvPr/>
+              </p14:nvContentPartPr>
+              <p14:xfrm>
+                <a:off x="3959996" y="3498807"/>
+                <a:ext cx="507960" cy="452880"/>
+              </p14:xfrm>
+            </p:contentPart>
+          </mc:Choice>
+          <mc:Fallback>
+            <p:pic>
+              <p:nvPicPr>
+                <p:cNvPr id="18" name="Ink 17">
+                  <a:extLst>
+                    <a:ext uri="{FF2B5EF4-FFF2-40B4-BE49-F238E27FC236}">
+                      <a16:creationId xmlns:a16="http://schemas.microsoft.com/office/drawing/2014/main" id="{BFCC8BDE-DEB7-AE89-5F5D-AFA3B5D806AA}"/>
+                    </a:ext>
+                  </a:extLst>
+                </p:cNvPr>
+                <p:cNvPicPr/>
+                <p:nvPr/>
+              </p:nvPicPr>
+              <p:blipFill>
+                <a:blip r:embed="rId27"/>
+                <a:stretch>
+                  <a:fillRect/>
+                </a:stretch>
+              </p:blipFill>
+              <p:spPr>
+                <a:xfrm>
+                  <a:off x="3955676" y="3494487"/>
+                  <a:ext cx="516600" cy="461520"/>
+                </a:xfrm>
+                <a:prstGeom prst="rect">
+                  <a:avLst/>
+                </a:prstGeom>
+              </p:spPr>
+            </p:pic>
+          </mc:Fallback>
+        </mc:AlternateContent>
+        <mc:AlternateContent xmlns:mc="http://schemas.openxmlformats.org/markup-compatibility/2006">
+          <mc:Choice xmlns:p14="http://schemas.microsoft.com/office/powerpoint/2010/main" Requires="p14">
+            <p:contentPart p14:bwMode="auto" r:id="rId28">
+              <p14:nvContentPartPr>
+                <p14:cNvPr id="19" name="Ink 18">
+                  <a:extLst>
+                    <a:ext uri="{FF2B5EF4-FFF2-40B4-BE49-F238E27FC236}">
+                      <a16:creationId xmlns:a16="http://schemas.microsoft.com/office/drawing/2014/main" id="{C39ED7F3-8011-CCE5-84ED-374104C20FB6}"/>
+                    </a:ext>
+                  </a:extLst>
+                </p14:cNvPr>
+                <p14:cNvContentPartPr/>
+                <p14:nvPr/>
+              </p14:nvContentPartPr>
+              <p14:xfrm>
+                <a:off x="4792316" y="3741447"/>
+                <a:ext cx="360" cy="360"/>
+              </p14:xfrm>
+            </p:contentPart>
+          </mc:Choice>
+          <mc:Fallback>
+            <p:pic>
+              <p:nvPicPr>
+                <p:cNvPr id="19" name="Ink 18">
+                  <a:extLst>
+                    <a:ext uri="{FF2B5EF4-FFF2-40B4-BE49-F238E27FC236}">
+                      <a16:creationId xmlns:a16="http://schemas.microsoft.com/office/drawing/2014/main" id="{C39ED7F3-8011-CCE5-84ED-374104C20FB6}"/>
+                    </a:ext>
+                  </a:extLst>
+                </p:cNvPr>
+                <p:cNvPicPr/>
+                <p:nvPr/>
+              </p:nvPicPr>
+              <p:blipFill>
+                <a:blip r:embed="rId29"/>
+                <a:stretch>
+                  <a:fillRect/>
+                </a:stretch>
+              </p:blipFill>
+              <p:spPr>
+                <a:xfrm>
+                  <a:off x="4787996" y="3737127"/>
+                  <a:ext cx="9000" cy="9000"/>
+                </a:xfrm>
+                <a:prstGeom prst="rect">
+                  <a:avLst/>
+                </a:prstGeom>
+              </p:spPr>
+            </p:pic>
+          </mc:Fallback>
+        </mc:AlternateContent>
+        <mc:AlternateContent xmlns:mc="http://schemas.openxmlformats.org/markup-compatibility/2006">
+          <mc:Choice xmlns:p14="http://schemas.microsoft.com/office/powerpoint/2010/main" Requires="p14">
+            <p:contentPart p14:bwMode="auto" r:id="rId30">
+              <p14:nvContentPartPr>
+                <p14:cNvPr id="20" name="Ink 19">
+                  <a:extLst>
+                    <a:ext uri="{FF2B5EF4-FFF2-40B4-BE49-F238E27FC236}">
+                      <a16:creationId xmlns:a16="http://schemas.microsoft.com/office/drawing/2014/main" id="{8D38F3D7-5A78-D637-EAEF-56DFD4BBB9B0}"/>
+                    </a:ext>
+                  </a:extLst>
+                </p14:cNvPr>
+                <p14:cNvContentPartPr/>
+                <p14:nvPr/>
+              </p14:nvContentPartPr>
+              <p14:xfrm>
+                <a:off x="5286236" y="3362727"/>
+                <a:ext cx="388800" cy="74160"/>
+              </p14:xfrm>
+            </p:contentPart>
+          </mc:Choice>
+          <mc:Fallback>
+            <p:pic>
+              <p:nvPicPr>
+                <p:cNvPr id="20" name="Ink 19">
+                  <a:extLst>
+                    <a:ext uri="{FF2B5EF4-FFF2-40B4-BE49-F238E27FC236}">
+                      <a16:creationId xmlns:a16="http://schemas.microsoft.com/office/drawing/2014/main" id="{8D38F3D7-5A78-D637-EAEF-56DFD4BBB9B0}"/>
+                    </a:ext>
+                  </a:extLst>
+                </p:cNvPr>
+                <p:cNvPicPr/>
+                <p:nvPr/>
+              </p:nvPicPr>
+              <p:blipFill>
+                <a:blip r:embed="rId31"/>
+                <a:stretch>
+                  <a:fillRect/>
+                </a:stretch>
+              </p:blipFill>
+              <p:spPr>
+                <a:xfrm>
+                  <a:off x="5281916" y="3358407"/>
+                  <a:ext cx="397440" cy="82800"/>
+                </a:xfrm>
+                <a:prstGeom prst="rect">
+                  <a:avLst/>
+                </a:prstGeom>
+              </p:spPr>
+            </p:pic>
+          </mc:Fallback>
+        </mc:AlternateContent>
+        <mc:AlternateContent xmlns:mc="http://schemas.openxmlformats.org/markup-compatibility/2006">
+          <mc:Choice xmlns:p14="http://schemas.microsoft.com/office/powerpoint/2010/main" Requires="p14">
+            <p:contentPart p14:bwMode="auto" r:id="rId32">
+              <p14:nvContentPartPr>
+                <p14:cNvPr id="21" name="Ink 20">
+                  <a:extLst>
+                    <a:ext uri="{FF2B5EF4-FFF2-40B4-BE49-F238E27FC236}">
+                      <a16:creationId xmlns:a16="http://schemas.microsoft.com/office/drawing/2014/main" id="{3A480CC2-9FB1-5382-7BA8-CB5E6DCB86F8}"/>
+                    </a:ext>
+                  </a:extLst>
+                </p14:cNvPr>
+                <p14:cNvContentPartPr/>
+                <p14:nvPr/>
+              </p14:nvContentPartPr>
+              <p14:xfrm>
+                <a:off x="5118476" y="3446967"/>
+                <a:ext cx="543600" cy="849240"/>
+              </p14:xfrm>
+            </p:contentPart>
+          </mc:Choice>
+          <mc:Fallback>
+            <p:pic>
+              <p:nvPicPr>
+                <p:cNvPr id="21" name="Ink 20">
+                  <a:extLst>
+                    <a:ext uri="{FF2B5EF4-FFF2-40B4-BE49-F238E27FC236}">
+                      <a16:creationId xmlns:a16="http://schemas.microsoft.com/office/drawing/2014/main" id="{3A480CC2-9FB1-5382-7BA8-CB5E6DCB86F8}"/>
+                    </a:ext>
+                  </a:extLst>
+                </p:cNvPr>
+                <p:cNvPicPr/>
+                <p:nvPr/>
+              </p:nvPicPr>
+              <p:blipFill>
+                <a:blip r:embed="rId33"/>
+                <a:stretch>
+                  <a:fillRect/>
+                </a:stretch>
+              </p:blipFill>
+              <p:spPr>
+                <a:xfrm>
+                  <a:off x="5114156" y="3442647"/>
+                  <a:ext cx="552240" cy="857880"/>
+                </a:xfrm>
+                <a:prstGeom prst="rect">
+                  <a:avLst/>
+                </a:prstGeom>
+              </p:spPr>
+            </p:pic>
+          </mc:Fallback>
+        </mc:AlternateContent>
+      </p:grpSp>
+      <p:grpSp>
+        <p:nvGrpSpPr>
+          <p:cNvPr id="28" name="Group 27">
+            <a:extLst>
+              <a:ext uri="{FF2B5EF4-FFF2-40B4-BE49-F238E27FC236}">
+                <a16:creationId xmlns:a16="http://schemas.microsoft.com/office/drawing/2014/main" id="{DE04F083-0C12-6E2D-C7D4-05384CD3FAB1}"/>
+              </a:ext>
+            </a:extLst>
+          </p:cNvPr>
+          <p:cNvGrpSpPr/>
+          <p:nvPr/>
+        </p:nvGrpSpPr>
+        <p:grpSpPr>
+          <a:xfrm>
+            <a:off x="7769876" y="3521127"/>
+            <a:ext cx="1742760" cy="773280"/>
+            <a:chOff x="7769876" y="3521127"/>
+            <a:chExt cx="1742760" cy="773280"/>
+          </a:xfrm>
+        </p:grpSpPr>
+        <mc:AlternateContent xmlns:mc="http://schemas.openxmlformats.org/markup-compatibility/2006">
+          <mc:Choice xmlns:p14="http://schemas.microsoft.com/office/powerpoint/2010/main" Requires="p14">
+            <p:contentPart p14:bwMode="auto" r:id="rId34">
+              <p14:nvContentPartPr>
+                <p14:cNvPr id="24" name="Ink 23">
+                  <a:extLst>
+                    <a:ext uri="{FF2B5EF4-FFF2-40B4-BE49-F238E27FC236}">
+                      <a16:creationId xmlns:a16="http://schemas.microsoft.com/office/drawing/2014/main" id="{977890AA-9DDD-1622-0466-787547ACA90A}"/>
+                    </a:ext>
+                  </a:extLst>
+                </p14:cNvPr>
+                <p14:cNvContentPartPr/>
+                <p14:nvPr/>
+              </p14:nvContentPartPr>
+              <p14:xfrm>
+                <a:off x="7769876" y="3521127"/>
+                <a:ext cx="586440" cy="491040"/>
+              </p14:xfrm>
+            </p:contentPart>
+          </mc:Choice>
+          <mc:Fallback>
+            <p:pic>
+              <p:nvPicPr>
+                <p:cNvPr id="24" name="Ink 23">
+                  <a:extLst>
+                    <a:ext uri="{FF2B5EF4-FFF2-40B4-BE49-F238E27FC236}">
+                      <a16:creationId xmlns:a16="http://schemas.microsoft.com/office/drawing/2014/main" id="{977890AA-9DDD-1622-0466-787547ACA90A}"/>
+                    </a:ext>
+                  </a:extLst>
+                </p:cNvPr>
+                <p:cNvPicPr/>
+                <p:nvPr/>
+              </p:nvPicPr>
+              <p:blipFill>
+                <a:blip r:embed="rId35"/>
+                <a:stretch>
+                  <a:fillRect/>
+                </a:stretch>
+              </p:blipFill>
+              <p:spPr>
+                <a:xfrm>
+                  <a:off x="7765556" y="3516807"/>
+                  <a:ext cx="595080" cy="499680"/>
+                </a:xfrm>
+                <a:prstGeom prst="rect">
+                  <a:avLst/>
+                </a:prstGeom>
+              </p:spPr>
+            </p:pic>
+          </mc:Fallback>
+        </mc:AlternateContent>
+        <mc:AlternateContent xmlns:mc="http://schemas.openxmlformats.org/markup-compatibility/2006">
+          <mc:Choice xmlns:p14="http://schemas.microsoft.com/office/powerpoint/2010/main" Requires="p14">
+            <p:contentPart p14:bwMode="auto" r:id="rId36">
+              <p14:nvContentPartPr>
+                <p14:cNvPr id="25" name="Ink 24">
+                  <a:extLst>
+                    <a:ext uri="{FF2B5EF4-FFF2-40B4-BE49-F238E27FC236}">
+                      <a16:creationId xmlns:a16="http://schemas.microsoft.com/office/drawing/2014/main" id="{AFA78532-D1AC-BD02-82E1-E7FA5F6ECC3B}"/>
+                    </a:ext>
+                  </a:extLst>
+                </p14:cNvPr>
+                <p14:cNvContentPartPr/>
+                <p14:nvPr/>
+              </p14:nvContentPartPr>
+              <p14:xfrm>
+                <a:off x="8512916" y="3814167"/>
+                <a:ext cx="300240" cy="22320"/>
+              </p14:xfrm>
+            </p:contentPart>
+          </mc:Choice>
+          <mc:Fallback>
+            <p:pic>
+              <p:nvPicPr>
+                <p:cNvPr id="25" name="Ink 24">
+                  <a:extLst>
+                    <a:ext uri="{FF2B5EF4-FFF2-40B4-BE49-F238E27FC236}">
+                      <a16:creationId xmlns:a16="http://schemas.microsoft.com/office/drawing/2014/main" id="{AFA78532-D1AC-BD02-82E1-E7FA5F6ECC3B}"/>
+                    </a:ext>
+                  </a:extLst>
+                </p:cNvPr>
+                <p:cNvPicPr/>
+                <p:nvPr/>
+              </p:nvPicPr>
+              <p:blipFill>
+                <a:blip r:embed="rId37"/>
+                <a:stretch>
+                  <a:fillRect/>
+                </a:stretch>
+              </p:blipFill>
+              <p:spPr>
+                <a:xfrm>
+                  <a:off x="8508596" y="3809847"/>
+                  <a:ext cx="308880" cy="30960"/>
+                </a:xfrm>
+                <a:prstGeom prst="rect">
+                  <a:avLst/>
+                </a:prstGeom>
+              </p:spPr>
+            </p:pic>
+          </mc:Fallback>
+        </mc:AlternateContent>
+        <mc:AlternateContent xmlns:mc="http://schemas.openxmlformats.org/markup-compatibility/2006">
+          <mc:Choice xmlns:p14="http://schemas.microsoft.com/office/powerpoint/2010/main" Requires="p14">
+            <p:contentPart p14:bwMode="auto" r:id="rId38">
+              <p14:nvContentPartPr>
+                <p14:cNvPr id="26" name="Ink 25">
+                  <a:extLst>
+                    <a:ext uri="{FF2B5EF4-FFF2-40B4-BE49-F238E27FC236}">
+                      <a16:creationId xmlns:a16="http://schemas.microsoft.com/office/drawing/2014/main" id="{9AC96B79-2CB4-264F-00CC-31FE54EE4E00}"/>
+                    </a:ext>
+                  </a:extLst>
+                </p14:cNvPr>
+                <p14:cNvContentPartPr/>
+                <p14:nvPr/>
+              </p14:nvContentPartPr>
+              <p14:xfrm>
+                <a:off x="8439836" y="4098567"/>
+                <a:ext cx="354960" cy="74160"/>
+              </p14:xfrm>
+            </p:contentPart>
+          </mc:Choice>
+          <mc:Fallback>
+            <p:pic>
+              <p:nvPicPr>
+                <p:cNvPr id="26" name="Ink 25">
+                  <a:extLst>
+                    <a:ext uri="{FF2B5EF4-FFF2-40B4-BE49-F238E27FC236}">
+                      <a16:creationId xmlns:a16="http://schemas.microsoft.com/office/drawing/2014/main" id="{9AC96B79-2CB4-264F-00CC-31FE54EE4E00}"/>
+                    </a:ext>
+                  </a:extLst>
+                </p:cNvPr>
+                <p:cNvPicPr/>
+                <p:nvPr/>
+              </p:nvPicPr>
+              <p:blipFill>
+                <a:blip r:embed="rId39"/>
+                <a:stretch>
+                  <a:fillRect/>
+                </a:stretch>
+              </p:blipFill>
+              <p:spPr>
+                <a:xfrm>
+                  <a:off x="8435516" y="4094247"/>
+                  <a:ext cx="363600" cy="82800"/>
+                </a:xfrm>
+                <a:prstGeom prst="rect">
+                  <a:avLst/>
+                </a:prstGeom>
+              </p:spPr>
+            </p:pic>
+          </mc:Fallback>
+        </mc:AlternateContent>
+        <mc:AlternateContent xmlns:mc="http://schemas.openxmlformats.org/markup-compatibility/2006">
+          <mc:Choice xmlns:p14="http://schemas.microsoft.com/office/powerpoint/2010/main" Requires="p14">
+            <p:contentPart p14:bwMode="auto" r:id="rId40">
+              <p14:nvContentPartPr>
+                <p14:cNvPr id="27" name="Ink 26">
+                  <a:extLst>
+                    <a:ext uri="{FF2B5EF4-FFF2-40B4-BE49-F238E27FC236}">
+                      <a16:creationId xmlns:a16="http://schemas.microsoft.com/office/drawing/2014/main" id="{BE41AEEB-DBF9-7076-BE51-A9C288204FE0}"/>
+                    </a:ext>
+                  </a:extLst>
+                </p14:cNvPr>
+                <p14:cNvContentPartPr/>
+                <p14:nvPr/>
+              </p14:nvContentPartPr>
+              <p14:xfrm>
+                <a:off x="9152636" y="3646767"/>
+                <a:ext cx="360000" cy="647640"/>
+              </p14:xfrm>
+            </p:contentPart>
+          </mc:Choice>
+          <mc:Fallback>
+            <p:pic>
+              <p:nvPicPr>
+                <p:cNvPr id="27" name="Ink 26">
+                  <a:extLst>
+                    <a:ext uri="{FF2B5EF4-FFF2-40B4-BE49-F238E27FC236}">
+                      <a16:creationId xmlns:a16="http://schemas.microsoft.com/office/drawing/2014/main" id="{BE41AEEB-DBF9-7076-BE51-A9C288204FE0}"/>
+                    </a:ext>
+                  </a:extLst>
+                </p:cNvPr>
+                <p:cNvPicPr/>
+                <p:nvPr/>
+              </p:nvPicPr>
+              <p:blipFill>
+                <a:blip r:embed="rId41"/>
+                <a:stretch>
+                  <a:fillRect/>
+                </a:stretch>
+              </p:blipFill>
+              <p:spPr>
+                <a:xfrm>
+                  <a:off x="9148316" y="3642447"/>
+                  <a:ext cx="368640" cy="656280"/>
+                </a:xfrm>
+                <a:prstGeom prst="rect">
+                  <a:avLst/>
+                </a:prstGeom>
+              </p:spPr>
+            </p:pic>
+          </mc:Fallback>
+        </mc:AlternateContent>
+      </p:grpSp>
+      <p:grpSp>
+        <p:nvGrpSpPr>
+          <p:cNvPr id="47" name="Group 46">
+            <a:extLst>
+              <a:ext uri="{FF2B5EF4-FFF2-40B4-BE49-F238E27FC236}">
+                <a16:creationId xmlns:a16="http://schemas.microsoft.com/office/drawing/2014/main" id="{24F1FDE4-77D8-20DD-F5A3-39CD4C42F7F7}"/>
+              </a:ext>
+            </a:extLst>
+          </p:cNvPr>
+          <p:cNvGrpSpPr/>
+          <p:nvPr/>
+        </p:nvGrpSpPr>
+        <p:grpSpPr>
+          <a:xfrm>
+            <a:off x="1923116" y="4740087"/>
+            <a:ext cx="974520" cy="746640"/>
+            <a:chOff x="1923116" y="4740087"/>
+            <a:chExt cx="974520" cy="746640"/>
+          </a:xfrm>
+        </p:grpSpPr>
+        <mc:AlternateContent xmlns:mc="http://schemas.openxmlformats.org/markup-compatibility/2006">
+          <mc:Choice xmlns:p14="http://schemas.microsoft.com/office/powerpoint/2010/main" Requires="p14">
+            <p:contentPart p14:bwMode="auto" r:id="rId42">
+              <p14:nvContentPartPr>
+                <p14:cNvPr id="29" name="Ink 28">
+                  <a:extLst>
+                    <a:ext uri="{FF2B5EF4-FFF2-40B4-BE49-F238E27FC236}">
+                      <a16:creationId xmlns:a16="http://schemas.microsoft.com/office/drawing/2014/main" id="{38EF3081-F115-AE2E-69B0-6229B198CC86}"/>
+                    </a:ext>
+                  </a:extLst>
+                </p14:cNvPr>
+                <p14:cNvContentPartPr/>
+                <p14:nvPr/>
+              </p14:nvContentPartPr>
+              <p14:xfrm>
+                <a:off x="1923116" y="4740087"/>
+                <a:ext cx="369000" cy="637560"/>
+              </p14:xfrm>
+            </p:contentPart>
+          </mc:Choice>
+          <mc:Fallback>
+            <p:pic>
+              <p:nvPicPr>
+                <p:cNvPr id="29" name="Ink 28">
+                  <a:extLst>
+                    <a:ext uri="{FF2B5EF4-FFF2-40B4-BE49-F238E27FC236}">
+                      <a16:creationId xmlns:a16="http://schemas.microsoft.com/office/drawing/2014/main" id="{38EF3081-F115-AE2E-69B0-6229B198CC86}"/>
+                    </a:ext>
+                  </a:extLst>
+                </p:cNvPr>
+                <p:cNvPicPr/>
+                <p:nvPr/>
+              </p:nvPicPr>
+              <p:blipFill>
+                <a:blip r:embed="rId43"/>
+                <a:stretch>
+                  <a:fillRect/>
+                </a:stretch>
+              </p:blipFill>
+              <p:spPr>
+                <a:xfrm>
+                  <a:off x="1918796" y="4735767"/>
+                  <a:ext cx="377640" cy="646200"/>
+                </a:xfrm>
+                <a:prstGeom prst="rect">
+                  <a:avLst/>
+                </a:prstGeom>
+              </p:spPr>
+            </p:pic>
+          </mc:Fallback>
+        </mc:AlternateContent>
+        <mc:AlternateContent xmlns:mc="http://schemas.openxmlformats.org/markup-compatibility/2006">
+          <mc:Choice xmlns:p14="http://schemas.microsoft.com/office/powerpoint/2010/main" Requires="p14">
+            <p:contentPart p14:bwMode="auto" r:id="rId44">
+              <p14:nvContentPartPr>
+                <p14:cNvPr id="30" name="Ink 29">
+                  <a:extLst>
+                    <a:ext uri="{FF2B5EF4-FFF2-40B4-BE49-F238E27FC236}">
+                      <a16:creationId xmlns:a16="http://schemas.microsoft.com/office/drawing/2014/main" id="{F19A700F-E0C7-3D11-8243-3EAC5E94E27E}"/>
+                    </a:ext>
+                  </a:extLst>
+                </p14:cNvPr>
+                <p14:cNvContentPartPr/>
+                <p14:nvPr/>
+              </p14:nvContentPartPr>
+              <p14:xfrm>
+                <a:off x="2028236" y="5097207"/>
+                <a:ext cx="241200" cy="322920"/>
+              </p14:xfrm>
+            </p:contentPart>
+          </mc:Choice>
+          <mc:Fallback>
+            <p:pic>
+              <p:nvPicPr>
+                <p:cNvPr id="30" name="Ink 29">
+                  <a:extLst>
+                    <a:ext uri="{FF2B5EF4-FFF2-40B4-BE49-F238E27FC236}">
+                      <a16:creationId xmlns:a16="http://schemas.microsoft.com/office/drawing/2014/main" id="{F19A700F-E0C7-3D11-8243-3EAC5E94E27E}"/>
+                    </a:ext>
+                  </a:extLst>
+                </p:cNvPr>
+                <p:cNvPicPr/>
+                <p:nvPr/>
+              </p:nvPicPr>
+              <p:blipFill>
+                <a:blip r:embed="rId45"/>
+                <a:stretch>
+                  <a:fillRect/>
+                </a:stretch>
+              </p:blipFill>
+              <p:spPr>
+                <a:xfrm>
+                  <a:off x="2023916" y="5092887"/>
+                  <a:ext cx="249840" cy="331560"/>
+                </a:xfrm>
+                <a:prstGeom prst="rect">
+                  <a:avLst/>
+                </a:prstGeom>
+              </p:spPr>
+            </p:pic>
+          </mc:Fallback>
+        </mc:AlternateContent>
+        <mc:AlternateContent xmlns:mc="http://schemas.openxmlformats.org/markup-compatibility/2006">
+          <mc:Choice xmlns:p14="http://schemas.microsoft.com/office/powerpoint/2010/main" Requires="p14">
+            <p:contentPart p14:bwMode="auto" r:id="rId46">
+              <p14:nvContentPartPr>
+                <p14:cNvPr id="31" name="Ink 30">
+                  <a:extLst>
+                    <a:ext uri="{FF2B5EF4-FFF2-40B4-BE49-F238E27FC236}">
+                      <a16:creationId xmlns:a16="http://schemas.microsoft.com/office/drawing/2014/main" id="{F36B9C08-C446-29EE-3125-D683CFCE5E27}"/>
+                    </a:ext>
+                  </a:extLst>
+                </p14:cNvPr>
+                <p14:cNvContentPartPr/>
+                <p14:nvPr/>
+              </p14:nvContentPartPr>
+              <p14:xfrm>
+                <a:off x="2501276" y="5201967"/>
+                <a:ext cx="286920" cy="19440"/>
+              </p14:xfrm>
+            </p:contentPart>
+          </mc:Choice>
+          <mc:Fallback>
+            <p:pic>
+              <p:nvPicPr>
+                <p:cNvPr id="31" name="Ink 30">
+                  <a:extLst>
+                    <a:ext uri="{FF2B5EF4-FFF2-40B4-BE49-F238E27FC236}">
+                      <a16:creationId xmlns:a16="http://schemas.microsoft.com/office/drawing/2014/main" id="{F36B9C08-C446-29EE-3125-D683CFCE5E27}"/>
+                    </a:ext>
+                  </a:extLst>
+                </p:cNvPr>
+                <p:cNvPicPr/>
+                <p:nvPr/>
+              </p:nvPicPr>
+              <p:blipFill>
+                <a:blip r:embed="rId47"/>
+                <a:stretch>
+                  <a:fillRect/>
+                </a:stretch>
+              </p:blipFill>
+              <p:spPr>
+                <a:xfrm>
+                  <a:off x="2496956" y="5197647"/>
+                  <a:ext cx="295560" cy="28080"/>
+                </a:xfrm>
+                <a:prstGeom prst="rect">
+                  <a:avLst/>
+                </a:prstGeom>
+              </p:spPr>
+            </p:pic>
+          </mc:Fallback>
+        </mc:AlternateContent>
+        <mc:AlternateContent xmlns:mc="http://schemas.openxmlformats.org/markup-compatibility/2006">
+          <mc:Choice xmlns:p14="http://schemas.microsoft.com/office/powerpoint/2010/main" Requires="p14">
+            <p:contentPart p14:bwMode="auto" r:id="rId48">
+              <p14:nvContentPartPr>
+                <p14:cNvPr id="32" name="Ink 31">
+                  <a:extLst>
+                    <a:ext uri="{FF2B5EF4-FFF2-40B4-BE49-F238E27FC236}">
+                      <a16:creationId xmlns:a16="http://schemas.microsoft.com/office/drawing/2014/main" id="{F5322D2D-B10D-3446-0B56-61CA18ED1BB3}"/>
+                    </a:ext>
+                  </a:extLst>
+                </p14:cNvPr>
+                <p14:cNvContentPartPr/>
+                <p14:nvPr/>
+              </p14:nvContentPartPr>
+              <p14:xfrm>
+                <a:off x="2490476" y="5475207"/>
+                <a:ext cx="407160" cy="11520"/>
+              </p14:xfrm>
+            </p:contentPart>
+          </mc:Choice>
+          <mc:Fallback>
+            <p:pic>
+              <p:nvPicPr>
+                <p:cNvPr id="32" name="Ink 31">
+                  <a:extLst>
+                    <a:ext uri="{FF2B5EF4-FFF2-40B4-BE49-F238E27FC236}">
+                      <a16:creationId xmlns:a16="http://schemas.microsoft.com/office/drawing/2014/main" id="{F5322D2D-B10D-3446-0B56-61CA18ED1BB3}"/>
+                    </a:ext>
+                  </a:extLst>
+                </p:cNvPr>
+                <p:cNvPicPr/>
+                <p:nvPr/>
+              </p:nvPicPr>
+              <p:blipFill>
+                <a:blip r:embed="rId49"/>
+                <a:stretch>
+                  <a:fillRect/>
+                </a:stretch>
+              </p:blipFill>
+              <p:spPr>
+                <a:xfrm>
+                  <a:off x="2486156" y="5470887"/>
+                  <a:ext cx="415800" cy="20160"/>
+                </a:xfrm>
+                <a:prstGeom prst="rect">
+                  <a:avLst/>
+                </a:prstGeom>
+              </p:spPr>
+            </p:pic>
+          </mc:Fallback>
+        </mc:AlternateContent>
+      </p:grpSp>
+      <p:grpSp>
+        <p:nvGrpSpPr>
+          <p:cNvPr id="64" name="Group 63">
+            <a:extLst>
+              <a:ext uri="{FF2B5EF4-FFF2-40B4-BE49-F238E27FC236}">
+                <a16:creationId xmlns:a16="http://schemas.microsoft.com/office/drawing/2014/main" id="{AB9A41F0-AF75-8B32-72A0-2FE438B39222}"/>
+              </a:ext>
+            </a:extLst>
+          </p:cNvPr>
+          <p:cNvGrpSpPr/>
+          <p:nvPr/>
+        </p:nvGrpSpPr>
+        <p:grpSpPr>
+          <a:xfrm>
+            <a:off x="3499916" y="4466847"/>
+            <a:ext cx="5553720" cy="2482560"/>
+            <a:chOff x="3499916" y="4466847"/>
+            <a:chExt cx="5553720" cy="2482560"/>
+          </a:xfrm>
+        </p:grpSpPr>
+        <mc:AlternateContent xmlns:mc="http://schemas.openxmlformats.org/markup-compatibility/2006">
+          <mc:Choice xmlns:p14="http://schemas.microsoft.com/office/powerpoint/2010/main" Requires="p14">
+            <p:contentPart p14:bwMode="auto" r:id="rId50">
+              <p14:nvContentPartPr>
+                <p14:cNvPr id="33" name="Ink 32">
+                  <a:extLst>
+                    <a:ext uri="{FF2B5EF4-FFF2-40B4-BE49-F238E27FC236}">
+                      <a16:creationId xmlns:a16="http://schemas.microsoft.com/office/drawing/2014/main" id="{14D92ADC-C2B1-99B7-D80B-2C13940A8755}"/>
+                    </a:ext>
+                  </a:extLst>
+                </p14:cNvPr>
+                <p14:cNvContentPartPr/>
+                <p14:nvPr/>
+              </p14:nvContentPartPr>
+              <p14:xfrm>
+                <a:off x="3563276" y="4697967"/>
+                <a:ext cx="193680" cy="688320"/>
+              </p14:xfrm>
+            </p:contentPart>
+          </mc:Choice>
+          <mc:Fallback>
+            <p:pic>
+              <p:nvPicPr>
+                <p:cNvPr id="33" name="Ink 32">
+                  <a:extLst>
+                    <a:ext uri="{FF2B5EF4-FFF2-40B4-BE49-F238E27FC236}">
+                      <a16:creationId xmlns:a16="http://schemas.microsoft.com/office/drawing/2014/main" id="{14D92ADC-C2B1-99B7-D80B-2C13940A8755}"/>
+                    </a:ext>
+                  </a:extLst>
+                </p:cNvPr>
+                <p:cNvPicPr/>
+                <p:nvPr/>
+              </p:nvPicPr>
+              <p:blipFill>
+                <a:blip r:embed="rId51"/>
+                <a:stretch>
+                  <a:fillRect/>
+                </a:stretch>
+              </p:blipFill>
+              <p:spPr>
+                <a:xfrm>
+                  <a:off x="3558956" y="4693647"/>
+                  <a:ext cx="202320" cy="696960"/>
+                </a:xfrm>
+                <a:prstGeom prst="rect">
+                  <a:avLst/>
+                </a:prstGeom>
+              </p:spPr>
+            </p:pic>
+          </mc:Fallback>
+        </mc:AlternateContent>
+        <mc:AlternateContent xmlns:mc="http://schemas.openxmlformats.org/markup-compatibility/2006">
+          <mc:Choice xmlns:p14="http://schemas.microsoft.com/office/powerpoint/2010/main" Requires="p14">
+            <p:contentPart p14:bwMode="auto" r:id="rId52">
+              <p14:nvContentPartPr>
+                <p14:cNvPr id="34" name="Ink 33">
+                  <a:extLst>
+                    <a:ext uri="{FF2B5EF4-FFF2-40B4-BE49-F238E27FC236}">
+                      <a16:creationId xmlns:a16="http://schemas.microsoft.com/office/drawing/2014/main" id="{03B4AF60-FF95-119D-6E8A-C9CFD65FCE9A}"/>
+                    </a:ext>
+                  </a:extLst>
+                </p14:cNvPr>
+                <p14:cNvContentPartPr/>
+                <p14:nvPr/>
+              </p14:nvContentPartPr>
+              <p14:xfrm>
+                <a:off x="3949916" y="4816407"/>
+                <a:ext cx="560880" cy="545760"/>
+              </p14:xfrm>
+            </p:contentPart>
+          </mc:Choice>
+          <mc:Fallback>
+            <p:pic>
+              <p:nvPicPr>
+                <p:cNvPr id="34" name="Ink 33">
+                  <a:extLst>
+                    <a:ext uri="{FF2B5EF4-FFF2-40B4-BE49-F238E27FC236}">
+                      <a16:creationId xmlns:a16="http://schemas.microsoft.com/office/drawing/2014/main" id="{03B4AF60-FF95-119D-6E8A-C9CFD65FCE9A}"/>
+                    </a:ext>
+                  </a:extLst>
+                </p:cNvPr>
+                <p:cNvPicPr/>
+                <p:nvPr/>
+              </p:nvPicPr>
+              <p:blipFill>
+                <a:blip r:embed="rId53"/>
+                <a:stretch>
+                  <a:fillRect/>
+                </a:stretch>
+              </p:blipFill>
+              <p:spPr>
+                <a:xfrm>
+                  <a:off x="3945596" y="4812087"/>
+                  <a:ext cx="569520" cy="554400"/>
+                </a:xfrm>
+                <a:prstGeom prst="rect">
+                  <a:avLst/>
+                </a:prstGeom>
+              </p:spPr>
+            </p:pic>
+          </mc:Fallback>
+        </mc:AlternateContent>
+        <mc:AlternateContent xmlns:mc="http://schemas.openxmlformats.org/markup-compatibility/2006">
+          <mc:Choice xmlns:p14="http://schemas.microsoft.com/office/powerpoint/2010/main" Requires="p14">
+            <p:contentPart p14:bwMode="auto" r:id="rId54">
+              <p14:nvContentPartPr>
+                <p14:cNvPr id="35" name="Ink 34">
+                  <a:extLst>
+                    <a:ext uri="{FF2B5EF4-FFF2-40B4-BE49-F238E27FC236}">
+                      <a16:creationId xmlns:a16="http://schemas.microsoft.com/office/drawing/2014/main" id="{9412A744-5726-4994-FB19-0F2C53EB235E}"/>
+                    </a:ext>
+                  </a:extLst>
+                </p14:cNvPr>
+                <p14:cNvContentPartPr/>
+                <p14:nvPr/>
+              </p14:nvContentPartPr>
+              <p14:xfrm>
+                <a:off x="4359956" y="5312487"/>
+                <a:ext cx="334800" cy="489240"/>
+              </p14:xfrm>
+            </p:contentPart>
+          </mc:Choice>
+          <mc:Fallback>
+            <p:pic>
+              <p:nvPicPr>
+                <p:cNvPr id="35" name="Ink 34">
+                  <a:extLst>
+                    <a:ext uri="{FF2B5EF4-FFF2-40B4-BE49-F238E27FC236}">
+                      <a16:creationId xmlns:a16="http://schemas.microsoft.com/office/drawing/2014/main" id="{9412A744-5726-4994-FB19-0F2C53EB235E}"/>
+                    </a:ext>
+                  </a:extLst>
+                </p:cNvPr>
+                <p:cNvPicPr/>
+                <p:nvPr/>
+              </p:nvPicPr>
+              <p:blipFill>
+                <a:blip r:embed="rId55"/>
+                <a:stretch>
+                  <a:fillRect/>
+                </a:stretch>
+              </p:blipFill>
+              <p:spPr>
+                <a:xfrm>
+                  <a:off x="4355636" y="5308167"/>
+                  <a:ext cx="343440" cy="497880"/>
+                </a:xfrm>
+                <a:prstGeom prst="rect">
+                  <a:avLst/>
+                </a:prstGeom>
+              </p:spPr>
+            </p:pic>
+          </mc:Fallback>
+        </mc:AlternateContent>
+        <mc:AlternateContent xmlns:mc="http://schemas.openxmlformats.org/markup-compatibility/2006">
+          <mc:Choice xmlns:p14="http://schemas.microsoft.com/office/powerpoint/2010/main" Requires="p14">
+            <p:contentPart p14:bwMode="auto" r:id="rId56">
+              <p14:nvContentPartPr>
+                <p14:cNvPr id="36" name="Ink 35">
+                  <a:extLst>
+                    <a:ext uri="{FF2B5EF4-FFF2-40B4-BE49-F238E27FC236}">
+                      <a16:creationId xmlns:a16="http://schemas.microsoft.com/office/drawing/2014/main" id="{E7102045-5744-6815-7282-DA79049E725E}"/>
+                    </a:ext>
+                  </a:extLst>
+                </p14:cNvPr>
+                <p14:cNvContentPartPr/>
+                <p14:nvPr/>
+              </p14:nvContentPartPr>
+              <p14:xfrm>
+                <a:off x="5054036" y="4466847"/>
+                <a:ext cx="298440" cy="1101600"/>
+              </p14:xfrm>
+            </p:contentPart>
+          </mc:Choice>
+          <mc:Fallback>
+            <p:pic>
+              <p:nvPicPr>
+                <p:cNvPr id="36" name="Ink 35">
+                  <a:extLst>
+                    <a:ext uri="{FF2B5EF4-FFF2-40B4-BE49-F238E27FC236}">
+                      <a16:creationId xmlns:a16="http://schemas.microsoft.com/office/drawing/2014/main" id="{E7102045-5744-6815-7282-DA79049E725E}"/>
+                    </a:ext>
+                  </a:extLst>
+                </p:cNvPr>
+                <p:cNvPicPr/>
+                <p:nvPr/>
+              </p:nvPicPr>
+              <p:blipFill>
+                <a:blip r:embed="rId57"/>
+                <a:stretch>
+                  <a:fillRect/>
+                </a:stretch>
+              </p:blipFill>
+              <p:spPr>
+                <a:xfrm>
+                  <a:off x="5049716" y="4462527"/>
+                  <a:ext cx="307080" cy="1110240"/>
+                </a:xfrm>
+                <a:prstGeom prst="rect">
+                  <a:avLst/>
+                </a:prstGeom>
+              </p:spPr>
+            </p:pic>
+          </mc:Fallback>
+        </mc:AlternateContent>
+        <mc:AlternateContent xmlns:mc="http://schemas.openxmlformats.org/markup-compatibility/2006">
+          <mc:Choice xmlns:p14="http://schemas.microsoft.com/office/powerpoint/2010/main" Requires="p14">
+            <p:contentPart p14:bwMode="auto" r:id="rId58">
+              <p14:nvContentPartPr>
+                <p14:cNvPr id="37" name="Ink 36">
+                  <a:extLst>
+                    <a:ext uri="{FF2B5EF4-FFF2-40B4-BE49-F238E27FC236}">
+                      <a16:creationId xmlns:a16="http://schemas.microsoft.com/office/drawing/2014/main" id="{3504AFDF-6699-E754-8476-820898AD76B4}"/>
+                    </a:ext>
+                  </a:extLst>
+                </p14:cNvPr>
+                <p14:cNvContentPartPr/>
+                <p14:nvPr/>
+              </p14:nvContentPartPr>
+              <p14:xfrm>
+                <a:off x="5580356" y="4834407"/>
+                <a:ext cx="42840" cy="628560"/>
+              </p14:xfrm>
+            </p:contentPart>
+          </mc:Choice>
+          <mc:Fallback>
+            <p:pic>
+              <p:nvPicPr>
+                <p:cNvPr id="37" name="Ink 36">
+                  <a:extLst>
+                    <a:ext uri="{FF2B5EF4-FFF2-40B4-BE49-F238E27FC236}">
+                      <a16:creationId xmlns:a16="http://schemas.microsoft.com/office/drawing/2014/main" id="{3504AFDF-6699-E754-8476-820898AD76B4}"/>
+                    </a:ext>
+                  </a:extLst>
+                </p:cNvPr>
+                <p:cNvPicPr/>
+                <p:nvPr/>
+              </p:nvPicPr>
+              <p:blipFill>
+                <a:blip r:embed="rId59"/>
+                <a:stretch>
+                  <a:fillRect/>
+                </a:stretch>
+              </p:blipFill>
+              <p:spPr>
+                <a:xfrm>
+                  <a:off x="5576036" y="4830087"/>
+                  <a:ext cx="51480" cy="637200"/>
+                </a:xfrm>
+                <a:prstGeom prst="rect">
+                  <a:avLst/>
+                </a:prstGeom>
+              </p:spPr>
+            </p:pic>
+          </mc:Fallback>
+        </mc:AlternateContent>
+        <mc:AlternateContent xmlns:mc="http://schemas.openxmlformats.org/markup-compatibility/2006">
+          <mc:Choice xmlns:p14="http://schemas.microsoft.com/office/powerpoint/2010/main" Requires="p14">
+            <p:contentPart p14:bwMode="auto" r:id="rId60">
+              <p14:nvContentPartPr>
+                <p14:cNvPr id="38" name="Ink 37">
+                  <a:extLst>
+                    <a:ext uri="{FF2B5EF4-FFF2-40B4-BE49-F238E27FC236}">
+                      <a16:creationId xmlns:a16="http://schemas.microsoft.com/office/drawing/2014/main" id="{79C45ED8-7A05-C2E3-BBDD-6B9A98A5C196}"/>
+                    </a:ext>
+                  </a:extLst>
+                </p14:cNvPr>
+                <p14:cNvContentPartPr/>
+                <p14:nvPr/>
+              </p14:nvContentPartPr>
+              <p14:xfrm>
+                <a:off x="5979956" y="5169207"/>
+                <a:ext cx="288000" cy="54720"/>
+              </p14:xfrm>
+            </p:contentPart>
+          </mc:Choice>
+          <mc:Fallback>
+            <p:pic>
+              <p:nvPicPr>
+                <p:cNvPr id="38" name="Ink 37">
+                  <a:extLst>
+                    <a:ext uri="{FF2B5EF4-FFF2-40B4-BE49-F238E27FC236}">
+                      <a16:creationId xmlns:a16="http://schemas.microsoft.com/office/drawing/2014/main" id="{79C45ED8-7A05-C2E3-BBDD-6B9A98A5C196}"/>
+                    </a:ext>
+                  </a:extLst>
+                </p:cNvPr>
+                <p:cNvPicPr/>
+                <p:nvPr/>
+              </p:nvPicPr>
+              <p:blipFill>
+                <a:blip r:embed="rId61"/>
+                <a:stretch>
+                  <a:fillRect/>
+                </a:stretch>
+              </p:blipFill>
+              <p:spPr>
+                <a:xfrm>
+                  <a:off x="5975636" y="5164887"/>
+                  <a:ext cx="296640" cy="63360"/>
+                </a:xfrm>
+                <a:prstGeom prst="rect">
+                  <a:avLst/>
+                </a:prstGeom>
+              </p:spPr>
+            </p:pic>
+          </mc:Fallback>
+        </mc:AlternateContent>
+        <mc:AlternateContent xmlns:mc="http://schemas.openxmlformats.org/markup-compatibility/2006">
+          <mc:Choice xmlns:p14="http://schemas.microsoft.com/office/powerpoint/2010/main" Requires="p14">
+            <p:contentPart p14:bwMode="auto" r:id="rId62">
+              <p14:nvContentPartPr>
+                <p14:cNvPr id="39" name="Ink 38">
+                  <a:extLst>
+                    <a:ext uri="{FF2B5EF4-FFF2-40B4-BE49-F238E27FC236}">
+                      <a16:creationId xmlns:a16="http://schemas.microsoft.com/office/drawing/2014/main" id="{B66F7085-D106-FA2F-3292-48D08592F584}"/>
+                    </a:ext>
+                  </a:extLst>
+                </p14:cNvPr>
+                <p14:cNvContentPartPr/>
+                <p14:nvPr/>
+              </p14:nvContentPartPr>
+              <p14:xfrm>
+                <a:off x="6580436" y="5088207"/>
+                <a:ext cx="262080" cy="269640"/>
+              </p14:xfrm>
+            </p:contentPart>
+          </mc:Choice>
+          <mc:Fallback>
+            <p:pic>
+              <p:nvPicPr>
+                <p:cNvPr id="39" name="Ink 38">
+                  <a:extLst>
+                    <a:ext uri="{FF2B5EF4-FFF2-40B4-BE49-F238E27FC236}">
+                      <a16:creationId xmlns:a16="http://schemas.microsoft.com/office/drawing/2014/main" id="{B66F7085-D106-FA2F-3292-48D08592F584}"/>
+                    </a:ext>
+                  </a:extLst>
+                </p:cNvPr>
+                <p:cNvPicPr/>
+                <p:nvPr/>
+              </p:nvPicPr>
+              <p:blipFill>
+                <a:blip r:embed="rId63"/>
+                <a:stretch>
+                  <a:fillRect/>
+                </a:stretch>
+              </p:blipFill>
+              <p:spPr>
+                <a:xfrm>
+                  <a:off x="6576116" y="5083887"/>
+                  <a:ext cx="270720" cy="278280"/>
+                </a:xfrm>
+                <a:prstGeom prst="rect">
+                  <a:avLst/>
+                </a:prstGeom>
+              </p:spPr>
+            </p:pic>
+          </mc:Fallback>
+        </mc:AlternateContent>
+        <mc:AlternateContent xmlns:mc="http://schemas.openxmlformats.org/markup-compatibility/2006">
+          <mc:Choice xmlns:p14="http://schemas.microsoft.com/office/powerpoint/2010/main" Requires="p14">
+            <p:contentPart p14:bwMode="auto" r:id="rId64">
+              <p14:nvContentPartPr>
+                <p14:cNvPr id="40" name="Ink 39">
+                  <a:extLst>
+                    <a:ext uri="{FF2B5EF4-FFF2-40B4-BE49-F238E27FC236}">
+                      <a16:creationId xmlns:a16="http://schemas.microsoft.com/office/drawing/2014/main" id="{D0F3A15F-A8FD-3CE4-902D-7DD6B1439F24}"/>
+                    </a:ext>
+                  </a:extLst>
+                </p14:cNvPr>
+                <p14:cNvContentPartPr/>
+                <p14:nvPr/>
+              </p14:nvContentPartPr>
+              <p14:xfrm>
+                <a:off x="7178396" y="5181087"/>
+                <a:ext cx="360" cy="360"/>
+              </p14:xfrm>
+            </p:contentPart>
+          </mc:Choice>
+          <mc:Fallback>
+            <p:pic>
+              <p:nvPicPr>
+                <p:cNvPr id="40" name="Ink 39">
+                  <a:extLst>
+                    <a:ext uri="{FF2B5EF4-FFF2-40B4-BE49-F238E27FC236}">
+                      <a16:creationId xmlns:a16="http://schemas.microsoft.com/office/drawing/2014/main" id="{D0F3A15F-A8FD-3CE4-902D-7DD6B1439F24}"/>
+                    </a:ext>
+                  </a:extLst>
+                </p:cNvPr>
+                <p:cNvPicPr/>
+                <p:nvPr/>
+              </p:nvPicPr>
+              <p:blipFill>
+                <a:blip r:embed="rId29"/>
+                <a:stretch>
+                  <a:fillRect/>
+                </a:stretch>
+              </p:blipFill>
+              <p:spPr>
+                <a:xfrm>
+                  <a:off x="7174076" y="5176767"/>
+                  <a:ext cx="9000" cy="9000"/>
+                </a:xfrm>
+                <a:prstGeom prst="rect">
+                  <a:avLst/>
+                </a:prstGeom>
+              </p:spPr>
+            </p:pic>
+          </mc:Fallback>
+        </mc:AlternateContent>
+        <mc:AlternateContent xmlns:mc="http://schemas.openxmlformats.org/markup-compatibility/2006">
+          <mc:Choice xmlns:p14="http://schemas.microsoft.com/office/powerpoint/2010/main" Requires="p14">
+            <p:contentPart p14:bwMode="auto" r:id="rId65">
+              <p14:nvContentPartPr>
+                <p14:cNvPr id="41" name="Ink 40">
+                  <a:extLst>
+                    <a:ext uri="{FF2B5EF4-FFF2-40B4-BE49-F238E27FC236}">
+                      <a16:creationId xmlns:a16="http://schemas.microsoft.com/office/drawing/2014/main" id="{A366E017-2EFD-8728-A59C-13346698A408}"/>
+                    </a:ext>
+                  </a:extLst>
+                </p14:cNvPr>
+                <p14:cNvContentPartPr/>
+                <p14:nvPr/>
+              </p14:nvContentPartPr>
+              <p14:xfrm>
+                <a:off x="7399076" y="4739727"/>
+                <a:ext cx="420840" cy="605160"/>
+              </p14:xfrm>
+            </p:contentPart>
+          </mc:Choice>
+          <mc:Fallback>
+            <p:pic>
+              <p:nvPicPr>
+                <p:cNvPr id="41" name="Ink 40">
+                  <a:extLst>
+                    <a:ext uri="{FF2B5EF4-FFF2-40B4-BE49-F238E27FC236}">
+                      <a16:creationId xmlns:a16="http://schemas.microsoft.com/office/drawing/2014/main" id="{A366E017-2EFD-8728-A59C-13346698A408}"/>
+                    </a:ext>
+                  </a:extLst>
+                </p:cNvPr>
+                <p:cNvPicPr/>
+                <p:nvPr/>
+              </p:nvPicPr>
+              <p:blipFill>
+                <a:blip r:embed="rId66"/>
+                <a:stretch>
+                  <a:fillRect/>
+                </a:stretch>
+              </p:blipFill>
+              <p:spPr>
+                <a:xfrm>
+                  <a:off x="7394756" y="4735407"/>
+                  <a:ext cx="429480" cy="613800"/>
+                </a:xfrm>
+                <a:prstGeom prst="rect">
+                  <a:avLst/>
+                </a:prstGeom>
+              </p:spPr>
+            </p:pic>
+          </mc:Fallback>
+        </mc:AlternateContent>
+        <mc:AlternateContent xmlns:mc="http://schemas.openxmlformats.org/markup-compatibility/2006">
+          <mc:Choice xmlns:p14="http://schemas.microsoft.com/office/powerpoint/2010/main" Requires="p14">
+            <p:contentPart p14:bwMode="auto" r:id="rId67">
+              <p14:nvContentPartPr>
+                <p14:cNvPr id="42" name="Ink 41">
+                  <a:extLst>
+                    <a:ext uri="{FF2B5EF4-FFF2-40B4-BE49-F238E27FC236}">
+                      <a16:creationId xmlns:a16="http://schemas.microsoft.com/office/drawing/2014/main" id="{8141ED9C-41F1-D001-3E78-7AA4DA07F484}"/>
+                    </a:ext>
+                  </a:extLst>
+                </p14:cNvPr>
+                <p14:cNvContentPartPr/>
+                <p14:nvPr/>
+              </p14:nvContentPartPr>
+              <p14:xfrm>
+                <a:off x="7997036" y="4804527"/>
+                <a:ext cx="295920" cy="519480"/>
+              </p14:xfrm>
+            </p:contentPart>
+          </mc:Choice>
+          <mc:Fallback>
+            <p:pic>
+              <p:nvPicPr>
+                <p:cNvPr id="42" name="Ink 41">
+                  <a:extLst>
+                    <a:ext uri="{FF2B5EF4-FFF2-40B4-BE49-F238E27FC236}">
+                      <a16:creationId xmlns:a16="http://schemas.microsoft.com/office/drawing/2014/main" id="{8141ED9C-41F1-D001-3E78-7AA4DA07F484}"/>
+                    </a:ext>
+                  </a:extLst>
+                </p:cNvPr>
+                <p:cNvPicPr/>
+                <p:nvPr/>
+              </p:nvPicPr>
+              <p:blipFill>
+                <a:blip r:embed="rId68"/>
+                <a:stretch>
+                  <a:fillRect/>
+                </a:stretch>
+              </p:blipFill>
+              <p:spPr>
+                <a:xfrm>
+                  <a:off x="7992716" y="4800207"/>
+                  <a:ext cx="304560" cy="528120"/>
+                </a:xfrm>
+                <a:prstGeom prst="rect">
+                  <a:avLst/>
+                </a:prstGeom>
+              </p:spPr>
+            </p:pic>
+          </mc:Fallback>
+        </mc:AlternateContent>
+        <mc:AlternateContent xmlns:mc="http://schemas.openxmlformats.org/markup-compatibility/2006">
+          <mc:Choice xmlns:p14="http://schemas.microsoft.com/office/powerpoint/2010/main" Requires="p14">
+            <p:contentPart p14:bwMode="auto" r:id="rId69">
+              <p14:nvContentPartPr>
+                <p14:cNvPr id="43" name="Ink 42">
+                  <a:extLst>
+                    <a:ext uri="{FF2B5EF4-FFF2-40B4-BE49-F238E27FC236}">
+                      <a16:creationId xmlns:a16="http://schemas.microsoft.com/office/drawing/2014/main" id="{B2F21CFC-99C3-77CE-52B5-5EFC66BB8177}"/>
+                    </a:ext>
+                  </a:extLst>
+                </p14:cNvPr>
+                <p14:cNvContentPartPr/>
+                <p14:nvPr/>
+              </p14:nvContentPartPr>
+              <p14:xfrm>
+                <a:off x="8121596" y="4666287"/>
+                <a:ext cx="317880" cy="933120"/>
+              </p14:xfrm>
+            </p:contentPart>
+          </mc:Choice>
+          <mc:Fallback>
+            <p:pic>
+              <p:nvPicPr>
+                <p:cNvPr id="43" name="Ink 42">
+                  <a:extLst>
+                    <a:ext uri="{FF2B5EF4-FFF2-40B4-BE49-F238E27FC236}">
+                      <a16:creationId xmlns:a16="http://schemas.microsoft.com/office/drawing/2014/main" id="{B2F21CFC-99C3-77CE-52B5-5EFC66BB8177}"/>
+                    </a:ext>
+                  </a:extLst>
+                </p:cNvPr>
+                <p:cNvPicPr/>
+                <p:nvPr/>
+              </p:nvPicPr>
+              <p:blipFill>
+                <a:blip r:embed="rId70"/>
+                <a:stretch>
+                  <a:fillRect/>
+                </a:stretch>
+              </p:blipFill>
+              <p:spPr>
+                <a:xfrm>
+                  <a:off x="8117276" y="4661967"/>
+                  <a:ext cx="326520" cy="941760"/>
+                </a:xfrm>
+                <a:prstGeom prst="rect">
+                  <a:avLst/>
+                </a:prstGeom>
+              </p:spPr>
+            </p:pic>
+          </mc:Fallback>
+        </mc:AlternateContent>
+        <mc:AlternateContent xmlns:mc="http://schemas.openxmlformats.org/markup-compatibility/2006">
+          <mc:Choice xmlns:p14="http://schemas.microsoft.com/office/powerpoint/2010/main" Requires="p14">
+            <p:contentPart p14:bwMode="auto" r:id="rId71">
+              <p14:nvContentPartPr>
+                <p14:cNvPr id="44" name="Ink 43">
+                  <a:extLst>
+                    <a:ext uri="{FF2B5EF4-FFF2-40B4-BE49-F238E27FC236}">
+                      <a16:creationId xmlns:a16="http://schemas.microsoft.com/office/drawing/2014/main" id="{1C8C388D-B632-3444-6CAC-2B53DAE30A25}"/>
+                    </a:ext>
+                  </a:extLst>
+                </p14:cNvPr>
+                <p14:cNvContentPartPr/>
+                <p14:nvPr/>
+              </p14:nvContentPartPr>
+              <p14:xfrm>
+                <a:off x="7903436" y="5654127"/>
+                <a:ext cx="360" cy="360"/>
+              </p14:xfrm>
+            </p:contentPart>
+          </mc:Choice>
+          <mc:Fallback>
+            <p:pic>
+              <p:nvPicPr>
+                <p:cNvPr id="44" name="Ink 43">
+                  <a:extLst>
+                    <a:ext uri="{FF2B5EF4-FFF2-40B4-BE49-F238E27FC236}">
+                      <a16:creationId xmlns:a16="http://schemas.microsoft.com/office/drawing/2014/main" id="{1C8C388D-B632-3444-6CAC-2B53DAE30A25}"/>
+                    </a:ext>
+                  </a:extLst>
+                </p:cNvPr>
+                <p:cNvPicPr/>
+                <p:nvPr/>
+              </p:nvPicPr>
+              <p:blipFill>
+                <a:blip r:embed="rId29"/>
+                <a:stretch>
+                  <a:fillRect/>
+                </a:stretch>
+              </p:blipFill>
+              <p:spPr>
+                <a:xfrm>
+                  <a:off x="7899116" y="5649807"/>
+                  <a:ext cx="9000" cy="9000"/>
+                </a:xfrm>
+                <a:prstGeom prst="rect">
+                  <a:avLst/>
+                </a:prstGeom>
+              </p:spPr>
+            </p:pic>
+          </mc:Fallback>
+        </mc:AlternateContent>
+        <mc:AlternateContent xmlns:mc="http://schemas.openxmlformats.org/markup-compatibility/2006">
+          <mc:Choice xmlns:p14="http://schemas.microsoft.com/office/powerpoint/2010/main" Requires="p14">
+            <p:contentPart p14:bwMode="auto" r:id="rId72">
+              <p14:nvContentPartPr>
+                <p14:cNvPr id="45" name="Ink 44">
+                  <a:extLst>
+                    <a:ext uri="{FF2B5EF4-FFF2-40B4-BE49-F238E27FC236}">
+                      <a16:creationId xmlns:a16="http://schemas.microsoft.com/office/drawing/2014/main" id="{933A353E-0A43-B15E-45AC-437D50949842}"/>
+                    </a:ext>
+                  </a:extLst>
+                </p14:cNvPr>
+                <p14:cNvContentPartPr/>
+                <p14:nvPr/>
+              </p14:nvContentPartPr>
+              <p14:xfrm>
+                <a:off x="3499916" y="5645847"/>
+                <a:ext cx="5041440" cy="166680"/>
+              </p14:xfrm>
+            </p:contentPart>
+          </mc:Choice>
+          <mc:Fallback>
+            <p:pic>
+              <p:nvPicPr>
+                <p:cNvPr id="45" name="Ink 44">
+                  <a:extLst>
+                    <a:ext uri="{FF2B5EF4-FFF2-40B4-BE49-F238E27FC236}">
+                      <a16:creationId xmlns:a16="http://schemas.microsoft.com/office/drawing/2014/main" id="{933A353E-0A43-B15E-45AC-437D50949842}"/>
+                    </a:ext>
+                  </a:extLst>
+                </p:cNvPr>
+                <p:cNvPicPr/>
+                <p:nvPr/>
+              </p:nvPicPr>
+              <p:blipFill>
+                <a:blip r:embed="rId73"/>
+                <a:stretch>
+                  <a:fillRect/>
+                </a:stretch>
+              </p:blipFill>
+              <p:spPr>
+                <a:xfrm>
+                  <a:off x="3495596" y="5641527"/>
+                  <a:ext cx="5050080" cy="175320"/>
+                </a:xfrm>
+                <a:prstGeom prst="rect">
+                  <a:avLst/>
+                </a:prstGeom>
+              </p:spPr>
+            </p:pic>
+          </mc:Fallback>
+        </mc:AlternateContent>
+        <mc:AlternateContent xmlns:mc="http://schemas.openxmlformats.org/markup-compatibility/2006">
+          <mc:Choice xmlns:p14="http://schemas.microsoft.com/office/powerpoint/2010/main" Requires="p14">
+            <p:contentPart p14:bwMode="auto" r:id="rId74">
+              <p14:nvContentPartPr>
+                <p14:cNvPr id="48" name="Ink 47">
+                  <a:extLst>
+                    <a:ext uri="{FF2B5EF4-FFF2-40B4-BE49-F238E27FC236}">
+                      <a16:creationId xmlns:a16="http://schemas.microsoft.com/office/drawing/2014/main" id="{35F84471-4180-B0F7-5FA8-9354A0010A64}"/>
+                    </a:ext>
+                  </a:extLst>
+                </p14:cNvPr>
+                <p14:cNvContentPartPr/>
+                <p14:nvPr/>
+              </p14:nvContentPartPr>
+              <p14:xfrm>
+                <a:off x="3846236" y="6001167"/>
+                <a:ext cx="146880" cy="414720"/>
+              </p14:xfrm>
+            </p:contentPart>
+          </mc:Choice>
+          <mc:Fallback>
+            <p:pic>
+              <p:nvPicPr>
+                <p:cNvPr id="48" name="Ink 47">
+                  <a:extLst>
+                    <a:ext uri="{FF2B5EF4-FFF2-40B4-BE49-F238E27FC236}">
+                      <a16:creationId xmlns:a16="http://schemas.microsoft.com/office/drawing/2014/main" id="{35F84471-4180-B0F7-5FA8-9354A0010A64}"/>
+                    </a:ext>
+                  </a:extLst>
+                </p:cNvPr>
+                <p:cNvPicPr/>
+                <p:nvPr/>
+              </p:nvPicPr>
+              <p:blipFill>
+                <a:blip r:embed="rId75"/>
+                <a:stretch>
+                  <a:fillRect/>
+                </a:stretch>
+              </p:blipFill>
+              <p:spPr>
+                <a:xfrm>
+                  <a:off x="3841916" y="5996847"/>
+                  <a:ext cx="155520" cy="423360"/>
+                </a:xfrm>
+                <a:prstGeom prst="rect">
+                  <a:avLst/>
+                </a:prstGeom>
+              </p:spPr>
+            </p:pic>
+          </mc:Fallback>
+        </mc:AlternateContent>
+        <mc:AlternateContent xmlns:mc="http://schemas.openxmlformats.org/markup-compatibility/2006">
+          <mc:Choice xmlns:p14="http://schemas.microsoft.com/office/powerpoint/2010/main" Requires="p14">
+            <p:contentPart p14:bwMode="auto" r:id="rId76">
+              <p14:nvContentPartPr>
+                <p14:cNvPr id="49" name="Ink 48">
+                  <a:extLst>
+                    <a:ext uri="{FF2B5EF4-FFF2-40B4-BE49-F238E27FC236}">
+                      <a16:creationId xmlns:a16="http://schemas.microsoft.com/office/drawing/2014/main" id="{25D73EDC-6351-9E99-D4EF-D5EF88869EDA}"/>
+                    </a:ext>
+                  </a:extLst>
+                </p14:cNvPr>
+                <p14:cNvContentPartPr/>
+                <p14:nvPr/>
+              </p14:nvContentPartPr>
+              <p14:xfrm>
+                <a:off x="4192556" y="6077847"/>
+                <a:ext cx="649800" cy="771480"/>
+              </p14:xfrm>
+            </p:contentPart>
+          </mc:Choice>
+          <mc:Fallback>
+            <p:pic>
+              <p:nvPicPr>
+                <p:cNvPr id="49" name="Ink 48">
+                  <a:extLst>
+                    <a:ext uri="{FF2B5EF4-FFF2-40B4-BE49-F238E27FC236}">
+                      <a16:creationId xmlns:a16="http://schemas.microsoft.com/office/drawing/2014/main" id="{25D73EDC-6351-9E99-D4EF-D5EF88869EDA}"/>
+                    </a:ext>
+                  </a:extLst>
+                </p:cNvPr>
+                <p:cNvPicPr/>
+                <p:nvPr/>
+              </p:nvPicPr>
+              <p:blipFill>
+                <a:blip r:embed="rId77"/>
+                <a:stretch>
+                  <a:fillRect/>
+                </a:stretch>
+              </p:blipFill>
+              <p:spPr>
+                <a:xfrm>
+                  <a:off x="4188236" y="6073527"/>
+                  <a:ext cx="658440" cy="780120"/>
+                </a:xfrm>
+                <a:prstGeom prst="rect">
+                  <a:avLst/>
+                </a:prstGeom>
+              </p:spPr>
+            </p:pic>
+          </mc:Fallback>
+        </mc:AlternateContent>
+        <mc:AlternateContent xmlns:mc="http://schemas.openxmlformats.org/markup-compatibility/2006">
+          <mc:Choice xmlns:p14="http://schemas.microsoft.com/office/powerpoint/2010/main" Requires="p14">
+            <p:contentPart p14:bwMode="auto" r:id="rId78">
+              <p14:nvContentPartPr>
+                <p14:cNvPr id="50" name="Ink 49">
+                  <a:extLst>
+                    <a:ext uri="{FF2B5EF4-FFF2-40B4-BE49-F238E27FC236}">
+                      <a16:creationId xmlns:a16="http://schemas.microsoft.com/office/drawing/2014/main" id="{6A70E46D-1861-06D2-40DF-B776BCEAEC6D}"/>
+                    </a:ext>
+                  </a:extLst>
+                </p14:cNvPr>
+                <p14:cNvContentPartPr/>
+                <p14:nvPr/>
+              </p14:nvContentPartPr>
+              <p14:xfrm>
+                <a:off x="5255276" y="5790567"/>
+                <a:ext cx="152640" cy="1158840"/>
+              </p14:xfrm>
+            </p:contentPart>
+          </mc:Choice>
+          <mc:Fallback>
+            <p:pic>
+              <p:nvPicPr>
+                <p:cNvPr id="50" name="Ink 49">
+                  <a:extLst>
+                    <a:ext uri="{FF2B5EF4-FFF2-40B4-BE49-F238E27FC236}">
+                      <a16:creationId xmlns:a16="http://schemas.microsoft.com/office/drawing/2014/main" id="{6A70E46D-1861-06D2-40DF-B776BCEAEC6D}"/>
+                    </a:ext>
+                  </a:extLst>
+                </p:cNvPr>
+                <p:cNvPicPr/>
+                <p:nvPr/>
+              </p:nvPicPr>
+              <p:blipFill>
+                <a:blip r:embed="rId79"/>
+                <a:stretch>
+                  <a:fillRect/>
+                </a:stretch>
+              </p:blipFill>
+              <p:spPr>
+                <a:xfrm>
+                  <a:off x="5250956" y="5786247"/>
+                  <a:ext cx="161280" cy="1167480"/>
+                </a:xfrm>
+                <a:prstGeom prst="rect">
+                  <a:avLst/>
+                </a:prstGeom>
+              </p:spPr>
+            </p:pic>
+          </mc:Fallback>
+        </mc:AlternateContent>
+        <mc:AlternateContent xmlns:mc="http://schemas.openxmlformats.org/markup-compatibility/2006">
+          <mc:Choice xmlns:p14="http://schemas.microsoft.com/office/powerpoint/2010/main" Requires="p14">
+            <p:contentPart p14:bwMode="auto" r:id="rId80">
+              <p14:nvContentPartPr>
+                <p14:cNvPr id="51" name="Ink 50">
+                  <a:extLst>
+                    <a:ext uri="{FF2B5EF4-FFF2-40B4-BE49-F238E27FC236}">
+                      <a16:creationId xmlns:a16="http://schemas.microsoft.com/office/drawing/2014/main" id="{FB27A828-672D-6CE9-49E0-BC55F791D7F7}"/>
+                    </a:ext>
+                  </a:extLst>
+                </p14:cNvPr>
+                <p14:cNvContentPartPr/>
+                <p14:nvPr/>
+              </p14:nvContentPartPr>
+              <p14:xfrm>
+                <a:off x="5705996" y="6127527"/>
+                <a:ext cx="127080" cy="540000"/>
+              </p14:xfrm>
+            </p:contentPart>
+          </mc:Choice>
+          <mc:Fallback>
+            <p:pic>
+              <p:nvPicPr>
+                <p:cNvPr id="51" name="Ink 50">
+                  <a:extLst>
+                    <a:ext uri="{FF2B5EF4-FFF2-40B4-BE49-F238E27FC236}">
+                      <a16:creationId xmlns:a16="http://schemas.microsoft.com/office/drawing/2014/main" id="{FB27A828-672D-6CE9-49E0-BC55F791D7F7}"/>
+                    </a:ext>
+                  </a:extLst>
+                </p:cNvPr>
+                <p:cNvPicPr/>
+                <p:nvPr/>
+              </p:nvPicPr>
+              <p:blipFill>
+                <a:blip r:embed="rId81"/>
+                <a:stretch>
+                  <a:fillRect/>
+                </a:stretch>
+              </p:blipFill>
+              <p:spPr>
+                <a:xfrm>
+                  <a:off x="5701676" y="6123207"/>
+                  <a:ext cx="135720" cy="548640"/>
+                </a:xfrm>
+                <a:prstGeom prst="rect">
+                  <a:avLst/>
+                </a:prstGeom>
+              </p:spPr>
+            </p:pic>
+          </mc:Fallback>
+        </mc:AlternateContent>
+        <mc:AlternateContent xmlns:mc="http://schemas.openxmlformats.org/markup-compatibility/2006">
+          <mc:Choice xmlns:p14="http://schemas.microsoft.com/office/powerpoint/2010/main" Requires="p14">
+            <p:contentPart p14:bwMode="auto" r:id="rId82">
+              <p14:nvContentPartPr>
+                <p14:cNvPr id="52" name="Ink 51">
+                  <a:extLst>
+                    <a:ext uri="{FF2B5EF4-FFF2-40B4-BE49-F238E27FC236}">
+                      <a16:creationId xmlns:a16="http://schemas.microsoft.com/office/drawing/2014/main" id="{3459386E-DDBA-51F4-2EE8-9BFE1A7B084E}"/>
+                    </a:ext>
+                  </a:extLst>
+                </p14:cNvPr>
+                <p14:cNvContentPartPr/>
+                <p14:nvPr/>
+              </p14:nvContentPartPr>
+              <p14:xfrm>
+                <a:off x="6106316" y="6515967"/>
+                <a:ext cx="302760" cy="32040"/>
+              </p14:xfrm>
+            </p:contentPart>
+          </mc:Choice>
+          <mc:Fallback>
+            <p:pic>
+              <p:nvPicPr>
+                <p:cNvPr id="52" name="Ink 51">
+                  <a:extLst>
+                    <a:ext uri="{FF2B5EF4-FFF2-40B4-BE49-F238E27FC236}">
+                      <a16:creationId xmlns:a16="http://schemas.microsoft.com/office/drawing/2014/main" id="{3459386E-DDBA-51F4-2EE8-9BFE1A7B084E}"/>
+                    </a:ext>
+                  </a:extLst>
+                </p:cNvPr>
+                <p:cNvPicPr/>
+                <p:nvPr/>
+              </p:nvPicPr>
+              <p:blipFill>
+                <a:blip r:embed="rId83"/>
+                <a:stretch>
+                  <a:fillRect/>
+                </a:stretch>
+              </p:blipFill>
+              <p:spPr>
+                <a:xfrm>
+                  <a:off x="6101996" y="6511647"/>
+                  <a:ext cx="311400" cy="40680"/>
+                </a:xfrm>
+                <a:prstGeom prst="rect">
+                  <a:avLst/>
+                </a:prstGeom>
+              </p:spPr>
+            </p:pic>
+          </mc:Fallback>
+        </mc:AlternateContent>
+        <mc:AlternateContent xmlns:mc="http://schemas.openxmlformats.org/markup-compatibility/2006">
+          <mc:Choice xmlns:p14="http://schemas.microsoft.com/office/powerpoint/2010/main" Requires="p14">
+            <p:contentPart p14:bwMode="auto" r:id="rId84">
+              <p14:nvContentPartPr>
+                <p14:cNvPr id="54" name="Ink 53">
+                  <a:extLst>
+                    <a:ext uri="{FF2B5EF4-FFF2-40B4-BE49-F238E27FC236}">
+                      <a16:creationId xmlns:a16="http://schemas.microsoft.com/office/drawing/2014/main" id="{818A9450-EED6-3ED4-6F04-6E8F8BCD5A24}"/>
+                    </a:ext>
+                  </a:extLst>
+                </p14:cNvPr>
+                <p14:cNvContentPartPr/>
+                <p14:nvPr/>
+              </p14:nvContentPartPr>
+              <p14:xfrm>
+                <a:off x="6842156" y="6274767"/>
+                <a:ext cx="179280" cy="273600"/>
+              </p14:xfrm>
+            </p:contentPart>
+          </mc:Choice>
+          <mc:Fallback>
+            <p:pic>
+              <p:nvPicPr>
+                <p:cNvPr id="54" name="Ink 53">
+                  <a:extLst>
+                    <a:ext uri="{FF2B5EF4-FFF2-40B4-BE49-F238E27FC236}">
+                      <a16:creationId xmlns:a16="http://schemas.microsoft.com/office/drawing/2014/main" id="{818A9450-EED6-3ED4-6F04-6E8F8BCD5A24}"/>
+                    </a:ext>
+                  </a:extLst>
+                </p:cNvPr>
+                <p:cNvPicPr/>
+                <p:nvPr/>
+              </p:nvPicPr>
+              <p:blipFill>
+                <a:blip r:embed="rId85"/>
+                <a:stretch>
+                  <a:fillRect/>
+                </a:stretch>
+              </p:blipFill>
+              <p:spPr>
+                <a:xfrm>
+                  <a:off x="6837836" y="6270447"/>
+                  <a:ext cx="187920" cy="282240"/>
+                </a:xfrm>
+                <a:prstGeom prst="rect">
+                  <a:avLst/>
+                </a:prstGeom>
+              </p:spPr>
+            </p:pic>
+          </mc:Fallback>
+        </mc:AlternateContent>
+        <mc:AlternateContent xmlns:mc="http://schemas.openxmlformats.org/markup-compatibility/2006">
+          <mc:Choice xmlns:p14="http://schemas.microsoft.com/office/powerpoint/2010/main" Requires="p14">
+            <p:contentPart p14:bwMode="auto" r:id="rId86">
+              <p14:nvContentPartPr>
+                <p14:cNvPr id="55" name="Ink 54">
+                  <a:extLst>
+                    <a:ext uri="{FF2B5EF4-FFF2-40B4-BE49-F238E27FC236}">
+                      <a16:creationId xmlns:a16="http://schemas.microsoft.com/office/drawing/2014/main" id="{B08BE2BE-3C1E-7EF6-8144-356A8EBFC316}"/>
+                    </a:ext>
+                  </a:extLst>
+                </p14:cNvPr>
+                <p14:cNvContentPartPr/>
+                <p14:nvPr/>
+              </p14:nvContentPartPr>
+              <p14:xfrm>
+                <a:off x="7209716" y="6421647"/>
+                <a:ext cx="360" cy="360"/>
+              </p14:xfrm>
+            </p:contentPart>
+          </mc:Choice>
+          <mc:Fallback>
+            <p:pic>
+              <p:nvPicPr>
+                <p:cNvPr id="55" name="Ink 54">
+                  <a:extLst>
+                    <a:ext uri="{FF2B5EF4-FFF2-40B4-BE49-F238E27FC236}">
+                      <a16:creationId xmlns:a16="http://schemas.microsoft.com/office/drawing/2014/main" id="{B08BE2BE-3C1E-7EF6-8144-356A8EBFC316}"/>
+                    </a:ext>
+                  </a:extLst>
+                </p:cNvPr>
+                <p:cNvPicPr/>
+                <p:nvPr/>
+              </p:nvPicPr>
+              <p:blipFill>
+                <a:blip r:embed="rId29"/>
+                <a:stretch>
+                  <a:fillRect/>
+                </a:stretch>
+              </p:blipFill>
+              <p:spPr>
+                <a:xfrm>
+                  <a:off x="7205396" y="6417327"/>
+                  <a:ext cx="9000" cy="9000"/>
+                </a:xfrm>
+                <a:prstGeom prst="rect">
+                  <a:avLst/>
+                </a:prstGeom>
+              </p:spPr>
+            </p:pic>
+          </mc:Fallback>
+        </mc:AlternateContent>
+        <mc:AlternateContent xmlns:mc="http://schemas.openxmlformats.org/markup-compatibility/2006">
+          <mc:Choice xmlns:p14="http://schemas.microsoft.com/office/powerpoint/2010/main" Requires="p14">
+            <p:contentPart p14:bwMode="auto" r:id="rId87">
+              <p14:nvContentPartPr>
+                <p14:cNvPr id="56" name="Ink 55">
+                  <a:extLst>
+                    <a:ext uri="{FF2B5EF4-FFF2-40B4-BE49-F238E27FC236}">
+                      <a16:creationId xmlns:a16="http://schemas.microsoft.com/office/drawing/2014/main" id="{C87776E7-C973-4B6B-6D25-57E52E7A14A0}"/>
+                    </a:ext>
+                  </a:extLst>
+                </p14:cNvPr>
+                <p14:cNvContentPartPr/>
+                <p14:nvPr/>
+              </p14:nvContentPartPr>
+              <p14:xfrm>
+                <a:off x="7360196" y="6168927"/>
+                <a:ext cx="285840" cy="537480"/>
+              </p14:xfrm>
+            </p:contentPart>
+          </mc:Choice>
+          <mc:Fallback>
+            <p:pic>
+              <p:nvPicPr>
+                <p:cNvPr id="56" name="Ink 55">
+                  <a:extLst>
+                    <a:ext uri="{FF2B5EF4-FFF2-40B4-BE49-F238E27FC236}">
+                      <a16:creationId xmlns:a16="http://schemas.microsoft.com/office/drawing/2014/main" id="{C87776E7-C973-4B6B-6D25-57E52E7A14A0}"/>
+                    </a:ext>
+                  </a:extLst>
+                </p:cNvPr>
+                <p:cNvPicPr/>
+                <p:nvPr/>
+              </p:nvPicPr>
+              <p:blipFill>
+                <a:blip r:embed="rId88"/>
+                <a:stretch>
+                  <a:fillRect/>
+                </a:stretch>
+              </p:blipFill>
+              <p:spPr>
+                <a:xfrm>
+                  <a:off x="7355876" y="6164607"/>
+                  <a:ext cx="294480" cy="546120"/>
+                </a:xfrm>
+                <a:prstGeom prst="rect">
+                  <a:avLst/>
+                </a:prstGeom>
+              </p:spPr>
+            </p:pic>
+          </mc:Fallback>
+        </mc:AlternateContent>
+        <mc:AlternateContent xmlns:mc="http://schemas.openxmlformats.org/markup-compatibility/2006">
+          <mc:Choice xmlns:p14="http://schemas.microsoft.com/office/powerpoint/2010/main" Requires="p14">
+            <p:contentPart p14:bwMode="auto" r:id="rId89">
+              <p14:nvContentPartPr>
+                <p14:cNvPr id="57" name="Ink 56">
+                  <a:extLst>
+                    <a:ext uri="{FF2B5EF4-FFF2-40B4-BE49-F238E27FC236}">
+                      <a16:creationId xmlns:a16="http://schemas.microsoft.com/office/drawing/2014/main" id="{4FE5E8D0-7896-3922-4AC8-8A193901BAA8}"/>
+                    </a:ext>
+                  </a:extLst>
+                </p14:cNvPr>
+                <p14:cNvContentPartPr/>
+                <p14:nvPr/>
+              </p14:nvContentPartPr>
+              <p14:xfrm>
+                <a:off x="7612556" y="5991087"/>
+                <a:ext cx="367920" cy="799200"/>
+              </p14:xfrm>
+            </p:contentPart>
+          </mc:Choice>
+          <mc:Fallback>
+            <p:pic>
+              <p:nvPicPr>
+                <p:cNvPr id="57" name="Ink 56">
+                  <a:extLst>
+                    <a:ext uri="{FF2B5EF4-FFF2-40B4-BE49-F238E27FC236}">
+                      <a16:creationId xmlns:a16="http://schemas.microsoft.com/office/drawing/2014/main" id="{4FE5E8D0-7896-3922-4AC8-8A193901BAA8}"/>
+                    </a:ext>
+                  </a:extLst>
+                </p:cNvPr>
+                <p:cNvPicPr/>
+                <p:nvPr/>
+              </p:nvPicPr>
+              <p:blipFill>
+                <a:blip r:embed="rId90"/>
+                <a:stretch>
+                  <a:fillRect/>
+                </a:stretch>
+              </p:blipFill>
+              <p:spPr>
+                <a:xfrm>
+                  <a:off x="7608236" y="5986767"/>
+                  <a:ext cx="376560" cy="807840"/>
+                </a:xfrm>
+                <a:prstGeom prst="rect">
+                  <a:avLst/>
+                </a:prstGeom>
+              </p:spPr>
+            </p:pic>
+          </mc:Fallback>
+        </mc:AlternateContent>
+        <mc:AlternateContent xmlns:mc="http://schemas.openxmlformats.org/markup-compatibility/2006">
+          <mc:Choice xmlns:p14="http://schemas.microsoft.com/office/powerpoint/2010/main" Requires="p14">
+            <p:contentPart p14:bwMode="auto" r:id="rId91">
+              <p14:nvContentPartPr>
+                <p14:cNvPr id="58" name="Ink 57">
+                  <a:extLst>
+                    <a:ext uri="{FF2B5EF4-FFF2-40B4-BE49-F238E27FC236}">
+                      <a16:creationId xmlns:a16="http://schemas.microsoft.com/office/drawing/2014/main" id="{3C43EE8A-6AB7-401B-8AAF-30536C2E35F0}"/>
+                    </a:ext>
+                  </a:extLst>
+                </p14:cNvPr>
+                <p14:cNvContentPartPr/>
+                <p14:nvPr/>
+              </p14:nvContentPartPr>
+              <p14:xfrm>
+                <a:off x="6697436" y="6116727"/>
+                <a:ext cx="177480" cy="657720"/>
+              </p14:xfrm>
+            </p:contentPart>
+          </mc:Choice>
+          <mc:Fallback>
+            <p:pic>
+              <p:nvPicPr>
+                <p:cNvPr id="58" name="Ink 57">
+                  <a:extLst>
+                    <a:ext uri="{FF2B5EF4-FFF2-40B4-BE49-F238E27FC236}">
+                      <a16:creationId xmlns:a16="http://schemas.microsoft.com/office/drawing/2014/main" id="{3C43EE8A-6AB7-401B-8AAF-30536C2E35F0}"/>
+                    </a:ext>
+                  </a:extLst>
+                </p:cNvPr>
+                <p:cNvPicPr/>
+                <p:nvPr/>
+              </p:nvPicPr>
+              <p:blipFill>
+                <a:blip r:embed="rId92"/>
+                <a:stretch>
+                  <a:fillRect/>
+                </a:stretch>
+              </p:blipFill>
+              <p:spPr>
+                <a:xfrm>
+                  <a:off x="6693116" y="6112407"/>
+                  <a:ext cx="186120" cy="666360"/>
+                </a:xfrm>
+                <a:prstGeom prst="rect">
+                  <a:avLst/>
+                </a:prstGeom>
+              </p:spPr>
+            </p:pic>
+          </mc:Fallback>
+        </mc:AlternateContent>
+        <mc:AlternateContent xmlns:mc="http://schemas.openxmlformats.org/markup-compatibility/2006">
+          <mc:Choice xmlns:p14="http://schemas.microsoft.com/office/powerpoint/2010/main" Requires="p14">
+            <p:contentPart p14:bwMode="auto" r:id="rId93">
+              <p14:nvContentPartPr>
+                <p14:cNvPr id="59" name="Ink 58">
+                  <a:extLst>
+                    <a:ext uri="{FF2B5EF4-FFF2-40B4-BE49-F238E27FC236}">
+                      <a16:creationId xmlns:a16="http://schemas.microsoft.com/office/drawing/2014/main" id="{AFCFA80C-BAED-82BE-E1EC-B1EA611FE8F5}"/>
+                    </a:ext>
+                  </a:extLst>
+                </p14:cNvPr>
+                <p14:cNvContentPartPr/>
+                <p14:nvPr/>
+              </p14:nvContentPartPr>
+              <p14:xfrm>
+                <a:off x="8228876" y="5864727"/>
+                <a:ext cx="96480" cy="294480"/>
+              </p14:xfrm>
+            </p:contentPart>
+          </mc:Choice>
+          <mc:Fallback>
+            <p:pic>
+              <p:nvPicPr>
+                <p:cNvPr id="59" name="Ink 58">
+                  <a:extLst>
+                    <a:ext uri="{FF2B5EF4-FFF2-40B4-BE49-F238E27FC236}">
+                      <a16:creationId xmlns:a16="http://schemas.microsoft.com/office/drawing/2014/main" id="{AFCFA80C-BAED-82BE-E1EC-B1EA611FE8F5}"/>
+                    </a:ext>
+                  </a:extLst>
+                </p:cNvPr>
+                <p:cNvPicPr/>
+                <p:nvPr/>
+              </p:nvPicPr>
+              <p:blipFill>
+                <a:blip r:embed="rId94"/>
+                <a:stretch>
+                  <a:fillRect/>
+                </a:stretch>
+              </p:blipFill>
+              <p:spPr>
+                <a:xfrm>
+                  <a:off x="8224556" y="5860407"/>
+                  <a:ext cx="105120" cy="303120"/>
+                </a:xfrm>
+                <a:prstGeom prst="rect">
+                  <a:avLst/>
+                </a:prstGeom>
+              </p:spPr>
+            </p:pic>
+          </mc:Fallback>
+        </mc:AlternateContent>
+        <mc:AlternateContent xmlns:mc="http://schemas.openxmlformats.org/markup-compatibility/2006">
+          <mc:Choice xmlns:p14="http://schemas.microsoft.com/office/powerpoint/2010/main" Requires="p14">
+            <p:contentPart p14:bwMode="auto" r:id="rId95">
+              <p14:nvContentPartPr>
+                <p14:cNvPr id="60" name="Ink 59">
+                  <a:extLst>
+                    <a:ext uri="{FF2B5EF4-FFF2-40B4-BE49-F238E27FC236}">
+                      <a16:creationId xmlns:a16="http://schemas.microsoft.com/office/drawing/2014/main" id="{03D4A799-34AF-A393-2D2D-DE15B1C2A667}"/>
+                    </a:ext>
+                  </a:extLst>
+                </p14:cNvPr>
+                <p14:cNvContentPartPr/>
+                <p14:nvPr/>
+              </p14:nvContentPartPr>
+              <p14:xfrm>
+                <a:off x="8472596" y="5812167"/>
+                <a:ext cx="155880" cy="779040"/>
+              </p14:xfrm>
+            </p:contentPart>
+          </mc:Choice>
+          <mc:Fallback>
+            <p:pic>
+              <p:nvPicPr>
+                <p:cNvPr id="60" name="Ink 59">
+                  <a:extLst>
+                    <a:ext uri="{FF2B5EF4-FFF2-40B4-BE49-F238E27FC236}">
+                      <a16:creationId xmlns:a16="http://schemas.microsoft.com/office/drawing/2014/main" id="{03D4A799-34AF-A393-2D2D-DE15B1C2A667}"/>
+                    </a:ext>
+                  </a:extLst>
+                </p:cNvPr>
+                <p:cNvPicPr/>
+                <p:nvPr/>
+              </p:nvPicPr>
+              <p:blipFill>
+                <a:blip r:embed="rId96"/>
+                <a:stretch>
+                  <a:fillRect/>
+                </a:stretch>
+              </p:blipFill>
+              <p:spPr>
+                <a:xfrm>
+                  <a:off x="8468276" y="5807847"/>
+                  <a:ext cx="164520" cy="787680"/>
+                </a:xfrm>
+                <a:prstGeom prst="rect">
+                  <a:avLst/>
+                </a:prstGeom>
+              </p:spPr>
+            </p:pic>
+          </mc:Fallback>
+        </mc:AlternateContent>
+        <mc:AlternateContent xmlns:mc="http://schemas.openxmlformats.org/markup-compatibility/2006">
+          <mc:Choice xmlns:p14="http://schemas.microsoft.com/office/powerpoint/2010/main" Requires="p14">
+            <p:contentPart p14:bwMode="auto" r:id="rId97">
+              <p14:nvContentPartPr>
+                <p14:cNvPr id="62" name="Ink 61">
+                  <a:extLst>
+                    <a:ext uri="{FF2B5EF4-FFF2-40B4-BE49-F238E27FC236}">
+                      <a16:creationId xmlns:a16="http://schemas.microsoft.com/office/drawing/2014/main" id="{1166EA68-A6BF-1967-D371-E7BB56BAD4AD}"/>
+                    </a:ext>
+                  </a:extLst>
+                </p14:cNvPr>
+                <p14:cNvContentPartPr/>
+                <p14:nvPr/>
+              </p14:nvContentPartPr>
+              <p14:xfrm>
+                <a:off x="8744396" y="5179287"/>
+                <a:ext cx="309240" cy="55080"/>
+              </p14:xfrm>
+            </p:contentPart>
+          </mc:Choice>
+          <mc:Fallback>
+            <p:pic>
+              <p:nvPicPr>
+                <p:cNvPr id="62" name="Ink 61">
+                  <a:extLst>
+                    <a:ext uri="{FF2B5EF4-FFF2-40B4-BE49-F238E27FC236}">
+                      <a16:creationId xmlns:a16="http://schemas.microsoft.com/office/drawing/2014/main" id="{1166EA68-A6BF-1967-D371-E7BB56BAD4AD}"/>
+                    </a:ext>
+                  </a:extLst>
+                </p:cNvPr>
+                <p:cNvPicPr/>
+                <p:nvPr/>
+              </p:nvPicPr>
+              <p:blipFill>
+                <a:blip r:embed="rId98"/>
+                <a:stretch>
+                  <a:fillRect/>
+                </a:stretch>
+              </p:blipFill>
+              <p:spPr>
+                <a:xfrm>
+                  <a:off x="8740076" y="5174967"/>
+                  <a:ext cx="317880" cy="63720"/>
+                </a:xfrm>
+                <a:prstGeom prst="rect">
+                  <a:avLst/>
+                </a:prstGeom>
+              </p:spPr>
+            </p:pic>
+          </mc:Fallback>
+        </mc:AlternateContent>
+        <mc:AlternateContent xmlns:mc="http://schemas.openxmlformats.org/markup-compatibility/2006">
+          <mc:Choice xmlns:p14="http://schemas.microsoft.com/office/powerpoint/2010/main" Requires="p14">
+            <p:contentPart p14:bwMode="auto" r:id="rId99">
+              <p14:nvContentPartPr>
+                <p14:cNvPr id="63" name="Ink 62">
+                  <a:extLst>
+                    <a:ext uri="{FF2B5EF4-FFF2-40B4-BE49-F238E27FC236}">
+                      <a16:creationId xmlns:a16="http://schemas.microsoft.com/office/drawing/2014/main" id="{471D6A0A-85A9-457C-88DF-F90BD60AB80E}"/>
+                    </a:ext>
+                  </a:extLst>
+                </p14:cNvPr>
+                <p14:cNvContentPartPr/>
+                <p14:nvPr/>
+              </p14:nvContentPartPr>
+              <p14:xfrm>
+                <a:off x="8628476" y="5474847"/>
+                <a:ext cx="424800" cy="64080"/>
+              </p14:xfrm>
+            </p:contentPart>
+          </mc:Choice>
+          <mc:Fallback>
+            <p:pic>
+              <p:nvPicPr>
+                <p:cNvPr id="63" name="Ink 62">
+                  <a:extLst>
+                    <a:ext uri="{FF2B5EF4-FFF2-40B4-BE49-F238E27FC236}">
+                      <a16:creationId xmlns:a16="http://schemas.microsoft.com/office/drawing/2014/main" id="{471D6A0A-85A9-457C-88DF-F90BD60AB80E}"/>
+                    </a:ext>
+                  </a:extLst>
+                </p:cNvPr>
+                <p:cNvPicPr/>
+                <p:nvPr/>
+              </p:nvPicPr>
+              <p:blipFill>
+                <a:blip r:embed="rId100"/>
+                <a:stretch>
+                  <a:fillRect/>
+                </a:stretch>
+              </p:blipFill>
+              <p:spPr>
+                <a:xfrm>
+                  <a:off x="8624156" y="5470527"/>
+                  <a:ext cx="433440" cy="72720"/>
+                </a:xfrm>
+                <a:prstGeom prst="rect">
+                  <a:avLst/>
+                </a:prstGeom>
+              </p:spPr>
+            </p:pic>
+          </mc:Fallback>
+        </mc:AlternateContent>
+      </p:grpSp>
+      <p:grpSp>
+        <p:nvGrpSpPr>
+          <p:cNvPr id="81" name="Group 80">
+            <a:extLst>
+              <a:ext uri="{FF2B5EF4-FFF2-40B4-BE49-F238E27FC236}">
+                <a16:creationId xmlns:a16="http://schemas.microsoft.com/office/drawing/2014/main" id="{55BD6521-4769-ACD4-FED9-6167102E5316}"/>
+              </a:ext>
+            </a:extLst>
+          </p:cNvPr>
+          <p:cNvGrpSpPr/>
+          <p:nvPr/>
+        </p:nvGrpSpPr>
+        <p:grpSpPr>
+          <a:xfrm>
+            <a:off x="9501116" y="1157367"/>
+            <a:ext cx="2071080" cy="5413680"/>
+            <a:chOff x="9501116" y="1157367"/>
+            <a:chExt cx="2071080" cy="5413680"/>
+          </a:xfrm>
+        </p:grpSpPr>
+        <mc:AlternateContent xmlns:mc="http://schemas.openxmlformats.org/markup-compatibility/2006">
+          <mc:Choice xmlns:p14="http://schemas.microsoft.com/office/powerpoint/2010/main" Requires="p14">
+            <p:contentPart p14:bwMode="auto" r:id="rId101">
+              <p14:nvContentPartPr>
+                <p14:cNvPr id="65" name="Ink 64">
+                  <a:extLst>
+                    <a:ext uri="{FF2B5EF4-FFF2-40B4-BE49-F238E27FC236}">
+                      <a16:creationId xmlns:a16="http://schemas.microsoft.com/office/drawing/2014/main" id="{6E9343BA-22C0-4576-84F2-70F25F98E5E4}"/>
+                    </a:ext>
+                  </a:extLst>
+                </p14:cNvPr>
+                <p14:cNvContentPartPr/>
+                <p14:nvPr/>
+              </p14:nvContentPartPr>
+              <p14:xfrm>
+                <a:off x="9501116" y="5191527"/>
+                <a:ext cx="228240" cy="64080"/>
+              </p14:xfrm>
+            </p:contentPart>
+          </mc:Choice>
+          <mc:Fallback>
+            <p:pic>
+              <p:nvPicPr>
+                <p:cNvPr id="65" name="Ink 64">
+                  <a:extLst>
+                    <a:ext uri="{FF2B5EF4-FFF2-40B4-BE49-F238E27FC236}">
+                      <a16:creationId xmlns:a16="http://schemas.microsoft.com/office/drawing/2014/main" id="{6E9343BA-22C0-4576-84F2-70F25F98E5E4}"/>
+                    </a:ext>
+                  </a:extLst>
+                </p:cNvPr>
+                <p:cNvPicPr/>
+                <p:nvPr/>
+              </p:nvPicPr>
+              <p:blipFill>
+                <a:blip r:embed="rId102"/>
+                <a:stretch>
+                  <a:fillRect/>
+                </a:stretch>
+              </p:blipFill>
+              <p:spPr>
+                <a:xfrm>
+                  <a:off x="9496796" y="5187207"/>
+                  <a:ext cx="236880" cy="72720"/>
+                </a:xfrm>
+                <a:prstGeom prst="rect">
+                  <a:avLst/>
+                </a:prstGeom>
+              </p:spPr>
+            </p:pic>
+          </mc:Fallback>
+        </mc:AlternateContent>
+        <mc:AlternateContent xmlns:mc="http://schemas.openxmlformats.org/markup-compatibility/2006">
+          <mc:Choice xmlns:p14="http://schemas.microsoft.com/office/powerpoint/2010/main" Requires="p14">
+            <p:contentPart p14:bwMode="auto" r:id="rId103">
+              <p14:nvContentPartPr>
+                <p14:cNvPr id="66" name="Ink 65">
+                  <a:extLst>
+                    <a:ext uri="{FF2B5EF4-FFF2-40B4-BE49-F238E27FC236}">
+                      <a16:creationId xmlns:a16="http://schemas.microsoft.com/office/drawing/2014/main" id="{72F9ED2D-E173-FE79-0354-40F8F0E421F1}"/>
+                    </a:ext>
+                  </a:extLst>
+                </p14:cNvPr>
+                <p14:cNvContentPartPr/>
+                <p14:nvPr/>
+              </p14:nvContentPartPr>
+              <p14:xfrm>
+                <a:off x="10088636" y="4687167"/>
+                <a:ext cx="243720" cy="635400"/>
+              </p14:xfrm>
+            </p:contentPart>
+          </mc:Choice>
+          <mc:Fallback>
+            <p:pic>
+              <p:nvPicPr>
+                <p:cNvPr id="66" name="Ink 65">
+                  <a:extLst>
+                    <a:ext uri="{FF2B5EF4-FFF2-40B4-BE49-F238E27FC236}">
+                      <a16:creationId xmlns:a16="http://schemas.microsoft.com/office/drawing/2014/main" id="{72F9ED2D-E173-FE79-0354-40F8F0E421F1}"/>
+                    </a:ext>
+                  </a:extLst>
+                </p:cNvPr>
+                <p:cNvPicPr/>
+                <p:nvPr/>
+              </p:nvPicPr>
+              <p:blipFill>
+                <a:blip r:embed="rId104"/>
+                <a:stretch>
+                  <a:fillRect/>
+                </a:stretch>
+              </p:blipFill>
+              <p:spPr>
+                <a:xfrm>
+                  <a:off x="10084316" y="4682847"/>
+                  <a:ext cx="252360" cy="644040"/>
+                </a:xfrm>
+                <a:prstGeom prst="rect">
+                  <a:avLst/>
+                </a:prstGeom>
+              </p:spPr>
+            </p:pic>
+          </mc:Fallback>
+        </mc:AlternateContent>
+        <mc:AlternateContent xmlns:mc="http://schemas.openxmlformats.org/markup-compatibility/2006">
+          <mc:Choice xmlns:p14="http://schemas.microsoft.com/office/powerpoint/2010/main" Requires="p14">
+            <p:contentPart p14:bwMode="auto" r:id="rId105">
+              <p14:nvContentPartPr>
+                <p14:cNvPr id="67" name="Ink 66">
+                  <a:extLst>
+                    <a:ext uri="{FF2B5EF4-FFF2-40B4-BE49-F238E27FC236}">
+                      <a16:creationId xmlns:a16="http://schemas.microsoft.com/office/drawing/2014/main" id="{7E6B2CFA-8914-325F-E507-99C26C137437}"/>
+                    </a:ext>
+                  </a:extLst>
+                </p14:cNvPr>
+                <p14:cNvContentPartPr/>
+                <p14:nvPr/>
+              </p14:nvContentPartPr>
+              <p14:xfrm>
+                <a:off x="10468076" y="5171007"/>
+                <a:ext cx="360" cy="360"/>
+              </p14:xfrm>
+            </p:contentPart>
+          </mc:Choice>
+          <mc:Fallback>
+            <p:pic>
+              <p:nvPicPr>
+                <p:cNvPr id="67" name="Ink 66">
+                  <a:extLst>
+                    <a:ext uri="{FF2B5EF4-FFF2-40B4-BE49-F238E27FC236}">
+                      <a16:creationId xmlns:a16="http://schemas.microsoft.com/office/drawing/2014/main" id="{7E6B2CFA-8914-325F-E507-99C26C137437}"/>
+                    </a:ext>
+                  </a:extLst>
+                </p:cNvPr>
+                <p:cNvPicPr/>
+                <p:nvPr/>
+              </p:nvPicPr>
+              <p:blipFill>
+                <a:blip r:embed="rId29"/>
+                <a:stretch>
+                  <a:fillRect/>
+                </a:stretch>
+              </p:blipFill>
+              <p:spPr>
+                <a:xfrm>
+                  <a:off x="10463756" y="5166687"/>
+                  <a:ext cx="9000" cy="9000"/>
+                </a:xfrm>
+                <a:prstGeom prst="rect">
+                  <a:avLst/>
+                </a:prstGeom>
+              </p:spPr>
+            </p:pic>
+          </mc:Fallback>
+        </mc:AlternateContent>
+        <mc:AlternateContent xmlns:mc="http://schemas.openxmlformats.org/markup-compatibility/2006">
+          <mc:Choice xmlns:p14="http://schemas.microsoft.com/office/powerpoint/2010/main" Requires="p14">
+            <p:contentPart p14:bwMode="auto" r:id="rId106">
+              <p14:nvContentPartPr>
+                <p14:cNvPr id="68" name="Ink 67">
+                  <a:extLst>
+                    <a:ext uri="{FF2B5EF4-FFF2-40B4-BE49-F238E27FC236}">
+                      <a16:creationId xmlns:a16="http://schemas.microsoft.com/office/drawing/2014/main" id="{5EADE8BB-34C0-6B80-E3B2-1E0569974DD0}"/>
+                    </a:ext>
+                  </a:extLst>
+                </p14:cNvPr>
+                <p14:cNvContentPartPr/>
+                <p14:nvPr/>
+              </p14:nvContentPartPr>
+              <p14:xfrm>
+                <a:off x="10825916" y="4773207"/>
+                <a:ext cx="346680" cy="534600"/>
+              </p14:xfrm>
+            </p:contentPart>
+          </mc:Choice>
+          <mc:Fallback>
+            <p:pic>
+              <p:nvPicPr>
+                <p:cNvPr id="68" name="Ink 67">
+                  <a:extLst>
+                    <a:ext uri="{FF2B5EF4-FFF2-40B4-BE49-F238E27FC236}">
+                      <a16:creationId xmlns:a16="http://schemas.microsoft.com/office/drawing/2014/main" id="{5EADE8BB-34C0-6B80-E3B2-1E0569974DD0}"/>
+                    </a:ext>
+                  </a:extLst>
+                </p:cNvPr>
+                <p:cNvPicPr/>
+                <p:nvPr/>
+              </p:nvPicPr>
+              <p:blipFill>
+                <a:blip r:embed="rId107"/>
+                <a:stretch>
+                  <a:fillRect/>
+                </a:stretch>
+              </p:blipFill>
+              <p:spPr>
+                <a:xfrm>
+                  <a:off x="10821596" y="4768887"/>
+                  <a:ext cx="355320" cy="543240"/>
+                </a:xfrm>
+                <a:prstGeom prst="rect">
+                  <a:avLst/>
+                </a:prstGeom>
+              </p:spPr>
+            </p:pic>
+          </mc:Fallback>
+        </mc:AlternateContent>
+        <mc:AlternateContent xmlns:mc="http://schemas.openxmlformats.org/markup-compatibility/2006">
+          <mc:Choice xmlns:p14="http://schemas.microsoft.com/office/powerpoint/2010/main" Requires="p14">
+            <p:contentPart p14:bwMode="auto" r:id="rId108">
+              <p14:nvContentPartPr>
+                <p14:cNvPr id="69" name="Ink 68">
+                  <a:extLst>
+                    <a:ext uri="{FF2B5EF4-FFF2-40B4-BE49-F238E27FC236}">
+                      <a16:creationId xmlns:a16="http://schemas.microsoft.com/office/drawing/2014/main" id="{C1283733-DAC6-9515-5DFE-4935B1BED2D3}"/>
+                    </a:ext>
+                  </a:extLst>
+                </p14:cNvPr>
+                <p14:cNvContentPartPr/>
+                <p14:nvPr/>
+              </p14:nvContentPartPr>
+              <p14:xfrm>
+                <a:off x="9700556" y="5538207"/>
+                <a:ext cx="1576080" cy="147960"/>
+              </p14:xfrm>
+            </p:contentPart>
+          </mc:Choice>
+          <mc:Fallback>
+            <p:pic>
+              <p:nvPicPr>
+                <p:cNvPr id="69" name="Ink 68">
+                  <a:extLst>
+                    <a:ext uri="{FF2B5EF4-FFF2-40B4-BE49-F238E27FC236}">
+                      <a16:creationId xmlns:a16="http://schemas.microsoft.com/office/drawing/2014/main" id="{C1283733-DAC6-9515-5DFE-4935B1BED2D3}"/>
+                    </a:ext>
+                  </a:extLst>
+                </p:cNvPr>
+                <p:cNvPicPr/>
+                <p:nvPr/>
+              </p:nvPicPr>
+              <p:blipFill>
+                <a:blip r:embed="rId109"/>
+                <a:stretch>
+                  <a:fillRect/>
+                </a:stretch>
+              </p:blipFill>
+              <p:spPr>
+                <a:xfrm>
+                  <a:off x="9696236" y="5533887"/>
+                  <a:ext cx="1584720" cy="156600"/>
+                </a:xfrm>
+                <a:prstGeom prst="rect">
+                  <a:avLst/>
+                </a:prstGeom>
+              </p:spPr>
+            </p:pic>
+          </mc:Fallback>
+        </mc:AlternateContent>
+        <mc:AlternateContent xmlns:mc="http://schemas.openxmlformats.org/markup-compatibility/2006">
+          <mc:Choice xmlns:p14="http://schemas.microsoft.com/office/powerpoint/2010/main" Requires="p14">
+            <p:contentPart p14:bwMode="auto" r:id="rId110">
+              <p14:nvContentPartPr>
+                <p14:cNvPr id="70" name="Ink 69">
+                  <a:extLst>
+                    <a:ext uri="{FF2B5EF4-FFF2-40B4-BE49-F238E27FC236}">
+                      <a16:creationId xmlns:a16="http://schemas.microsoft.com/office/drawing/2014/main" id="{68EA224E-C37D-277C-A601-E806D37F75C4}"/>
+                    </a:ext>
+                  </a:extLst>
+                </p14:cNvPr>
+                <p14:cNvContentPartPr/>
+                <p14:nvPr/>
+              </p14:nvContentPartPr>
+              <p14:xfrm>
+                <a:off x="9501116" y="6431367"/>
+                <a:ext cx="249840" cy="64080"/>
+              </p14:xfrm>
+            </p:contentPart>
+          </mc:Choice>
+          <mc:Fallback>
+            <p:pic>
+              <p:nvPicPr>
+                <p:cNvPr id="70" name="Ink 69">
+                  <a:extLst>
+                    <a:ext uri="{FF2B5EF4-FFF2-40B4-BE49-F238E27FC236}">
+                      <a16:creationId xmlns:a16="http://schemas.microsoft.com/office/drawing/2014/main" id="{68EA224E-C37D-277C-A601-E806D37F75C4}"/>
+                    </a:ext>
+                  </a:extLst>
+                </p:cNvPr>
+                <p:cNvPicPr/>
+                <p:nvPr/>
+              </p:nvPicPr>
+              <p:blipFill>
+                <a:blip r:embed="rId111"/>
+                <a:stretch>
+                  <a:fillRect/>
+                </a:stretch>
+              </p:blipFill>
+              <p:spPr>
+                <a:xfrm>
+                  <a:off x="9496796" y="6427047"/>
+                  <a:ext cx="258480" cy="72720"/>
+                </a:xfrm>
+                <a:prstGeom prst="rect">
+                  <a:avLst/>
+                </a:prstGeom>
+              </p:spPr>
+            </p:pic>
+          </mc:Fallback>
+        </mc:AlternateContent>
+        <mc:AlternateContent xmlns:mc="http://schemas.openxmlformats.org/markup-compatibility/2006">
+          <mc:Choice xmlns:p14="http://schemas.microsoft.com/office/powerpoint/2010/main" Requires="p14">
+            <p:contentPart p14:bwMode="auto" r:id="rId112">
+              <p14:nvContentPartPr>
+                <p14:cNvPr id="71" name="Ink 70">
+                  <a:extLst>
+                    <a:ext uri="{FF2B5EF4-FFF2-40B4-BE49-F238E27FC236}">
+                      <a16:creationId xmlns:a16="http://schemas.microsoft.com/office/drawing/2014/main" id="{679C9C97-E884-93D3-6297-208BE196C47E}"/>
+                    </a:ext>
+                  </a:extLst>
+                </p14:cNvPr>
+                <p14:cNvContentPartPr/>
+                <p14:nvPr/>
+              </p14:nvContentPartPr>
+              <p14:xfrm>
+                <a:off x="10079276" y="6192327"/>
+                <a:ext cx="231840" cy="378720"/>
+              </p14:xfrm>
+            </p:contentPart>
+          </mc:Choice>
+          <mc:Fallback>
+            <p:pic>
+              <p:nvPicPr>
+                <p:cNvPr id="71" name="Ink 70">
+                  <a:extLst>
+                    <a:ext uri="{FF2B5EF4-FFF2-40B4-BE49-F238E27FC236}">
+                      <a16:creationId xmlns:a16="http://schemas.microsoft.com/office/drawing/2014/main" id="{679C9C97-E884-93D3-6297-208BE196C47E}"/>
+                    </a:ext>
+                  </a:extLst>
+                </p:cNvPr>
+                <p:cNvPicPr/>
+                <p:nvPr/>
+              </p:nvPicPr>
+              <p:blipFill>
+                <a:blip r:embed="rId113"/>
+                <a:stretch>
+                  <a:fillRect/>
+                </a:stretch>
+              </p:blipFill>
+              <p:spPr>
+                <a:xfrm>
+                  <a:off x="10074956" y="6188007"/>
+                  <a:ext cx="240480" cy="387360"/>
+                </a:xfrm>
+                <a:prstGeom prst="rect">
+                  <a:avLst/>
+                </a:prstGeom>
+              </p:spPr>
+            </p:pic>
+          </mc:Fallback>
+        </mc:AlternateContent>
+        <mc:AlternateContent xmlns:mc="http://schemas.openxmlformats.org/markup-compatibility/2006">
+          <mc:Choice xmlns:p14="http://schemas.microsoft.com/office/powerpoint/2010/main" Requires="p14">
+            <p:contentPart p14:bwMode="auto" r:id="rId114">
+              <p14:nvContentPartPr>
+                <p14:cNvPr id="72" name="Ink 71">
+                  <a:extLst>
+                    <a:ext uri="{FF2B5EF4-FFF2-40B4-BE49-F238E27FC236}">
+                      <a16:creationId xmlns:a16="http://schemas.microsoft.com/office/drawing/2014/main" id="{C3842B8B-8284-00AD-BAD5-EF202C8D160B}"/>
+                    </a:ext>
+                  </a:extLst>
+                </p14:cNvPr>
+                <p14:cNvContentPartPr/>
+                <p14:nvPr/>
+              </p14:nvContentPartPr>
+              <p14:xfrm>
+                <a:off x="10642676" y="6211407"/>
+                <a:ext cx="4680" cy="360"/>
+              </p14:xfrm>
+            </p:contentPart>
+          </mc:Choice>
+          <mc:Fallback>
+            <p:pic>
+              <p:nvPicPr>
+                <p:cNvPr id="72" name="Ink 71">
+                  <a:extLst>
+                    <a:ext uri="{FF2B5EF4-FFF2-40B4-BE49-F238E27FC236}">
+                      <a16:creationId xmlns:a16="http://schemas.microsoft.com/office/drawing/2014/main" id="{C3842B8B-8284-00AD-BAD5-EF202C8D160B}"/>
+                    </a:ext>
+                  </a:extLst>
+                </p:cNvPr>
+                <p:cNvPicPr/>
+                <p:nvPr/>
+              </p:nvPicPr>
+              <p:blipFill>
+                <a:blip r:embed="rId115"/>
+                <a:stretch>
+                  <a:fillRect/>
+                </a:stretch>
+              </p:blipFill>
+              <p:spPr>
+                <a:xfrm>
+                  <a:off x="10638356" y="6207087"/>
+                  <a:ext cx="13320" cy="9000"/>
+                </a:xfrm>
+                <a:prstGeom prst="rect">
+                  <a:avLst/>
+                </a:prstGeom>
+              </p:spPr>
+            </p:pic>
+          </mc:Fallback>
+        </mc:AlternateContent>
+        <mc:AlternateContent xmlns:mc="http://schemas.openxmlformats.org/markup-compatibility/2006">
+          <mc:Choice xmlns:p14="http://schemas.microsoft.com/office/powerpoint/2010/main" Requires="p14">
+            <p:contentPart p14:bwMode="auto" r:id="rId116">
+              <p14:nvContentPartPr>
+                <p14:cNvPr id="73" name="Ink 72">
+                  <a:extLst>
+                    <a:ext uri="{FF2B5EF4-FFF2-40B4-BE49-F238E27FC236}">
+                      <a16:creationId xmlns:a16="http://schemas.microsoft.com/office/drawing/2014/main" id="{D26F542F-FC75-3882-93BA-F988B8A3D4A0}"/>
+                    </a:ext>
+                  </a:extLst>
+                </p14:cNvPr>
+                <p14:cNvContentPartPr/>
+                <p14:nvPr/>
+              </p14:nvContentPartPr>
+              <p14:xfrm>
+                <a:off x="10843916" y="5875527"/>
+                <a:ext cx="256680" cy="475200"/>
+              </p14:xfrm>
+            </p:contentPart>
+          </mc:Choice>
+          <mc:Fallback>
+            <p:pic>
+              <p:nvPicPr>
+                <p:cNvPr id="73" name="Ink 72">
+                  <a:extLst>
+                    <a:ext uri="{FF2B5EF4-FFF2-40B4-BE49-F238E27FC236}">
+                      <a16:creationId xmlns:a16="http://schemas.microsoft.com/office/drawing/2014/main" id="{D26F542F-FC75-3882-93BA-F988B8A3D4A0}"/>
+                    </a:ext>
+                  </a:extLst>
+                </p:cNvPr>
+                <p:cNvPicPr/>
+                <p:nvPr/>
+              </p:nvPicPr>
+              <p:blipFill>
+                <a:blip r:embed="rId117"/>
+                <a:stretch>
+                  <a:fillRect/>
+                </a:stretch>
+              </p:blipFill>
+              <p:spPr>
+                <a:xfrm>
+                  <a:off x="10839596" y="5871207"/>
+                  <a:ext cx="265320" cy="483840"/>
+                </a:xfrm>
+                <a:prstGeom prst="rect">
+                  <a:avLst/>
+                </a:prstGeom>
+              </p:spPr>
+            </p:pic>
+          </mc:Fallback>
+        </mc:AlternateContent>
+        <mc:AlternateContent xmlns:mc="http://schemas.openxmlformats.org/markup-compatibility/2006">
+          <mc:Choice xmlns:p14="http://schemas.microsoft.com/office/powerpoint/2010/main" Requires="p14">
+            <p:contentPart p14:bwMode="auto" r:id="rId118">
+              <p14:nvContentPartPr>
+                <p14:cNvPr id="74" name="Ink 73">
+                  <a:extLst>
+                    <a:ext uri="{FF2B5EF4-FFF2-40B4-BE49-F238E27FC236}">
+                      <a16:creationId xmlns:a16="http://schemas.microsoft.com/office/drawing/2014/main" id="{B58D5E6B-A771-BA18-58EB-EDA7B6A59390}"/>
+                    </a:ext>
+                  </a:extLst>
+                </p14:cNvPr>
+                <p14:cNvContentPartPr/>
+                <p14:nvPr/>
+              </p14:nvContentPartPr>
+              <p14:xfrm>
+                <a:off x="11301836" y="5601927"/>
+                <a:ext cx="270360" cy="591480"/>
+              </p14:xfrm>
+            </p:contentPart>
+          </mc:Choice>
+          <mc:Fallback>
+            <p:pic>
+              <p:nvPicPr>
+                <p:cNvPr id="74" name="Ink 73">
+                  <a:extLst>
+                    <a:ext uri="{FF2B5EF4-FFF2-40B4-BE49-F238E27FC236}">
+                      <a16:creationId xmlns:a16="http://schemas.microsoft.com/office/drawing/2014/main" id="{B58D5E6B-A771-BA18-58EB-EDA7B6A59390}"/>
+                    </a:ext>
+                  </a:extLst>
+                </p:cNvPr>
+                <p:cNvPicPr/>
+                <p:nvPr/>
+              </p:nvPicPr>
+              <p:blipFill>
+                <a:blip r:embed="rId119"/>
+                <a:stretch>
+                  <a:fillRect/>
+                </a:stretch>
+              </p:blipFill>
+              <p:spPr>
+                <a:xfrm>
+                  <a:off x="11297516" y="5597607"/>
+                  <a:ext cx="279000" cy="600120"/>
+                </a:xfrm>
+                <a:prstGeom prst="rect">
+                  <a:avLst/>
+                </a:prstGeom>
+              </p:spPr>
+            </p:pic>
+          </mc:Fallback>
+        </mc:AlternateContent>
+        <mc:AlternateContent xmlns:mc="http://schemas.openxmlformats.org/markup-compatibility/2006">
+          <mc:Choice xmlns:p14="http://schemas.microsoft.com/office/powerpoint/2010/main" Requires="p14">
+            <p:contentPart p14:bwMode="auto" r:id="rId120">
+              <p14:nvContentPartPr>
+                <p14:cNvPr id="77" name="Ink 76">
+                  <a:extLst>
+                    <a:ext uri="{FF2B5EF4-FFF2-40B4-BE49-F238E27FC236}">
+                      <a16:creationId xmlns:a16="http://schemas.microsoft.com/office/drawing/2014/main" id="{43D36C66-A304-7A88-0071-A33A17390AC1}"/>
+                    </a:ext>
+                  </a:extLst>
+                </p14:cNvPr>
+                <p14:cNvContentPartPr/>
+                <p14:nvPr/>
+              </p14:nvContentPartPr>
+              <p14:xfrm>
+                <a:off x="10386356" y="2615727"/>
+                <a:ext cx="540720" cy="2229480"/>
+              </p14:xfrm>
+            </p:contentPart>
+          </mc:Choice>
+          <mc:Fallback>
+            <p:pic>
+              <p:nvPicPr>
+                <p:cNvPr id="77" name="Ink 76">
+                  <a:extLst>
+                    <a:ext uri="{FF2B5EF4-FFF2-40B4-BE49-F238E27FC236}">
+                      <a16:creationId xmlns:a16="http://schemas.microsoft.com/office/drawing/2014/main" id="{43D36C66-A304-7A88-0071-A33A17390AC1}"/>
+                    </a:ext>
+                  </a:extLst>
+                </p:cNvPr>
+                <p:cNvPicPr/>
+                <p:nvPr/>
+              </p:nvPicPr>
+              <p:blipFill>
+                <a:blip r:embed="rId121"/>
+                <a:stretch>
+                  <a:fillRect/>
+                </a:stretch>
+              </p:blipFill>
+              <p:spPr>
+                <a:xfrm>
+                  <a:off x="10382036" y="2611407"/>
+                  <a:ext cx="549360" cy="2238120"/>
+                </a:xfrm>
+                <a:prstGeom prst="rect">
+                  <a:avLst/>
+                </a:prstGeom>
+              </p:spPr>
+            </p:pic>
+          </mc:Fallback>
+        </mc:AlternateContent>
+        <mc:AlternateContent xmlns:mc="http://schemas.openxmlformats.org/markup-compatibility/2006">
+          <mc:Choice xmlns:p14="http://schemas.microsoft.com/office/powerpoint/2010/main" Requires="p14">
+            <p:contentPart p14:bwMode="auto" r:id="rId122">
+              <p14:nvContentPartPr>
+                <p14:cNvPr id="78" name="Ink 77">
+                  <a:extLst>
+                    <a:ext uri="{FF2B5EF4-FFF2-40B4-BE49-F238E27FC236}">
+                      <a16:creationId xmlns:a16="http://schemas.microsoft.com/office/drawing/2014/main" id="{82177D5B-ED8A-D383-4B02-5867765349F2}"/>
+                    </a:ext>
+                  </a:extLst>
+                </p14:cNvPr>
+                <p14:cNvContentPartPr/>
+                <p14:nvPr/>
+              </p14:nvContentPartPr>
+              <p14:xfrm>
+                <a:off x="9806036" y="1637607"/>
+                <a:ext cx="493920" cy="660960"/>
+              </p14:xfrm>
+            </p:contentPart>
+          </mc:Choice>
+          <mc:Fallback>
+            <p:pic>
+              <p:nvPicPr>
+                <p:cNvPr id="78" name="Ink 77">
+                  <a:extLst>
+                    <a:ext uri="{FF2B5EF4-FFF2-40B4-BE49-F238E27FC236}">
+                      <a16:creationId xmlns:a16="http://schemas.microsoft.com/office/drawing/2014/main" id="{82177D5B-ED8A-D383-4B02-5867765349F2}"/>
+                    </a:ext>
+                  </a:extLst>
+                </p:cNvPr>
+                <p:cNvPicPr/>
+                <p:nvPr/>
+              </p:nvPicPr>
+              <p:blipFill>
+                <a:blip r:embed="rId123"/>
+                <a:stretch>
+                  <a:fillRect/>
+                </a:stretch>
+              </p:blipFill>
+              <p:spPr>
+                <a:xfrm>
+                  <a:off x="9801716" y="1633287"/>
+                  <a:ext cx="502560" cy="669600"/>
+                </a:xfrm>
+                <a:prstGeom prst="rect">
+                  <a:avLst/>
+                </a:prstGeom>
+              </p:spPr>
+            </p:pic>
+          </mc:Fallback>
+        </mc:AlternateContent>
+        <mc:AlternateContent xmlns:mc="http://schemas.openxmlformats.org/markup-compatibility/2006">
+          <mc:Choice xmlns:p14="http://schemas.microsoft.com/office/powerpoint/2010/main" Requires="p14">
+            <p:contentPart p14:bwMode="auto" r:id="rId124">
+              <p14:nvContentPartPr>
+                <p14:cNvPr id="79" name="Ink 78">
+                  <a:extLst>
+                    <a:ext uri="{FF2B5EF4-FFF2-40B4-BE49-F238E27FC236}">
+                      <a16:creationId xmlns:a16="http://schemas.microsoft.com/office/drawing/2014/main" id="{FCEBDB79-F73B-4E17-243C-89622CB63DF5}"/>
+                    </a:ext>
+                  </a:extLst>
+                </p14:cNvPr>
+                <p14:cNvContentPartPr/>
+                <p14:nvPr/>
+              </p14:nvContentPartPr>
+              <p14:xfrm>
+                <a:off x="10646996" y="1649847"/>
+                <a:ext cx="19080" cy="797760"/>
+              </p14:xfrm>
+            </p:contentPart>
+          </mc:Choice>
+          <mc:Fallback>
+            <p:pic>
+              <p:nvPicPr>
+                <p:cNvPr id="79" name="Ink 78">
+                  <a:extLst>
+                    <a:ext uri="{FF2B5EF4-FFF2-40B4-BE49-F238E27FC236}">
+                      <a16:creationId xmlns:a16="http://schemas.microsoft.com/office/drawing/2014/main" id="{FCEBDB79-F73B-4E17-243C-89622CB63DF5}"/>
+                    </a:ext>
+                  </a:extLst>
+                </p:cNvPr>
+                <p:cNvPicPr/>
+                <p:nvPr/>
+              </p:nvPicPr>
+              <p:blipFill>
+                <a:blip r:embed="rId125"/>
+                <a:stretch>
+                  <a:fillRect/>
+                </a:stretch>
+              </p:blipFill>
+              <p:spPr>
+                <a:xfrm>
+                  <a:off x="10642676" y="1645527"/>
+                  <a:ext cx="27720" cy="806400"/>
+                </a:xfrm>
+                <a:prstGeom prst="rect">
+                  <a:avLst/>
+                </a:prstGeom>
+              </p:spPr>
+            </p:pic>
+          </mc:Fallback>
+        </mc:AlternateContent>
+        <mc:AlternateContent xmlns:mc="http://schemas.openxmlformats.org/markup-compatibility/2006">
+          <mc:Choice xmlns:p14="http://schemas.microsoft.com/office/powerpoint/2010/main" Requires="p14">
+            <p:contentPart p14:bwMode="auto" r:id="rId126">
+              <p14:nvContentPartPr>
+                <p14:cNvPr id="80" name="Ink 79">
+                  <a:extLst>
+                    <a:ext uri="{FF2B5EF4-FFF2-40B4-BE49-F238E27FC236}">
+                      <a16:creationId xmlns:a16="http://schemas.microsoft.com/office/drawing/2014/main" id="{0DBB185A-5AF2-2EE5-5F7E-CA7C9990A965}"/>
+                    </a:ext>
+                  </a:extLst>
+                </p14:cNvPr>
+                <p14:cNvContentPartPr/>
+                <p14:nvPr/>
+              </p14:nvContentPartPr>
+              <p14:xfrm>
+                <a:off x="9589316" y="1157367"/>
+                <a:ext cx="1583280" cy="1471680"/>
+              </p14:xfrm>
+            </p:contentPart>
+          </mc:Choice>
+          <mc:Fallback>
+            <p:pic>
+              <p:nvPicPr>
+                <p:cNvPr id="80" name="Ink 79">
+                  <a:extLst>
+                    <a:ext uri="{FF2B5EF4-FFF2-40B4-BE49-F238E27FC236}">
+                      <a16:creationId xmlns:a16="http://schemas.microsoft.com/office/drawing/2014/main" id="{0DBB185A-5AF2-2EE5-5F7E-CA7C9990A965}"/>
+                    </a:ext>
+                  </a:extLst>
+                </p:cNvPr>
+                <p:cNvPicPr/>
+                <p:nvPr/>
+              </p:nvPicPr>
+              <p:blipFill>
+                <a:blip r:embed="rId127"/>
+                <a:stretch>
+                  <a:fillRect/>
+                </a:stretch>
+              </p:blipFill>
+              <p:spPr>
+                <a:xfrm>
+                  <a:off x="9584996" y="1153047"/>
+                  <a:ext cx="1591920" cy="1480320"/>
+                </a:xfrm>
+                <a:prstGeom prst="rect">
+                  <a:avLst/>
+                </a:prstGeom>
+              </p:spPr>
+            </p:pic>
+          </mc:Fallback>
+        </mc:AlternateContent>
+      </p:grpSp>
+      <mc:AlternateContent xmlns:mc="http://schemas.openxmlformats.org/markup-compatibility/2006">
+        <mc:Choice xmlns:p14="http://schemas.microsoft.com/office/powerpoint/2010/main" Requires="p14">
+          <p:contentPart p14:bwMode="auto" r:id="rId128">
+            <p14:nvContentPartPr>
+              <p14:cNvPr id="82" name="Ink 81">
+                <a:extLst>
+                  <a:ext uri="{FF2B5EF4-FFF2-40B4-BE49-F238E27FC236}">
+                    <a16:creationId xmlns:a16="http://schemas.microsoft.com/office/drawing/2014/main" id="{E3597AB9-1B27-AF59-EB7E-97F612E84216}"/>
+                  </a:ext>
+                </a:extLst>
+              </p14:cNvPr>
+              <p14:cNvContentPartPr/>
+              <p14:nvPr/>
+            </p14:nvContentPartPr>
+            <p14:xfrm>
+              <a:off x="2249276" y="1219287"/>
+              <a:ext cx="360" cy="360"/>
+            </p14:xfrm>
+          </p:contentPart>
+        </mc:Choice>
+        <mc:Fallback>
+          <p:pic>
+            <p:nvPicPr>
+              <p:cNvPr id="82" name="Ink 81">
+                <a:extLst>
+                  <a:ext uri="{FF2B5EF4-FFF2-40B4-BE49-F238E27FC236}">
+                    <a16:creationId xmlns:a16="http://schemas.microsoft.com/office/drawing/2014/main" id="{E3597AB9-1B27-AF59-EB7E-97F612E84216}"/>
+                  </a:ext>
+                </a:extLst>
+              </p:cNvPr>
+              <p:cNvPicPr/>
+              <p:nvPr/>
+            </p:nvPicPr>
+            <p:blipFill>
+              <a:blip r:embed="rId29"/>
+              <a:stretch>
+                <a:fillRect/>
+              </a:stretch>
+            </p:blipFill>
+            <p:spPr>
+              <a:xfrm>
+                <a:off x="2244956" y="1214967"/>
+                <a:ext cx="9000" cy="9000"/>
+              </a:xfrm>
+              <a:prstGeom prst="rect">
+                <a:avLst/>
+              </a:prstGeom>
+            </p:spPr>
+          </p:pic>
+        </mc:Fallback>
+      </mc:AlternateContent>
+    </p:spTree>
+    <p:extLst>
+      <p:ext uri="{BB962C8B-B14F-4D97-AF65-F5344CB8AC3E}">
+        <p14:creationId xmlns:p14="http://schemas.microsoft.com/office/powerpoint/2010/main" val="2427709985"/>
       </p:ext>
     </p:extLst>
   </p:cSld>
